--- a/pre/缓存.pptx
+++ b/pre/缓存.pptx
@@ -1561,7 +1561,7 @@
         <p:spPr bwMode="auto">
           <a:xfrm>
             <a:off x="8286750" y="6411205"/>
-            <a:ext cx="3832225" cy="369888"/>
+            <a:ext cx="3832225" cy="368300"/>
           </a:xfrm>
           <a:prstGeom prst="rect">
             <a:avLst/>
@@ -1717,9 +1717,9 @@
             </a:r>
             <a:r>
               <a:rPr lang="en-US" altLang="zh-CN" smtClean="0"/>
-              <a:t>684504192</a:t>
+              <a:t>921908169</a:t>
             </a:r>
-            <a:endParaRPr lang="zh-CN" altLang="en-US" smtClean="0"/>
+            <a:endParaRPr lang="en-US" altLang="zh-CN" smtClean="0"/>
           </a:p>
         </p:txBody>
       </p:sp>
@@ -4838,17 +4838,7 @@
                 <a:latin typeface="等线" panose="02010600030101010101" charset="-122"/>
                 <a:ea typeface="宋体" panose="02010600030101010101" pitchFamily="2" charset="-122"/>
               </a:rPr>
-              <a:t>手写</a:t>
-            </a:r>
-            <a:r>
-              <a:rPr lang="zh-CN" altLang="en-US" sz="3200" dirty="0" smtClean="0">
-                <a:solidFill>
-                  <a:srgbClr val="FF0000"/>
-                </a:solidFill>
-                <a:latin typeface="等线" panose="02010600030101010101" charset="-122"/>
-                <a:ea typeface="宋体" panose="02010600030101010101" pitchFamily="2" charset="-122"/>
-              </a:rPr>
-              <a:t>缓存框架</a:t>
+              <a:t>手写缓存框架</a:t>
             </a:r>
             <a:endParaRPr lang="zh-CN" altLang="en-US" sz="3200" dirty="0" smtClean="0">
               <a:solidFill>
@@ -26760,17 +26750,7 @@
                 <a:latin typeface="微软雅黑" panose="020B0503020204020204" pitchFamily="34" charset="-122"/>
                 <a:ea typeface="微软雅黑" panose="020B0503020204020204" pitchFamily="34" charset="-122"/>
               </a:rPr>
-              <a:t>什么是</a:t>
-            </a:r>
-            <a:r>
-              <a:rPr lang="zh-CN" altLang="en-US" sz="2665" dirty="0" smtClean="0">
-                <a:solidFill>
-                  <a:srgbClr val="1D69A3"/>
-                </a:solidFill>
-                <a:latin typeface="微软雅黑" panose="020B0503020204020204" pitchFamily="34" charset="-122"/>
-                <a:ea typeface="微软雅黑" panose="020B0503020204020204" pitchFamily="34" charset="-122"/>
-              </a:rPr>
-              <a:t>缓存？</a:t>
+              <a:t>什么是缓存？</a:t>
             </a:r>
             <a:endParaRPr lang="zh-CN" altLang="en-US" sz="2665" dirty="0" smtClean="0">
               <a:solidFill>

--- a/pre/缓存.pptx
+++ b/pre/缓存.pptx
@@ -29,13 +29,14 @@
     <p:sldId id="781" r:id="rId22"/>
     <p:sldId id="782" r:id="rId23"/>
     <p:sldId id="654" r:id="rId24"/>
-    <p:sldId id="783" r:id="rId25"/>
-    <p:sldId id="784" r:id="rId26"/>
-    <p:sldId id="785" r:id="rId27"/>
-    <p:sldId id="786" r:id="rId28"/>
-    <p:sldId id="787" r:id="rId29"/>
-    <p:sldId id="788" r:id="rId30"/>
-    <p:sldId id="350" r:id="rId31"/>
+    <p:sldId id="794" r:id="rId25"/>
+    <p:sldId id="783" r:id="rId26"/>
+    <p:sldId id="784" r:id="rId27"/>
+    <p:sldId id="785" r:id="rId28"/>
+    <p:sldId id="786" r:id="rId29"/>
+    <p:sldId id="787" r:id="rId30"/>
+    <p:sldId id="788" r:id="rId31"/>
+    <p:sldId id="350" r:id="rId32"/>
   </p:sldIdLst>
   <p:sldSz cx="12192000" cy="6858000"/>
   <p:notesSz cx="6858000" cy="9144000"/>
@@ -724,7 +725,47 @@
           <a:bodyPr/>
           <a:lstStyle/>
           <a:p>
-            <a:endParaRPr lang="zh-CN" altLang="en-US" dirty="0"/>
+            <a:pPr marL="0" marR="0" indent="0" algn="l" defTabSz="914400" rtl="0" eaLnBrk="1" fontAlgn="auto" latinLnBrk="0" hangingPunct="1">
+              <a:lnSpc>
+                <a:spcPct val="100000"/>
+              </a:lnSpc>
+              <a:spcBef>
+                <a:spcPts val="0"/>
+              </a:spcBef>
+              <a:spcAft>
+                <a:spcPts val="0"/>
+              </a:spcAft>
+              <a:buClrTx/>
+              <a:buSzTx/>
+              <a:buFontTx/>
+              <a:buNone/>
+              <a:defRPr/>
+            </a:pPr>
+            <a:r>
+              <a:rPr lang="zh-CN" altLang="en-US" sz="1200" b="1" i="0" u="none" strike="noStrike" kern="1200" smtClean="0">
+                <a:solidFill>
+                  <a:schemeClr val="tx1"/>
+                </a:solidFill>
+                <a:effectLst/>
+                <a:latin typeface="+mn-lt"/>
+                <a:ea typeface="+mn-ea"/>
+                <a:cs typeface="+mn-cs"/>
+                <a:hlinkClick r:id="rId3"/>
+              </a:rPr>
+              <a:t>猫大叫一声，所有的老鼠都开始逃跑，主人被惊醒。</a:t>
+            </a:r>
+            <a:endParaRPr lang="zh-CN" altLang="en-US" sz="1200" b="1" i="0" kern="1200" smtClean="0">
+              <a:solidFill>
+                <a:schemeClr val="tx1"/>
+              </a:solidFill>
+              <a:effectLst/>
+              <a:latin typeface="+mn-lt"/>
+              <a:ea typeface="+mn-ea"/>
+              <a:cs typeface="+mn-cs"/>
+            </a:endParaRPr>
+          </a:p>
+          <a:p>
+            <a:endParaRPr lang="zh-CN" altLang="en-US"/>
           </a:p>
         </p:txBody>
       </p:sp>
@@ -837,6 +878,84 @@
 </file>
 
 <file path=ppt/notesSlides/notesSlide5.xml><?xml version="1.0" encoding="utf-8"?>
+<p:notes xmlns:a="http://schemas.openxmlformats.org/drawingml/2006/main" xmlns:r="http://schemas.openxmlformats.org/officeDocument/2006/relationships" xmlns:p="http://schemas.openxmlformats.org/presentationml/2006/main">
+  <p:cSld>
+    <p:spTree>
+      <p:nvGrpSpPr>
+        <p:cNvPr id="1" name=""/>
+        <p:cNvGrpSpPr/>
+        <p:nvPr/>
+      </p:nvGrpSpPr>
+      <p:grpSpPr>
+        <a:xfrm>
+          <a:off x="0" y="0"/>
+          <a:ext cx="0" cy="0"/>
+          <a:chOff x="0" y="0"/>
+          <a:chExt cx="0" cy="0"/>
+        </a:xfrm>
+      </p:grpSpPr>
+      <p:sp>
+        <p:nvSpPr>
+          <p:cNvPr id="2" name="幻灯片图像占位符 1"/>
+          <p:cNvSpPr>
+            <a:spLocks noGrp="1" noRot="1" noChangeAspect="1"/>
+          </p:cNvSpPr>
+          <p:nvPr>
+            <p:ph type="sldImg"/>
+          </p:nvPr>
+        </p:nvSpPr>
+        <p:spPr/>
+      </p:sp>
+      <p:sp>
+        <p:nvSpPr>
+          <p:cNvPr id="3" name="备注占位符 2"/>
+          <p:cNvSpPr>
+            <a:spLocks noGrp="1"/>
+          </p:cNvSpPr>
+          <p:nvPr>
+            <p:ph type="body" idx="1"/>
+          </p:nvPr>
+        </p:nvSpPr>
+        <p:spPr/>
+        <p:txBody>
+          <a:bodyPr/>
+          <a:lstStyle/>
+          <a:p>
+            <a:endParaRPr lang="zh-CN" altLang="en-US" dirty="0"/>
+          </a:p>
+        </p:txBody>
+      </p:sp>
+      <p:sp>
+        <p:nvSpPr>
+          <p:cNvPr id="4" name="灯片编号占位符 3"/>
+          <p:cNvSpPr>
+            <a:spLocks noGrp="1"/>
+          </p:cNvSpPr>
+          <p:nvPr>
+            <p:ph type="sldNum" sz="quarter" idx="10"/>
+          </p:nvPr>
+        </p:nvSpPr>
+        <p:spPr/>
+        <p:txBody>
+          <a:bodyPr/>
+          <a:lstStyle/>
+          <a:p>
+            <a:fld id="{50286AFD-4707-4CD9-9835-ABA1131554EB}" type="slidenum">
+              <a:rPr lang="zh-CN" altLang="en-US" smtClean="0"/>
+            </a:fld>
+            <a:endParaRPr lang="zh-CN" altLang="en-US"/>
+          </a:p>
+        </p:txBody>
+      </p:sp>
+    </p:spTree>
+  </p:cSld>
+  <p:clrMapOvr>
+    <a:masterClrMapping/>
+  </p:clrMapOvr>
+</p:notes>
+</file>
+
+<file path=ppt/notesSlides/notesSlide6.xml><?xml version="1.0" encoding="utf-8"?>
 <p:notes xmlns:a="http://schemas.openxmlformats.org/drawingml/2006/main" xmlns:r="http://schemas.openxmlformats.org/officeDocument/2006/relationships" xmlns:p="http://schemas.openxmlformats.org/presentationml/2006/main">
   <p:cSld>
     <p:spTree>
@@ -6989,17 +7108,7 @@
                 <a:latin typeface="微软雅黑" panose="020B0503020204020204" pitchFamily="34" charset="-122"/>
                 <a:ea typeface="微软雅黑" panose="020B0503020204020204" pitchFamily="34" charset="-122"/>
               </a:rPr>
-              <a:t>常见的缓存算法</a:t>
-            </a:r>
-            <a:r>
-              <a:rPr lang="zh-CN" altLang="en-US" sz="2665" dirty="0" smtClean="0">
-                <a:solidFill>
-                  <a:srgbClr val="1D69A3"/>
-                </a:solidFill>
-                <a:latin typeface="微软雅黑" panose="020B0503020204020204" pitchFamily="34" charset="-122"/>
-                <a:ea typeface="微软雅黑" panose="020B0503020204020204" pitchFamily="34" charset="-122"/>
-              </a:rPr>
-              <a:t>？</a:t>
+              <a:t>常见的缓存算法？</a:t>
             </a:r>
             <a:endParaRPr lang="zh-CN" altLang="en-US" sz="2665" dirty="0" smtClean="0">
               <a:solidFill>
@@ -7063,11 +7172,7 @@
           <a:p>
             <a:r>
               <a:rPr lang="zh-CN" altLang="en-US"/>
-              <a:t>计算为每个缓存对象计算他们被使用的频率。然后</a:t>
-            </a:r>
-            <a:r>
-              <a:rPr lang="zh-CN" altLang="en-US"/>
-              <a:t>把最不常用的缓存对象踢走</a:t>
+              <a:t>计算为每个缓存对象计算他们被使用的频率。然后把最不常用的缓存对象踢走</a:t>
             </a:r>
             <a:endParaRPr lang="zh-CN" altLang="en-US"/>
           </a:p>
@@ -9743,6 +9848,16 @@
           </a:bodyPr>
           <a:p>
             <a:r>
+              <a:rPr lang="en-US" altLang="zh-CN" sz="2665" dirty="0" smtClean="0">
+                <a:solidFill>
+                  <a:srgbClr val="1D69A3"/>
+                </a:solidFill>
+                <a:latin typeface="微软雅黑" panose="020B0503020204020204" pitchFamily="34" charset="-122"/>
+                <a:ea typeface="微软雅黑" panose="020B0503020204020204" pitchFamily="34" charset="-122"/>
+              </a:rPr>
+              <a:t>LRU</a:t>
+            </a:r>
+            <a:r>
               <a:rPr lang="zh-CN" altLang="en-US" sz="2665" dirty="0" smtClean="0">
                 <a:solidFill>
                   <a:srgbClr val="1D69A3"/>
@@ -9750,7 +9865,7 @@
                 <a:latin typeface="微软雅黑" panose="020B0503020204020204" pitchFamily="34" charset="-122"/>
                 <a:ea typeface="微软雅黑" panose="020B0503020204020204" pitchFamily="34" charset="-122"/>
               </a:rPr>
-              <a:t>常见的缓存算法？</a:t>
+              <a:t>缓存算法？</a:t>
             </a:r>
             <a:endParaRPr lang="zh-CN" altLang="en-US" sz="2665" dirty="0" smtClean="0">
               <a:solidFill>
@@ -9759,64 +9874,6 @@
               <a:latin typeface="微软雅黑" panose="020B0503020204020204" pitchFamily="34" charset="-122"/>
               <a:ea typeface="微软雅黑" panose="020B0503020204020204" pitchFamily="34" charset="-122"/>
             </a:endParaRPr>
-          </a:p>
-        </p:txBody>
-      </p:sp>
-      <p:sp>
-        <p:nvSpPr>
-          <p:cNvPr id="6" name="文本框 5"/>
-          <p:cNvSpPr txBox="1"/>
-          <p:nvPr/>
-        </p:nvSpPr>
-        <p:spPr>
-          <a:xfrm>
-            <a:off x="592455" y="1369060"/>
-            <a:ext cx="3667760" cy="368300"/>
-          </a:xfrm>
-          <a:prstGeom prst="rect">
-            <a:avLst/>
-          </a:prstGeom>
-          <a:noFill/>
-        </p:spPr>
-        <p:txBody>
-          <a:bodyPr wrap="square" rtlCol="0" anchor="t">
-            <a:spAutoFit/>
-          </a:bodyPr>
-          <a:p>
-            <a:r>
-              <a:rPr lang="zh-CN" altLang="en-US"/>
-              <a:t>Least Frequently Used（LFU）</a:t>
-            </a:r>
-            <a:endParaRPr lang="zh-CN" altLang="en-US"/>
-          </a:p>
-        </p:txBody>
-      </p:sp>
-      <p:sp>
-        <p:nvSpPr>
-          <p:cNvPr id="7" name="文本框 6"/>
-          <p:cNvSpPr txBox="1"/>
-          <p:nvPr/>
-        </p:nvSpPr>
-        <p:spPr>
-          <a:xfrm>
-            <a:off x="629920" y="2034540"/>
-            <a:ext cx="6245860" cy="645160"/>
-          </a:xfrm>
-          <a:prstGeom prst="rect">
-            <a:avLst/>
-          </a:prstGeom>
-          <a:noFill/>
-        </p:spPr>
-        <p:txBody>
-          <a:bodyPr wrap="square" rtlCol="0" anchor="t">
-            <a:spAutoFit/>
-          </a:bodyPr>
-          <a:p>
-            <a:r>
-              <a:rPr lang="zh-CN" altLang="en-US"/>
-              <a:t>计算为每个缓存对象计算他们被使用的频率。然后把最不常用的缓存对象踢走</a:t>
-            </a:r>
-            <a:endParaRPr lang="zh-CN" altLang="en-US"/>
           </a:p>
         </p:txBody>
       </p:sp>
@@ -10323,6 +10380,28 @@
           </a:bodyPr>
           <a:p>
             <a:r>
+              <a:rPr lang="en-US" altLang="zh-CN" sz="2660" dirty="0" smtClean="0">
+                <a:solidFill>
+                  <a:srgbClr val="1D69A3"/>
+                </a:solidFill>
+                <a:latin typeface="微软雅黑" panose="020B0503020204020204" pitchFamily="34" charset="-122"/>
+                <a:ea typeface="微软雅黑" panose="020B0503020204020204" pitchFamily="34" charset="-122"/>
+                <a:sym typeface="+mn-ea"/>
+              </a:rPr>
+              <a:t>LRU</a:t>
+            </a:r>
+            <a:r>
+              <a:rPr lang="zh-CN" altLang="en-US" sz="2660" dirty="0" smtClean="0">
+                <a:solidFill>
+                  <a:srgbClr val="1D69A3"/>
+                </a:solidFill>
+                <a:latin typeface="微软雅黑" panose="020B0503020204020204" pitchFamily="34" charset="-122"/>
+                <a:ea typeface="微软雅黑" panose="020B0503020204020204" pitchFamily="34" charset="-122"/>
+                <a:sym typeface="+mn-ea"/>
+              </a:rPr>
+              <a:t>缓存算法</a:t>
+            </a:r>
+            <a:r>
               <a:rPr lang="zh-CN" altLang="en-US" sz="2665" dirty="0" smtClean="0">
                 <a:solidFill>
                   <a:srgbClr val="1D69A3"/>
@@ -10330,7 +10409,7 @@
                 <a:latin typeface="微软雅黑" panose="020B0503020204020204" pitchFamily="34" charset="-122"/>
                 <a:ea typeface="微软雅黑" panose="020B0503020204020204" pitchFamily="34" charset="-122"/>
               </a:rPr>
-              <a:t>常见的缓存算法？</a:t>
+              <a:t>？</a:t>
             </a:r>
             <a:endParaRPr lang="zh-CN" altLang="en-US" sz="2665" dirty="0" smtClean="0">
               <a:solidFill>
@@ -10339,64 +10418,6 @@
               <a:latin typeface="微软雅黑" panose="020B0503020204020204" pitchFamily="34" charset="-122"/>
               <a:ea typeface="微软雅黑" panose="020B0503020204020204" pitchFamily="34" charset="-122"/>
             </a:endParaRPr>
-          </a:p>
-        </p:txBody>
-      </p:sp>
-      <p:sp>
-        <p:nvSpPr>
-          <p:cNvPr id="6" name="文本框 5"/>
-          <p:cNvSpPr txBox="1"/>
-          <p:nvPr/>
-        </p:nvSpPr>
-        <p:spPr>
-          <a:xfrm>
-            <a:off x="592455" y="1369060"/>
-            <a:ext cx="3667760" cy="368300"/>
-          </a:xfrm>
-          <a:prstGeom prst="rect">
-            <a:avLst/>
-          </a:prstGeom>
-          <a:noFill/>
-        </p:spPr>
-        <p:txBody>
-          <a:bodyPr wrap="square" rtlCol="0" anchor="t">
-            <a:spAutoFit/>
-          </a:bodyPr>
-          <a:p>
-            <a:r>
-              <a:rPr lang="zh-CN" altLang="en-US"/>
-              <a:t>Least Frequently Used（LFU）</a:t>
-            </a:r>
-            <a:endParaRPr lang="zh-CN" altLang="en-US"/>
-          </a:p>
-        </p:txBody>
-      </p:sp>
-      <p:sp>
-        <p:nvSpPr>
-          <p:cNvPr id="7" name="文本框 6"/>
-          <p:cNvSpPr txBox="1"/>
-          <p:nvPr/>
-        </p:nvSpPr>
-        <p:spPr>
-          <a:xfrm>
-            <a:off x="629920" y="2034540"/>
-            <a:ext cx="6245860" cy="645160"/>
-          </a:xfrm>
-          <a:prstGeom prst="rect">
-            <a:avLst/>
-          </a:prstGeom>
-          <a:noFill/>
-        </p:spPr>
-        <p:txBody>
-          <a:bodyPr wrap="square" rtlCol="0" anchor="t">
-            <a:spAutoFit/>
-          </a:bodyPr>
-          <a:p>
-            <a:r>
-              <a:rPr lang="zh-CN" altLang="en-US"/>
-              <a:t>计算为每个缓存对象计算他们被使用的频率。然后把最不常用的缓存对象踢走</a:t>
-            </a:r>
-            <a:endParaRPr lang="zh-CN" altLang="en-US"/>
           </a:p>
         </p:txBody>
       </p:sp>
@@ -10910,7 +10931,7 @@
                 <a:latin typeface="微软雅黑" panose="020B0503020204020204" pitchFamily="34" charset="-122"/>
                 <a:ea typeface="微软雅黑" panose="020B0503020204020204" pitchFamily="34" charset="-122"/>
               </a:rPr>
-              <a:t>什么是缓存？</a:t>
+              <a:t>单链表？</a:t>
             </a:r>
             <a:endParaRPr lang="zh-CN" altLang="en-US" sz="2665" dirty="0" smtClean="0">
               <a:solidFill>
@@ -10924,14 +10945,14 @@
       </p:sp>
       <p:sp>
         <p:nvSpPr>
-          <p:cNvPr id="3" name="文本框 2"/>
+          <p:cNvPr id="6" name="文本框 5"/>
           <p:cNvSpPr txBox="1"/>
           <p:nvPr/>
         </p:nvSpPr>
         <p:spPr>
           <a:xfrm>
-            <a:off x="777240" y="1479550"/>
-            <a:ext cx="4619625" cy="368300"/>
+            <a:off x="565150" y="1396365"/>
+            <a:ext cx="6486525" cy="922020"/>
           </a:xfrm>
           <a:prstGeom prst="rect">
             <a:avLst/>
@@ -10944,23 +10965,68 @@
           </a:bodyPr>
           <a:p>
             <a:r>
+              <a:rPr lang="zh-CN" altLang="en-US">
+                <a:ln w="22225">
+                  <a:solidFill>
+                    <a:schemeClr val="accent2"/>
+                  </a:solidFill>
+                  <a:prstDash val="solid"/>
+                </a:ln>
+                <a:solidFill>
+                  <a:schemeClr val="accent2">
+                    <a:lumMod val="40000"/>
+                    <a:lumOff val="60000"/>
+                  </a:schemeClr>
+                </a:solidFill>
+                <a:effectLst/>
+              </a:rPr>
+              <a:t>单向链表</a:t>
+            </a:r>
+            <a:endParaRPr lang="zh-CN" altLang="en-US"/>
+          </a:p>
+          <a:p>
+            <a:r>
               <a:rPr lang="zh-CN" altLang="en-US"/>
-              <a:t>所有保存“中间的，额外的”数据的机制</a:t>
+              <a:t>单向链表(单链表)是链表的一种，它由节点组成，每个节点都包含下一个节点的指针</a:t>
             </a:r>
             <a:endParaRPr lang="zh-CN" altLang="en-US"/>
           </a:p>
         </p:txBody>
       </p:sp>
+      <p:pic>
+        <p:nvPicPr>
+          <p:cNvPr id="7" name="图片 6" descr="[AOFYGQD5YS$FNS2{HQ@G6Q"/>
+          <p:cNvPicPr>
+            <a:picLocks noChangeAspect="1"/>
+          </p:cNvPicPr>
+          <p:nvPr/>
+        </p:nvPicPr>
+        <p:blipFill>
+          <a:blip r:embed="rId2"/>
+          <a:stretch>
+            <a:fillRect/>
+          </a:stretch>
+        </p:blipFill>
+        <p:spPr>
+          <a:xfrm>
+            <a:off x="697230" y="2531110"/>
+            <a:ext cx="6266815" cy="1371600"/>
+          </a:xfrm>
+          <a:prstGeom prst="rect">
+            <a:avLst/>
+          </a:prstGeom>
+        </p:spPr>
+      </p:pic>
       <p:sp>
         <p:nvSpPr>
-          <p:cNvPr id="5" name="文本框 4"/>
+          <p:cNvPr id="8" name="文本框 7"/>
           <p:cNvSpPr txBox="1"/>
           <p:nvPr/>
         </p:nvSpPr>
         <p:spPr>
           <a:xfrm>
-            <a:off x="833755" y="2257425"/>
-            <a:ext cx="5802630" cy="1476375"/>
+            <a:off x="685165" y="4271010"/>
+            <a:ext cx="8354060" cy="645160"/>
           </a:xfrm>
           <a:prstGeom prst="rect">
             <a:avLst/>
@@ -10973,17 +11039,123 @@
           </a:bodyPr>
           <a:p>
             <a:r>
-              <a:rPr lang="zh-CN" altLang="en-US"/>
-              <a:t>1. 浏览器缓存</a:t>
+              <a:rPr lang="zh-CN" altLang="en-US">
+                <a:ln w="12700">
+                  <a:solidFill>
+                    <a:schemeClr val="accent3">
+                      <a:lumMod val="50000"/>
+                    </a:schemeClr>
+                  </a:solidFill>
+                  <a:prstDash val="solid"/>
+                </a:ln>
+                <a:pattFill prst="narHorz">
+                  <a:fgClr>
+                    <a:schemeClr val="accent3"/>
+                  </a:fgClr>
+                  <a:bgClr>
+                    <a:schemeClr val="accent3">
+                      <a:lumMod val="40000"/>
+                      <a:lumOff val="60000"/>
+                    </a:schemeClr>
+                  </a:bgClr>
+                </a:pattFill>
+                <a:effectLst>
+                  <a:innerShdw blurRad="177800">
+                    <a:schemeClr val="accent3">
+                      <a:lumMod val="50000"/>
+                    </a:schemeClr>
+                  </a:innerShdw>
+                </a:effectLst>
+              </a:rPr>
+              <a:t>表头为空，表头的后继节点是"节点10"(数据为10的节点)，"节点10"的后继节点是"节点20"(数据为10的节点)，...</a:t>
             </a:r>
-            <a:endParaRPr lang="zh-CN" altLang="en-US"/>
+            <a:endParaRPr lang="zh-CN" altLang="en-US">
+              <a:ln w="12700">
+                <a:solidFill>
+                  <a:schemeClr val="accent3">
+                    <a:lumMod val="50000"/>
+                  </a:schemeClr>
+                </a:solidFill>
+                <a:prstDash val="solid"/>
+              </a:ln>
+              <a:pattFill prst="narHorz">
+                <a:fgClr>
+                  <a:schemeClr val="accent3"/>
+                </a:fgClr>
+                <a:bgClr>
+                  <a:schemeClr val="accent3">
+                    <a:lumMod val="40000"/>
+                    <a:lumOff val="60000"/>
+                  </a:schemeClr>
+                </a:bgClr>
+              </a:pattFill>
+              <a:effectLst>
+                <a:innerShdw blurRad="177800">
+                  <a:schemeClr val="accent3">
+                    <a:lumMod val="50000"/>
+                  </a:schemeClr>
+                </a:innerShdw>
+              </a:effectLst>
+            </a:endParaRPr>
           </a:p>
+        </p:txBody>
+      </p:sp>
+      <p:sp>
+        <p:nvSpPr>
+          <p:cNvPr id="9" name="文本框 8"/>
+          <p:cNvSpPr txBox="1"/>
+          <p:nvPr/>
+        </p:nvSpPr>
+        <p:spPr>
+          <a:xfrm>
+            <a:off x="715010" y="5232400"/>
+            <a:ext cx="9213850" cy="645160"/>
+          </a:xfrm>
+          <a:prstGeom prst="rect">
+            <a:avLst/>
+          </a:prstGeom>
+          <a:noFill/>
+        </p:spPr>
+        <p:txBody>
+          <a:bodyPr wrap="square" rtlCol="0" anchor="t">
+            <a:spAutoFit/>
+          </a:bodyPr>
           <a:p>
             <a:r>
-              <a:rPr lang="zh-CN" altLang="en-US"/>
-              <a:t>我相信只要你经常使用某个浏览器🌎(Chrome,Firefox,IE等)，肯定知道这些浏览器在设置里面都是有个清除缓存功能，这个功能存在的作用就是删除存储在你本地磁盘上资源副本，也就是清除缓存。</a:t>
+              <a:rPr lang="zh-CN" altLang="en-US">
+                <a:ln w="6600">
+                  <a:solidFill>
+                    <a:schemeClr val="accent2"/>
+                  </a:solidFill>
+                  <a:prstDash val="solid"/>
+                </a:ln>
+                <a:solidFill>
+                  <a:srgbClr val="FFFFFF"/>
+                </a:solidFill>
+                <a:effectLst>
+                  <a:outerShdw dist="38100" dir="2700000" algn="tl" rotWithShape="0">
+                    <a:schemeClr val="accent2"/>
+                  </a:outerShdw>
+                </a:effectLst>
+              </a:rPr>
+              <a:t>单链表的特点是：节点的链接方向是单向的；相对于数组来说，单链表的的随机访问速度较慢，但是单链表删除/添加数据的效率很高</a:t>
             </a:r>
-            <a:endParaRPr lang="zh-CN" altLang="en-US"/>
+            <a:endParaRPr lang="zh-CN" altLang="en-US">
+              <a:ln w="6600">
+                <a:solidFill>
+                  <a:schemeClr val="accent2"/>
+                </a:solidFill>
+                <a:prstDash val="solid"/>
+              </a:ln>
+              <a:solidFill>
+                <a:srgbClr val="FFFFFF"/>
+              </a:solidFill>
+              <a:effectLst>
+                <a:outerShdw dist="38100" dir="2700000" algn="tl" rotWithShape="0">
+                  <a:schemeClr val="accent2"/>
+                </a:outerShdw>
+              </a:effectLst>
+            </a:endParaRPr>
           </a:p>
         </p:txBody>
       </p:sp>
@@ -11497,7 +11669,7 @@
                 <a:latin typeface="微软雅黑" panose="020B0503020204020204" pitchFamily="34" charset="-122"/>
                 <a:ea typeface="微软雅黑" panose="020B0503020204020204" pitchFamily="34" charset="-122"/>
               </a:rPr>
-              <a:t>什么是缓存？</a:t>
+              <a:t>单链表删除？</a:t>
             </a:r>
             <a:endParaRPr lang="zh-CN" altLang="en-US" sz="2665" dirty="0" smtClean="0">
               <a:solidFill>
@@ -11509,16 +11681,40 @@
           </a:p>
         </p:txBody>
       </p:sp>
+      <p:pic>
+        <p:nvPicPr>
+          <p:cNvPr id="6" name="图片 5" descr="SPXVKDDS(AS{{4WU{)UK5B8"/>
+          <p:cNvPicPr>
+            <a:picLocks noChangeAspect="1"/>
+          </p:cNvPicPr>
+          <p:nvPr/>
+        </p:nvPicPr>
+        <p:blipFill>
+          <a:blip r:embed="rId2"/>
+          <a:stretch>
+            <a:fillRect/>
+          </a:stretch>
+        </p:blipFill>
+        <p:spPr>
+          <a:xfrm>
+            <a:off x="765810" y="1264920"/>
+            <a:ext cx="7961630" cy="3180715"/>
+          </a:xfrm>
+          <a:prstGeom prst="rect">
+            <a:avLst/>
+          </a:prstGeom>
+        </p:spPr>
+      </p:pic>
       <p:sp>
         <p:nvSpPr>
-          <p:cNvPr id="3" name="文本框 2"/>
+          <p:cNvPr id="7" name="文本框 6"/>
           <p:cNvSpPr txBox="1"/>
           <p:nvPr/>
         </p:nvSpPr>
         <p:spPr>
           <a:xfrm>
-            <a:off x="777240" y="1479550"/>
-            <a:ext cx="4619625" cy="368300"/>
+            <a:off x="758825" y="4613275"/>
+            <a:ext cx="9971405" cy="922020"/>
           </a:xfrm>
           <a:prstGeom prst="rect">
             <a:avLst/>
@@ -11532,43 +11728,217 @@
           <a:p>
             <a:r>
               <a:rPr lang="zh-CN" altLang="en-US"/>
-              <a:t>所有保存“中间的，额外的”数据的机制</a:t>
+              <a:t>删除"</a:t>
             </a:r>
-            <a:endParaRPr lang="zh-CN" altLang="en-US"/>
-          </a:p>
-        </p:txBody>
-      </p:sp>
-      <p:sp>
-        <p:nvSpPr>
-          <p:cNvPr id="5" name="文本框 4"/>
-          <p:cNvSpPr txBox="1"/>
-          <p:nvPr/>
-        </p:nvSpPr>
-        <p:spPr>
-          <a:xfrm>
-            <a:off x="833755" y="2257425"/>
-            <a:ext cx="5802630" cy="1476375"/>
-          </a:xfrm>
-          <a:prstGeom prst="rect">
-            <a:avLst/>
-          </a:prstGeom>
-          <a:noFill/>
-        </p:spPr>
-        <p:txBody>
-          <a:bodyPr wrap="square" rtlCol="0" anchor="t">
-            <a:spAutoFit/>
-          </a:bodyPr>
-          <a:p>
+            <a:r>
+              <a:rPr lang="zh-CN" altLang="en-US">
+                <a:solidFill>
+                  <a:srgbClr val="FF0000"/>
+                </a:solidFill>
+              </a:rPr>
+              <a:t>节点</a:t>
+            </a:r>
+            <a:r>
+              <a:rPr lang="en-US" altLang="zh-CN">
+                <a:solidFill>
+                  <a:srgbClr val="FF0000"/>
+                </a:solidFill>
+              </a:rPr>
+              <a:t>2</a:t>
+            </a:r>
+            <a:r>
+              <a:rPr lang="zh-CN" altLang="en-US">
+                <a:solidFill>
+                  <a:srgbClr val="FF0000"/>
+                </a:solidFill>
+              </a:rPr>
+              <a:t>0</a:t>
+            </a:r>
             <a:r>
               <a:rPr lang="zh-CN" altLang="en-US"/>
-              <a:t>1. 浏览器缓存</a:t>
+              <a:t>"</a:t>
             </a:r>
             <a:endParaRPr lang="zh-CN" altLang="en-US"/>
           </a:p>
           <a:p>
             <a:r>
               <a:rPr lang="zh-CN" altLang="en-US"/>
-              <a:t>我相信只要你经常使用某个浏览器🌎(Chrome,Firefox,IE等)，肯定知道这些浏览器在设置里面都是有个清除缓存功能，这个功能存在的作用就是删除存储在你本地磁盘上资源副本，也就是清除缓存。</a:t>
+              <a:t>删除之前："</a:t>
+            </a:r>
+            <a:r>
+              <a:rPr lang="zh-CN" altLang="en-US">
+                <a:solidFill>
+                  <a:srgbClr val="00B050"/>
+                </a:solidFill>
+              </a:rPr>
+              <a:t>节点</a:t>
+            </a:r>
+            <a:r>
+              <a:rPr lang="en-US" altLang="zh-CN">
+                <a:solidFill>
+                  <a:srgbClr val="00B050"/>
+                </a:solidFill>
+              </a:rPr>
+              <a:t>1</a:t>
+            </a:r>
+            <a:r>
+              <a:rPr lang="zh-CN" altLang="en-US">
+                <a:solidFill>
+                  <a:srgbClr val="00B050"/>
+                </a:solidFill>
+              </a:rPr>
+              <a:t>0</a:t>
+            </a:r>
+            <a:r>
+              <a:rPr lang="zh-CN" altLang="en-US"/>
+              <a:t>" 的后继节点为"</a:t>
+            </a:r>
+            <a:r>
+              <a:rPr lang="zh-CN" altLang="en-US">
+                <a:solidFill>
+                  <a:srgbClr val="FF0000"/>
+                </a:solidFill>
+              </a:rPr>
+              <a:t>节点</a:t>
+            </a:r>
+            <a:r>
+              <a:rPr lang="en-US" altLang="zh-CN">
+                <a:solidFill>
+                  <a:srgbClr val="FF0000"/>
+                </a:solidFill>
+              </a:rPr>
+              <a:t>2</a:t>
+            </a:r>
+            <a:r>
+              <a:rPr lang="zh-CN" altLang="en-US">
+                <a:solidFill>
+                  <a:srgbClr val="FF0000"/>
+                </a:solidFill>
+              </a:rPr>
+              <a:t>0</a:t>
+            </a:r>
+            <a:r>
+              <a:rPr lang="zh-CN" altLang="en-US"/>
+              <a:t>"，而"</a:t>
+            </a:r>
+            <a:r>
+              <a:rPr lang="zh-CN" altLang="en-US">
+                <a:solidFill>
+                  <a:srgbClr val="FF0000"/>
+                </a:solidFill>
+              </a:rPr>
+              <a:t>节点</a:t>
+            </a:r>
+            <a:r>
+              <a:rPr lang="en-US" altLang="zh-CN">
+                <a:solidFill>
+                  <a:srgbClr val="FF0000"/>
+                </a:solidFill>
+              </a:rPr>
+              <a:t>2</a:t>
+            </a:r>
+            <a:r>
+              <a:rPr lang="zh-CN" altLang="en-US">
+                <a:solidFill>
+                  <a:srgbClr val="FF0000"/>
+                </a:solidFill>
+              </a:rPr>
+              <a:t>0</a:t>
+            </a:r>
+            <a:r>
+              <a:rPr lang="zh-CN" altLang="en-US"/>
+              <a:t>" 的后继节点为"</a:t>
+            </a:r>
+            <a:r>
+              <a:rPr lang="zh-CN" altLang="en-US">
+                <a:solidFill>
+                  <a:srgbClr val="00B050"/>
+                </a:solidFill>
+              </a:rPr>
+              <a:t>节点</a:t>
+            </a:r>
+            <a:r>
+              <a:rPr lang="en-US" altLang="zh-CN">
+                <a:solidFill>
+                  <a:srgbClr val="00B050"/>
+                </a:solidFill>
+              </a:rPr>
+              <a:t>3</a:t>
+            </a:r>
+            <a:r>
+              <a:rPr lang="zh-CN" altLang="en-US">
+                <a:solidFill>
+                  <a:srgbClr val="00B050"/>
+                </a:solidFill>
+              </a:rPr>
+              <a:t>0</a:t>
+            </a:r>
+            <a:r>
+              <a:rPr lang="zh-CN" altLang="en-US"/>
+              <a:t>"。</a:t>
+            </a:r>
+            <a:endParaRPr lang="zh-CN" altLang="en-US"/>
+          </a:p>
+          <a:p>
+            <a:r>
+              <a:rPr lang="zh-CN" altLang="en-US"/>
+              <a:t>删除之后："</a:t>
+            </a:r>
+            <a:r>
+              <a:rPr lang="zh-CN" altLang="en-US">
+                <a:solidFill>
+                  <a:srgbClr val="00B050"/>
+                </a:solidFill>
+              </a:rPr>
+              <a:t>节点</a:t>
+            </a:r>
+            <a:r>
+              <a:rPr lang="en-US" altLang="zh-CN">
+                <a:solidFill>
+                  <a:srgbClr val="00B050"/>
+                </a:solidFill>
+              </a:rPr>
+              <a:t>1</a:t>
+            </a:r>
+            <a:r>
+              <a:rPr lang="zh-CN" altLang="en-US">
+                <a:solidFill>
+                  <a:srgbClr val="00B050"/>
+                </a:solidFill>
+              </a:rPr>
+              <a:t>0</a:t>
+            </a:r>
+            <a:r>
+              <a:rPr lang="zh-CN" altLang="en-US"/>
+              <a:t>" 的后继节点为"</a:t>
+            </a:r>
+            <a:r>
+              <a:rPr lang="zh-CN" altLang="en-US">
+                <a:solidFill>
+                  <a:srgbClr val="00B050"/>
+                </a:solidFill>
+              </a:rPr>
+              <a:t>节点</a:t>
+            </a:r>
+            <a:r>
+              <a:rPr lang="en-US" altLang="zh-CN">
+                <a:solidFill>
+                  <a:srgbClr val="00B050"/>
+                </a:solidFill>
+              </a:rPr>
+              <a:t>3</a:t>
+            </a:r>
+            <a:r>
+              <a:rPr lang="zh-CN" altLang="en-US">
+                <a:solidFill>
+                  <a:srgbClr val="00B050"/>
+                </a:solidFill>
+              </a:rPr>
+              <a:t>0</a:t>
+            </a:r>
+            <a:r>
+              <a:rPr lang="zh-CN" altLang="en-US"/>
+              <a:t>"</a:t>
             </a:r>
             <a:endParaRPr lang="zh-CN" altLang="en-US"/>
           </a:p>
@@ -12084,7 +12454,7 @@
                 <a:latin typeface="微软雅黑" panose="020B0503020204020204" pitchFamily="34" charset="-122"/>
                 <a:ea typeface="微软雅黑" panose="020B0503020204020204" pitchFamily="34" charset="-122"/>
               </a:rPr>
-              <a:t>什么是缓存？</a:t>
+              <a:t>单链表添加？</a:t>
             </a:r>
             <a:endParaRPr lang="zh-CN" altLang="en-US" sz="2665" dirty="0" smtClean="0">
               <a:solidFill>
@@ -12096,16 +12466,40 @@
           </a:p>
         </p:txBody>
       </p:sp>
+      <p:pic>
+        <p:nvPicPr>
+          <p:cNvPr id="6" name="图片 5" descr="M@5~KW]OGUW(L[CD%X~KVXC"/>
+          <p:cNvPicPr>
+            <a:picLocks noChangeAspect="1"/>
+          </p:cNvPicPr>
+          <p:nvPr/>
+        </p:nvPicPr>
+        <p:blipFill>
+          <a:blip r:embed="rId2"/>
+          <a:stretch>
+            <a:fillRect/>
+          </a:stretch>
+        </p:blipFill>
+        <p:spPr>
+          <a:xfrm>
+            <a:off x="2630805" y="1099820"/>
+            <a:ext cx="9276080" cy="4761230"/>
+          </a:xfrm>
+          <a:prstGeom prst="rect">
+            <a:avLst/>
+          </a:prstGeom>
+        </p:spPr>
+      </p:pic>
       <p:sp>
         <p:nvSpPr>
-          <p:cNvPr id="3" name="文本框 2"/>
+          <p:cNvPr id="7" name="文本框 6"/>
           <p:cNvSpPr txBox="1"/>
           <p:nvPr/>
         </p:nvSpPr>
         <p:spPr>
           <a:xfrm>
-            <a:off x="777240" y="1479550"/>
-            <a:ext cx="4619625" cy="368300"/>
+            <a:off x="344170" y="2172970"/>
+            <a:ext cx="6468110" cy="1198880"/>
           </a:xfrm>
           <a:prstGeom prst="rect">
             <a:avLst/>
@@ -12119,43 +12513,147 @@
           <a:p>
             <a:r>
               <a:rPr lang="zh-CN" altLang="en-US"/>
-              <a:t>所有保存“中间的，额外的”数据的机制</a:t>
+              <a:t>在"</a:t>
             </a:r>
-            <a:endParaRPr lang="zh-CN" altLang="en-US"/>
-          </a:p>
-        </p:txBody>
-      </p:sp>
-      <p:sp>
-        <p:nvSpPr>
-          <p:cNvPr id="5" name="文本框 4"/>
-          <p:cNvSpPr txBox="1"/>
-          <p:nvPr/>
-        </p:nvSpPr>
-        <p:spPr>
-          <a:xfrm>
-            <a:off x="833755" y="2257425"/>
-            <a:ext cx="5802630" cy="1476375"/>
-          </a:xfrm>
-          <a:prstGeom prst="rect">
-            <a:avLst/>
-          </a:prstGeom>
-          <a:noFill/>
-        </p:spPr>
-        <p:txBody>
-          <a:bodyPr wrap="square" rtlCol="0" anchor="t">
-            <a:spAutoFit/>
-          </a:bodyPr>
-          <a:p>
+            <a:r>
+              <a:rPr lang="zh-CN" altLang="en-US">
+                <a:solidFill>
+                  <a:schemeClr val="accent5">
+                    <a:lumMod val="60000"/>
+                    <a:lumOff val="40000"/>
+                  </a:schemeClr>
+                </a:solidFill>
+              </a:rPr>
+              <a:t>节点10</a:t>
+            </a:r>
             <a:r>
               <a:rPr lang="zh-CN" altLang="en-US"/>
-              <a:t>1. 浏览器缓存</a:t>
+              <a:t>"与"</a:t>
+            </a:r>
+            <a:r>
+              <a:rPr lang="zh-CN" altLang="en-US">
+                <a:solidFill>
+                  <a:schemeClr val="accent5">
+                    <a:lumMod val="60000"/>
+                    <a:lumOff val="40000"/>
+                  </a:schemeClr>
+                </a:solidFill>
+              </a:rPr>
+              <a:t>节点20</a:t>
+            </a:r>
+            <a:r>
+              <a:rPr lang="zh-CN" altLang="en-US"/>
+              <a:t>"之间添加"</a:t>
+            </a:r>
+            <a:r>
+              <a:rPr lang="zh-CN" altLang="en-US">
+                <a:solidFill>
+                  <a:srgbClr val="00B050"/>
+                </a:solidFill>
+              </a:rPr>
+              <a:t>节点15</a:t>
+            </a:r>
+            <a:r>
+              <a:rPr lang="zh-CN" altLang="en-US"/>
+              <a:t>"</a:t>
             </a:r>
             <a:endParaRPr lang="zh-CN" altLang="en-US"/>
           </a:p>
           <a:p>
             <a:r>
               <a:rPr lang="zh-CN" altLang="en-US"/>
-              <a:t>我相信只要你经常使用某个浏览器🌎(Chrome,Firefox,IE等)，肯定知道这些浏览器在设置里面都是有个清除缓存功能，这个功能存在的作用就是删除存储在你本地磁盘上资源副本，也就是清除缓存。</a:t>
+              <a:t>添加之前："</a:t>
+            </a:r>
+            <a:r>
+              <a:rPr lang="zh-CN" altLang="en-US">
+                <a:solidFill>
+                  <a:schemeClr val="accent5">
+                    <a:lumMod val="60000"/>
+                    <a:lumOff val="40000"/>
+                  </a:schemeClr>
+                </a:solidFill>
+              </a:rPr>
+              <a:t>节点10</a:t>
+            </a:r>
+            <a:r>
+              <a:rPr lang="zh-CN" altLang="en-US"/>
+              <a:t>" 的后继节点为"</a:t>
+            </a:r>
+            <a:r>
+              <a:rPr lang="zh-CN" altLang="en-US">
+                <a:solidFill>
+                  <a:schemeClr val="accent5">
+                    <a:lumMod val="60000"/>
+                    <a:lumOff val="40000"/>
+                  </a:schemeClr>
+                </a:solidFill>
+              </a:rPr>
+              <a:t>节点20</a:t>
+            </a:r>
+            <a:r>
+              <a:rPr lang="zh-CN" altLang="en-US"/>
+              <a:t>"。</a:t>
+            </a:r>
+            <a:endParaRPr lang="zh-CN" altLang="en-US"/>
+          </a:p>
+          <a:p>
+            <a:r>
+              <a:rPr lang="zh-CN" altLang="en-US"/>
+              <a:t>添加之后："</a:t>
+            </a:r>
+            <a:r>
+              <a:rPr lang="zh-CN" altLang="en-US">
+                <a:solidFill>
+                  <a:schemeClr val="accent5">
+                    <a:lumMod val="60000"/>
+                    <a:lumOff val="40000"/>
+                  </a:schemeClr>
+                </a:solidFill>
+              </a:rPr>
+              <a:t>节点10</a:t>
+            </a:r>
+            <a:r>
+              <a:rPr lang="zh-CN" altLang="en-US"/>
+              <a:t>" 的后继节点为"</a:t>
+            </a:r>
+            <a:r>
+              <a:rPr lang="zh-CN" altLang="en-US">
+                <a:solidFill>
+                  <a:srgbClr val="00B050"/>
+                </a:solidFill>
+              </a:rPr>
+              <a:t>节点15</a:t>
+            </a:r>
+            <a:r>
+              <a:rPr lang="zh-CN" altLang="en-US"/>
+              <a:t>"，而"</a:t>
+            </a:r>
+            <a:r>
+              <a:rPr lang="zh-CN" altLang="en-US">
+                <a:solidFill>
+                  <a:srgbClr val="00B050"/>
+                </a:solidFill>
+              </a:rPr>
+              <a:t>节点15</a:t>
+            </a:r>
+            <a:r>
+              <a:rPr lang="zh-CN" altLang="en-US"/>
+              <a:t>" 的后继节点为"</a:t>
+            </a:r>
+            <a:r>
+              <a:rPr lang="zh-CN" altLang="en-US">
+                <a:solidFill>
+                  <a:schemeClr val="accent5">
+                    <a:lumMod val="60000"/>
+                    <a:lumOff val="40000"/>
+                  </a:schemeClr>
+                </a:solidFill>
+              </a:rPr>
+              <a:t>节点20</a:t>
+            </a:r>
+            <a:r>
+              <a:rPr lang="zh-CN" altLang="en-US"/>
+              <a:t>"。</a:t>
             </a:r>
             <a:endParaRPr lang="zh-CN" altLang="en-US"/>
           </a:p>
@@ -12671,7 +13169,7 @@
                 <a:latin typeface="微软雅黑" panose="020B0503020204020204" pitchFamily="34" charset="-122"/>
                 <a:ea typeface="微软雅黑" panose="020B0503020204020204" pitchFamily="34" charset="-122"/>
               </a:rPr>
-              <a:t>什么是缓存？</a:t>
+              <a:t>双链表？</a:t>
             </a:r>
             <a:endParaRPr lang="zh-CN" altLang="en-US" sz="2665" dirty="0" smtClean="0">
               <a:solidFill>
@@ -12683,16 +13181,40 @@
           </a:p>
         </p:txBody>
       </p:sp>
+      <p:pic>
+        <p:nvPicPr>
+          <p:cNvPr id="6" name="图片 5" descr="HWUPUXLM%MK~Q{PY{HZM17W"/>
+          <p:cNvPicPr>
+            <a:picLocks noChangeAspect="1"/>
+          </p:cNvPicPr>
+          <p:nvPr/>
+        </p:nvPicPr>
+        <p:blipFill>
+          <a:blip r:embed="rId2"/>
+          <a:stretch>
+            <a:fillRect/>
+          </a:stretch>
+        </p:blipFill>
+        <p:spPr>
+          <a:xfrm>
+            <a:off x="647065" y="2038350"/>
+            <a:ext cx="6847840" cy="1543050"/>
+          </a:xfrm>
+          <a:prstGeom prst="rect">
+            <a:avLst/>
+          </a:prstGeom>
+        </p:spPr>
+      </p:pic>
       <p:sp>
         <p:nvSpPr>
-          <p:cNvPr id="3" name="文本框 2"/>
+          <p:cNvPr id="7" name="文本框 6"/>
           <p:cNvSpPr txBox="1"/>
           <p:nvPr/>
         </p:nvSpPr>
         <p:spPr>
           <a:xfrm>
-            <a:off x="777240" y="1479550"/>
-            <a:ext cx="4619625" cy="368300"/>
+            <a:off x="509905" y="1129665"/>
+            <a:ext cx="11292840" cy="922020"/>
           </a:xfrm>
           <a:prstGeom prst="rect">
             <a:avLst/>
@@ -12706,22 +13228,96 @@
           <a:p>
             <a:r>
               <a:rPr lang="zh-CN" altLang="en-US"/>
-              <a:t>所有保存“中间的，额外的”数据的机制</a:t>
+              <a:t>双向链表是链表的一种。和单链表一样，双链表也是由节点组成，它的每个数据结点中都有两个指针，分别指向</a:t>
             </a:r>
-            <a:endParaRPr lang="zh-CN" altLang="en-US"/>
+            <a:r>
+              <a:rPr lang="zh-CN" altLang="en-US">
+                <a:solidFill>
+                  <a:srgbClr val="00B050"/>
+                </a:solidFill>
+              </a:rPr>
+              <a:t>直接后继</a:t>
+            </a:r>
+            <a:r>
+              <a:rPr lang="zh-CN" altLang="en-US"/>
+              <a:t>和</a:t>
+            </a:r>
+            <a:r>
+              <a:rPr lang="zh-CN" altLang="en-US">
+                <a:solidFill>
+                  <a:srgbClr val="00B050"/>
+                </a:solidFill>
+              </a:rPr>
+              <a:t>直接前驱</a:t>
+            </a:r>
+            <a:r>
+              <a:rPr lang="zh-CN" altLang="en-US"/>
+              <a:t>。所以，从双向链表中的任意一个结点开始，都可以很方便地访问它的前驱结点和后继结点。</a:t>
+            </a:r>
+            <a:r>
+              <a:rPr lang="zh-CN" altLang="en-US">
+                <a:ln w="12700">
+                  <a:solidFill>
+                    <a:schemeClr val="accent1"/>
+                  </a:solidFill>
+                  <a:prstDash val="solid"/>
+                </a:ln>
+                <a:pattFill prst="pct50">
+                  <a:fgClr>
+                    <a:schemeClr val="accent1"/>
+                  </a:fgClr>
+                  <a:bgClr>
+                    <a:schemeClr val="accent1">
+                      <a:lumMod val="20000"/>
+                      <a:lumOff val="80000"/>
+                    </a:schemeClr>
+                  </a:bgClr>
+                </a:pattFill>
+                <a:effectLst>
+                  <a:outerShdw dist="38100" dir="2640000" algn="bl" rotWithShape="0">
+                    <a:schemeClr val="accent1"/>
+                  </a:outerShdw>
+                </a:effectLst>
+              </a:rPr>
+              <a:t>一般我们都构造双向循环链表</a:t>
+            </a:r>
+            <a:endParaRPr lang="zh-CN" altLang="en-US">
+              <a:ln w="12700">
+                <a:solidFill>
+                  <a:schemeClr val="accent1"/>
+                </a:solidFill>
+                <a:prstDash val="solid"/>
+              </a:ln>
+              <a:pattFill prst="pct50">
+                <a:fgClr>
+                  <a:schemeClr val="accent1"/>
+                </a:fgClr>
+                <a:bgClr>
+                  <a:schemeClr val="accent1">
+                    <a:lumMod val="20000"/>
+                    <a:lumOff val="80000"/>
+                  </a:schemeClr>
+                </a:bgClr>
+              </a:pattFill>
+              <a:effectLst>
+                <a:outerShdw dist="38100" dir="2640000" algn="bl" rotWithShape="0">
+                  <a:schemeClr val="accent1"/>
+                </a:outerShdw>
+              </a:effectLst>
+            </a:endParaRPr>
           </a:p>
         </p:txBody>
       </p:sp>
       <p:sp>
         <p:nvSpPr>
-          <p:cNvPr id="5" name="文本框 4"/>
+          <p:cNvPr id="8" name="文本框 7"/>
           <p:cNvSpPr txBox="1"/>
           <p:nvPr/>
         </p:nvSpPr>
         <p:spPr>
           <a:xfrm>
-            <a:off x="833755" y="2257425"/>
-            <a:ext cx="5802630" cy="1476375"/>
+            <a:off x="574040" y="4069080"/>
+            <a:ext cx="10979150" cy="922020"/>
           </a:xfrm>
           <a:prstGeom prst="rect">
             <a:avLst/>
@@ -12735,14 +13331,7 @@
           <a:p>
             <a:r>
               <a:rPr lang="zh-CN" altLang="en-US"/>
-              <a:t>1. 浏览器缓存</a:t>
-            </a:r>
-            <a:endParaRPr lang="zh-CN" altLang="en-US"/>
-          </a:p>
-          <a:p>
-            <a:r>
-              <a:rPr lang="zh-CN" altLang="en-US"/>
-              <a:t>我相信只要你经常使用某个浏览器🌎(Chrome,Firefox,IE等)，肯定知道这些浏览器在设置里面都是有个清除缓存功能，这个功能存在的作用就是删除存储在你本地磁盘上资源副本，也就是清除缓存。</a:t>
+              <a:t>表头为空，表头的后继节点为"节点10"(数据为10的节点)；"节点10"的后继节点是"节点20"(数据为10的节点)，"节点20"的前继节点是"节点10"；"节点20"的后继节点是"节点30"，"节点30"的前继节点是"节点20"；...；末尾节点的后继节点是表头。</a:t>
             </a:r>
             <a:endParaRPr lang="zh-CN" altLang="en-US"/>
           </a:p>
@@ -13988,7 +14577,7 @@
                 <a:latin typeface="微软雅黑" panose="020B0503020204020204" pitchFamily="34" charset="-122"/>
                 <a:ea typeface="微软雅黑" panose="020B0503020204020204" pitchFamily="34" charset="-122"/>
               </a:rPr>
-              <a:t>复盘</a:t>
+              <a:t>双链表删除</a:t>
             </a:r>
             <a:endParaRPr lang="zh-CN" altLang="en-US" sz="2665" dirty="0">
               <a:solidFill>
@@ -14227,72 +14816,30 @@
           </p:txBody>
         </p:sp>
       </p:grpSp>
-      <p:sp>
-        <p:nvSpPr>
-          <p:cNvPr id="5" name="文本框 4"/>
-          <p:cNvSpPr txBox="1"/>
+      <p:pic>
+        <p:nvPicPr>
+          <p:cNvPr id="3" name="图片 2" descr="L3I5T)KQZ@AU5ELSZGB8N~2"/>
+          <p:cNvPicPr>
+            <a:picLocks noChangeAspect="1"/>
+          </p:cNvPicPr>
           <p:nvPr/>
-        </p:nvSpPr>
+        </p:nvPicPr>
+        <p:blipFill>
+          <a:blip r:embed="rId3"/>
+          <a:stretch>
+            <a:fillRect/>
+          </a:stretch>
+        </p:blipFill>
         <p:spPr>
           <a:xfrm>
-            <a:off x="554990" y="1517015"/>
-            <a:ext cx="9106535" cy="2306955"/>
+            <a:off x="1866900" y="1127125"/>
+            <a:ext cx="8514080" cy="4361815"/>
           </a:xfrm>
           <a:prstGeom prst="rect">
             <a:avLst/>
           </a:prstGeom>
-          <a:noFill/>
         </p:spPr>
-        <p:txBody>
-          <a:bodyPr wrap="square" rtlCol="0">
-            <a:spAutoFit/>
-          </a:bodyPr>
-          <a:p>
-            <a:r>
-              <a:rPr lang="en-US" altLang="zh-CN" sz="3600"/>
-              <a:t>1.</a:t>
-            </a:r>
-            <a:r>
-              <a:rPr lang="zh-CN" altLang="en-US" sz="3600"/>
-              <a:t>注解的使用</a:t>
-            </a:r>
-            <a:endParaRPr lang="en-US" altLang="zh-CN" sz="3600"/>
-          </a:p>
-          <a:p>
-            <a:r>
-              <a:rPr lang="en-US" altLang="zh-CN" sz="3600"/>
-              <a:t>2.</a:t>
-            </a:r>
-            <a:r>
-              <a:rPr lang="zh-CN" altLang="en-US" sz="3600"/>
-              <a:t>代理模式</a:t>
-            </a:r>
-            <a:endParaRPr lang="en-US" altLang="zh-CN" sz="3600"/>
-          </a:p>
-          <a:p>
-            <a:r>
-              <a:rPr lang="en-US" altLang="zh-CN" sz="3600"/>
-              <a:t>3.</a:t>
-            </a:r>
-            <a:r>
-              <a:rPr lang="zh-CN" altLang="en-US" sz="3600"/>
-              <a:t>注解 </a:t>
-            </a:r>
-            <a:r>
-              <a:rPr lang="en-US" altLang="zh-CN" sz="3600"/>
-              <a:t>+ </a:t>
-            </a:r>
-            <a:r>
-              <a:rPr lang="zh-CN" altLang="en-US" sz="3600"/>
-              <a:t>代理模式实战</a:t>
-            </a:r>
-            <a:endParaRPr lang="zh-CN" altLang="en-US" sz="3600"/>
-          </a:p>
-          <a:p>
-            <a:endParaRPr lang="en-US" altLang="zh-CN" sz="3600"/>
-          </a:p>
-        </p:txBody>
-      </p:sp>
+      </p:pic>
     </p:spTree>
   </p:cSld>
   <p:clrMapOvr>
@@ -14644,6 +15191,695 @@
 </file>
 
 <file path=ppt/slides/slide21.xml><?xml version="1.0" encoding="utf-8"?>
+<p:sld xmlns:a="http://schemas.openxmlformats.org/drawingml/2006/main" xmlns:r="http://schemas.openxmlformats.org/officeDocument/2006/relationships" xmlns:p="http://schemas.openxmlformats.org/presentationml/2006/main">
+  <p:cSld>
+    <p:spTree>
+      <p:nvGrpSpPr>
+        <p:cNvPr id="1" name=""/>
+        <p:cNvGrpSpPr/>
+        <p:nvPr/>
+      </p:nvGrpSpPr>
+      <p:grpSpPr>
+        <a:xfrm>
+          <a:off x="0" y="0"/>
+          <a:ext cx="0" cy="0"/>
+          <a:chOff x="0" y="0"/>
+          <a:chExt cx="0" cy="0"/>
+        </a:xfrm>
+      </p:grpSpPr>
+      <p:sp>
+        <p:nvSpPr>
+          <p:cNvPr id="47" name="PA_矩形 39"/>
+          <p:cNvSpPr>
+            <a:spLocks noChangeArrowheads="1"/>
+          </p:cNvSpPr>
+          <p:nvPr>
+            <p:custDataLst>
+              <p:tags r:id="rId1"/>
+            </p:custDataLst>
+          </p:nvPr>
+        </p:nvSpPr>
+        <p:spPr bwMode="auto">
+          <a:xfrm>
+            <a:off x="554990" y="370840"/>
+            <a:ext cx="6010275" cy="410210"/>
+          </a:xfrm>
+          <a:prstGeom prst="rect">
+            <a:avLst/>
+          </a:prstGeom>
+          <a:noFill/>
+          <a:ln>
+            <a:noFill/>
+          </a:ln>
+          <a:extLst>
+            <a:ext uri="{909E8E84-426E-40DD-AFC4-6F175D3DCCD1}">
+              <a14:hiddenFill xmlns:a14="http://schemas.microsoft.com/office/drawing/2010/main">
+                <a:solidFill>
+                  <a:srgbClr val="FFFFFF"/>
+                </a:solidFill>
+              </a14:hiddenFill>
+            </a:ext>
+            <a:ext uri="{91240B29-F687-4F45-9708-019B960494DF}">
+              <a14:hiddenLine xmlns:a14="http://schemas.microsoft.com/office/drawing/2010/main" w="9525">
+                <a:solidFill>
+                  <a:srgbClr val="000000"/>
+                </a:solidFill>
+                <a:miter lim="800000"/>
+                <a:headEnd/>
+                <a:tailEnd/>
+              </a14:hiddenLine>
+            </a:ext>
+          </a:extLst>
+        </p:spPr>
+        <p:txBody>
+          <a:bodyPr wrap="square" lIns="0" tIns="0" rIns="0" bIns="0">
+            <a:spAutoFit/>
+          </a:bodyPr>
+          <a:lstStyle/>
+          <a:p>
+            <a:pPr defTabSz="1218565"/>
+            <a:r>
+              <a:rPr lang="zh-CN" altLang="en-US" sz="2665" dirty="0">
+                <a:solidFill>
+                  <a:srgbClr val="1D69A3"/>
+                </a:solidFill>
+                <a:latin typeface="微软雅黑" panose="020B0503020204020204" pitchFamily="34" charset="-122"/>
+                <a:ea typeface="微软雅黑" panose="020B0503020204020204" pitchFamily="34" charset="-122"/>
+              </a:rPr>
+              <a:t>双链表添加</a:t>
+            </a:r>
+            <a:endParaRPr lang="zh-CN" altLang="en-US" sz="2665" dirty="0">
+              <a:solidFill>
+                <a:srgbClr val="1D69A3"/>
+              </a:solidFill>
+              <a:latin typeface="微软雅黑" panose="020B0503020204020204" pitchFamily="34" charset="-122"/>
+              <a:ea typeface="微软雅黑" panose="020B0503020204020204" pitchFamily="34" charset="-122"/>
+            </a:endParaRPr>
+          </a:p>
+        </p:txBody>
+      </p:sp>
+      <p:grpSp>
+        <p:nvGrpSpPr>
+          <p:cNvPr id="48" name="PA_组合 47"/>
+          <p:cNvGrpSpPr/>
+          <p:nvPr>
+            <p:custDataLst>
+              <p:tags r:id="rId2"/>
+            </p:custDataLst>
+          </p:nvPr>
+        </p:nvGrpSpPr>
+        <p:grpSpPr>
+          <a:xfrm>
+            <a:off x="554877" y="932724"/>
+            <a:ext cx="1199456" cy="74689"/>
+            <a:chOff x="0" y="2842590"/>
+            <a:chExt cx="7054752" cy="89199"/>
+          </a:xfrm>
+        </p:grpSpPr>
+        <p:sp>
+          <p:nvSpPr>
+            <p:cNvPr id="49" name="矩形 48"/>
+            <p:cNvSpPr/>
+            <p:nvPr/>
+          </p:nvSpPr>
+          <p:spPr>
+            <a:xfrm>
+              <a:off x="0" y="2842590"/>
+              <a:ext cx="1763688" cy="89199"/>
+            </a:xfrm>
+            <a:prstGeom prst="rect">
+              <a:avLst/>
+            </a:prstGeom>
+            <a:solidFill>
+              <a:schemeClr val="accent1"/>
+            </a:solidFill>
+            <a:ln>
+              <a:noFill/>
+            </a:ln>
+          </p:spPr>
+          <p:style>
+            <a:lnRef idx="2">
+              <a:schemeClr val="accent1">
+                <a:shade val="50000"/>
+              </a:schemeClr>
+            </a:lnRef>
+            <a:fillRef idx="1">
+              <a:schemeClr val="accent1"/>
+            </a:fillRef>
+            <a:effectRef idx="0">
+              <a:schemeClr val="accent1"/>
+            </a:effectRef>
+            <a:fontRef idx="minor">
+              <a:schemeClr val="lt1"/>
+            </a:fontRef>
+          </p:style>
+          <p:txBody>
+            <a:bodyPr rtlCol="0" anchor="ctr"/>
+            <a:lstStyle/>
+            <a:p>
+              <a:pPr algn="ctr" defTabSz="1218565"/>
+              <a:endParaRPr lang="zh-CN" altLang="en-US" sz="2400">
+                <a:solidFill>
+                  <a:srgbClr val="FFFFFF"/>
+                </a:solidFill>
+                <a:latin typeface="Calibri" panose="020F0502020204030204"/>
+                <a:ea typeface="宋体" panose="02010600030101010101" pitchFamily="2" charset="-122"/>
+              </a:endParaRPr>
+            </a:p>
+          </p:txBody>
+        </p:sp>
+        <p:sp>
+          <p:nvSpPr>
+            <p:cNvPr id="50" name="矩形 49"/>
+            <p:cNvSpPr/>
+            <p:nvPr/>
+          </p:nvSpPr>
+          <p:spPr>
+            <a:xfrm>
+              <a:off x="1763688" y="2842590"/>
+              <a:ext cx="1763688" cy="89199"/>
+            </a:xfrm>
+            <a:prstGeom prst="rect">
+              <a:avLst/>
+            </a:prstGeom>
+            <a:solidFill>
+              <a:schemeClr val="accent2"/>
+            </a:solidFill>
+            <a:ln>
+              <a:noFill/>
+            </a:ln>
+          </p:spPr>
+          <p:style>
+            <a:lnRef idx="2">
+              <a:schemeClr val="accent1">
+                <a:shade val="50000"/>
+              </a:schemeClr>
+            </a:lnRef>
+            <a:fillRef idx="1">
+              <a:schemeClr val="accent1"/>
+            </a:fillRef>
+            <a:effectRef idx="0">
+              <a:schemeClr val="accent1"/>
+            </a:effectRef>
+            <a:fontRef idx="minor">
+              <a:schemeClr val="lt1"/>
+            </a:fontRef>
+          </p:style>
+          <p:txBody>
+            <a:bodyPr rtlCol="0" anchor="ctr"/>
+            <a:lstStyle/>
+            <a:p>
+              <a:pPr algn="ctr" defTabSz="1218565"/>
+              <a:endParaRPr lang="zh-CN" altLang="en-US" sz="2400">
+                <a:solidFill>
+                  <a:srgbClr val="FFFFFF"/>
+                </a:solidFill>
+                <a:latin typeface="Calibri" panose="020F0502020204030204"/>
+                <a:ea typeface="宋体" panose="02010600030101010101" pitchFamily="2" charset="-122"/>
+              </a:endParaRPr>
+            </a:p>
+          </p:txBody>
+        </p:sp>
+        <p:sp>
+          <p:nvSpPr>
+            <p:cNvPr id="51" name="矩形 50"/>
+            <p:cNvSpPr/>
+            <p:nvPr/>
+          </p:nvSpPr>
+          <p:spPr>
+            <a:xfrm>
+              <a:off x="3527376" y="2842590"/>
+              <a:ext cx="1763688" cy="89199"/>
+            </a:xfrm>
+            <a:prstGeom prst="rect">
+              <a:avLst/>
+            </a:prstGeom>
+            <a:solidFill>
+              <a:schemeClr val="accent3"/>
+            </a:solidFill>
+            <a:ln>
+              <a:noFill/>
+            </a:ln>
+          </p:spPr>
+          <p:style>
+            <a:lnRef idx="2">
+              <a:schemeClr val="accent1">
+                <a:shade val="50000"/>
+              </a:schemeClr>
+            </a:lnRef>
+            <a:fillRef idx="1">
+              <a:schemeClr val="accent1"/>
+            </a:fillRef>
+            <a:effectRef idx="0">
+              <a:schemeClr val="accent1"/>
+            </a:effectRef>
+            <a:fontRef idx="minor">
+              <a:schemeClr val="lt1"/>
+            </a:fontRef>
+          </p:style>
+          <p:txBody>
+            <a:bodyPr rtlCol="0" anchor="ctr"/>
+            <a:lstStyle/>
+            <a:p>
+              <a:pPr algn="ctr" defTabSz="1218565"/>
+              <a:endParaRPr lang="zh-CN" altLang="en-US" sz="2400">
+                <a:solidFill>
+                  <a:srgbClr val="FFFFFF"/>
+                </a:solidFill>
+                <a:latin typeface="Calibri" panose="020F0502020204030204"/>
+                <a:ea typeface="宋体" panose="02010600030101010101" pitchFamily="2" charset="-122"/>
+              </a:endParaRPr>
+            </a:p>
+          </p:txBody>
+        </p:sp>
+        <p:sp>
+          <p:nvSpPr>
+            <p:cNvPr id="52" name="矩形 51"/>
+            <p:cNvSpPr/>
+            <p:nvPr/>
+          </p:nvSpPr>
+          <p:spPr>
+            <a:xfrm>
+              <a:off x="5291064" y="2842590"/>
+              <a:ext cx="1763688" cy="89199"/>
+            </a:xfrm>
+            <a:prstGeom prst="rect">
+              <a:avLst/>
+            </a:prstGeom>
+            <a:solidFill>
+              <a:schemeClr val="accent4"/>
+            </a:solidFill>
+            <a:ln>
+              <a:noFill/>
+            </a:ln>
+          </p:spPr>
+          <p:style>
+            <a:lnRef idx="2">
+              <a:schemeClr val="accent1">
+                <a:shade val="50000"/>
+              </a:schemeClr>
+            </a:lnRef>
+            <a:fillRef idx="1">
+              <a:schemeClr val="accent1"/>
+            </a:fillRef>
+            <a:effectRef idx="0">
+              <a:schemeClr val="accent1"/>
+            </a:effectRef>
+            <a:fontRef idx="minor">
+              <a:schemeClr val="lt1"/>
+            </a:fontRef>
+          </p:style>
+          <p:txBody>
+            <a:bodyPr rtlCol="0" anchor="ctr"/>
+            <a:lstStyle/>
+            <a:p>
+              <a:pPr algn="ctr" defTabSz="1218565"/>
+              <a:endParaRPr lang="zh-CN" altLang="en-US" sz="2400">
+                <a:solidFill>
+                  <a:srgbClr val="FFFFFF"/>
+                </a:solidFill>
+                <a:latin typeface="Calibri" panose="020F0502020204030204"/>
+                <a:ea typeface="宋体" panose="02010600030101010101" pitchFamily="2" charset="-122"/>
+              </a:endParaRPr>
+            </a:p>
+          </p:txBody>
+        </p:sp>
+      </p:grpSp>
+      <p:pic>
+        <p:nvPicPr>
+          <p:cNvPr id="3" name="图片 2" descr="IR45TCYVC)[R)$FPP%U{R$E"/>
+          <p:cNvPicPr>
+            <a:picLocks noChangeAspect="1"/>
+          </p:cNvPicPr>
+          <p:nvPr/>
+        </p:nvPicPr>
+        <p:blipFill>
+          <a:blip r:embed="rId3"/>
+          <a:stretch>
+            <a:fillRect/>
+          </a:stretch>
+        </p:blipFill>
+        <p:spPr>
+          <a:xfrm>
+            <a:off x="1928495" y="546100"/>
+            <a:ext cx="9609455" cy="6171565"/>
+          </a:xfrm>
+          <a:prstGeom prst="rect">
+            <a:avLst/>
+          </a:prstGeom>
+        </p:spPr>
+      </p:pic>
+    </p:spTree>
+  </p:cSld>
+  <p:clrMapOvr>
+    <a:masterClrMapping/>
+  </p:clrMapOvr>
+  <mc:AlternateContent xmlns:mc="http://schemas.openxmlformats.org/markup-compatibility/2006">
+    <mc:Choice xmlns:p14="http://schemas.microsoft.com/office/powerpoint/2010/main" Requires="p14">
+      <p:transition spd="slow" p14:dur="1500">
+        <p:random/>
+      </p:transition>
+    </mc:Choice>
+    <mc:Fallback>
+      <p:transition spd="slow">
+        <p:random/>
+      </p:transition>
+    </mc:Fallback>
+  </mc:AlternateContent>
+  <p:timing>
+    <p:tnLst>
+      <p:par>
+        <p:cTn id="1" dur="indefinite" restart="never" nodeType="tmRoot">
+          <p:childTnLst>
+            <p:seq concurrent="1" nextAc="seek">
+              <p:cTn id="2" dur="indefinite" nodeType="mainSeq">
+                <p:childTnLst>
+                  <p:par>
+                    <p:cTn id="3" fill="hold">
+                      <p:stCondLst>
+                        <p:cond delay="indefinite"/>
+                        <p:cond evt="onBegin" delay="0">
+                          <p:tn val="2"/>
+                        </p:cond>
+                      </p:stCondLst>
+                      <p:childTnLst>
+                        <p:par>
+                          <p:cTn id="4" fill="hold">
+                            <p:stCondLst>
+                              <p:cond delay="0"/>
+                            </p:stCondLst>
+                            <p:childTnLst>
+                              <p:par>
+                                <p:cTn id="5" presetID="0" presetClass="entr" presetSubtype="0" fill="hold" grpId="0" nodeType="withEffect">
+                                  <p:stCondLst>
+                                    <p:cond delay="0"/>
+                                  </p:stCondLst>
+                                  <p:iterate type="lt">
+                                    <p:tmPct val="10000"/>
+                                  </p:iterate>
+                                  <p:childTnLst>
+                                    <p:set>
+                                      <p:cBhvr>
+                                        <p:cTn id="6" dur="1" fill="hold">
+                                          <p:stCondLst>
+                                            <p:cond delay="0"/>
+                                          </p:stCondLst>
+                                        </p:cTn>
+                                        <p:tgtEl>
+                                          <p:spTgt spid="47"/>
+                                        </p:tgtEl>
+                                        <p:attrNameLst>
+                                          <p:attrName>style.visibility</p:attrName>
+                                        </p:attrNameLst>
+                                      </p:cBhvr>
+                                      <p:to>
+                                        <p:strVal val="visible"/>
+                                      </p:to>
+                                    </p:set>
+                                    <p:anim to="" calcmode="lin" valueType="num">
+                                      <p:cBhvr>
+                                        <p:cTn id="7" dur="700" fill="hold">
+                                          <p:stCondLst>
+                                            <p:cond delay="0"/>
+                                          </p:stCondLst>
+                                        </p:cTn>
+                                        <p:tgtEl>
+                                          <p:spTgt spid="47"/>
+                                        </p:tgtEl>
+                                        <p:attrNameLst>
+                                          <p:attrName>ppt_x</p:attrName>
+                                        </p:attrNameLst>
+                                      </p:cBhvr>
+                                      <p:tavLst>
+                                        <p:tav tm="0" fmla="#ppt_x-(-#ppt_w/2*cos(ppt_r/180*pi))*((1.5-1.5*$)^2-(1.5-1.5*$)^3)">
+                                          <p:val>
+                                            <p:fltVal val="0"/>
+                                          </p:val>
+                                        </p:tav>
+                                        <p:tav tm="100000">
+                                          <p:val>
+                                            <p:fltVal val="1"/>
+                                          </p:val>
+                                        </p:tav>
+                                      </p:tavLst>
+                                    </p:anim>
+                                    <p:anim to="" calcmode="lin" valueType="num">
+                                      <p:cBhvr>
+                                        <p:cTn id="8" dur="700" fill="hold">
+                                          <p:stCondLst>
+                                            <p:cond delay="0"/>
+                                          </p:stCondLst>
+                                        </p:cTn>
+                                        <p:tgtEl>
+                                          <p:spTgt spid="47"/>
+                                        </p:tgtEl>
+                                        <p:attrNameLst>
+                                          <p:attrName>ppt_y</p:attrName>
+                                        </p:attrNameLst>
+                                      </p:cBhvr>
+                                      <p:tavLst>
+                                        <p:tav tm="0" fmla="#ppt_y+(-#ppt_h/2*cos(ppt_r/180*pi))*((1.5-1.5*$)^2-(1.5-1.5*$)^3)">
+                                          <p:val>
+                                            <p:fltVal val="0"/>
+                                          </p:val>
+                                        </p:tav>
+                                        <p:tav tm="100000">
+                                          <p:val>
+                                            <p:fltVal val="1"/>
+                                          </p:val>
+                                        </p:tav>
+                                      </p:tavLst>
+                                    </p:anim>
+                                    <p:anim to="" calcmode="lin" valueType="num">
+                                      <p:cBhvr>
+                                        <p:cTn id="9" dur="700" fill="hold">
+                                          <p:stCondLst>
+                                            <p:cond delay="0"/>
+                                          </p:stCondLst>
+                                        </p:cTn>
+                                        <p:tgtEl>
+                                          <p:spTgt spid="47"/>
+                                        </p:tgtEl>
+                                        <p:attrNameLst>
+                                          <p:attrName>ppt_h</p:attrName>
+                                        </p:attrNameLst>
+                                      </p:cBhvr>
+                                      <p:tavLst>
+                                        <p:tav tm="0" fmla="#ppt_h-(-#ppt_h)*((1.5-1.5*$)^2-(1.5-1.5*$)^3)">
+                                          <p:val>
+                                            <p:fltVal val="0"/>
+                                          </p:val>
+                                        </p:tav>
+                                        <p:tav tm="100000">
+                                          <p:val>
+                                            <p:fltVal val="1"/>
+                                          </p:val>
+                                        </p:tav>
+                                      </p:tavLst>
+                                    </p:anim>
+                                    <p:anim to="" calcmode="lin" valueType="num">
+                                      <p:cBhvr>
+                                        <p:cTn id="10" dur="700" fill="hold">
+                                          <p:stCondLst>
+                                            <p:cond delay="0"/>
+                                          </p:stCondLst>
+                                        </p:cTn>
+                                        <p:tgtEl>
+                                          <p:spTgt spid="47"/>
+                                        </p:tgtEl>
+                                        <p:attrNameLst>
+                                          <p:attrName>ppt_w</p:attrName>
+                                        </p:attrNameLst>
+                                      </p:cBhvr>
+                                      <p:tavLst>
+                                        <p:tav tm="0" fmla="#ppt_w-(-#ppt_w)*((1.5-1.5*$)^2-(1.5-1.5*$)^3)">
+                                          <p:val>
+                                            <p:fltVal val="0"/>
+                                          </p:val>
+                                        </p:tav>
+                                        <p:tav tm="100000">
+                                          <p:val>
+                                            <p:fltVal val="1"/>
+                                          </p:val>
+                                        </p:tav>
+                                      </p:tavLst>
+                                    </p:anim>
+                                  </p:childTnLst>
+                                </p:cTn>
+                              </p:par>
+                              <p:par>
+                                <p:cTn id="11" presetID="0" presetClass="entr" presetSubtype="0" fill="hold" nodeType="withEffect">
+                                  <p:stCondLst>
+                                    <p:cond delay="0"/>
+                                  </p:stCondLst>
+                                  <p:iterate type="lt">
+                                    <p:tmPct val="10000"/>
+                                  </p:iterate>
+                                  <p:childTnLst>
+                                    <p:set>
+                                      <p:cBhvr>
+                                        <p:cTn id="12" dur="1" fill="hold">
+                                          <p:stCondLst>
+                                            <p:cond delay="0"/>
+                                          </p:stCondLst>
+                                        </p:cTn>
+                                        <p:tgtEl>
+                                          <p:spTgt spid="48"/>
+                                        </p:tgtEl>
+                                        <p:attrNameLst>
+                                          <p:attrName>style.visibility</p:attrName>
+                                        </p:attrNameLst>
+                                      </p:cBhvr>
+                                      <p:to>
+                                        <p:strVal val="visible"/>
+                                      </p:to>
+                                    </p:set>
+                                    <p:anim to="" calcmode="lin" valueType="num">
+                                      <p:cBhvr>
+                                        <p:cTn id="13" dur="700" fill="hold">
+                                          <p:stCondLst>
+                                            <p:cond delay="0"/>
+                                          </p:stCondLst>
+                                        </p:cTn>
+                                        <p:tgtEl>
+                                          <p:spTgt spid="48"/>
+                                        </p:tgtEl>
+                                        <p:attrNameLst>
+                                          <p:attrName>ppt_x</p:attrName>
+                                        </p:attrNameLst>
+                                      </p:cBhvr>
+                                      <p:tavLst>
+                                        <p:tav tm="0" fmla="#ppt_x-(-#ppt_w/2*cos(ppt_r/180*pi))*((1.5-1.5*$)^2-(1.5-1.5*$)^3)">
+                                          <p:val>
+                                            <p:fltVal val="0"/>
+                                          </p:val>
+                                        </p:tav>
+                                        <p:tav tm="100000">
+                                          <p:val>
+                                            <p:fltVal val="1"/>
+                                          </p:val>
+                                        </p:tav>
+                                      </p:tavLst>
+                                    </p:anim>
+                                    <p:anim to="" calcmode="lin" valueType="num">
+                                      <p:cBhvr>
+                                        <p:cTn id="14" dur="700" fill="hold">
+                                          <p:stCondLst>
+                                            <p:cond delay="0"/>
+                                          </p:stCondLst>
+                                        </p:cTn>
+                                        <p:tgtEl>
+                                          <p:spTgt spid="48"/>
+                                        </p:tgtEl>
+                                        <p:attrNameLst>
+                                          <p:attrName>ppt_y</p:attrName>
+                                        </p:attrNameLst>
+                                      </p:cBhvr>
+                                      <p:tavLst>
+                                        <p:tav tm="0" fmla="#ppt_y+(-#ppt_h/2*cos(ppt_r/180*pi))*((1.5-1.5*$)^2-(1.5-1.5*$)^3)">
+                                          <p:val>
+                                            <p:fltVal val="0"/>
+                                          </p:val>
+                                        </p:tav>
+                                        <p:tav tm="100000">
+                                          <p:val>
+                                            <p:fltVal val="1"/>
+                                          </p:val>
+                                        </p:tav>
+                                      </p:tavLst>
+                                    </p:anim>
+                                    <p:anim to="" calcmode="lin" valueType="num">
+                                      <p:cBhvr>
+                                        <p:cTn id="15" dur="700" fill="hold">
+                                          <p:stCondLst>
+                                            <p:cond delay="0"/>
+                                          </p:stCondLst>
+                                        </p:cTn>
+                                        <p:tgtEl>
+                                          <p:spTgt spid="48"/>
+                                        </p:tgtEl>
+                                        <p:attrNameLst>
+                                          <p:attrName>ppt_h</p:attrName>
+                                        </p:attrNameLst>
+                                      </p:cBhvr>
+                                      <p:tavLst>
+                                        <p:tav tm="0" fmla="#ppt_h-(-#ppt_h)*((1.5-1.5*$)^2-(1.5-1.5*$)^3)">
+                                          <p:val>
+                                            <p:fltVal val="0"/>
+                                          </p:val>
+                                        </p:tav>
+                                        <p:tav tm="100000">
+                                          <p:val>
+                                            <p:fltVal val="1"/>
+                                          </p:val>
+                                        </p:tav>
+                                      </p:tavLst>
+                                    </p:anim>
+                                    <p:anim to="" calcmode="lin" valueType="num">
+                                      <p:cBhvr>
+                                        <p:cTn id="16" dur="700" fill="hold">
+                                          <p:stCondLst>
+                                            <p:cond delay="0"/>
+                                          </p:stCondLst>
+                                        </p:cTn>
+                                        <p:tgtEl>
+                                          <p:spTgt spid="48"/>
+                                        </p:tgtEl>
+                                        <p:attrNameLst>
+                                          <p:attrName>ppt_w</p:attrName>
+                                        </p:attrNameLst>
+                                      </p:cBhvr>
+                                      <p:tavLst>
+                                        <p:tav tm="0" fmla="#ppt_w-(-#ppt_w)*((1.5-1.5*$)^2-(1.5-1.5*$)^3)">
+                                          <p:val>
+                                            <p:fltVal val="0"/>
+                                          </p:val>
+                                        </p:tav>
+                                        <p:tav tm="100000">
+                                          <p:val>
+                                            <p:fltVal val="1"/>
+                                          </p:val>
+                                        </p:tav>
+                                      </p:tavLst>
+                                    </p:anim>
+                                  </p:childTnLst>
+                                </p:cTn>
+                              </p:par>
+                            </p:childTnLst>
+                          </p:cTn>
+                        </p:par>
+                      </p:childTnLst>
+                    </p:cTn>
+                  </p:par>
+                </p:childTnLst>
+              </p:cTn>
+              <p:prevCondLst>
+                <p:cond evt="onPrev" delay="0">
+                  <p:tgtEl>
+                    <p:sldTgt/>
+                  </p:tgtEl>
+                </p:cond>
+              </p:prevCondLst>
+              <p:nextCondLst>
+                <p:cond evt="onNext" delay="0">
+                  <p:tgtEl>
+                    <p:sldTgt/>
+                  </p:tgtEl>
+                </p:cond>
+              </p:nextCondLst>
+            </p:seq>
+          </p:childTnLst>
+        </p:cTn>
+      </p:par>
+    </p:tnLst>
+    <p:bldLst>
+      <p:bldP spid="47" grpId="0"/>
+    </p:bldLst>
+  </p:timing>
+</p:sld>
+</file>
+
+<file path=ppt/slides/slide22.xml><?xml version="1.0" encoding="utf-8"?>
 <p:sld xmlns:a="http://schemas.openxmlformats.org/drawingml/2006/main" xmlns:r="http://schemas.openxmlformats.org/officeDocument/2006/relationships" xmlns:p="http://schemas.openxmlformats.org/presentationml/2006/main">
   <p:cSld>
     <p:spTree>
@@ -20262,7 +21498,7 @@
 </p:sld>
 </file>
 
-<file path=ppt/slides/slide22.xml><?xml version="1.0" encoding="utf-8"?>
+<file path=ppt/slides/slide23.xml><?xml version="1.0" encoding="utf-8"?>
 <p:sld xmlns:a="http://schemas.openxmlformats.org/drawingml/2006/main" xmlns:r="http://schemas.openxmlformats.org/officeDocument/2006/relationships" xmlns:p="http://schemas.openxmlformats.org/presentationml/2006/main">
   <p:cSld>
     <p:spTree>
@@ -20360,7 +21596,7 @@
 </p:sld>
 </file>
 
-<file path=ppt/slides/slide23.xml><?xml version="1.0" encoding="utf-8"?>
+<file path=ppt/slides/slide24.xml><?xml version="1.0" encoding="utf-8"?>
 <p:sld xmlns:a="http://schemas.openxmlformats.org/drawingml/2006/main" xmlns:r="http://schemas.openxmlformats.org/officeDocument/2006/relationships" xmlns:p="http://schemas.openxmlformats.org/presentationml/2006/main">
   <p:cSld>
     <p:spTree>
@@ -21637,7 +22873,7 @@
 </p:sld>
 </file>
 
-<file path=ppt/slides/slide24.xml><?xml version="1.0" encoding="utf-8"?>
+<file path=ppt/slides/slide25.xml><?xml version="1.0" encoding="utf-8"?>
 <p:sld xmlns:a="http://schemas.openxmlformats.org/drawingml/2006/main" xmlns:r="http://schemas.openxmlformats.org/officeDocument/2006/relationships" xmlns:p="http://schemas.openxmlformats.org/presentationml/2006/main">
   <p:cSld>
     <p:spTree>
@@ -27598,7 +28834,7 @@
 </p:sld>
 </file>
 
-<file path=ppt/slides/slide25.xml><?xml version="1.0" encoding="utf-8"?>
+<file path=ppt/slides/slide26.xml><?xml version="1.0" encoding="utf-8"?>
 <p:sld xmlns:a="http://schemas.openxmlformats.org/drawingml/2006/main" xmlns:r="http://schemas.openxmlformats.org/officeDocument/2006/relationships" xmlns:p="http://schemas.openxmlformats.org/presentationml/2006/main">
   <p:cSld>
     <p:spTree>
@@ -29372,7 +30608,7 @@
 </p:sld>
 </file>
 
-<file path=ppt/slides/slide26.xml><?xml version="1.0" encoding="utf-8"?>
+<file path=ppt/slides/slide27.xml><?xml version="1.0" encoding="utf-8"?>
 <p:sld xmlns:a="http://schemas.openxmlformats.org/drawingml/2006/main" xmlns:r="http://schemas.openxmlformats.org/officeDocument/2006/relationships" xmlns:p="http://schemas.openxmlformats.org/presentationml/2006/main">
   <p:cSld>
     <p:spTree>
@@ -29568,7 +30804,7 @@
 </p:sld>
 </file>
 
-<file path=ppt/slides/slide27.xml><?xml version="1.0" encoding="utf-8"?>
+<file path=ppt/slides/slide28.xml><?xml version="1.0" encoding="utf-8"?>
 <p:sld xmlns:a="http://schemas.openxmlformats.org/drawingml/2006/main" xmlns:r="http://schemas.openxmlformats.org/officeDocument/2006/relationships" xmlns:p="http://schemas.openxmlformats.org/presentationml/2006/main">
   <p:cSld>
     <p:spTree>
@@ -42211,7 +43447,6 @@
           <a:p>
             <a:r>
               <a:rPr lang="zh-CN" altLang="en-US">
-                <a:ln/>
                 <a:solidFill>
                   <a:schemeClr val="accent1"/>
                 </a:solidFill>
@@ -42746,17 +43981,7 @@
                 <a:latin typeface="微软雅黑" panose="020B0503020204020204" pitchFamily="34" charset="-122"/>
                 <a:ea typeface="微软雅黑" panose="020B0503020204020204" pitchFamily="34" charset="-122"/>
               </a:rPr>
-              <a:t>缓存相关概念</a:t>
-            </a:r>
-            <a:r>
-              <a:rPr lang="zh-CN" altLang="en-US" sz="2665" dirty="0" smtClean="0">
-                <a:solidFill>
-                  <a:srgbClr val="1D69A3"/>
-                </a:solidFill>
-                <a:latin typeface="微软雅黑" panose="020B0503020204020204" pitchFamily="34" charset="-122"/>
-                <a:ea typeface="微软雅黑" panose="020B0503020204020204" pitchFamily="34" charset="-122"/>
-              </a:rPr>
-              <a:t>？</a:t>
+              <a:t>缓存相关概念？</a:t>
             </a:r>
             <a:endParaRPr lang="zh-CN" altLang="en-US" sz="2665" dirty="0" smtClean="0">
               <a:solidFill>
@@ -42791,7 +44016,6 @@
           <a:p>
             <a:r>
               <a:rPr lang="zh-CN" altLang="en-US">
-                <a:ln/>
                 <a:solidFill>
                   <a:schemeClr val="accent1"/>
                 </a:solidFill>
@@ -42834,7 +44058,6 @@
           <a:p>
             <a:r>
               <a:rPr lang="zh-CN" altLang="en-US">
-                <a:ln/>
                 <a:solidFill>
                   <a:schemeClr val="accent1"/>
                 </a:solidFill>
@@ -42870,7 +44093,6 @@
           <a:p>
             <a:r>
               <a:rPr lang="zh-CN" altLang="en-US">
-                <a:ln/>
                 <a:solidFill>
                   <a:schemeClr val="accent1"/>
                 </a:solidFill>
@@ -43491,7 +44713,6 @@
           <a:p>
             <a:r>
               <a:rPr lang="zh-CN" altLang="en-US">
-                <a:ln/>
                 <a:solidFill>
                   <a:schemeClr val="accent1"/>
                 </a:solidFill>
@@ -43530,7 +44751,6 @@
           <a:p>
             <a:r>
               <a:rPr lang="zh-CN" altLang="en-US">
-                <a:ln/>
                 <a:solidFill>
                   <a:schemeClr val="accent1"/>
                 </a:solidFill>
@@ -43591,7 +44811,6 @@
           <a:p>
             <a:r>
               <a:rPr lang="zh-CN" altLang="en-US">
-                <a:ln/>
                 <a:solidFill>
                   <a:schemeClr val="accent1"/>
                 </a:solidFill>
@@ -44128,17 +45347,7 @@
                 <a:latin typeface="微软雅黑" panose="020B0503020204020204" pitchFamily="34" charset="-122"/>
                 <a:ea typeface="微软雅黑" panose="020B0503020204020204" pitchFamily="34" charset="-122"/>
               </a:rPr>
-              <a:t>缓存算法</a:t>
-            </a:r>
-            <a:r>
-              <a:rPr lang="zh-CN" altLang="en-US" sz="2665" dirty="0" smtClean="0">
-                <a:solidFill>
-                  <a:srgbClr val="1D69A3"/>
-                </a:solidFill>
-                <a:latin typeface="微软雅黑" panose="020B0503020204020204" pitchFamily="34" charset="-122"/>
-                <a:ea typeface="微软雅黑" panose="020B0503020204020204" pitchFamily="34" charset="-122"/>
-              </a:rPr>
-              <a:t>？</a:t>
+              <a:t>缓存算法？</a:t>
             </a:r>
             <a:endParaRPr lang="zh-CN" altLang="en-US" sz="2665" dirty="0" smtClean="0">
               <a:solidFill>
@@ -44173,7 +45382,6 @@
           <a:p>
             <a:r>
               <a:rPr lang="zh-CN" altLang="en-US">
-                <a:ln/>
                 <a:solidFill>
                   <a:schemeClr val="accent1"/>
                 </a:solidFill>
@@ -44913,6 +46121,18 @@
 </file>
 
 <file path=ppt/tags/tag64.xml><?xml version="1.0" encoding="utf-8"?>
+<p:tagLst xmlns:p="http://schemas.openxmlformats.org/presentationml/2006/main">
+  <p:tag name="PA" val="v4.1.3"/>
+</p:tagLst>
+</file>
+
+<file path=ppt/tags/tag65.xml><?xml version="1.0" encoding="utf-8"?>
+<p:tagLst xmlns:p="http://schemas.openxmlformats.org/presentationml/2006/main">
+  <p:tag name="PA" val="v4.1.3"/>
+</p:tagLst>
+</file>
+
+<file path=ppt/tags/tag66.xml><?xml version="1.0" encoding="utf-8"?>
 <p:tagLst xmlns:p="http://schemas.openxmlformats.org/presentationml/2006/main">
   <p:tag name="PA" val="v4.1.3"/>
 </p:tagLst>

--- a/pre/缓存.pptx
+++ b/pre/缓存.pptx
@@ -5743,9 +5743,9 @@
         <p:grpSpPr>
           <a:xfrm>
             <a:off x="4319588" y="5273675"/>
-            <a:ext cx="3796793" cy="368300"/>
+            <a:ext cx="3930778" cy="368300"/>
             <a:chOff x="4060522" y="5638470"/>
-            <a:chExt cx="3797703" cy="367746"/>
+            <a:chExt cx="3931720" cy="367746"/>
           </a:xfrm>
         </p:grpSpPr>
         <p:grpSp>
@@ -6343,7 +6343,7 @@
           <p:spPr>
             <a:xfrm>
               <a:off x="4411254" y="5638470"/>
-              <a:ext cx="3446971" cy="367746"/>
+              <a:ext cx="3580988" cy="367746"/>
             </a:xfrm>
             <a:prstGeom prst="rect">
               <a:avLst/>
@@ -6379,7 +6379,7 @@
                   <a:ea typeface="微软雅黑" panose="020B0503020204020204" pitchFamily="34" charset="-122"/>
                   <a:sym typeface="+mn-ea"/>
                 </a:rPr>
-                <a:t>安生老师</a:t>
+                <a:t>阿媛老师</a:t>
               </a:r>
               <a:r>
                 <a:rPr lang="zh-CN" altLang="en-US" dirty="0">
@@ -6398,7 +6398,7 @@
                   <a:ea typeface="微软雅黑" panose="020B0503020204020204" pitchFamily="34" charset="-122"/>
                   <a:sym typeface="+mn-ea"/>
                 </a:rPr>
-                <a:t>669100976</a:t>
+                <a:t>2807762965</a:t>
               </a:r>
               <a:endParaRPr lang="en-US" altLang="zh-CN" b="1" dirty="0">
                 <a:solidFill>
@@ -9877,6 +9877,30 @@
           </a:p>
         </p:txBody>
       </p:sp>
+      <p:pic>
+        <p:nvPicPr>
+          <p:cNvPr id="3" name="图片 2" descr="$[3O9%)TH{WYI~7FGYGANT9"/>
+          <p:cNvPicPr>
+            <a:picLocks noChangeAspect="1"/>
+          </p:cNvPicPr>
+          <p:nvPr/>
+        </p:nvPicPr>
+        <p:blipFill>
+          <a:blip r:embed="rId2"/>
+          <a:stretch>
+            <a:fillRect/>
+          </a:stretch>
+        </p:blipFill>
+        <p:spPr>
+          <a:xfrm>
+            <a:off x="810895" y="1159510"/>
+            <a:ext cx="8799830" cy="4352290"/>
+          </a:xfrm>
+          <a:prstGeom prst="rect">
+            <a:avLst/>
+          </a:prstGeom>
+        </p:spPr>
+      </p:pic>
     </p:spTree>
   </p:cSld>
   <p:clrMapOvr>
@@ -10421,6 +10445,30 @@
           </a:p>
         </p:txBody>
       </p:sp>
+      <p:pic>
+        <p:nvPicPr>
+          <p:cNvPr id="3" name="图片 2"/>
+          <p:cNvPicPr>
+            <a:picLocks noChangeAspect="1"/>
+          </p:cNvPicPr>
+          <p:nvPr/>
+        </p:nvPicPr>
+        <p:blipFill>
+          <a:blip r:embed="rId2"/>
+          <a:stretch>
+            <a:fillRect/>
+          </a:stretch>
+        </p:blipFill>
+        <p:spPr>
+          <a:xfrm>
+            <a:off x="924560" y="1691640"/>
+            <a:ext cx="7619365" cy="2828290"/>
+          </a:xfrm>
+          <a:prstGeom prst="rect">
+            <a:avLst/>
+          </a:prstGeom>
+        </p:spPr>
+      </p:pic>
     </p:spTree>
   </p:cSld>
   <p:clrMapOvr>
@@ -31441,9 +31489,9 @@
         <p:grpSpPr>
           <a:xfrm>
             <a:off x="6359105" y="5531207"/>
-            <a:ext cx="3796877" cy="368300"/>
+            <a:ext cx="3930862" cy="368300"/>
             <a:chOff x="4060522" y="5638470"/>
-            <a:chExt cx="3796877" cy="368300"/>
+            <a:chExt cx="3930862" cy="368300"/>
           </a:xfrm>
         </p:grpSpPr>
         <p:grpSp>
@@ -32047,7 +32095,7 @@
           <p:spPr bwMode="auto">
             <a:xfrm>
               <a:off x="4411254" y="5638470"/>
-              <a:ext cx="3446145" cy="368300"/>
+              <a:ext cx="3580130" cy="368300"/>
             </a:xfrm>
             <a:prstGeom prst="rect">
               <a:avLst/>
@@ -32101,12 +32149,34 @@
                 <a:t>课程咨询</a:t>
               </a:r>
               <a:r>
-                <a:rPr lang="zh-CN" altLang="en-US" smtClean="0">
+                <a:rPr dirty="0">
+                  <a:solidFill>
+                    <a:srgbClr val="7A7A7A"/>
+                  </a:solidFill>
                   <a:latin typeface="微软雅黑" panose="020B0503020204020204" pitchFamily="34" charset="-122"/>
                   <a:ea typeface="微软雅黑" panose="020B0503020204020204" pitchFamily="34" charset="-122"/>
                   <a:sym typeface="+mn-ea"/>
                 </a:rPr>
-                <a:t>安生老师：669100976</a:t>
+                <a:t>阿媛老师</a:t>
+              </a:r>
+              <a:r>
+                <a:rPr lang="zh-CN" altLang="en-US" dirty="0">
+                  <a:latin typeface="微软雅黑" panose="020B0503020204020204" pitchFamily="34" charset="-122"/>
+                  <a:ea typeface="微软雅黑" panose="020B0503020204020204" pitchFamily="34" charset="-122"/>
+                  <a:sym typeface="+mn-ea"/>
+                </a:rPr>
+                <a:t>：</a:t>
+              </a:r>
+              <a:r>
+                <a:rPr dirty="0">
+                  <a:solidFill>
+                    <a:srgbClr val="7A7A7A"/>
+                  </a:solidFill>
+                  <a:latin typeface="微软雅黑" panose="020B0503020204020204" pitchFamily="34" charset="-122"/>
+                  <a:ea typeface="微软雅黑" panose="020B0503020204020204" pitchFamily="34" charset="-122"/>
+                  <a:sym typeface="+mn-ea"/>
+                </a:rPr>
+                <a:t>2807762965</a:t>
               </a:r>
               <a:endParaRPr lang="en-US" altLang="zh-CN" dirty="0">
                 <a:latin typeface="微软雅黑" panose="020B0503020204020204" pitchFamily="34" charset="-122"/>

--- a/pre/缓存.pptx
+++ b/pre/缓存.pptx
@@ -30,13 +30,14 @@
     <p:sldId id="782" r:id="rId23"/>
     <p:sldId id="654" r:id="rId24"/>
     <p:sldId id="794" r:id="rId25"/>
-    <p:sldId id="783" r:id="rId26"/>
-    <p:sldId id="784" r:id="rId27"/>
-    <p:sldId id="785" r:id="rId28"/>
-    <p:sldId id="786" r:id="rId29"/>
-    <p:sldId id="787" r:id="rId30"/>
-    <p:sldId id="788" r:id="rId31"/>
-    <p:sldId id="350" r:id="rId32"/>
+    <p:sldId id="807" r:id="rId26"/>
+    <p:sldId id="783" r:id="rId27"/>
+    <p:sldId id="784" r:id="rId28"/>
+    <p:sldId id="785" r:id="rId29"/>
+    <p:sldId id="786" r:id="rId30"/>
+    <p:sldId id="787" r:id="rId31"/>
+    <p:sldId id="788" r:id="rId32"/>
+    <p:sldId id="350" r:id="rId33"/>
   </p:sldIdLst>
   <p:sldSz cx="12192000" cy="6858000"/>
   <p:notesSz cx="6858000" cy="9144000"/>
@@ -843,7 +844,47 @@
           <a:bodyPr/>
           <a:lstStyle/>
           <a:p>
-            <a:endParaRPr lang="zh-CN" altLang="en-US" dirty="0"/>
+            <a:pPr marL="0" marR="0" indent="0" algn="l" defTabSz="914400" rtl="0" eaLnBrk="1" fontAlgn="auto" latinLnBrk="0" hangingPunct="1">
+              <a:lnSpc>
+                <a:spcPct val="100000"/>
+              </a:lnSpc>
+              <a:spcBef>
+                <a:spcPts val="0"/>
+              </a:spcBef>
+              <a:spcAft>
+                <a:spcPts val="0"/>
+              </a:spcAft>
+              <a:buClrTx/>
+              <a:buSzTx/>
+              <a:buFontTx/>
+              <a:buNone/>
+              <a:defRPr/>
+            </a:pPr>
+            <a:r>
+              <a:rPr lang="zh-CN" altLang="en-US" sz="1200" b="1" i="0" u="none" strike="noStrike" kern="1200" smtClean="0">
+                <a:solidFill>
+                  <a:schemeClr val="tx1"/>
+                </a:solidFill>
+                <a:effectLst/>
+                <a:latin typeface="+mn-lt"/>
+                <a:ea typeface="+mn-ea"/>
+                <a:cs typeface="+mn-cs"/>
+                <a:hlinkClick r:id="rId3"/>
+              </a:rPr>
+              <a:t>猫大叫一声，所有的老鼠都开始逃跑，主人被惊醒。</a:t>
+            </a:r>
+            <a:endParaRPr lang="zh-CN" altLang="en-US" sz="1200" b="1" i="0" kern="1200" smtClean="0">
+              <a:solidFill>
+                <a:schemeClr val="tx1"/>
+              </a:solidFill>
+              <a:effectLst/>
+              <a:latin typeface="+mn-lt"/>
+              <a:ea typeface="+mn-ea"/>
+              <a:cs typeface="+mn-cs"/>
+            </a:endParaRPr>
+          </a:p>
+          <a:p>
+            <a:endParaRPr lang="zh-CN" altLang="en-US"/>
           </a:p>
         </p:txBody>
       </p:sp>
@@ -956,6 +997,84 @@
 </file>
 
 <file path=ppt/notesSlides/notesSlide6.xml><?xml version="1.0" encoding="utf-8"?>
+<p:notes xmlns:a="http://schemas.openxmlformats.org/drawingml/2006/main" xmlns:r="http://schemas.openxmlformats.org/officeDocument/2006/relationships" xmlns:p="http://schemas.openxmlformats.org/presentationml/2006/main">
+  <p:cSld>
+    <p:spTree>
+      <p:nvGrpSpPr>
+        <p:cNvPr id="1" name=""/>
+        <p:cNvGrpSpPr/>
+        <p:nvPr/>
+      </p:nvGrpSpPr>
+      <p:grpSpPr>
+        <a:xfrm>
+          <a:off x="0" y="0"/>
+          <a:ext cx="0" cy="0"/>
+          <a:chOff x="0" y="0"/>
+          <a:chExt cx="0" cy="0"/>
+        </a:xfrm>
+      </p:grpSpPr>
+      <p:sp>
+        <p:nvSpPr>
+          <p:cNvPr id="2" name="幻灯片图像占位符 1"/>
+          <p:cNvSpPr>
+            <a:spLocks noGrp="1" noRot="1" noChangeAspect="1"/>
+          </p:cNvSpPr>
+          <p:nvPr>
+            <p:ph type="sldImg"/>
+          </p:nvPr>
+        </p:nvSpPr>
+        <p:spPr/>
+      </p:sp>
+      <p:sp>
+        <p:nvSpPr>
+          <p:cNvPr id="3" name="备注占位符 2"/>
+          <p:cNvSpPr>
+            <a:spLocks noGrp="1"/>
+          </p:cNvSpPr>
+          <p:nvPr>
+            <p:ph type="body" idx="1"/>
+          </p:nvPr>
+        </p:nvSpPr>
+        <p:spPr/>
+        <p:txBody>
+          <a:bodyPr/>
+          <a:lstStyle/>
+          <a:p>
+            <a:endParaRPr lang="zh-CN" altLang="en-US" dirty="0"/>
+          </a:p>
+        </p:txBody>
+      </p:sp>
+      <p:sp>
+        <p:nvSpPr>
+          <p:cNvPr id="4" name="灯片编号占位符 3"/>
+          <p:cNvSpPr>
+            <a:spLocks noGrp="1"/>
+          </p:cNvSpPr>
+          <p:nvPr>
+            <p:ph type="sldNum" sz="quarter" idx="10"/>
+          </p:nvPr>
+        </p:nvSpPr>
+        <p:spPr/>
+        <p:txBody>
+          <a:bodyPr/>
+          <a:lstStyle/>
+          <a:p>
+            <a:fld id="{50286AFD-4707-4CD9-9835-ABA1131554EB}" type="slidenum">
+              <a:rPr lang="zh-CN" altLang="en-US" smtClean="0"/>
+            </a:fld>
+            <a:endParaRPr lang="zh-CN" altLang="en-US"/>
+          </a:p>
+        </p:txBody>
+      </p:sp>
+    </p:spTree>
+  </p:cSld>
+  <p:clrMapOvr>
+    <a:masterClrMapping/>
+  </p:clrMapOvr>
+</p:notes>
+</file>
+
+<file path=ppt/notesSlides/notesSlide7.xml><?xml version="1.0" encoding="utf-8"?>
 <p:notes xmlns:a="http://schemas.openxmlformats.org/drawingml/2006/main" xmlns:r="http://schemas.openxmlformats.org/officeDocument/2006/relationships" xmlns:p="http://schemas.openxmlformats.org/presentationml/2006/main">
   <p:cSld>
     <p:spTree>
@@ -15958,6 +16077,681 @@
         </p:nvSpPr>
         <p:spPr bwMode="auto">
           <a:xfrm>
+            <a:off x="554990" y="370840"/>
+            <a:ext cx="6010275" cy="410210"/>
+          </a:xfrm>
+          <a:prstGeom prst="rect">
+            <a:avLst/>
+          </a:prstGeom>
+          <a:noFill/>
+          <a:ln>
+            <a:noFill/>
+          </a:ln>
+          <a:extLst>
+            <a:ext uri="{909E8E84-426E-40DD-AFC4-6F175D3DCCD1}">
+              <a14:hiddenFill xmlns:a14="http://schemas.microsoft.com/office/drawing/2010/main">
+                <a:solidFill>
+                  <a:srgbClr val="FFFFFF"/>
+                </a:solidFill>
+              </a14:hiddenFill>
+            </a:ext>
+            <a:ext uri="{91240B29-F687-4F45-9708-019B960494DF}">
+              <a14:hiddenLine xmlns:a14="http://schemas.microsoft.com/office/drawing/2010/main" w="9525">
+                <a:solidFill>
+                  <a:srgbClr val="000000"/>
+                </a:solidFill>
+                <a:miter lim="800000"/>
+                <a:headEnd/>
+                <a:tailEnd/>
+              </a14:hiddenLine>
+            </a:ext>
+          </a:extLst>
+        </p:spPr>
+        <p:txBody>
+          <a:bodyPr wrap="square" lIns="0" tIns="0" rIns="0" bIns="0">
+            <a:spAutoFit/>
+          </a:bodyPr>
+          <a:lstStyle/>
+          <a:p>
+            <a:pPr defTabSz="1218565"/>
+            <a:r>
+              <a:rPr lang="en-US" altLang="zh-CN" sz="2665" dirty="0">
+                <a:solidFill>
+                  <a:srgbClr val="1D69A3"/>
+                </a:solidFill>
+                <a:latin typeface="微软雅黑" panose="020B0503020204020204" pitchFamily="34" charset="-122"/>
+                <a:ea typeface="微软雅黑" panose="020B0503020204020204" pitchFamily="34" charset="-122"/>
+              </a:rPr>
+              <a:t>DiskLruCache</a:t>
+            </a:r>
+            <a:r>
+              <a:rPr lang="zh-CN" altLang="en-US" sz="2665" dirty="0">
+                <a:solidFill>
+                  <a:srgbClr val="1D69A3"/>
+                </a:solidFill>
+                <a:latin typeface="微软雅黑" panose="020B0503020204020204" pitchFamily="34" charset="-122"/>
+                <a:ea typeface="微软雅黑" panose="020B0503020204020204" pitchFamily="34" charset="-122"/>
+              </a:rPr>
+              <a:t>解析</a:t>
+            </a:r>
+            <a:endParaRPr lang="zh-CN" altLang="en-US" sz="2665" dirty="0">
+              <a:solidFill>
+                <a:srgbClr val="1D69A3"/>
+              </a:solidFill>
+              <a:latin typeface="微软雅黑" panose="020B0503020204020204" pitchFamily="34" charset="-122"/>
+              <a:ea typeface="微软雅黑" panose="020B0503020204020204" pitchFamily="34" charset="-122"/>
+            </a:endParaRPr>
+          </a:p>
+        </p:txBody>
+      </p:sp>
+      <p:grpSp>
+        <p:nvGrpSpPr>
+          <p:cNvPr id="48" name="PA_组合 47"/>
+          <p:cNvGrpSpPr/>
+          <p:nvPr>
+            <p:custDataLst>
+              <p:tags r:id="rId2"/>
+            </p:custDataLst>
+          </p:nvPr>
+        </p:nvGrpSpPr>
+        <p:grpSpPr>
+          <a:xfrm>
+            <a:off x="554877" y="932724"/>
+            <a:ext cx="1199456" cy="74689"/>
+            <a:chOff x="0" y="2842590"/>
+            <a:chExt cx="7054752" cy="89199"/>
+          </a:xfrm>
+        </p:grpSpPr>
+        <p:sp>
+          <p:nvSpPr>
+            <p:cNvPr id="49" name="矩形 48"/>
+            <p:cNvSpPr/>
+            <p:nvPr/>
+          </p:nvSpPr>
+          <p:spPr>
+            <a:xfrm>
+              <a:off x="0" y="2842590"/>
+              <a:ext cx="1763688" cy="89199"/>
+            </a:xfrm>
+            <a:prstGeom prst="rect">
+              <a:avLst/>
+            </a:prstGeom>
+            <a:solidFill>
+              <a:schemeClr val="accent1"/>
+            </a:solidFill>
+            <a:ln>
+              <a:noFill/>
+            </a:ln>
+          </p:spPr>
+          <p:style>
+            <a:lnRef idx="2">
+              <a:schemeClr val="accent1">
+                <a:shade val="50000"/>
+              </a:schemeClr>
+            </a:lnRef>
+            <a:fillRef idx="1">
+              <a:schemeClr val="accent1"/>
+            </a:fillRef>
+            <a:effectRef idx="0">
+              <a:schemeClr val="accent1"/>
+            </a:effectRef>
+            <a:fontRef idx="minor">
+              <a:schemeClr val="lt1"/>
+            </a:fontRef>
+          </p:style>
+          <p:txBody>
+            <a:bodyPr rtlCol="0" anchor="ctr"/>
+            <a:lstStyle/>
+            <a:p>
+              <a:pPr algn="ctr" defTabSz="1218565"/>
+              <a:endParaRPr lang="zh-CN" altLang="en-US" sz="2400">
+                <a:solidFill>
+                  <a:srgbClr val="FFFFFF"/>
+                </a:solidFill>
+                <a:latin typeface="Calibri" panose="020F0502020204030204"/>
+                <a:ea typeface="宋体" panose="02010600030101010101" pitchFamily="2" charset="-122"/>
+              </a:endParaRPr>
+            </a:p>
+          </p:txBody>
+        </p:sp>
+        <p:sp>
+          <p:nvSpPr>
+            <p:cNvPr id="50" name="矩形 49"/>
+            <p:cNvSpPr/>
+            <p:nvPr/>
+          </p:nvSpPr>
+          <p:spPr>
+            <a:xfrm>
+              <a:off x="1763688" y="2842590"/>
+              <a:ext cx="1763688" cy="89199"/>
+            </a:xfrm>
+            <a:prstGeom prst="rect">
+              <a:avLst/>
+            </a:prstGeom>
+            <a:solidFill>
+              <a:schemeClr val="accent2"/>
+            </a:solidFill>
+            <a:ln>
+              <a:noFill/>
+            </a:ln>
+          </p:spPr>
+          <p:style>
+            <a:lnRef idx="2">
+              <a:schemeClr val="accent1">
+                <a:shade val="50000"/>
+              </a:schemeClr>
+            </a:lnRef>
+            <a:fillRef idx="1">
+              <a:schemeClr val="accent1"/>
+            </a:fillRef>
+            <a:effectRef idx="0">
+              <a:schemeClr val="accent1"/>
+            </a:effectRef>
+            <a:fontRef idx="minor">
+              <a:schemeClr val="lt1"/>
+            </a:fontRef>
+          </p:style>
+          <p:txBody>
+            <a:bodyPr rtlCol="0" anchor="ctr"/>
+            <a:lstStyle/>
+            <a:p>
+              <a:pPr algn="ctr" defTabSz="1218565"/>
+              <a:endParaRPr lang="zh-CN" altLang="en-US" sz="2400">
+                <a:solidFill>
+                  <a:srgbClr val="FFFFFF"/>
+                </a:solidFill>
+                <a:latin typeface="Calibri" panose="020F0502020204030204"/>
+                <a:ea typeface="宋体" panose="02010600030101010101" pitchFamily="2" charset="-122"/>
+              </a:endParaRPr>
+            </a:p>
+          </p:txBody>
+        </p:sp>
+        <p:sp>
+          <p:nvSpPr>
+            <p:cNvPr id="51" name="矩形 50"/>
+            <p:cNvSpPr/>
+            <p:nvPr/>
+          </p:nvSpPr>
+          <p:spPr>
+            <a:xfrm>
+              <a:off x="3527376" y="2842590"/>
+              <a:ext cx="1763688" cy="89199"/>
+            </a:xfrm>
+            <a:prstGeom prst="rect">
+              <a:avLst/>
+            </a:prstGeom>
+            <a:solidFill>
+              <a:schemeClr val="accent3"/>
+            </a:solidFill>
+            <a:ln>
+              <a:noFill/>
+            </a:ln>
+          </p:spPr>
+          <p:style>
+            <a:lnRef idx="2">
+              <a:schemeClr val="accent1">
+                <a:shade val="50000"/>
+              </a:schemeClr>
+            </a:lnRef>
+            <a:fillRef idx="1">
+              <a:schemeClr val="accent1"/>
+            </a:fillRef>
+            <a:effectRef idx="0">
+              <a:schemeClr val="accent1"/>
+            </a:effectRef>
+            <a:fontRef idx="minor">
+              <a:schemeClr val="lt1"/>
+            </a:fontRef>
+          </p:style>
+          <p:txBody>
+            <a:bodyPr rtlCol="0" anchor="ctr"/>
+            <a:lstStyle/>
+            <a:p>
+              <a:pPr algn="ctr" defTabSz="1218565"/>
+              <a:endParaRPr lang="zh-CN" altLang="en-US" sz="2400">
+                <a:solidFill>
+                  <a:srgbClr val="FFFFFF"/>
+                </a:solidFill>
+                <a:latin typeface="Calibri" panose="020F0502020204030204"/>
+                <a:ea typeface="宋体" panose="02010600030101010101" pitchFamily="2" charset="-122"/>
+              </a:endParaRPr>
+            </a:p>
+          </p:txBody>
+        </p:sp>
+        <p:sp>
+          <p:nvSpPr>
+            <p:cNvPr id="52" name="矩形 51"/>
+            <p:cNvSpPr/>
+            <p:nvPr/>
+          </p:nvSpPr>
+          <p:spPr>
+            <a:xfrm>
+              <a:off x="5291064" y="2842590"/>
+              <a:ext cx="1763688" cy="89199"/>
+            </a:xfrm>
+            <a:prstGeom prst="rect">
+              <a:avLst/>
+            </a:prstGeom>
+            <a:solidFill>
+              <a:schemeClr val="accent4"/>
+            </a:solidFill>
+            <a:ln>
+              <a:noFill/>
+            </a:ln>
+          </p:spPr>
+          <p:style>
+            <a:lnRef idx="2">
+              <a:schemeClr val="accent1">
+                <a:shade val="50000"/>
+              </a:schemeClr>
+            </a:lnRef>
+            <a:fillRef idx="1">
+              <a:schemeClr val="accent1"/>
+            </a:fillRef>
+            <a:effectRef idx="0">
+              <a:schemeClr val="accent1"/>
+            </a:effectRef>
+            <a:fontRef idx="minor">
+              <a:schemeClr val="lt1"/>
+            </a:fontRef>
+          </p:style>
+          <p:txBody>
+            <a:bodyPr rtlCol="0" anchor="ctr"/>
+            <a:lstStyle/>
+            <a:p>
+              <a:pPr algn="ctr" defTabSz="1218565"/>
+              <a:endParaRPr lang="zh-CN" altLang="en-US" sz="2400">
+                <a:solidFill>
+                  <a:srgbClr val="FFFFFF"/>
+                </a:solidFill>
+                <a:latin typeface="Calibri" panose="020F0502020204030204"/>
+                <a:ea typeface="宋体" panose="02010600030101010101" pitchFamily="2" charset="-122"/>
+              </a:endParaRPr>
+            </a:p>
+          </p:txBody>
+        </p:sp>
+      </p:grpSp>
+    </p:spTree>
+  </p:cSld>
+  <p:clrMapOvr>
+    <a:masterClrMapping/>
+  </p:clrMapOvr>
+  <mc:AlternateContent xmlns:mc="http://schemas.openxmlformats.org/markup-compatibility/2006">
+    <mc:Choice xmlns:p14="http://schemas.microsoft.com/office/powerpoint/2010/main" Requires="p14">
+      <p:transition spd="slow" p14:dur="1500">
+        <p:random/>
+      </p:transition>
+    </mc:Choice>
+    <mc:Fallback>
+      <p:transition spd="slow">
+        <p:random/>
+      </p:transition>
+    </mc:Fallback>
+  </mc:AlternateContent>
+  <p:timing>
+    <p:tnLst>
+      <p:par>
+        <p:cTn id="1" dur="indefinite" restart="never" nodeType="tmRoot">
+          <p:childTnLst>
+            <p:seq concurrent="1" nextAc="seek">
+              <p:cTn id="2" dur="indefinite" nodeType="mainSeq">
+                <p:childTnLst>
+                  <p:par>
+                    <p:cTn id="3" fill="hold">
+                      <p:stCondLst>
+                        <p:cond delay="indefinite"/>
+                        <p:cond evt="onBegin" delay="0">
+                          <p:tn val="2"/>
+                        </p:cond>
+                      </p:stCondLst>
+                      <p:childTnLst>
+                        <p:par>
+                          <p:cTn id="4" fill="hold">
+                            <p:stCondLst>
+                              <p:cond delay="0"/>
+                            </p:stCondLst>
+                            <p:childTnLst>
+                              <p:par>
+                                <p:cTn id="5" presetID="0" presetClass="entr" presetSubtype="0" fill="hold" grpId="0" nodeType="withEffect">
+                                  <p:stCondLst>
+                                    <p:cond delay="0"/>
+                                  </p:stCondLst>
+                                  <p:iterate type="lt">
+                                    <p:tmPct val="10000"/>
+                                  </p:iterate>
+                                  <p:childTnLst>
+                                    <p:set>
+                                      <p:cBhvr>
+                                        <p:cTn id="6" dur="1" fill="hold">
+                                          <p:stCondLst>
+                                            <p:cond delay="0"/>
+                                          </p:stCondLst>
+                                        </p:cTn>
+                                        <p:tgtEl>
+                                          <p:spTgt spid="47"/>
+                                        </p:tgtEl>
+                                        <p:attrNameLst>
+                                          <p:attrName>style.visibility</p:attrName>
+                                        </p:attrNameLst>
+                                      </p:cBhvr>
+                                      <p:to>
+                                        <p:strVal val="visible"/>
+                                      </p:to>
+                                    </p:set>
+                                    <p:anim to="" calcmode="lin" valueType="num">
+                                      <p:cBhvr>
+                                        <p:cTn id="7" dur="700" fill="hold">
+                                          <p:stCondLst>
+                                            <p:cond delay="0"/>
+                                          </p:stCondLst>
+                                        </p:cTn>
+                                        <p:tgtEl>
+                                          <p:spTgt spid="47"/>
+                                        </p:tgtEl>
+                                        <p:attrNameLst>
+                                          <p:attrName>ppt_x</p:attrName>
+                                        </p:attrNameLst>
+                                      </p:cBhvr>
+                                      <p:tavLst>
+                                        <p:tav tm="0" fmla="#ppt_x-(-#ppt_w/2*cos(ppt_r/180*pi))*((1.5-1.5*$)^2-(1.5-1.5*$)^3)">
+                                          <p:val>
+                                            <p:fltVal val="0"/>
+                                          </p:val>
+                                        </p:tav>
+                                        <p:tav tm="100000">
+                                          <p:val>
+                                            <p:fltVal val="1"/>
+                                          </p:val>
+                                        </p:tav>
+                                      </p:tavLst>
+                                    </p:anim>
+                                    <p:anim to="" calcmode="lin" valueType="num">
+                                      <p:cBhvr>
+                                        <p:cTn id="8" dur="700" fill="hold">
+                                          <p:stCondLst>
+                                            <p:cond delay="0"/>
+                                          </p:stCondLst>
+                                        </p:cTn>
+                                        <p:tgtEl>
+                                          <p:spTgt spid="47"/>
+                                        </p:tgtEl>
+                                        <p:attrNameLst>
+                                          <p:attrName>ppt_y</p:attrName>
+                                        </p:attrNameLst>
+                                      </p:cBhvr>
+                                      <p:tavLst>
+                                        <p:tav tm="0" fmla="#ppt_y+(-#ppt_h/2*cos(ppt_r/180*pi))*((1.5-1.5*$)^2-(1.5-1.5*$)^3)">
+                                          <p:val>
+                                            <p:fltVal val="0"/>
+                                          </p:val>
+                                        </p:tav>
+                                        <p:tav tm="100000">
+                                          <p:val>
+                                            <p:fltVal val="1"/>
+                                          </p:val>
+                                        </p:tav>
+                                      </p:tavLst>
+                                    </p:anim>
+                                    <p:anim to="" calcmode="lin" valueType="num">
+                                      <p:cBhvr>
+                                        <p:cTn id="9" dur="700" fill="hold">
+                                          <p:stCondLst>
+                                            <p:cond delay="0"/>
+                                          </p:stCondLst>
+                                        </p:cTn>
+                                        <p:tgtEl>
+                                          <p:spTgt spid="47"/>
+                                        </p:tgtEl>
+                                        <p:attrNameLst>
+                                          <p:attrName>ppt_h</p:attrName>
+                                        </p:attrNameLst>
+                                      </p:cBhvr>
+                                      <p:tavLst>
+                                        <p:tav tm="0" fmla="#ppt_h-(-#ppt_h)*((1.5-1.5*$)^2-(1.5-1.5*$)^3)">
+                                          <p:val>
+                                            <p:fltVal val="0"/>
+                                          </p:val>
+                                        </p:tav>
+                                        <p:tav tm="100000">
+                                          <p:val>
+                                            <p:fltVal val="1"/>
+                                          </p:val>
+                                        </p:tav>
+                                      </p:tavLst>
+                                    </p:anim>
+                                    <p:anim to="" calcmode="lin" valueType="num">
+                                      <p:cBhvr>
+                                        <p:cTn id="10" dur="700" fill="hold">
+                                          <p:stCondLst>
+                                            <p:cond delay="0"/>
+                                          </p:stCondLst>
+                                        </p:cTn>
+                                        <p:tgtEl>
+                                          <p:spTgt spid="47"/>
+                                        </p:tgtEl>
+                                        <p:attrNameLst>
+                                          <p:attrName>ppt_w</p:attrName>
+                                        </p:attrNameLst>
+                                      </p:cBhvr>
+                                      <p:tavLst>
+                                        <p:tav tm="0" fmla="#ppt_w-(-#ppt_w)*((1.5-1.5*$)^2-(1.5-1.5*$)^3)">
+                                          <p:val>
+                                            <p:fltVal val="0"/>
+                                          </p:val>
+                                        </p:tav>
+                                        <p:tav tm="100000">
+                                          <p:val>
+                                            <p:fltVal val="1"/>
+                                          </p:val>
+                                        </p:tav>
+                                      </p:tavLst>
+                                    </p:anim>
+                                  </p:childTnLst>
+                                </p:cTn>
+                              </p:par>
+                              <p:par>
+                                <p:cTn id="11" presetID="0" presetClass="entr" presetSubtype="0" fill="hold" nodeType="withEffect">
+                                  <p:stCondLst>
+                                    <p:cond delay="0"/>
+                                  </p:stCondLst>
+                                  <p:iterate type="lt">
+                                    <p:tmPct val="10000"/>
+                                  </p:iterate>
+                                  <p:childTnLst>
+                                    <p:set>
+                                      <p:cBhvr>
+                                        <p:cTn id="12" dur="1" fill="hold">
+                                          <p:stCondLst>
+                                            <p:cond delay="0"/>
+                                          </p:stCondLst>
+                                        </p:cTn>
+                                        <p:tgtEl>
+                                          <p:spTgt spid="48"/>
+                                        </p:tgtEl>
+                                        <p:attrNameLst>
+                                          <p:attrName>style.visibility</p:attrName>
+                                        </p:attrNameLst>
+                                      </p:cBhvr>
+                                      <p:to>
+                                        <p:strVal val="visible"/>
+                                      </p:to>
+                                    </p:set>
+                                    <p:anim to="" calcmode="lin" valueType="num">
+                                      <p:cBhvr>
+                                        <p:cTn id="13" dur="700" fill="hold">
+                                          <p:stCondLst>
+                                            <p:cond delay="0"/>
+                                          </p:stCondLst>
+                                        </p:cTn>
+                                        <p:tgtEl>
+                                          <p:spTgt spid="48"/>
+                                        </p:tgtEl>
+                                        <p:attrNameLst>
+                                          <p:attrName>ppt_x</p:attrName>
+                                        </p:attrNameLst>
+                                      </p:cBhvr>
+                                      <p:tavLst>
+                                        <p:tav tm="0" fmla="#ppt_x-(-#ppt_w/2*cos(ppt_r/180*pi))*((1.5-1.5*$)^2-(1.5-1.5*$)^3)">
+                                          <p:val>
+                                            <p:fltVal val="0"/>
+                                          </p:val>
+                                        </p:tav>
+                                        <p:tav tm="100000">
+                                          <p:val>
+                                            <p:fltVal val="1"/>
+                                          </p:val>
+                                        </p:tav>
+                                      </p:tavLst>
+                                    </p:anim>
+                                    <p:anim to="" calcmode="lin" valueType="num">
+                                      <p:cBhvr>
+                                        <p:cTn id="14" dur="700" fill="hold">
+                                          <p:stCondLst>
+                                            <p:cond delay="0"/>
+                                          </p:stCondLst>
+                                        </p:cTn>
+                                        <p:tgtEl>
+                                          <p:spTgt spid="48"/>
+                                        </p:tgtEl>
+                                        <p:attrNameLst>
+                                          <p:attrName>ppt_y</p:attrName>
+                                        </p:attrNameLst>
+                                      </p:cBhvr>
+                                      <p:tavLst>
+                                        <p:tav tm="0" fmla="#ppt_y+(-#ppt_h/2*cos(ppt_r/180*pi))*((1.5-1.5*$)^2-(1.5-1.5*$)^3)">
+                                          <p:val>
+                                            <p:fltVal val="0"/>
+                                          </p:val>
+                                        </p:tav>
+                                        <p:tav tm="100000">
+                                          <p:val>
+                                            <p:fltVal val="1"/>
+                                          </p:val>
+                                        </p:tav>
+                                      </p:tavLst>
+                                    </p:anim>
+                                    <p:anim to="" calcmode="lin" valueType="num">
+                                      <p:cBhvr>
+                                        <p:cTn id="15" dur="700" fill="hold">
+                                          <p:stCondLst>
+                                            <p:cond delay="0"/>
+                                          </p:stCondLst>
+                                        </p:cTn>
+                                        <p:tgtEl>
+                                          <p:spTgt spid="48"/>
+                                        </p:tgtEl>
+                                        <p:attrNameLst>
+                                          <p:attrName>ppt_h</p:attrName>
+                                        </p:attrNameLst>
+                                      </p:cBhvr>
+                                      <p:tavLst>
+                                        <p:tav tm="0" fmla="#ppt_h-(-#ppt_h)*((1.5-1.5*$)^2-(1.5-1.5*$)^3)">
+                                          <p:val>
+                                            <p:fltVal val="0"/>
+                                          </p:val>
+                                        </p:tav>
+                                        <p:tav tm="100000">
+                                          <p:val>
+                                            <p:fltVal val="1"/>
+                                          </p:val>
+                                        </p:tav>
+                                      </p:tavLst>
+                                    </p:anim>
+                                    <p:anim to="" calcmode="lin" valueType="num">
+                                      <p:cBhvr>
+                                        <p:cTn id="16" dur="700" fill="hold">
+                                          <p:stCondLst>
+                                            <p:cond delay="0"/>
+                                          </p:stCondLst>
+                                        </p:cTn>
+                                        <p:tgtEl>
+                                          <p:spTgt spid="48"/>
+                                        </p:tgtEl>
+                                        <p:attrNameLst>
+                                          <p:attrName>ppt_w</p:attrName>
+                                        </p:attrNameLst>
+                                      </p:cBhvr>
+                                      <p:tavLst>
+                                        <p:tav tm="0" fmla="#ppt_w-(-#ppt_w)*((1.5-1.5*$)^2-(1.5-1.5*$)^3)">
+                                          <p:val>
+                                            <p:fltVal val="0"/>
+                                          </p:val>
+                                        </p:tav>
+                                        <p:tav tm="100000">
+                                          <p:val>
+                                            <p:fltVal val="1"/>
+                                          </p:val>
+                                        </p:tav>
+                                      </p:tavLst>
+                                    </p:anim>
+                                  </p:childTnLst>
+                                </p:cTn>
+                              </p:par>
+                            </p:childTnLst>
+                          </p:cTn>
+                        </p:par>
+                      </p:childTnLst>
+                    </p:cTn>
+                  </p:par>
+                </p:childTnLst>
+              </p:cTn>
+              <p:prevCondLst>
+                <p:cond evt="onPrev" delay="0">
+                  <p:tgtEl>
+                    <p:sldTgt/>
+                  </p:tgtEl>
+                </p:cond>
+              </p:prevCondLst>
+              <p:nextCondLst>
+                <p:cond evt="onNext" delay="0">
+                  <p:tgtEl>
+                    <p:sldTgt/>
+                  </p:tgtEl>
+                </p:cond>
+              </p:nextCondLst>
+            </p:seq>
+          </p:childTnLst>
+        </p:cTn>
+      </p:par>
+    </p:tnLst>
+    <p:bldLst>
+      <p:bldP spid="47" grpId="0"/>
+    </p:bldLst>
+  </p:timing>
+</p:sld>
+</file>
+
+<file path=ppt/slides/slide23.xml><?xml version="1.0" encoding="utf-8"?>
+<p:sld xmlns:a="http://schemas.openxmlformats.org/drawingml/2006/main" xmlns:r="http://schemas.openxmlformats.org/officeDocument/2006/relationships" xmlns:p="http://schemas.openxmlformats.org/presentationml/2006/main">
+  <p:cSld>
+    <p:spTree>
+      <p:nvGrpSpPr>
+        <p:cNvPr id="1" name=""/>
+        <p:cNvGrpSpPr/>
+        <p:nvPr/>
+      </p:nvGrpSpPr>
+      <p:grpSpPr>
+        <a:xfrm>
+          <a:off x="0" y="0"/>
+          <a:ext cx="0" cy="0"/>
+          <a:chOff x="0" y="0"/>
+          <a:chExt cx="0" cy="0"/>
+        </a:xfrm>
+      </p:grpSpPr>
+      <p:sp>
+        <p:nvSpPr>
+          <p:cNvPr id="47" name="PA_矩形 39"/>
+          <p:cNvSpPr>
+            <a:spLocks noChangeArrowheads="1"/>
+          </p:cNvSpPr>
+          <p:nvPr>
+            <p:custDataLst>
+              <p:tags r:id="rId1"/>
+            </p:custDataLst>
+          </p:nvPr>
+        </p:nvSpPr>
+        <p:spPr bwMode="auto">
+          <a:xfrm>
             <a:off x="554879" y="371042"/>
             <a:ext cx="3919150" cy="410112"/>
           </a:xfrm>
@@ -21546,7 +22340,7 @@
 </p:sld>
 </file>
 
-<file path=ppt/slides/slide23.xml><?xml version="1.0" encoding="utf-8"?>
+<file path=ppt/slides/slide24.xml><?xml version="1.0" encoding="utf-8"?>
 <p:sld xmlns:a="http://schemas.openxmlformats.org/drawingml/2006/main" xmlns:r="http://schemas.openxmlformats.org/officeDocument/2006/relationships" xmlns:p="http://schemas.openxmlformats.org/presentationml/2006/main">
   <p:cSld>
     <p:spTree>
@@ -21644,7 +22438,7 @@
 </p:sld>
 </file>
 
-<file path=ppt/slides/slide24.xml><?xml version="1.0" encoding="utf-8"?>
+<file path=ppt/slides/slide25.xml><?xml version="1.0" encoding="utf-8"?>
 <p:sld xmlns:a="http://schemas.openxmlformats.org/drawingml/2006/main" xmlns:r="http://schemas.openxmlformats.org/officeDocument/2006/relationships" xmlns:p="http://schemas.openxmlformats.org/presentationml/2006/main">
   <p:cSld>
     <p:spTree>
@@ -22921,7 +23715,7 @@
 </p:sld>
 </file>
 
-<file path=ppt/slides/slide25.xml><?xml version="1.0" encoding="utf-8"?>
+<file path=ppt/slides/slide26.xml><?xml version="1.0" encoding="utf-8"?>
 <p:sld xmlns:a="http://schemas.openxmlformats.org/drawingml/2006/main" xmlns:r="http://schemas.openxmlformats.org/officeDocument/2006/relationships" xmlns:p="http://schemas.openxmlformats.org/presentationml/2006/main">
   <p:cSld>
     <p:spTree>
@@ -28882,7 +29676,7 @@
 </p:sld>
 </file>
 
-<file path=ppt/slides/slide26.xml><?xml version="1.0" encoding="utf-8"?>
+<file path=ppt/slides/slide27.xml><?xml version="1.0" encoding="utf-8"?>
 <p:sld xmlns:a="http://schemas.openxmlformats.org/drawingml/2006/main" xmlns:r="http://schemas.openxmlformats.org/officeDocument/2006/relationships" xmlns:p="http://schemas.openxmlformats.org/presentationml/2006/main">
   <p:cSld>
     <p:spTree>
@@ -30656,7 +31450,7 @@
 </p:sld>
 </file>
 
-<file path=ppt/slides/slide27.xml><?xml version="1.0" encoding="utf-8"?>
+<file path=ppt/slides/slide28.xml><?xml version="1.0" encoding="utf-8"?>
 <p:sld xmlns:a="http://schemas.openxmlformats.org/drawingml/2006/main" xmlns:r="http://schemas.openxmlformats.org/officeDocument/2006/relationships" xmlns:p="http://schemas.openxmlformats.org/presentationml/2006/main">
   <p:cSld>
     <p:spTree>
@@ -30852,7 +31646,7 @@
 </p:sld>
 </file>
 
-<file path=ppt/slides/slide28.xml><?xml version="1.0" encoding="utf-8"?>
+<file path=ppt/slides/slide29.xml><?xml version="1.0" encoding="utf-8"?>
 <p:sld xmlns:a="http://schemas.openxmlformats.org/drawingml/2006/main" xmlns:r="http://schemas.openxmlformats.org/officeDocument/2006/relationships" xmlns:p="http://schemas.openxmlformats.org/presentationml/2006/main">
   <p:cSld>
     <p:spTree>
@@ -46208,6 +47002,18 @@
 </p:tagLst>
 </file>
 
+<file path=ppt/tags/tag67.xml><?xml version="1.0" encoding="utf-8"?>
+<p:tagLst xmlns:p="http://schemas.openxmlformats.org/presentationml/2006/main">
+  <p:tag name="PA" val="v4.1.3"/>
+</p:tagLst>
+</file>
+
+<file path=ppt/tags/tag68.xml><?xml version="1.0" encoding="utf-8"?>
+<p:tagLst xmlns:p="http://schemas.openxmlformats.org/presentationml/2006/main">
+  <p:tag name="PA" val="v4.1.3"/>
+</p:tagLst>
+</file>
+
 <file path=ppt/tags/tag7.xml><?xml version="1.0" encoding="utf-8"?>
 <p:tagLst xmlns:p="http://schemas.openxmlformats.org/presentationml/2006/main">
   <p:tag name="PA" val="v4.1.3"/>

--- a/pre/缓存.pptx
+++ b/pre/缓存.pptx
@@ -14,30 +14,31 @@
     <p:sldId id="562" r:id="rId6"/>
     <p:sldId id="563" r:id="rId8"/>
     <p:sldId id="604" r:id="rId9"/>
-    <p:sldId id="761" r:id="rId10"/>
-    <p:sldId id="776" r:id="rId11"/>
-    <p:sldId id="777" r:id="rId12"/>
-    <p:sldId id="778" r:id="rId13"/>
-    <p:sldId id="779" r:id="rId14"/>
-    <p:sldId id="789" r:id="rId15"/>
-    <p:sldId id="790" r:id="rId16"/>
-    <p:sldId id="791" r:id="rId17"/>
-    <p:sldId id="792" r:id="rId18"/>
-    <p:sldId id="793" r:id="rId19"/>
-    <p:sldId id="780" r:id="rId20"/>
-    <p:sldId id="775" r:id="rId21"/>
-    <p:sldId id="781" r:id="rId22"/>
-    <p:sldId id="782" r:id="rId23"/>
-    <p:sldId id="654" r:id="rId24"/>
-    <p:sldId id="794" r:id="rId25"/>
-    <p:sldId id="807" r:id="rId26"/>
-    <p:sldId id="783" r:id="rId27"/>
-    <p:sldId id="784" r:id="rId28"/>
-    <p:sldId id="785" r:id="rId29"/>
-    <p:sldId id="786" r:id="rId30"/>
-    <p:sldId id="787" r:id="rId31"/>
-    <p:sldId id="788" r:id="rId32"/>
-    <p:sldId id="350" r:id="rId33"/>
+    <p:sldId id="808" r:id="rId10"/>
+    <p:sldId id="761" r:id="rId11"/>
+    <p:sldId id="776" r:id="rId12"/>
+    <p:sldId id="777" r:id="rId13"/>
+    <p:sldId id="778" r:id="rId14"/>
+    <p:sldId id="779" r:id="rId15"/>
+    <p:sldId id="789" r:id="rId16"/>
+    <p:sldId id="790" r:id="rId17"/>
+    <p:sldId id="791" r:id="rId18"/>
+    <p:sldId id="792" r:id="rId19"/>
+    <p:sldId id="793" r:id="rId20"/>
+    <p:sldId id="780" r:id="rId21"/>
+    <p:sldId id="775" r:id="rId22"/>
+    <p:sldId id="781" r:id="rId23"/>
+    <p:sldId id="782" r:id="rId24"/>
+    <p:sldId id="654" r:id="rId25"/>
+    <p:sldId id="794" r:id="rId26"/>
+    <p:sldId id="807" r:id="rId27"/>
+    <p:sldId id="783" r:id="rId28"/>
+    <p:sldId id="784" r:id="rId29"/>
+    <p:sldId id="785" r:id="rId30"/>
+    <p:sldId id="786" r:id="rId31"/>
+    <p:sldId id="787" r:id="rId32"/>
+    <p:sldId id="788" r:id="rId33"/>
+    <p:sldId id="350" r:id="rId34"/>
   </p:sldIdLst>
   <p:sldSz cx="12192000" cy="6858000"/>
   <p:notesSz cx="6858000" cy="9144000"/>
@@ -7227,7 +7228,7 @@
                 <a:latin typeface="微软雅黑" panose="020B0503020204020204" pitchFamily="34" charset="-122"/>
                 <a:ea typeface="微软雅黑" panose="020B0503020204020204" pitchFamily="34" charset="-122"/>
               </a:rPr>
-              <a:t>常见的缓存算法？</a:t>
+              <a:t>缓存算法？</a:t>
             </a:r>
             <a:endParaRPr lang="zh-CN" altLang="en-US" sz="2665" dirty="0" smtClean="0">
               <a:solidFill>
@@ -7241,14 +7242,14 @@
       </p:sp>
       <p:sp>
         <p:nvSpPr>
-          <p:cNvPr id="6" name="文本框 5"/>
+          <p:cNvPr id="7" name="文本框 6"/>
           <p:cNvSpPr txBox="1"/>
           <p:nvPr/>
         </p:nvSpPr>
         <p:spPr>
           <a:xfrm>
-            <a:off x="713105" y="1369060"/>
-            <a:ext cx="3667760" cy="368300"/>
+            <a:off x="593090" y="1758950"/>
+            <a:ext cx="9046845" cy="2584450"/>
           </a:xfrm>
           <a:prstGeom prst="rect">
             <a:avLst/>
@@ -7261,69 +7262,29 @@
           </a:bodyPr>
           <a:p>
             <a:r>
+              <a:rPr lang="zh-CN" altLang="en-US">
+                <a:solidFill>
+                  <a:schemeClr val="accent1"/>
+                </a:solidFill>
+                <a:effectLst>
+                  <a:outerShdw blurRad="38100" dist="25400" dir="5400000" algn="ctr" rotWithShape="0">
+                    <a:srgbClr val="6E747A">
+                      <a:alpha val="43000"/>
+                    </a:srgbClr>
+                  </a:outerShdw>
+                </a:effectLst>
+              </a:rPr>
+              <a:t>概论</a:t>
+            </a:r>
+            <a:r>
               <a:rPr lang="zh-CN" altLang="en-US"/>
-              <a:t>Least Frequently Used（LFU）</a:t>
+              <a:t> </a:t>
             </a:r>
             <a:endParaRPr lang="zh-CN" altLang="en-US"/>
           </a:p>
-        </p:txBody>
-      </p:sp>
-      <p:sp>
-        <p:nvSpPr>
-          <p:cNvPr id="7" name="文本框 6"/>
-          <p:cNvSpPr txBox="1"/>
-          <p:nvPr/>
-        </p:nvSpPr>
-        <p:spPr>
-          <a:xfrm>
-            <a:off x="713105" y="2034540"/>
-            <a:ext cx="6245860" cy="645160"/>
-          </a:xfrm>
-          <a:prstGeom prst="rect">
-            <a:avLst/>
-          </a:prstGeom>
-          <a:noFill/>
-        </p:spPr>
-        <p:txBody>
-          <a:bodyPr wrap="square" rtlCol="0" anchor="t">
-            <a:spAutoFit/>
-          </a:bodyPr>
           <a:p>
             <a:r>
-              <a:rPr lang="zh-CN" altLang="en-US"/>
-              <a:t>计算为每个缓存对象计算他们被使用的频率。然后把最不常用的缓存对象踢走</a:t>
-            </a:r>
-            <a:endParaRPr lang="zh-CN" altLang="en-US"/>
-          </a:p>
-        </p:txBody>
-      </p:sp>
-      <p:sp>
-        <p:nvSpPr>
-          <p:cNvPr id="8" name="文本框 7"/>
-          <p:cNvSpPr txBox="1"/>
-          <p:nvPr/>
-        </p:nvSpPr>
-        <p:spPr>
-          <a:xfrm>
-            <a:off x="713105" y="2976880"/>
-            <a:ext cx="5634355" cy="460375"/>
-          </a:xfrm>
-          <a:prstGeom prst="rect">
-            <a:avLst/>
-          </a:prstGeom>
-          <a:noFill/>
-        </p:spPr>
-        <p:txBody>
-          <a:bodyPr wrap="square" rtlCol="0" anchor="t">
-            <a:spAutoFit/>
-            <a:scene3d>
-              <a:camera prst="orthographicFront"/>
-              <a:lightRig rig="threePt" dir="t"/>
-            </a:scene3d>
-          </a:bodyPr>
-          <a:p>
-            <a:r>
-              <a:rPr lang="zh-CN" altLang="en-US" sz="2400">
+              <a:rPr lang="zh-CN" altLang="en-US">
                 <a:ln w="6600">
                   <a:solidFill>
                     <a:schemeClr val="accent2"/>
@@ -7339,9 +7300,9 @@
                   </a:outerShdw>
                 </a:effectLst>
               </a:rPr>
-              <a:t>Least Recently User（LRU）</a:t>
+              <a:t>缓存算法应该考虑哪些点？</a:t>
             </a:r>
-            <a:endParaRPr lang="zh-CN" altLang="en-US" sz="2400">
+            <a:endParaRPr lang="zh-CN" altLang="en-US">
               <a:ln w="6600">
                 <a:solidFill>
                   <a:schemeClr val="accent2"/>
@@ -7358,32 +7319,9 @@
               </a:effectLst>
             </a:endParaRPr>
           </a:p>
-        </p:txBody>
-      </p:sp>
-      <p:sp>
-        <p:nvSpPr>
-          <p:cNvPr id="9" name="文本框 8"/>
-          <p:cNvSpPr txBox="1"/>
-          <p:nvPr/>
-        </p:nvSpPr>
-        <p:spPr>
-          <a:xfrm>
-            <a:off x="713105" y="3734435"/>
-            <a:ext cx="3658235" cy="368300"/>
-          </a:xfrm>
-          <a:prstGeom prst="rect">
-            <a:avLst/>
-          </a:prstGeom>
-          <a:noFill/>
-        </p:spPr>
-        <p:txBody>
-          <a:bodyPr wrap="square" rtlCol="0" anchor="t">
-            <a:spAutoFit/>
-            <a:scene3d>
-              <a:camera prst="orthographicFront"/>
-              <a:lightRig rig="threePt" dir="t"/>
-            </a:scene3d>
-          </a:bodyPr>
+          <a:p>
+            <a:endParaRPr lang="zh-CN" altLang="en-US"/>
+          </a:p>
           <a:p>
             <a:r>
               <a:rPr lang="zh-CN" altLang="en-US">
@@ -7410,32 +7348,87 @@
                   </a:outerShdw>
                 </a:effectLst>
               </a:rPr>
-              <a:t>把最近最少使用的缓存对象给踢走</a:t>
+              <a:t>成本</a:t>
             </a:r>
-            <a:endParaRPr lang="zh-CN" altLang="en-US">
-              <a:ln w="12700">
-                <a:solidFill>
-                  <a:schemeClr val="accent1"/>
-                </a:solidFill>
-                <a:prstDash val="solid"/>
-              </a:ln>
-              <a:pattFill prst="pct50">
-                <a:fgClr>
-                  <a:schemeClr val="accent1"/>
-                </a:fgClr>
-                <a:bgClr>
-                  <a:schemeClr val="accent1">
-                    <a:lumMod val="20000"/>
-                    <a:lumOff val="80000"/>
-                  </a:schemeClr>
-                </a:bgClr>
-              </a:pattFill>
-              <a:effectLst>
-                <a:outerShdw dist="38100" dir="2640000" algn="bl" rotWithShape="0">
-                  <a:schemeClr val="accent1"/>
-                </a:outerShdw>
-              </a:effectLst>
-            </a:endParaRPr>
+            <a:r>
+              <a:rPr lang="zh-CN" altLang="en-US"/>
+              <a:t> 如果缓存对象有不同的成本，应该把那些难以获得的对象保存下来</a:t>
+            </a:r>
+            <a:endParaRPr lang="zh-CN" altLang="en-US"/>
+          </a:p>
+          <a:p>
+            <a:endParaRPr lang="zh-CN" altLang="en-US"/>
+          </a:p>
+          <a:p>
+            <a:r>
+              <a:rPr lang="zh-CN" altLang="en-US">
+                <a:ln w="12700">
+                  <a:solidFill>
+                    <a:schemeClr val="accent1"/>
+                  </a:solidFill>
+                  <a:prstDash val="solid"/>
+                </a:ln>
+                <a:pattFill prst="pct50">
+                  <a:fgClr>
+                    <a:schemeClr val="accent1"/>
+                  </a:fgClr>
+                  <a:bgClr>
+                    <a:schemeClr val="accent1">
+                      <a:lumMod val="20000"/>
+                      <a:lumOff val="80000"/>
+                    </a:schemeClr>
+                  </a:bgClr>
+                </a:pattFill>
+                <a:effectLst>
+                  <a:outerShdw dist="38100" dir="2640000" algn="bl" rotWithShape="0">
+                    <a:schemeClr val="accent1"/>
+                  </a:outerShdw>
+                </a:effectLst>
+              </a:rPr>
+              <a:t>容量</a:t>
+            </a:r>
+            <a:r>
+              <a:rPr lang="zh-CN" altLang="en-US"/>
+              <a:t> 如果缓存对象有不同的大小，应该把那些大的缓存对象清除，这样就可以让更多的小缓存对象进来了</a:t>
+            </a:r>
+            <a:endParaRPr lang="zh-CN" altLang="en-US"/>
+          </a:p>
+          <a:p>
+            <a:endParaRPr lang="zh-CN" altLang="en-US"/>
+          </a:p>
+          <a:p>
+            <a:r>
+              <a:rPr lang="zh-CN" altLang="en-US">
+                <a:ln w="12700">
+                  <a:solidFill>
+                    <a:schemeClr val="accent1"/>
+                  </a:solidFill>
+                  <a:prstDash val="solid"/>
+                </a:ln>
+                <a:pattFill prst="pct50">
+                  <a:fgClr>
+                    <a:schemeClr val="accent1"/>
+                  </a:fgClr>
+                  <a:bgClr>
+                    <a:schemeClr val="accent1">
+                      <a:lumMod val="20000"/>
+                      <a:lumOff val="80000"/>
+                    </a:schemeClr>
+                  </a:bgClr>
+                </a:pattFill>
+                <a:effectLst>
+                  <a:outerShdw dist="38100" dir="2640000" algn="bl" rotWithShape="0">
+                    <a:schemeClr val="accent1"/>
+                  </a:outerShdw>
+                </a:effectLst>
+              </a:rPr>
+              <a:t>时间</a:t>
+            </a:r>
+            <a:r>
+              <a:rPr lang="zh-CN" altLang="en-US"/>
+              <a:t> 一些缓存还保存着缓存的过期时间。电脑会失效他们，因为他们已经过期了</a:t>
+            </a:r>
+            <a:endParaRPr lang="zh-CN" altLang="en-US"/>
           </a:p>
         </p:txBody>
       </p:sp>
@@ -7969,6 +7962,728 @@
         </p:nvSpPr>
         <p:spPr>
           <a:xfrm>
+            <a:off x="713105" y="1369060"/>
+            <a:ext cx="3667760" cy="368300"/>
+          </a:xfrm>
+          <a:prstGeom prst="rect">
+            <a:avLst/>
+          </a:prstGeom>
+          <a:noFill/>
+        </p:spPr>
+        <p:txBody>
+          <a:bodyPr wrap="square" rtlCol="0" anchor="t">
+            <a:spAutoFit/>
+          </a:bodyPr>
+          <a:p>
+            <a:r>
+              <a:rPr lang="zh-CN" altLang="en-US"/>
+              <a:t>Least Frequently Used（LFU）</a:t>
+            </a:r>
+            <a:endParaRPr lang="zh-CN" altLang="en-US"/>
+          </a:p>
+        </p:txBody>
+      </p:sp>
+      <p:sp>
+        <p:nvSpPr>
+          <p:cNvPr id="7" name="文本框 6"/>
+          <p:cNvSpPr txBox="1"/>
+          <p:nvPr/>
+        </p:nvSpPr>
+        <p:spPr>
+          <a:xfrm>
+            <a:off x="713105" y="2034540"/>
+            <a:ext cx="6245860" cy="645160"/>
+          </a:xfrm>
+          <a:prstGeom prst="rect">
+            <a:avLst/>
+          </a:prstGeom>
+          <a:noFill/>
+        </p:spPr>
+        <p:txBody>
+          <a:bodyPr wrap="square" rtlCol="0" anchor="t">
+            <a:spAutoFit/>
+          </a:bodyPr>
+          <a:p>
+            <a:r>
+              <a:rPr lang="zh-CN" altLang="en-US"/>
+              <a:t>计算为每个缓存对象计算他们被使用的频率。然后把最不常用的缓存对象踢走</a:t>
+            </a:r>
+            <a:endParaRPr lang="zh-CN" altLang="en-US"/>
+          </a:p>
+        </p:txBody>
+      </p:sp>
+      <p:sp>
+        <p:nvSpPr>
+          <p:cNvPr id="8" name="文本框 7"/>
+          <p:cNvSpPr txBox="1"/>
+          <p:nvPr/>
+        </p:nvSpPr>
+        <p:spPr>
+          <a:xfrm>
+            <a:off x="713105" y="2976880"/>
+            <a:ext cx="5634355" cy="460375"/>
+          </a:xfrm>
+          <a:prstGeom prst="rect">
+            <a:avLst/>
+          </a:prstGeom>
+          <a:noFill/>
+        </p:spPr>
+        <p:txBody>
+          <a:bodyPr wrap="square" rtlCol="0" anchor="t">
+            <a:spAutoFit/>
+            <a:scene3d>
+              <a:camera prst="orthographicFront"/>
+              <a:lightRig rig="threePt" dir="t"/>
+            </a:scene3d>
+          </a:bodyPr>
+          <a:p>
+            <a:r>
+              <a:rPr lang="zh-CN" altLang="en-US" sz="2400">
+                <a:ln w="6600">
+                  <a:solidFill>
+                    <a:schemeClr val="accent2"/>
+                  </a:solidFill>
+                  <a:prstDash val="solid"/>
+                </a:ln>
+                <a:solidFill>
+                  <a:srgbClr val="FFFFFF"/>
+                </a:solidFill>
+                <a:effectLst>
+                  <a:outerShdw dist="38100" dir="2700000" algn="tl" rotWithShape="0">
+                    <a:schemeClr val="accent2"/>
+                  </a:outerShdw>
+                </a:effectLst>
+              </a:rPr>
+              <a:t>Least Recently User（LRU）</a:t>
+            </a:r>
+            <a:endParaRPr lang="zh-CN" altLang="en-US" sz="2400">
+              <a:ln w="6600">
+                <a:solidFill>
+                  <a:schemeClr val="accent2"/>
+                </a:solidFill>
+                <a:prstDash val="solid"/>
+              </a:ln>
+              <a:solidFill>
+                <a:srgbClr val="FFFFFF"/>
+              </a:solidFill>
+              <a:effectLst>
+                <a:outerShdw dist="38100" dir="2700000" algn="tl" rotWithShape="0">
+                  <a:schemeClr val="accent2"/>
+                </a:outerShdw>
+              </a:effectLst>
+            </a:endParaRPr>
+          </a:p>
+        </p:txBody>
+      </p:sp>
+      <p:sp>
+        <p:nvSpPr>
+          <p:cNvPr id="9" name="文本框 8"/>
+          <p:cNvSpPr txBox="1"/>
+          <p:nvPr/>
+        </p:nvSpPr>
+        <p:spPr>
+          <a:xfrm>
+            <a:off x="713105" y="3734435"/>
+            <a:ext cx="3658235" cy="368300"/>
+          </a:xfrm>
+          <a:prstGeom prst="rect">
+            <a:avLst/>
+          </a:prstGeom>
+          <a:noFill/>
+        </p:spPr>
+        <p:txBody>
+          <a:bodyPr wrap="square" rtlCol="0" anchor="t">
+            <a:spAutoFit/>
+            <a:scene3d>
+              <a:camera prst="orthographicFront"/>
+              <a:lightRig rig="threePt" dir="t"/>
+            </a:scene3d>
+          </a:bodyPr>
+          <a:p>
+            <a:r>
+              <a:rPr lang="zh-CN" altLang="en-US">
+                <a:ln w="12700">
+                  <a:solidFill>
+                    <a:schemeClr val="accent1"/>
+                  </a:solidFill>
+                  <a:prstDash val="solid"/>
+                </a:ln>
+                <a:pattFill prst="pct50">
+                  <a:fgClr>
+                    <a:schemeClr val="accent1"/>
+                  </a:fgClr>
+                  <a:bgClr>
+                    <a:schemeClr val="accent1">
+                      <a:lumMod val="20000"/>
+                      <a:lumOff val="80000"/>
+                    </a:schemeClr>
+                  </a:bgClr>
+                </a:pattFill>
+                <a:effectLst>
+                  <a:outerShdw dist="38100" dir="2640000" algn="bl" rotWithShape="0">
+                    <a:schemeClr val="accent1"/>
+                  </a:outerShdw>
+                </a:effectLst>
+              </a:rPr>
+              <a:t>把最近最少使用的缓存对象给踢走</a:t>
+            </a:r>
+            <a:endParaRPr lang="zh-CN" altLang="en-US">
+              <a:ln w="12700">
+                <a:solidFill>
+                  <a:schemeClr val="accent1"/>
+                </a:solidFill>
+                <a:prstDash val="solid"/>
+              </a:ln>
+              <a:pattFill prst="pct50">
+                <a:fgClr>
+                  <a:schemeClr val="accent1"/>
+                </a:fgClr>
+                <a:bgClr>
+                  <a:schemeClr val="accent1">
+                    <a:lumMod val="20000"/>
+                    <a:lumOff val="80000"/>
+                  </a:schemeClr>
+                </a:bgClr>
+              </a:pattFill>
+              <a:effectLst>
+                <a:outerShdw dist="38100" dir="2640000" algn="bl" rotWithShape="0">
+                  <a:schemeClr val="accent1"/>
+                </a:outerShdw>
+              </a:effectLst>
+            </a:endParaRPr>
+          </a:p>
+        </p:txBody>
+      </p:sp>
+    </p:spTree>
+  </p:cSld>
+  <p:clrMapOvr>
+    <a:masterClrMapping/>
+  </p:clrMapOvr>
+  <mc:AlternateContent xmlns:mc="http://schemas.openxmlformats.org/markup-compatibility/2006">
+    <mc:Choice xmlns:p14="http://schemas.microsoft.com/office/powerpoint/2010/main" Requires="p14">
+      <p:transition spd="slow" p14:dur="1500">
+        <p:random/>
+      </p:transition>
+    </mc:Choice>
+    <mc:Fallback>
+      <p:transition spd="slow">
+        <p:random/>
+      </p:transition>
+    </mc:Fallback>
+  </mc:AlternateContent>
+  <p:timing>
+    <p:tnLst>
+      <p:par>
+        <p:cTn id="1" dur="indefinite" restart="never" nodeType="tmRoot">
+          <p:childTnLst>
+            <p:seq concurrent="1" nextAc="seek">
+              <p:cTn id="2" dur="indefinite" nodeType="mainSeq">
+                <p:childTnLst>
+                  <p:par>
+                    <p:cTn id="3" fill="hold">
+                      <p:stCondLst>
+                        <p:cond delay="indefinite"/>
+                        <p:cond evt="onBegin" delay="0">
+                          <p:tn val="2"/>
+                        </p:cond>
+                      </p:stCondLst>
+                      <p:childTnLst>
+                        <p:par>
+                          <p:cTn id="4" fill="hold">
+                            <p:stCondLst>
+                              <p:cond delay="0"/>
+                            </p:stCondLst>
+                            <p:childTnLst>
+                              <p:par>
+                                <p:cTn id="5" presetID="0" presetClass="entr" presetSubtype="0" fill="hold" nodeType="withEffect">
+                                  <p:stCondLst>
+                                    <p:cond delay="0"/>
+                                  </p:stCondLst>
+                                  <p:iterate type="lt">
+                                    <p:tmPct val="10000"/>
+                                  </p:iterate>
+                                  <p:childTnLst>
+                                    <p:set>
+                                      <p:cBhvr>
+                                        <p:cTn id="6" dur="1" fill="hold">
+                                          <p:stCondLst>
+                                            <p:cond delay="0"/>
+                                          </p:stCondLst>
+                                        </p:cTn>
+                                        <p:tgtEl>
+                                          <p:spTgt spid="2"/>
+                                        </p:tgtEl>
+                                        <p:attrNameLst>
+                                          <p:attrName>style.visibility</p:attrName>
+                                        </p:attrNameLst>
+                                      </p:cBhvr>
+                                      <p:to>
+                                        <p:strVal val="visible"/>
+                                      </p:to>
+                                    </p:set>
+                                    <p:anim to="" calcmode="lin" valueType="num">
+                                      <p:cBhvr>
+                                        <p:cTn id="7" dur="700" fill="hold">
+                                          <p:stCondLst>
+                                            <p:cond delay="0"/>
+                                          </p:stCondLst>
+                                        </p:cTn>
+                                        <p:tgtEl>
+                                          <p:spTgt spid="2"/>
+                                        </p:tgtEl>
+                                        <p:attrNameLst>
+                                          <p:attrName>ppt_x</p:attrName>
+                                        </p:attrNameLst>
+                                      </p:cBhvr>
+                                      <p:tavLst>
+                                        <p:tav tm="0" fmla="#ppt_x-(-#ppt_w/2*cos(ppt_r/180*pi))*((1.5-1.5*$)^2-(1.5-1.5*$)^3)">
+                                          <p:val>
+                                            <p:fltVal val="0"/>
+                                          </p:val>
+                                        </p:tav>
+                                        <p:tav tm="100000">
+                                          <p:val>
+                                            <p:fltVal val="1"/>
+                                          </p:val>
+                                        </p:tav>
+                                      </p:tavLst>
+                                    </p:anim>
+                                    <p:anim to="" calcmode="lin" valueType="num">
+                                      <p:cBhvr>
+                                        <p:cTn id="8" dur="700" fill="hold">
+                                          <p:stCondLst>
+                                            <p:cond delay="0"/>
+                                          </p:stCondLst>
+                                        </p:cTn>
+                                        <p:tgtEl>
+                                          <p:spTgt spid="2"/>
+                                        </p:tgtEl>
+                                        <p:attrNameLst>
+                                          <p:attrName>ppt_y</p:attrName>
+                                        </p:attrNameLst>
+                                      </p:cBhvr>
+                                      <p:tavLst>
+                                        <p:tav tm="0" fmla="#ppt_y+(-#ppt_h/2*cos(ppt_r/180*pi))*((1.5-1.5*$)^2-(1.5-1.5*$)^3)">
+                                          <p:val>
+                                            <p:fltVal val="0"/>
+                                          </p:val>
+                                        </p:tav>
+                                        <p:tav tm="100000">
+                                          <p:val>
+                                            <p:fltVal val="1"/>
+                                          </p:val>
+                                        </p:tav>
+                                      </p:tavLst>
+                                    </p:anim>
+                                    <p:anim to="" calcmode="lin" valueType="num">
+                                      <p:cBhvr>
+                                        <p:cTn id="9" dur="700" fill="hold">
+                                          <p:stCondLst>
+                                            <p:cond delay="0"/>
+                                          </p:stCondLst>
+                                        </p:cTn>
+                                        <p:tgtEl>
+                                          <p:spTgt spid="2"/>
+                                        </p:tgtEl>
+                                        <p:attrNameLst>
+                                          <p:attrName>ppt_h</p:attrName>
+                                        </p:attrNameLst>
+                                      </p:cBhvr>
+                                      <p:tavLst>
+                                        <p:tav tm="0" fmla="#ppt_h-(-#ppt_h)*((1.5-1.5*$)^2-(1.5-1.5*$)^3)">
+                                          <p:val>
+                                            <p:fltVal val="0"/>
+                                          </p:val>
+                                        </p:tav>
+                                        <p:tav tm="100000">
+                                          <p:val>
+                                            <p:fltVal val="1"/>
+                                          </p:val>
+                                        </p:tav>
+                                      </p:tavLst>
+                                    </p:anim>
+                                    <p:anim to="" calcmode="lin" valueType="num">
+                                      <p:cBhvr>
+                                        <p:cTn id="10" dur="700" fill="hold">
+                                          <p:stCondLst>
+                                            <p:cond delay="0"/>
+                                          </p:stCondLst>
+                                        </p:cTn>
+                                        <p:tgtEl>
+                                          <p:spTgt spid="2"/>
+                                        </p:tgtEl>
+                                        <p:attrNameLst>
+                                          <p:attrName>ppt_w</p:attrName>
+                                        </p:attrNameLst>
+                                      </p:cBhvr>
+                                      <p:tavLst>
+                                        <p:tav tm="0" fmla="#ppt_w-(-#ppt_w)*((1.5-1.5*$)^2-(1.5-1.5*$)^3)">
+                                          <p:val>
+                                            <p:fltVal val="0"/>
+                                          </p:val>
+                                        </p:tav>
+                                        <p:tav tm="100000">
+                                          <p:val>
+                                            <p:fltVal val="1"/>
+                                          </p:val>
+                                        </p:tav>
+                                      </p:tavLst>
+                                    </p:anim>
+                                  </p:childTnLst>
+                                </p:cTn>
+                              </p:par>
+                            </p:childTnLst>
+                          </p:cTn>
+                        </p:par>
+                      </p:childTnLst>
+                    </p:cTn>
+                  </p:par>
+                </p:childTnLst>
+              </p:cTn>
+              <p:prevCondLst>
+                <p:cond evt="onPrev" delay="0">
+                  <p:tgtEl>
+                    <p:sldTgt/>
+                  </p:tgtEl>
+                </p:cond>
+              </p:prevCondLst>
+              <p:nextCondLst>
+                <p:cond evt="onNext" delay="0">
+                  <p:tgtEl>
+                    <p:sldTgt/>
+                  </p:tgtEl>
+                </p:cond>
+              </p:nextCondLst>
+            </p:seq>
+          </p:childTnLst>
+        </p:cTn>
+      </p:par>
+    </p:tnLst>
+  </p:timing>
+</p:sld>
+</file>
+
+<file path=ppt/slides/slide12.xml><?xml version="1.0" encoding="utf-8"?>
+<p:sld xmlns:a="http://schemas.openxmlformats.org/drawingml/2006/main" xmlns:r="http://schemas.openxmlformats.org/officeDocument/2006/relationships" xmlns:p="http://schemas.openxmlformats.org/presentationml/2006/main">
+  <p:cSld>
+    <p:spTree>
+      <p:nvGrpSpPr>
+        <p:cNvPr id="1" name=""/>
+        <p:cNvGrpSpPr/>
+        <p:nvPr/>
+      </p:nvGrpSpPr>
+      <p:grpSpPr>
+        <a:xfrm>
+          <a:off x="0" y="0"/>
+          <a:ext cx="0" cy="0"/>
+          <a:chOff x="0" y="0"/>
+          <a:chExt cx="0" cy="0"/>
+        </a:xfrm>
+      </p:grpSpPr>
+      <p:grpSp>
+        <p:nvGrpSpPr>
+          <p:cNvPr id="2" name="PA_组合 47"/>
+          <p:cNvGrpSpPr/>
+          <p:nvPr>
+            <p:custDataLst>
+              <p:tags r:id="rId1"/>
+            </p:custDataLst>
+          </p:nvPr>
+        </p:nvGrpSpPr>
+        <p:grpSpPr>
+          <a:xfrm>
+            <a:off x="554877" y="932724"/>
+            <a:ext cx="1199456" cy="74689"/>
+            <a:chOff x="0" y="2842590"/>
+            <a:chExt cx="7054752" cy="89199"/>
+          </a:xfrm>
+        </p:grpSpPr>
+        <p:sp>
+          <p:nvSpPr>
+            <p:cNvPr id="49" name="矩形 48"/>
+            <p:cNvSpPr/>
+            <p:nvPr/>
+          </p:nvSpPr>
+          <p:spPr>
+            <a:xfrm>
+              <a:off x="0" y="2842590"/>
+              <a:ext cx="1763688" cy="89199"/>
+            </a:xfrm>
+            <a:prstGeom prst="rect">
+              <a:avLst/>
+            </a:prstGeom>
+            <a:solidFill>
+              <a:schemeClr val="accent1"/>
+            </a:solidFill>
+            <a:ln>
+              <a:noFill/>
+            </a:ln>
+          </p:spPr>
+          <p:style>
+            <a:lnRef idx="2">
+              <a:schemeClr val="accent1">
+                <a:shade val="50000"/>
+              </a:schemeClr>
+            </a:lnRef>
+            <a:fillRef idx="1">
+              <a:schemeClr val="accent1"/>
+            </a:fillRef>
+            <a:effectRef idx="0">
+              <a:schemeClr val="accent1"/>
+            </a:effectRef>
+            <a:fontRef idx="minor">
+              <a:schemeClr val="lt1"/>
+            </a:fontRef>
+          </p:style>
+          <p:txBody>
+            <a:bodyPr rtlCol="0" anchor="ctr"/>
+            <a:lstStyle/>
+            <a:p>
+              <a:pPr algn="ctr" defTabSz="1218565"/>
+              <a:endParaRPr lang="zh-CN" altLang="en-US" sz="2400">
+                <a:solidFill>
+                  <a:srgbClr val="FFFFFF"/>
+                </a:solidFill>
+                <a:latin typeface="Calibri" panose="020F0502020204030204"/>
+                <a:ea typeface="宋体" panose="02010600030101010101" pitchFamily="2" charset="-122"/>
+              </a:endParaRPr>
+            </a:p>
+          </p:txBody>
+        </p:sp>
+        <p:sp>
+          <p:nvSpPr>
+            <p:cNvPr id="50" name="矩形 49"/>
+            <p:cNvSpPr/>
+            <p:nvPr/>
+          </p:nvSpPr>
+          <p:spPr>
+            <a:xfrm>
+              <a:off x="1763688" y="2842590"/>
+              <a:ext cx="1763688" cy="89199"/>
+            </a:xfrm>
+            <a:prstGeom prst="rect">
+              <a:avLst/>
+            </a:prstGeom>
+            <a:solidFill>
+              <a:schemeClr val="accent2"/>
+            </a:solidFill>
+            <a:ln>
+              <a:noFill/>
+            </a:ln>
+          </p:spPr>
+          <p:style>
+            <a:lnRef idx="2">
+              <a:schemeClr val="accent1">
+                <a:shade val="50000"/>
+              </a:schemeClr>
+            </a:lnRef>
+            <a:fillRef idx="1">
+              <a:schemeClr val="accent1"/>
+            </a:fillRef>
+            <a:effectRef idx="0">
+              <a:schemeClr val="accent1"/>
+            </a:effectRef>
+            <a:fontRef idx="minor">
+              <a:schemeClr val="lt1"/>
+            </a:fontRef>
+          </p:style>
+          <p:txBody>
+            <a:bodyPr rtlCol="0" anchor="ctr"/>
+            <a:lstStyle/>
+            <a:p>
+              <a:pPr algn="ctr" defTabSz="1218565"/>
+              <a:endParaRPr lang="zh-CN" altLang="en-US" sz="2400">
+                <a:solidFill>
+                  <a:srgbClr val="FFFFFF"/>
+                </a:solidFill>
+                <a:latin typeface="Calibri" panose="020F0502020204030204"/>
+                <a:ea typeface="宋体" panose="02010600030101010101" pitchFamily="2" charset="-122"/>
+              </a:endParaRPr>
+            </a:p>
+          </p:txBody>
+        </p:sp>
+        <p:sp>
+          <p:nvSpPr>
+            <p:cNvPr id="51" name="矩形 50"/>
+            <p:cNvSpPr/>
+            <p:nvPr/>
+          </p:nvSpPr>
+          <p:spPr>
+            <a:xfrm>
+              <a:off x="3527376" y="2842590"/>
+              <a:ext cx="1763688" cy="89199"/>
+            </a:xfrm>
+            <a:prstGeom prst="rect">
+              <a:avLst/>
+            </a:prstGeom>
+            <a:solidFill>
+              <a:schemeClr val="accent3"/>
+            </a:solidFill>
+            <a:ln>
+              <a:noFill/>
+            </a:ln>
+          </p:spPr>
+          <p:style>
+            <a:lnRef idx="2">
+              <a:schemeClr val="accent1">
+                <a:shade val="50000"/>
+              </a:schemeClr>
+            </a:lnRef>
+            <a:fillRef idx="1">
+              <a:schemeClr val="accent1"/>
+            </a:fillRef>
+            <a:effectRef idx="0">
+              <a:schemeClr val="accent1"/>
+            </a:effectRef>
+            <a:fontRef idx="minor">
+              <a:schemeClr val="lt1"/>
+            </a:fontRef>
+          </p:style>
+          <p:txBody>
+            <a:bodyPr rtlCol="0" anchor="ctr"/>
+            <a:lstStyle/>
+            <a:p>
+              <a:pPr algn="ctr" defTabSz="1218565"/>
+              <a:endParaRPr lang="zh-CN" altLang="en-US" sz="2400">
+                <a:solidFill>
+                  <a:srgbClr val="FFFFFF"/>
+                </a:solidFill>
+                <a:latin typeface="Calibri" panose="020F0502020204030204"/>
+                <a:ea typeface="宋体" panose="02010600030101010101" pitchFamily="2" charset="-122"/>
+              </a:endParaRPr>
+            </a:p>
+          </p:txBody>
+        </p:sp>
+        <p:sp>
+          <p:nvSpPr>
+            <p:cNvPr id="52" name="矩形 51"/>
+            <p:cNvSpPr/>
+            <p:nvPr/>
+          </p:nvSpPr>
+          <p:spPr>
+            <a:xfrm>
+              <a:off x="5291064" y="2842590"/>
+              <a:ext cx="1763688" cy="89199"/>
+            </a:xfrm>
+            <a:prstGeom prst="rect">
+              <a:avLst/>
+            </a:prstGeom>
+            <a:solidFill>
+              <a:schemeClr val="accent4"/>
+            </a:solidFill>
+            <a:ln>
+              <a:noFill/>
+            </a:ln>
+          </p:spPr>
+          <p:style>
+            <a:lnRef idx="2">
+              <a:schemeClr val="accent1">
+                <a:shade val="50000"/>
+              </a:schemeClr>
+            </a:lnRef>
+            <a:fillRef idx="1">
+              <a:schemeClr val="accent1"/>
+            </a:fillRef>
+            <a:effectRef idx="0">
+              <a:schemeClr val="accent1"/>
+            </a:effectRef>
+            <a:fontRef idx="minor">
+              <a:schemeClr val="lt1"/>
+            </a:fontRef>
+          </p:style>
+          <p:txBody>
+            <a:bodyPr rtlCol="0" anchor="ctr"/>
+            <a:lstStyle/>
+            <a:p>
+              <a:pPr algn="ctr" defTabSz="1218565"/>
+              <a:endParaRPr lang="zh-CN" altLang="en-US" sz="2400">
+                <a:solidFill>
+                  <a:srgbClr val="FFFFFF"/>
+                </a:solidFill>
+                <a:latin typeface="Calibri" panose="020F0502020204030204"/>
+                <a:ea typeface="宋体" panose="02010600030101010101" pitchFamily="2" charset="-122"/>
+              </a:endParaRPr>
+            </a:p>
+          </p:txBody>
+        </p:sp>
+      </p:grpSp>
+      <p:cxnSp>
+        <p:nvCxnSpPr>
+          <p:cNvPr id="17" name="直接连接符 2"/>
+          <p:cNvCxnSpPr>
+            <a:cxnSpLocks noChangeShapeType="1"/>
+          </p:cNvCxnSpPr>
+          <p:nvPr/>
+        </p:nvCxnSpPr>
+        <p:spPr bwMode="auto">
+          <a:xfrm flipV="1">
+            <a:off x="-44609" y="1060219"/>
+            <a:ext cx="12188825" cy="50801"/>
+          </a:xfrm>
+          <a:prstGeom prst="line">
+            <a:avLst/>
+          </a:prstGeom>
+          <a:noFill/>
+          <a:ln w="9525" algn="ctr">
+            <a:solidFill>
+              <a:srgbClr val="00B0F0">
+                <a:alpha val="34117"/>
+              </a:srgbClr>
+            </a:solidFill>
+            <a:prstDash val="dash"/>
+            <a:round/>
+          </a:ln>
+        </p:spPr>
+      </p:cxnSp>
+      <p:sp>
+        <p:nvSpPr>
+          <p:cNvPr id="4" name="文本框 3"/>
+          <p:cNvSpPr txBox="1"/>
+          <p:nvPr/>
+        </p:nvSpPr>
+        <p:spPr>
+          <a:xfrm>
+            <a:off x="554990" y="377190"/>
+            <a:ext cx="4499610" cy="501650"/>
+          </a:xfrm>
+          <a:prstGeom prst="rect">
+            <a:avLst/>
+          </a:prstGeom>
+          <a:noFill/>
+        </p:spPr>
+        <p:txBody>
+          <a:bodyPr wrap="square" rtlCol="0" anchor="t">
+            <a:spAutoFit/>
+          </a:bodyPr>
+          <a:p>
+            <a:r>
+              <a:rPr lang="zh-CN" altLang="en-US" sz="2665" dirty="0" smtClean="0">
+                <a:solidFill>
+                  <a:srgbClr val="1D69A3"/>
+                </a:solidFill>
+                <a:latin typeface="微软雅黑" panose="020B0503020204020204" pitchFamily="34" charset="-122"/>
+                <a:ea typeface="微软雅黑" panose="020B0503020204020204" pitchFamily="34" charset="-122"/>
+              </a:rPr>
+              <a:t>常见的缓存算法？</a:t>
+            </a:r>
+            <a:endParaRPr lang="zh-CN" altLang="en-US" sz="2665" dirty="0" smtClean="0">
+              <a:solidFill>
+                <a:srgbClr val="1D69A3"/>
+              </a:solidFill>
+              <a:latin typeface="微软雅黑" panose="020B0503020204020204" pitchFamily="34" charset="-122"/>
+              <a:ea typeface="微软雅黑" panose="020B0503020204020204" pitchFamily="34" charset="-122"/>
+            </a:endParaRPr>
+          </a:p>
+        </p:txBody>
+      </p:sp>
+      <p:sp>
+        <p:nvSpPr>
+          <p:cNvPr id="6" name="文本框 5"/>
+          <p:cNvSpPr txBox="1"/>
+          <p:nvPr/>
+        </p:nvSpPr>
+        <p:spPr>
+          <a:xfrm>
             <a:off x="592455" y="1369060"/>
             <a:ext cx="3667760" cy="368300"/>
           </a:xfrm>
@@ -7984,7 +8699,15 @@
           <a:p>
             <a:r>
               <a:rPr lang="zh-CN" altLang="en-US"/>
-              <a:t>Least Recently Used 2（LRU2）</a:t>
+              <a:t>Least Recently Used 2（LRU</a:t>
+            </a:r>
+            <a:r>
+              <a:rPr lang="en-US" altLang="zh-CN"/>
+              <a:t>-k</a:t>
+            </a:r>
+            <a:r>
+              <a:rPr lang="zh-CN" altLang="en-US"/>
+              <a:t>）</a:t>
             </a:r>
             <a:endParaRPr lang="zh-CN" altLang="en-US"/>
           </a:p>
@@ -8286,7 +9009,7 @@
 </p:sld>
 </file>
 
-<file path=ppt/slides/slide12.xml><?xml version="1.0" encoding="utf-8"?>
+<file path=ppt/slides/slide13.xml><?xml version="1.0" encoding="utf-8"?>
 <p:sld xmlns:a="http://schemas.openxmlformats.org/drawingml/2006/main" xmlns:r="http://schemas.openxmlformats.org/officeDocument/2006/relationships" xmlns:p="http://schemas.openxmlformats.org/presentationml/2006/main">
   <p:cSld>
     <p:spTree>
@@ -9093,7 +9816,7 @@
 </p:sld>
 </file>
 
-<file path=ppt/slides/slide13.xml><?xml version="1.0" encoding="utf-8"?>
+<file path=ppt/slides/slide14.xml><?xml version="1.0" encoding="utf-8"?>
 <p:sld xmlns:a="http://schemas.openxmlformats.org/drawingml/2006/main" xmlns:r="http://schemas.openxmlformats.org/officeDocument/2006/relationships" xmlns:p="http://schemas.openxmlformats.org/presentationml/2006/main">
   <p:cSld>
     <p:spTree>
@@ -9673,7 +10396,7 @@
 </p:sld>
 </file>
 
-<file path=ppt/slides/slide14.xml><?xml version="1.0" encoding="utf-8"?>
+<file path=ppt/slides/slide15.xml><?xml version="1.0" encoding="utf-8"?>
 <p:sld xmlns:a="http://schemas.openxmlformats.org/drawingml/2006/main" xmlns:r="http://schemas.openxmlformats.org/officeDocument/2006/relationships" xmlns:p="http://schemas.openxmlformats.org/presentationml/2006/main">
   <p:cSld>
     <p:spTree>
@@ -10229,7 +10952,7 @@
 </p:sld>
 </file>
 
-<file path=ppt/slides/slide15.xml><?xml version="1.0" encoding="utf-8"?>
+<file path=ppt/slides/slide16.xml><?xml version="1.0" encoding="utf-8"?>
 <p:sld xmlns:a="http://schemas.openxmlformats.org/drawingml/2006/main" xmlns:r="http://schemas.openxmlformats.org/officeDocument/2006/relationships" xmlns:p="http://schemas.openxmlformats.org/presentationml/2006/main">
   <p:cSld>
     <p:spTree>
@@ -10797,7 +11520,7 @@
 </p:sld>
 </file>
 
-<file path=ppt/slides/slide16.xml><?xml version="1.0" encoding="utf-8"?>
+<file path=ppt/slides/slide17.xml><?xml version="1.0" encoding="utf-8"?>
 <p:sld xmlns:a="http://schemas.openxmlformats.org/drawingml/2006/main" xmlns:r="http://schemas.openxmlformats.org/officeDocument/2006/relationships" xmlns:p="http://schemas.openxmlformats.org/presentationml/2006/main">
   <p:cSld>
     <p:spTree>
@@ -11535,7 +12258,7 @@
 </p:sld>
 </file>
 
-<file path=ppt/slides/slide17.xml><?xml version="1.0" encoding="utf-8"?>
+<file path=ppt/slides/slide18.xml><?xml version="1.0" encoding="utf-8"?>
 <p:sld xmlns:a="http://schemas.openxmlformats.org/drawingml/2006/main" xmlns:r="http://schemas.openxmlformats.org/officeDocument/2006/relationships" xmlns:p="http://schemas.openxmlformats.org/presentationml/2006/main">
   <p:cSld>
     <p:spTree>
@@ -12320,7 +13043,7 @@
 </p:sld>
 </file>
 
-<file path=ppt/slides/slide18.xml><?xml version="1.0" encoding="utf-8"?>
+<file path=ppt/slides/slide19.xml><?xml version="1.0" encoding="utf-8"?>
 <p:sld xmlns:a="http://schemas.openxmlformats.org/drawingml/2006/main" xmlns:r="http://schemas.openxmlformats.org/officeDocument/2006/relationships" xmlns:p="http://schemas.openxmlformats.org/presentationml/2006/main">
   <p:cSld>
     <p:spTree>
@@ -12821,684 +13544,6 @@
             <a:r>
               <a:rPr lang="zh-CN" altLang="en-US"/>
               <a:t>"。</a:t>
-            </a:r>
-            <a:endParaRPr lang="zh-CN" altLang="en-US"/>
-          </a:p>
-        </p:txBody>
-      </p:sp>
-    </p:spTree>
-  </p:cSld>
-  <p:clrMapOvr>
-    <a:masterClrMapping/>
-  </p:clrMapOvr>
-  <mc:AlternateContent xmlns:mc="http://schemas.openxmlformats.org/markup-compatibility/2006">
-    <mc:Choice xmlns:p14="http://schemas.microsoft.com/office/powerpoint/2010/main" Requires="p14">
-      <p:transition spd="slow" p14:dur="1500">
-        <p:random/>
-      </p:transition>
-    </mc:Choice>
-    <mc:Fallback>
-      <p:transition spd="slow">
-        <p:random/>
-      </p:transition>
-    </mc:Fallback>
-  </mc:AlternateContent>
-  <p:timing>
-    <p:tnLst>
-      <p:par>
-        <p:cTn id="1" dur="indefinite" restart="never" nodeType="tmRoot">
-          <p:childTnLst>
-            <p:seq concurrent="1" nextAc="seek">
-              <p:cTn id="2" dur="indefinite" nodeType="mainSeq">
-                <p:childTnLst>
-                  <p:par>
-                    <p:cTn id="3" fill="hold">
-                      <p:stCondLst>
-                        <p:cond delay="indefinite"/>
-                        <p:cond evt="onBegin" delay="0">
-                          <p:tn val="2"/>
-                        </p:cond>
-                      </p:stCondLst>
-                      <p:childTnLst>
-                        <p:par>
-                          <p:cTn id="4" fill="hold">
-                            <p:stCondLst>
-                              <p:cond delay="0"/>
-                            </p:stCondLst>
-                            <p:childTnLst>
-                              <p:par>
-                                <p:cTn id="5" presetID="0" presetClass="entr" presetSubtype="0" fill="hold" nodeType="withEffect">
-                                  <p:stCondLst>
-                                    <p:cond delay="0"/>
-                                  </p:stCondLst>
-                                  <p:iterate type="lt">
-                                    <p:tmPct val="10000"/>
-                                  </p:iterate>
-                                  <p:childTnLst>
-                                    <p:set>
-                                      <p:cBhvr>
-                                        <p:cTn id="6" dur="1" fill="hold">
-                                          <p:stCondLst>
-                                            <p:cond delay="0"/>
-                                          </p:stCondLst>
-                                        </p:cTn>
-                                        <p:tgtEl>
-                                          <p:spTgt spid="2"/>
-                                        </p:tgtEl>
-                                        <p:attrNameLst>
-                                          <p:attrName>style.visibility</p:attrName>
-                                        </p:attrNameLst>
-                                      </p:cBhvr>
-                                      <p:to>
-                                        <p:strVal val="visible"/>
-                                      </p:to>
-                                    </p:set>
-                                    <p:anim to="" calcmode="lin" valueType="num">
-                                      <p:cBhvr>
-                                        <p:cTn id="7" dur="700" fill="hold">
-                                          <p:stCondLst>
-                                            <p:cond delay="0"/>
-                                          </p:stCondLst>
-                                        </p:cTn>
-                                        <p:tgtEl>
-                                          <p:spTgt spid="2"/>
-                                        </p:tgtEl>
-                                        <p:attrNameLst>
-                                          <p:attrName>ppt_x</p:attrName>
-                                        </p:attrNameLst>
-                                      </p:cBhvr>
-                                      <p:tavLst>
-                                        <p:tav tm="0" fmla="#ppt_x-(-#ppt_w/2*cos(ppt_r/180*pi))*((1.5-1.5*$)^2-(1.5-1.5*$)^3)">
-                                          <p:val>
-                                            <p:fltVal val="0"/>
-                                          </p:val>
-                                        </p:tav>
-                                        <p:tav tm="100000">
-                                          <p:val>
-                                            <p:fltVal val="1"/>
-                                          </p:val>
-                                        </p:tav>
-                                      </p:tavLst>
-                                    </p:anim>
-                                    <p:anim to="" calcmode="lin" valueType="num">
-                                      <p:cBhvr>
-                                        <p:cTn id="8" dur="700" fill="hold">
-                                          <p:stCondLst>
-                                            <p:cond delay="0"/>
-                                          </p:stCondLst>
-                                        </p:cTn>
-                                        <p:tgtEl>
-                                          <p:spTgt spid="2"/>
-                                        </p:tgtEl>
-                                        <p:attrNameLst>
-                                          <p:attrName>ppt_y</p:attrName>
-                                        </p:attrNameLst>
-                                      </p:cBhvr>
-                                      <p:tavLst>
-                                        <p:tav tm="0" fmla="#ppt_y+(-#ppt_h/2*cos(ppt_r/180*pi))*((1.5-1.5*$)^2-(1.5-1.5*$)^3)">
-                                          <p:val>
-                                            <p:fltVal val="0"/>
-                                          </p:val>
-                                        </p:tav>
-                                        <p:tav tm="100000">
-                                          <p:val>
-                                            <p:fltVal val="1"/>
-                                          </p:val>
-                                        </p:tav>
-                                      </p:tavLst>
-                                    </p:anim>
-                                    <p:anim to="" calcmode="lin" valueType="num">
-                                      <p:cBhvr>
-                                        <p:cTn id="9" dur="700" fill="hold">
-                                          <p:stCondLst>
-                                            <p:cond delay="0"/>
-                                          </p:stCondLst>
-                                        </p:cTn>
-                                        <p:tgtEl>
-                                          <p:spTgt spid="2"/>
-                                        </p:tgtEl>
-                                        <p:attrNameLst>
-                                          <p:attrName>ppt_h</p:attrName>
-                                        </p:attrNameLst>
-                                      </p:cBhvr>
-                                      <p:tavLst>
-                                        <p:tav tm="0" fmla="#ppt_h-(-#ppt_h)*((1.5-1.5*$)^2-(1.5-1.5*$)^3)">
-                                          <p:val>
-                                            <p:fltVal val="0"/>
-                                          </p:val>
-                                        </p:tav>
-                                        <p:tav tm="100000">
-                                          <p:val>
-                                            <p:fltVal val="1"/>
-                                          </p:val>
-                                        </p:tav>
-                                      </p:tavLst>
-                                    </p:anim>
-                                    <p:anim to="" calcmode="lin" valueType="num">
-                                      <p:cBhvr>
-                                        <p:cTn id="10" dur="700" fill="hold">
-                                          <p:stCondLst>
-                                            <p:cond delay="0"/>
-                                          </p:stCondLst>
-                                        </p:cTn>
-                                        <p:tgtEl>
-                                          <p:spTgt spid="2"/>
-                                        </p:tgtEl>
-                                        <p:attrNameLst>
-                                          <p:attrName>ppt_w</p:attrName>
-                                        </p:attrNameLst>
-                                      </p:cBhvr>
-                                      <p:tavLst>
-                                        <p:tav tm="0" fmla="#ppt_w-(-#ppt_w)*((1.5-1.5*$)^2-(1.5-1.5*$)^3)">
-                                          <p:val>
-                                            <p:fltVal val="0"/>
-                                          </p:val>
-                                        </p:tav>
-                                        <p:tav tm="100000">
-                                          <p:val>
-                                            <p:fltVal val="1"/>
-                                          </p:val>
-                                        </p:tav>
-                                      </p:tavLst>
-                                    </p:anim>
-                                  </p:childTnLst>
-                                </p:cTn>
-                              </p:par>
-                            </p:childTnLst>
-                          </p:cTn>
-                        </p:par>
-                      </p:childTnLst>
-                    </p:cTn>
-                  </p:par>
-                </p:childTnLst>
-              </p:cTn>
-              <p:prevCondLst>
-                <p:cond evt="onPrev" delay="0">
-                  <p:tgtEl>
-                    <p:sldTgt/>
-                  </p:tgtEl>
-                </p:cond>
-              </p:prevCondLst>
-              <p:nextCondLst>
-                <p:cond evt="onNext" delay="0">
-                  <p:tgtEl>
-                    <p:sldTgt/>
-                  </p:tgtEl>
-                </p:cond>
-              </p:nextCondLst>
-            </p:seq>
-          </p:childTnLst>
-        </p:cTn>
-      </p:par>
-    </p:tnLst>
-  </p:timing>
-</p:sld>
-</file>
-
-<file path=ppt/slides/slide19.xml><?xml version="1.0" encoding="utf-8"?>
-<p:sld xmlns:a="http://schemas.openxmlformats.org/drawingml/2006/main" xmlns:r="http://schemas.openxmlformats.org/officeDocument/2006/relationships" xmlns:p="http://schemas.openxmlformats.org/presentationml/2006/main">
-  <p:cSld>
-    <p:spTree>
-      <p:nvGrpSpPr>
-        <p:cNvPr id="1" name=""/>
-        <p:cNvGrpSpPr/>
-        <p:nvPr/>
-      </p:nvGrpSpPr>
-      <p:grpSpPr>
-        <a:xfrm>
-          <a:off x="0" y="0"/>
-          <a:ext cx="0" cy="0"/>
-          <a:chOff x="0" y="0"/>
-          <a:chExt cx="0" cy="0"/>
-        </a:xfrm>
-      </p:grpSpPr>
-      <p:grpSp>
-        <p:nvGrpSpPr>
-          <p:cNvPr id="2" name="PA_组合 47"/>
-          <p:cNvGrpSpPr/>
-          <p:nvPr>
-            <p:custDataLst>
-              <p:tags r:id="rId1"/>
-            </p:custDataLst>
-          </p:nvPr>
-        </p:nvGrpSpPr>
-        <p:grpSpPr>
-          <a:xfrm>
-            <a:off x="554877" y="932724"/>
-            <a:ext cx="1199456" cy="74689"/>
-            <a:chOff x="0" y="2842590"/>
-            <a:chExt cx="7054752" cy="89199"/>
-          </a:xfrm>
-        </p:grpSpPr>
-        <p:sp>
-          <p:nvSpPr>
-            <p:cNvPr id="49" name="矩形 48"/>
-            <p:cNvSpPr/>
-            <p:nvPr/>
-          </p:nvSpPr>
-          <p:spPr>
-            <a:xfrm>
-              <a:off x="0" y="2842590"/>
-              <a:ext cx="1763688" cy="89199"/>
-            </a:xfrm>
-            <a:prstGeom prst="rect">
-              <a:avLst/>
-            </a:prstGeom>
-            <a:solidFill>
-              <a:schemeClr val="accent1"/>
-            </a:solidFill>
-            <a:ln>
-              <a:noFill/>
-            </a:ln>
-          </p:spPr>
-          <p:style>
-            <a:lnRef idx="2">
-              <a:schemeClr val="accent1">
-                <a:shade val="50000"/>
-              </a:schemeClr>
-            </a:lnRef>
-            <a:fillRef idx="1">
-              <a:schemeClr val="accent1"/>
-            </a:fillRef>
-            <a:effectRef idx="0">
-              <a:schemeClr val="accent1"/>
-            </a:effectRef>
-            <a:fontRef idx="minor">
-              <a:schemeClr val="lt1"/>
-            </a:fontRef>
-          </p:style>
-          <p:txBody>
-            <a:bodyPr rtlCol="0" anchor="ctr"/>
-            <a:lstStyle/>
-            <a:p>
-              <a:pPr algn="ctr" defTabSz="1218565"/>
-              <a:endParaRPr lang="zh-CN" altLang="en-US" sz="2400">
-                <a:solidFill>
-                  <a:srgbClr val="FFFFFF"/>
-                </a:solidFill>
-                <a:latin typeface="Calibri" panose="020F0502020204030204"/>
-                <a:ea typeface="宋体" panose="02010600030101010101" pitchFamily="2" charset="-122"/>
-              </a:endParaRPr>
-            </a:p>
-          </p:txBody>
-        </p:sp>
-        <p:sp>
-          <p:nvSpPr>
-            <p:cNvPr id="50" name="矩形 49"/>
-            <p:cNvSpPr/>
-            <p:nvPr/>
-          </p:nvSpPr>
-          <p:spPr>
-            <a:xfrm>
-              <a:off x="1763688" y="2842590"/>
-              <a:ext cx="1763688" cy="89199"/>
-            </a:xfrm>
-            <a:prstGeom prst="rect">
-              <a:avLst/>
-            </a:prstGeom>
-            <a:solidFill>
-              <a:schemeClr val="accent2"/>
-            </a:solidFill>
-            <a:ln>
-              <a:noFill/>
-            </a:ln>
-          </p:spPr>
-          <p:style>
-            <a:lnRef idx="2">
-              <a:schemeClr val="accent1">
-                <a:shade val="50000"/>
-              </a:schemeClr>
-            </a:lnRef>
-            <a:fillRef idx="1">
-              <a:schemeClr val="accent1"/>
-            </a:fillRef>
-            <a:effectRef idx="0">
-              <a:schemeClr val="accent1"/>
-            </a:effectRef>
-            <a:fontRef idx="minor">
-              <a:schemeClr val="lt1"/>
-            </a:fontRef>
-          </p:style>
-          <p:txBody>
-            <a:bodyPr rtlCol="0" anchor="ctr"/>
-            <a:lstStyle/>
-            <a:p>
-              <a:pPr algn="ctr" defTabSz="1218565"/>
-              <a:endParaRPr lang="zh-CN" altLang="en-US" sz="2400">
-                <a:solidFill>
-                  <a:srgbClr val="FFFFFF"/>
-                </a:solidFill>
-                <a:latin typeface="Calibri" panose="020F0502020204030204"/>
-                <a:ea typeface="宋体" panose="02010600030101010101" pitchFamily="2" charset="-122"/>
-              </a:endParaRPr>
-            </a:p>
-          </p:txBody>
-        </p:sp>
-        <p:sp>
-          <p:nvSpPr>
-            <p:cNvPr id="51" name="矩形 50"/>
-            <p:cNvSpPr/>
-            <p:nvPr/>
-          </p:nvSpPr>
-          <p:spPr>
-            <a:xfrm>
-              <a:off x="3527376" y="2842590"/>
-              <a:ext cx="1763688" cy="89199"/>
-            </a:xfrm>
-            <a:prstGeom prst="rect">
-              <a:avLst/>
-            </a:prstGeom>
-            <a:solidFill>
-              <a:schemeClr val="accent3"/>
-            </a:solidFill>
-            <a:ln>
-              <a:noFill/>
-            </a:ln>
-          </p:spPr>
-          <p:style>
-            <a:lnRef idx="2">
-              <a:schemeClr val="accent1">
-                <a:shade val="50000"/>
-              </a:schemeClr>
-            </a:lnRef>
-            <a:fillRef idx="1">
-              <a:schemeClr val="accent1"/>
-            </a:fillRef>
-            <a:effectRef idx="0">
-              <a:schemeClr val="accent1"/>
-            </a:effectRef>
-            <a:fontRef idx="minor">
-              <a:schemeClr val="lt1"/>
-            </a:fontRef>
-          </p:style>
-          <p:txBody>
-            <a:bodyPr rtlCol="0" anchor="ctr"/>
-            <a:lstStyle/>
-            <a:p>
-              <a:pPr algn="ctr" defTabSz="1218565"/>
-              <a:endParaRPr lang="zh-CN" altLang="en-US" sz="2400">
-                <a:solidFill>
-                  <a:srgbClr val="FFFFFF"/>
-                </a:solidFill>
-                <a:latin typeface="Calibri" panose="020F0502020204030204"/>
-                <a:ea typeface="宋体" panose="02010600030101010101" pitchFamily="2" charset="-122"/>
-              </a:endParaRPr>
-            </a:p>
-          </p:txBody>
-        </p:sp>
-        <p:sp>
-          <p:nvSpPr>
-            <p:cNvPr id="52" name="矩形 51"/>
-            <p:cNvSpPr/>
-            <p:nvPr/>
-          </p:nvSpPr>
-          <p:spPr>
-            <a:xfrm>
-              <a:off x="5291064" y="2842590"/>
-              <a:ext cx="1763688" cy="89199"/>
-            </a:xfrm>
-            <a:prstGeom prst="rect">
-              <a:avLst/>
-            </a:prstGeom>
-            <a:solidFill>
-              <a:schemeClr val="accent4"/>
-            </a:solidFill>
-            <a:ln>
-              <a:noFill/>
-            </a:ln>
-          </p:spPr>
-          <p:style>
-            <a:lnRef idx="2">
-              <a:schemeClr val="accent1">
-                <a:shade val="50000"/>
-              </a:schemeClr>
-            </a:lnRef>
-            <a:fillRef idx="1">
-              <a:schemeClr val="accent1"/>
-            </a:fillRef>
-            <a:effectRef idx="0">
-              <a:schemeClr val="accent1"/>
-            </a:effectRef>
-            <a:fontRef idx="minor">
-              <a:schemeClr val="lt1"/>
-            </a:fontRef>
-          </p:style>
-          <p:txBody>
-            <a:bodyPr rtlCol="0" anchor="ctr"/>
-            <a:lstStyle/>
-            <a:p>
-              <a:pPr algn="ctr" defTabSz="1218565"/>
-              <a:endParaRPr lang="zh-CN" altLang="en-US" sz="2400">
-                <a:solidFill>
-                  <a:srgbClr val="FFFFFF"/>
-                </a:solidFill>
-                <a:latin typeface="Calibri" panose="020F0502020204030204"/>
-                <a:ea typeface="宋体" panose="02010600030101010101" pitchFamily="2" charset="-122"/>
-              </a:endParaRPr>
-            </a:p>
-          </p:txBody>
-        </p:sp>
-      </p:grpSp>
-      <p:cxnSp>
-        <p:nvCxnSpPr>
-          <p:cNvPr id="17" name="直接连接符 2"/>
-          <p:cNvCxnSpPr>
-            <a:cxnSpLocks noChangeShapeType="1"/>
-          </p:cNvCxnSpPr>
-          <p:nvPr/>
-        </p:nvCxnSpPr>
-        <p:spPr bwMode="auto">
-          <a:xfrm flipV="1">
-            <a:off x="-44609" y="1060219"/>
-            <a:ext cx="12188825" cy="50801"/>
-          </a:xfrm>
-          <a:prstGeom prst="line">
-            <a:avLst/>
-          </a:prstGeom>
-          <a:noFill/>
-          <a:ln w="9525" algn="ctr">
-            <a:solidFill>
-              <a:srgbClr val="00B0F0">
-                <a:alpha val="34117"/>
-              </a:srgbClr>
-            </a:solidFill>
-            <a:prstDash val="dash"/>
-            <a:round/>
-          </a:ln>
-        </p:spPr>
-      </p:cxnSp>
-      <p:sp>
-        <p:nvSpPr>
-          <p:cNvPr id="4" name="文本框 3"/>
-          <p:cNvSpPr txBox="1"/>
-          <p:nvPr/>
-        </p:nvSpPr>
-        <p:spPr>
-          <a:xfrm>
-            <a:off x="554990" y="377190"/>
-            <a:ext cx="4499610" cy="501650"/>
-          </a:xfrm>
-          <a:prstGeom prst="rect">
-            <a:avLst/>
-          </a:prstGeom>
-          <a:noFill/>
-        </p:spPr>
-        <p:txBody>
-          <a:bodyPr wrap="square" rtlCol="0" anchor="t">
-            <a:spAutoFit/>
-          </a:bodyPr>
-          <a:p>
-            <a:r>
-              <a:rPr lang="zh-CN" altLang="en-US" sz="2665" dirty="0" smtClean="0">
-                <a:solidFill>
-                  <a:srgbClr val="1D69A3"/>
-                </a:solidFill>
-                <a:latin typeface="微软雅黑" panose="020B0503020204020204" pitchFamily="34" charset="-122"/>
-                <a:ea typeface="微软雅黑" panose="020B0503020204020204" pitchFamily="34" charset="-122"/>
-              </a:rPr>
-              <a:t>双链表？</a:t>
-            </a:r>
-            <a:endParaRPr lang="zh-CN" altLang="en-US" sz="2665" dirty="0" smtClean="0">
-              <a:solidFill>
-                <a:srgbClr val="1D69A3"/>
-              </a:solidFill>
-              <a:latin typeface="微软雅黑" panose="020B0503020204020204" pitchFamily="34" charset="-122"/>
-              <a:ea typeface="微软雅黑" panose="020B0503020204020204" pitchFamily="34" charset="-122"/>
-            </a:endParaRPr>
-          </a:p>
-        </p:txBody>
-      </p:sp>
-      <p:pic>
-        <p:nvPicPr>
-          <p:cNvPr id="6" name="图片 5" descr="HWUPUXLM%MK~Q{PY{HZM17W"/>
-          <p:cNvPicPr>
-            <a:picLocks noChangeAspect="1"/>
-          </p:cNvPicPr>
-          <p:nvPr/>
-        </p:nvPicPr>
-        <p:blipFill>
-          <a:blip r:embed="rId2"/>
-          <a:stretch>
-            <a:fillRect/>
-          </a:stretch>
-        </p:blipFill>
-        <p:spPr>
-          <a:xfrm>
-            <a:off x="647065" y="2038350"/>
-            <a:ext cx="6847840" cy="1543050"/>
-          </a:xfrm>
-          <a:prstGeom prst="rect">
-            <a:avLst/>
-          </a:prstGeom>
-        </p:spPr>
-      </p:pic>
-      <p:sp>
-        <p:nvSpPr>
-          <p:cNvPr id="7" name="文本框 6"/>
-          <p:cNvSpPr txBox="1"/>
-          <p:nvPr/>
-        </p:nvSpPr>
-        <p:spPr>
-          <a:xfrm>
-            <a:off x="509905" y="1129665"/>
-            <a:ext cx="11292840" cy="922020"/>
-          </a:xfrm>
-          <a:prstGeom prst="rect">
-            <a:avLst/>
-          </a:prstGeom>
-          <a:noFill/>
-        </p:spPr>
-        <p:txBody>
-          <a:bodyPr wrap="square" rtlCol="0" anchor="t">
-            <a:spAutoFit/>
-          </a:bodyPr>
-          <a:p>
-            <a:r>
-              <a:rPr lang="zh-CN" altLang="en-US"/>
-              <a:t>双向链表是链表的一种。和单链表一样，双链表也是由节点组成，它的每个数据结点中都有两个指针，分别指向</a:t>
-            </a:r>
-            <a:r>
-              <a:rPr lang="zh-CN" altLang="en-US">
-                <a:solidFill>
-                  <a:srgbClr val="00B050"/>
-                </a:solidFill>
-              </a:rPr>
-              <a:t>直接后继</a:t>
-            </a:r>
-            <a:r>
-              <a:rPr lang="zh-CN" altLang="en-US"/>
-              <a:t>和</a:t>
-            </a:r>
-            <a:r>
-              <a:rPr lang="zh-CN" altLang="en-US">
-                <a:solidFill>
-                  <a:srgbClr val="00B050"/>
-                </a:solidFill>
-              </a:rPr>
-              <a:t>直接前驱</a:t>
-            </a:r>
-            <a:r>
-              <a:rPr lang="zh-CN" altLang="en-US"/>
-              <a:t>。所以，从双向链表中的任意一个结点开始，都可以很方便地访问它的前驱结点和后继结点。</a:t>
-            </a:r>
-            <a:r>
-              <a:rPr lang="zh-CN" altLang="en-US">
-                <a:ln w="12700">
-                  <a:solidFill>
-                    <a:schemeClr val="accent1"/>
-                  </a:solidFill>
-                  <a:prstDash val="solid"/>
-                </a:ln>
-                <a:pattFill prst="pct50">
-                  <a:fgClr>
-                    <a:schemeClr val="accent1"/>
-                  </a:fgClr>
-                  <a:bgClr>
-                    <a:schemeClr val="accent1">
-                      <a:lumMod val="20000"/>
-                      <a:lumOff val="80000"/>
-                    </a:schemeClr>
-                  </a:bgClr>
-                </a:pattFill>
-                <a:effectLst>
-                  <a:outerShdw dist="38100" dir="2640000" algn="bl" rotWithShape="0">
-                    <a:schemeClr val="accent1"/>
-                  </a:outerShdw>
-                </a:effectLst>
-              </a:rPr>
-              <a:t>一般我们都构造双向循环链表</a:t>
-            </a:r>
-            <a:endParaRPr lang="zh-CN" altLang="en-US">
-              <a:ln w="12700">
-                <a:solidFill>
-                  <a:schemeClr val="accent1"/>
-                </a:solidFill>
-                <a:prstDash val="solid"/>
-              </a:ln>
-              <a:pattFill prst="pct50">
-                <a:fgClr>
-                  <a:schemeClr val="accent1"/>
-                </a:fgClr>
-                <a:bgClr>
-                  <a:schemeClr val="accent1">
-                    <a:lumMod val="20000"/>
-                    <a:lumOff val="80000"/>
-                  </a:schemeClr>
-                </a:bgClr>
-              </a:pattFill>
-              <a:effectLst>
-                <a:outerShdw dist="38100" dir="2640000" algn="bl" rotWithShape="0">
-                  <a:schemeClr val="accent1"/>
-                </a:outerShdw>
-              </a:effectLst>
-            </a:endParaRPr>
-          </a:p>
-        </p:txBody>
-      </p:sp>
-      <p:sp>
-        <p:nvSpPr>
-          <p:cNvPr id="8" name="文本框 7"/>
-          <p:cNvSpPr txBox="1"/>
-          <p:nvPr/>
-        </p:nvSpPr>
-        <p:spPr>
-          <a:xfrm>
-            <a:off x="574040" y="4069080"/>
-            <a:ext cx="10979150" cy="922020"/>
-          </a:xfrm>
-          <a:prstGeom prst="rect">
-            <a:avLst/>
-          </a:prstGeom>
-          <a:noFill/>
-        </p:spPr>
-        <p:txBody>
-          <a:bodyPr wrap="square" rtlCol="0" anchor="t">
-            <a:spAutoFit/>
-          </a:bodyPr>
-          <a:p>
-            <a:r>
-              <a:rPr lang="zh-CN" altLang="en-US"/>
-              <a:t>表头为空，表头的后继节点为"节点10"(数据为10的节点)；"节点10"的后继节点是"节点20"(数据为10的节点)，"节点20"的前继节点是"节点10"；"节点20"的后继节点是"节点30"，"节点30"的前继节点是"节点20"；...；末尾节点的后继节点是表头。</a:t>
             </a:r>
             <a:endParaRPr lang="zh-CN" altLang="en-US"/>
           </a:p>
@@ -14685,6 +14730,684 @@
           <a:chExt cx="0" cy="0"/>
         </a:xfrm>
       </p:grpSpPr>
+      <p:grpSp>
+        <p:nvGrpSpPr>
+          <p:cNvPr id="2" name="PA_组合 47"/>
+          <p:cNvGrpSpPr/>
+          <p:nvPr>
+            <p:custDataLst>
+              <p:tags r:id="rId1"/>
+            </p:custDataLst>
+          </p:nvPr>
+        </p:nvGrpSpPr>
+        <p:grpSpPr>
+          <a:xfrm>
+            <a:off x="554877" y="932724"/>
+            <a:ext cx="1199456" cy="74689"/>
+            <a:chOff x="0" y="2842590"/>
+            <a:chExt cx="7054752" cy="89199"/>
+          </a:xfrm>
+        </p:grpSpPr>
+        <p:sp>
+          <p:nvSpPr>
+            <p:cNvPr id="49" name="矩形 48"/>
+            <p:cNvSpPr/>
+            <p:nvPr/>
+          </p:nvSpPr>
+          <p:spPr>
+            <a:xfrm>
+              <a:off x="0" y="2842590"/>
+              <a:ext cx="1763688" cy="89199"/>
+            </a:xfrm>
+            <a:prstGeom prst="rect">
+              <a:avLst/>
+            </a:prstGeom>
+            <a:solidFill>
+              <a:schemeClr val="accent1"/>
+            </a:solidFill>
+            <a:ln>
+              <a:noFill/>
+            </a:ln>
+          </p:spPr>
+          <p:style>
+            <a:lnRef idx="2">
+              <a:schemeClr val="accent1">
+                <a:shade val="50000"/>
+              </a:schemeClr>
+            </a:lnRef>
+            <a:fillRef idx="1">
+              <a:schemeClr val="accent1"/>
+            </a:fillRef>
+            <a:effectRef idx="0">
+              <a:schemeClr val="accent1"/>
+            </a:effectRef>
+            <a:fontRef idx="minor">
+              <a:schemeClr val="lt1"/>
+            </a:fontRef>
+          </p:style>
+          <p:txBody>
+            <a:bodyPr rtlCol="0" anchor="ctr"/>
+            <a:lstStyle/>
+            <a:p>
+              <a:pPr algn="ctr" defTabSz="1218565"/>
+              <a:endParaRPr lang="zh-CN" altLang="en-US" sz="2400">
+                <a:solidFill>
+                  <a:srgbClr val="FFFFFF"/>
+                </a:solidFill>
+                <a:latin typeface="Calibri" panose="020F0502020204030204"/>
+                <a:ea typeface="宋体" panose="02010600030101010101" pitchFamily="2" charset="-122"/>
+              </a:endParaRPr>
+            </a:p>
+          </p:txBody>
+        </p:sp>
+        <p:sp>
+          <p:nvSpPr>
+            <p:cNvPr id="50" name="矩形 49"/>
+            <p:cNvSpPr/>
+            <p:nvPr/>
+          </p:nvSpPr>
+          <p:spPr>
+            <a:xfrm>
+              <a:off x="1763688" y="2842590"/>
+              <a:ext cx="1763688" cy="89199"/>
+            </a:xfrm>
+            <a:prstGeom prst="rect">
+              <a:avLst/>
+            </a:prstGeom>
+            <a:solidFill>
+              <a:schemeClr val="accent2"/>
+            </a:solidFill>
+            <a:ln>
+              <a:noFill/>
+            </a:ln>
+          </p:spPr>
+          <p:style>
+            <a:lnRef idx="2">
+              <a:schemeClr val="accent1">
+                <a:shade val="50000"/>
+              </a:schemeClr>
+            </a:lnRef>
+            <a:fillRef idx="1">
+              <a:schemeClr val="accent1"/>
+            </a:fillRef>
+            <a:effectRef idx="0">
+              <a:schemeClr val="accent1"/>
+            </a:effectRef>
+            <a:fontRef idx="minor">
+              <a:schemeClr val="lt1"/>
+            </a:fontRef>
+          </p:style>
+          <p:txBody>
+            <a:bodyPr rtlCol="0" anchor="ctr"/>
+            <a:lstStyle/>
+            <a:p>
+              <a:pPr algn="ctr" defTabSz="1218565"/>
+              <a:endParaRPr lang="zh-CN" altLang="en-US" sz="2400">
+                <a:solidFill>
+                  <a:srgbClr val="FFFFFF"/>
+                </a:solidFill>
+                <a:latin typeface="Calibri" panose="020F0502020204030204"/>
+                <a:ea typeface="宋体" panose="02010600030101010101" pitchFamily="2" charset="-122"/>
+              </a:endParaRPr>
+            </a:p>
+          </p:txBody>
+        </p:sp>
+        <p:sp>
+          <p:nvSpPr>
+            <p:cNvPr id="51" name="矩形 50"/>
+            <p:cNvSpPr/>
+            <p:nvPr/>
+          </p:nvSpPr>
+          <p:spPr>
+            <a:xfrm>
+              <a:off x="3527376" y="2842590"/>
+              <a:ext cx="1763688" cy="89199"/>
+            </a:xfrm>
+            <a:prstGeom prst="rect">
+              <a:avLst/>
+            </a:prstGeom>
+            <a:solidFill>
+              <a:schemeClr val="accent3"/>
+            </a:solidFill>
+            <a:ln>
+              <a:noFill/>
+            </a:ln>
+          </p:spPr>
+          <p:style>
+            <a:lnRef idx="2">
+              <a:schemeClr val="accent1">
+                <a:shade val="50000"/>
+              </a:schemeClr>
+            </a:lnRef>
+            <a:fillRef idx="1">
+              <a:schemeClr val="accent1"/>
+            </a:fillRef>
+            <a:effectRef idx="0">
+              <a:schemeClr val="accent1"/>
+            </a:effectRef>
+            <a:fontRef idx="minor">
+              <a:schemeClr val="lt1"/>
+            </a:fontRef>
+          </p:style>
+          <p:txBody>
+            <a:bodyPr rtlCol="0" anchor="ctr"/>
+            <a:lstStyle/>
+            <a:p>
+              <a:pPr algn="ctr" defTabSz="1218565"/>
+              <a:endParaRPr lang="zh-CN" altLang="en-US" sz="2400">
+                <a:solidFill>
+                  <a:srgbClr val="FFFFFF"/>
+                </a:solidFill>
+                <a:latin typeface="Calibri" panose="020F0502020204030204"/>
+                <a:ea typeface="宋体" panose="02010600030101010101" pitchFamily="2" charset="-122"/>
+              </a:endParaRPr>
+            </a:p>
+          </p:txBody>
+        </p:sp>
+        <p:sp>
+          <p:nvSpPr>
+            <p:cNvPr id="52" name="矩形 51"/>
+            <p:cNvSpPr/>
+            <p:nvPr/>
+          </p:nvSpPr>
+          <p:spPr>
+            <a:xfrm>
+              <a:off x="5291064" y="2842590"/>
+              <a:ext cx="1763688" cy="89199"/>
+            </a:xfrm>
+            <a:prstGeom prst="rect">
+              <a:avLst/>
+            </a:prstGeom>
+            <a:solidFill>
+              <a:schemeClr val="accent4"/>
+            </a:solidFill>
+            <a:ln>
+              <a:noFill/>
+            </a:ln>
+          </p:spPr>
+          <p:style>
+            <a:lnRef idx="2">
+              <a:schemeClr val="accent1">
+                <a:shade val="50000"/>
+              </a:schemeClr>
+            </a:lnRef>
+            <a:fillRef idx="1">
+              <a:schemeClr val="accent1"/>
+            </a:fillRef>
+            <a:effectRef idx="0">
+              <a:schemeClr val="accent1"/>
+            </a:effectRef>
+            <a:fontRef idx="minor">
+              <a:schemeClr val="lt1"/>
+            </a:fontRef>
+          </p:style>
+          <p:txBody>
+            <a:bodyPr rtlCol="0" anchor="ctr"/>
+            <a:lstStyle/>
+            <a:p>
+              <a:pPr algn="ctr" defTabSz="1218565"/>
+              <a:endParaRPr lang="zh-CN" altLang="en-US" sz="2400">
+                <a:solidFill>
+                  <a:srgbClr val="FFFFFF"/>
+                </a:solidFill>
+                <a:latin typeface="Calibri" panose="020F0502020204030204"/>
+                <a:ea typeface="宋体" panose="02010600030101010101" pitchFamily="2" charset="-122"/>
+              </a:endParaRPr>
+            </a:p>
+          </p:txBody>
+        </p:sp>
+      </p:grpSp>
+      <p:cxnSp>
+        <p:nvCxnSpPr>
+          <p:cNvPr id="17" name="直接连接符 2"/>
+          <p:cNvCxnSpPr>
+            <a:cxnSpLocks noChangeShapeType="1"/>
+          </p:cNvCxnSpPr>
+          <p:nvPr/>
+        </p:nvCxnSpPr>
+        <p:spPr bwMode="auto">
+          <a:xfrm flipV="1">
+            <a:off x="-44609" y="1060219"/>
+            <a:ext cx="12188825" cy="50801"/>
+          </a:xfrm>
+          <a:prstGeom prst="line">
+            <a:avLst/>
+          </a:prstGeom>
+          <a:noFill/>
+          <a:ln w="9525" algn="ctr">
+            <a:solidFill>
+              <a:srgbClr val="00B0F0">
+                <a:alpha val="34117"/>
+              </a:srgbClr>
+            </a:solidFill>
+            <a:prstDash val="dash"/>
+            <a:round/>
+          </a:ln>
+        </p:spPr>
+      </p:cxnSp>
+      <p:sp>
+        <p:nvSpPr>
+          <p:cNvPr id="4" name="文本框 3"/>
+          <p:cNvSpPr txBox="1"/>
+          <p:nvPr/>
+        </p:nvSpPr>
+        <p:spPr>
+          <a:xfrm>
+            <a:off x="554990" y="377190"/>
+            <a:ext cx="4499610" cy="501650"/>
+          </a:xfrm>
+          <a:prstGeom prst="rect">
+            <a:avLst/>
+          </a:prstGeom>
+          <a:noFill/>
+        </p:spPr>
+        <p:txBody>
+          <a:bodyPr wrap="square" rtlCol="0" anchor="t">
+            <a:spAutoFit/>
+          </a:bodyPr>
+          <a:p>
+            <a:r>
+              <a:rPr lang="zh-CN" altLang="en-US" sz="2665" dirty="0" smtClean="0">
+                <a:solidFill>
+                  <a:srgbClr val="1D69A3"/>
+                </a:solidFill>
+                <a:latin typeface="微软雅黑" panose="020B0503020204020204" pitchFamily="34" charset="-122"/>
+                <a:ea typeface="微软雅黑" panose="020B0503020204020204" pitchFamily="34" charset="-122"/>
+              </a:rPr>
+              <a:t>双链表？</a:t>
+            </a:r>
+            <a:endParaRPr lang="zh-CN" altLang="en-US" sz="2665" dirty="0" smtClean="0">
+              <a:solidFill>
+                <a:srgbClr val="1D69A3"/>
+              </a:solidFill>
+              <a:latin typeface="微软雅黑" panose="020B0503020204020204" pitchFamily="34" charset="-122"/>
+              <a:ea typeface="微软雅黑" panose="020B0503020204020204" pitchFamily="34" charset="-122"/>
+            </a:endParaRPr>
+          </a:p>
+        </p:txBody>
+      </p:sp>
+      <p:pic>
+        <p:nvPicPr>
+          <p:cNvPr id="6" name="图片 5" descr="HWUPUXLM%MK~Q{PY{HZM17W"/>
+          <p:cNvPicPr>
+            <a:picLocks noChangeAspect="1"/>
+          </p:cNvPicPr>
+          <p:nvPr/>
+        </p:nvPicPr>
+        <p:blipFill>
+          <a:blip r:embed="rId2"/>
+          <a:stretch>
+            <a:fillRect/>
+          </a:stretch>
+        </p:blipFill>
+        <p:spPr>
+          <a:xfrm>
+            <a:off x="647065" y="2038350"/>
+            <a:ext cx="6847840" cy="1543050"/>
+          </a:xfrm>
+          <a:prstGeom prst="rect">
+            <a:avLst/>
+          </a:prstGeom>
+        </p:spPr>
+      </p:pic>
+      <p:sp>
+        <p:nvSpPr>
+          <p:cNvPr id="7" name="文本框 6"/>
+          <p:cNvSpPr txBox="1"/>
+          <p:nvPr/>
+        </p:nvSpPr>
+        <p:spPr>
+          <a:xfrm>
+            <a:off x="509905" y="1129665"/>
+            <a:ext cx="11292840" cy="922020"/>
+          </a:xfrm>
+          <a:prstGeom prst="rect">
+            <a:avLst/>
+          </a:prstGeom>
+          <a:noFill/>
+        </p:spPr>
+        <p:txBody>
+          <a:bodyPr wrap="square" rtlCol="0" anchor="t">
+            <a:spAutoFit/>
+          </a:bodyPr>
+          <a:p>
+            <a:r>
+              <a:rPr lang="zh-CN" altLang="en-US"/>
+              <a:t>双向链表是链表的一种。和单链表一样，双链表也是由节点组成，它的每个数据结点中都有两个指针，分别指向</a:t>
+            </a:r>
+            <a:r>
+              <a:rPr lang="zh-CN" altLang="en-US">
+                <a:solidFill>
+                  <a:srgbClr val="00B050"/>
+                </a:solidFill>
+              </a:rPr>
+              <a:t>直接后继</a:t>
+            </a:r>
+            <a:r>
+              <a:rPr lang="zh-CN" altLang="en-US"/>
+              <a:t>和</a:t>
+            </a:r>
+            <a:r>
+              <a:rPr lang="zh-CN" altLang="en-US">
+                <a:solidFill>
+                  <a:srgbClr val="00B050"/>
+                </a:solidFill>
+              </a:rPr>
+              <a:t>直接前驱</a:t>
+            </a:r>
+            <a:r>
+              <a:rPr lang="zh-CN" altLang="en-US"/>
+              <a:t>。所以，从双向链表中的任意一个结点开始，都可以很方便地访问它的前驱结点和后继结点。</a:t>
+            </a:r>
+            <a:r>
+              <a:rPr lang="zh-CN" altLang="en-US">
+                <a:ln w="12700">
+                  <a:solidFill>
+                    <a:schemeClr val="accent1"/>
+                  </a:solidFill>
+                  <a:prstDash val="solid"/>
+                </a:ln>
+                <a:pattFill prst="pct50">
+                  <a:fgClr>
+                    <a:schemeClr val="accent1"/>
+                  </a:fgClr>
+                  <a:bgClr>
+                    <a:schemeClr val="accent1">
+                      <a:lumMod val="20000"/>
+                      <a:lumOff val="80000"/>
+                    </a:schemeClr>
+                  </a:bgClr>
+                </a:pattFill>
+                <a:effectLst>
+                  <a:outerShdw dist="38100" dir="2640000" algn="bl" rotWithShape="0">
+                    <a:schemeClr val="accent1"/>
+                  </a:outerShdw>
+                </a:effectLst>
+              </a:rPr>
+              <a:t>一般我们都构造双向循环链表</a:t>
+            </a:r>
+            <a:endParaRPr lang="zh-CN" altLang="en-US">
+              <a:ln w="12700">
+                <a:solidFill>
+                  <a:schemeClr val="accent1"/>
+                </a:solidFill>
+                <a:prstDash val="solid"/>
+              </a:ln>
+              <a:pattFill prst="pct50">
+                <a:fgClr>
+                  <a:schemeClr val="accent1"/>
+                </a:fgClr>
+                <a:bgClr>
+                  <a:schemeClr val="accent1">
+                    <a:lumMod val="20000"/>
+                    <a:lumOff val="80000"/>
+                  </a:schemeClr>
+                </a:bgClr>
+              </a:pattFill>
+              <a:effectLst>
+                <a:outerShdw dist="38100" dir="2640000" algn="bl" rotWithShape="0">
+                  <a:schemeClr val="accent1"/>
+                </a:outerShdw>
+              </a:effectLst>
+            </a:endParaRPr>
+          </a:p>
+        </p:txBody>
+      </p:sp>
+      <p:sp>
+        <p:nvSpPr>
+          <p:cNvPr id="8" name="文本框 7"/>
+          <p:cNvSpPr txBox="1"/>
+          <p:nvPr/>
+        </p:nvSpPr>
+        <p:spPr>
+          <a:xfrm>
+            <a:off x="574040" y="4069080"/>
+            <a:ext cx="10979150" cy="922020"/>
+          </a:xfrm>
+          <a:prstGeom prst="rect">
+            <a:avLst/>
+          </a:prstGeom>
+          <a:noFill/>
+        </p:spPr>
+        <p:txBody>
+          <a:bodyPr wrap="square" rtlCol="0" anchor="t">
+            <a:spAutoFit/>
+          </a:bodyPr>
+          <a:p>
+            <a:r>
+              <a:rPr lang="zh-CN" altLang="en-US"/>
+              <a:t>表头为空，表头的后继节点为"节点10"(数据为10的节点)；"节点10"的后继节点是"节点20"(数据为10的节点)，"节点20"的前继节点是"节点10"；"节点20"的后继节点是"节点30"，"节点30"的前继节点是"节点20"；...；末尾节点的后继节点是表头。</a:t>
+            </a:r>
+            <a:endParaRPr lang="zh-CN" altLang="en-US"/>
+          </a:p>
+        </p:txBody>
+      </p:sp>
+    </p:spTree>
+  </p:cSld>
+  <p:clrMapOvr>
+    <a:masterClrMapping/>
+  </p:clrMapOvr>
+  <mc:AlternateContent xmlns:mc="http://schemas.openxmlformats.org/markup-compatibility/2006">
+    <mc:Choice xmlns:p14="http://schemas.microsoft.com/office/powerpoint/2010/main" Requires="p14">
+      <p:transition spd="slow" p14:dur="1500">
+        <p:random/>
+      </p:transition>
+    </mc:Choice>
+    <mc:Fallback>
+      <p:transition spd="slow">
+        <p:random/>
+      </p:transition>
+    </mc:Fallback>
+  </mc:AlternateContent>
+  <p:timing>
+    <p:tnLst>
+      <p:par>
+        <p:cTn id="1" dur="indefinite" restart="never" nodeType="tmRoot">
+          <p:childTnLst>
+            <p:seq concurrent="1" nextAc="seek">
+              <p:cTn id="2" dur="indefinite" nodeType="mainSeq">
+                <p:childTnLst>
+                  <p:par>
+                    <p:cTn id="3" fill="hold">
+                      <p:stCondLst>
+                        <p:cond delay="indefinite"/>
+                        <p:cond evt="onBegin" delay="0">
+                          <p:tn val="2"/>
+                        </p:cond>
+                      </p:stCondLst>
+                      <p:childTnLst>
+                        <p:par>
+                          <p:cTn id="4" fill="hold">
+                            <p:stCondLst>
+                              <p:cond delay="0"/>
+                            </p:stCondLst>
+                            <p:childTnLst>
+                              <p:par>
+                                <p:cTn id="5" presetID="0" presetClass="entr" presetSubtype="0" fill="hold" nodeType="withEffect">
+                                  <p:stCondLst>
+                                    <p:cond delay="0"/>
+                                  </p:stCondLst>
+                                  <p:iterate type="lt">
+                                    <p:tmPct val="10000"/>
+                                  </p:iterate>
+                                  <p:childTnLst>
+                                    <p:set>
+                                      <p:cBhvr>
+                                        <p:cTn id="6" dur="1" fill="hold">
+                                          <p:stCondLst>
+                                            <p:cond delay="0"/>
+                                          </p:stCondLst>
+                                        </p:cTn>
+                                        <p:tgtEl>
+                                          <p:spTgt spid="2"/>
+                                        </p:tgtEl>
+                                        <p:attrNameLst>
+                                          <p:attrName>style.visibility</p:attrName>
+                                        </p:attrNameLst>
+                                      </p:cBhvr>
+                                      <p:to>
+                                        <p:strVal val="visible"/>
+                                      </p:to>
+                                    </p:set>
+                                    <p:anim to="" calcmode="lin" valueType="num">
+                                      <p:cBhvr>
+                                        <p:cTn id="7" dur="700" fill="hold">
+                                          <p:stCondLst>
+                                            <p:cond delay="0"/>
+                                          </p:stCondLst>
+                                        </p:cTn>
+                                        <p:tgtEl>
+                                          <p:spTgt spid="2"/>
+                                        </p:tgtEl>
+                                        <p:attrNameLst>
+                                          <p:attrName>ppt_x</p:attrName>
+                                        </p:attrNameLst>
+                                      </p:cBhvr>
+                                      <p:tavLst>
+                                        <p:tav tm="0" fmla="#ppt_x-(-#ppt_w/2*cos(ppt_r/180*pi))*((1.5-1.5*$)^2-(1.5-1.5*$)^3)">
+                                          <p:val>
+                                            <p:fltVal val="0"/>
+                                          </p:val>
+                                        </p:tav>
+                                        <p:tav tm="100000">
+                                          <p:val>
+                                            <p:fltVal val="1"/>
+                                          </p:val>
+                                        </p:tav>
+                                      </p:tavLst>
+                                    </p:anim>
+                                    <p:anim to="" calcmode="lin" valueType="num">
+                                      <p:cBhvr>
+                                        <p:cTn id="8" dur="700" fill="hold">
+                                          <p:stCondLst>
+                                            <p:cond delay="0"/>
+                                          </p:stCondLst>
+                                        </p:cTn>
+                                        <p:tgtEl>
+                                          <p:spTgt spid="2"/>
+                                        </p:tgtEl>
+                                        <p:attrNameLst>
+                                          <p:attrName>ppt_y</p:attrName>
+                                        </p:attrNameLst>
+                                      </p:cBhvr>
+                                      <p:tavLst>
+                                        <p:tav tm="0" fmla="#ppt_y+(-#ppt_h/2*cos(ppt_r/180*pi))*((1.5-1.5*$)^2-(1.5-1.5*$)^3)">
+                                          <p:val>
+                                            <p:fltVal val="0"/>
+                                          </p:val>
+                                        </p:tav>
+                                        <p:tav tm="100000">
+                                          <p:val>
+                                            <p:fltVal val="1"/>
+                                          </p:val>
+                                        </p:tav>
+                                      </p:tavLst>
+                                    </p:anim>
+                                    <p:anim to="" calcmode="lin" valueType="num">
+                                      <p:cBhvr>
+                                        <p:cTn id="9" dur="700" fill="hold">
+                                          <p:stCondLst>
+                                            <p:cond delay="0"/>
+                                          </p:stCondLst>
+                                        </p:cTn>
+                                        <p:tgtEl>
+                                          <p:spTgt spid="2"/>
+                                        </p:tgtEl>
+                                        <p:attrNameLst>
+                                          <p:attrName>ppt_h</p:attrName>
+                                        </p:attrNameLst>
+                                      </p:cBhvr>
+                                      <p:tavLst>
+                                        <p:tav tm="0" fmla="#ppt_h-(-#ppt_h)*((1.5-1.5*$)^2-(1.5-1.5*$)^3)">
+                                          <p:val>
+                                            <p:fltVal val="0"/>
+                                          </p:val>
+                                        </p:tav>
+                                        <p:tav tm="100000">
+                                          <p:val>
+                                            <p:fltVal val="1"/>
+                                          </p:val>
+                                        </p:tav>
+                                      </p:tavLst>
+                                    </p:anim>
+                                    <p:anim to="" calcmode="lin" valueType="num">
+                                      <p:cBhvr>
+                                        <p:cTn id="10" dur="700" fill="hold">
+                                          <p:stCondLst>
+                                            <p:cond delay="0"/>
+                                          </p:stCondLst>
+                                        </p:cTn>
+                                        <p:tgtEl>
+                                          <p:spTgt spid="2"/>
+                                        </p:tgtEl>
+                                        <p:attrNameLst>
+                                          <p:attrName>ppt_w</p:attrName>
+                                        </p:attrNameLst>
+                                      </p:cBhvr>
+                                      <p:tavLst>
+                                        <p:tav tm="0" fmla="#ppt_w-(-#ppt_w)*((1.5-1.5*$)^2-(1.5-1.5*$)^3)">
+                                          <p:val>
+                                            <p:fltVal val="0"/>
+                                          </p:val>
+                                        </p:tav>
+                                        <p:tav tm="100000">
+                                          <p:val>
+                                            <p:fltVal val="1"/>
+                                          </p:val>
+                                        </p:tav>
+                                      </p:tavLst>
+                                    </p:anim>
+                                  </p:childTnLst>
+                                </p:cTn>
+                              </p:par>
+                            </p:childTnLst>
+                          </p:cTn>
+                        </p:par>
+                      </p:childTnLst>
+                    </p:cTn>
+                  </p:par>
+                </p:childTnLst>
+              </p:cTn>
+              <p:prevCondLst>
+                <p:cond evt="onPrev" delay="0">
+                  <p:tgtEl>
+                    <p:sldTgt/>
+                  </p:tgtEl>
+                </p:cond>
+              </p:prevCondLst>
+              <p:nextCondLst>
+                <p:cond evt="onNext" delay="0">
+                  <p:tgtEl>
+                    <p:sldTgt/>
+                  </p:tgtEl>
+                </p:cond>
+              </p:nextCondLst>
+            </p:seq>
+          </p:childTnLst>
+        </p:cTn>
+      </p:par>
+    </p:tnLst>
+  </p:timing>
+</p:sld>
+</file>
+
+<file path=ppt/slides/slide21.xml><?xml version="1.0" encoding="utf-8"?>
+<p:sld xmlns:a="http://schemas.openxmlformats.org/drawingml/2006/main" xmlns:r="http://schemas.openxmlformats.org/officeDocument/2006/relationships" xmlns:p="http://schemas.openxmlformats.org/presentationml/2006/main">
+  <p:cSld>
+    <p:spTree>
+      <p:nvGrpSpPr>
+        <p:cNvPr id="1" name=""/>
+        <p:cNvGrpSpPr/>
+        <p:nvPr/>
+      </p:nvGrpSpPr>
+      <p:grpSpPr>
+        <a:xfrm>
+          <a:off x="0" y="0"/>
+          <a:ext cx="0" cy="0"/>
+          <a:chOff x="0" y="0"/>
+          <a:chExt cx="0" cy="0"/>
+        </a:xfrm>
+      </p:grpSpPr>
       <p:sp>
         <p:nvSpPr>
           <p:cNvPr id="47" name="PA_矩形 39"/>
@@ -14999,7 +15722,7 @@
         </p:blipFill>
         <p:spPr>
           <a:xfrm>
-            <a:off x="1866900" y="1127125"/>
+            <a:off x="1859280" y="1127125"/>
             <a:ext cx="8514080" cy="4361815"/>
           </a:xfrm>
           <a:prstGeom prst="rect">
@@ -15357,7 +16080,7 @@
 </p:sld>
 </file>
 
-<file path=ppt/slides/slide21.xml><?xml version="1.0" encoding="utf-8"?>
+<file path=ppt/slides/slide22.xml><?xml version="1.0" encoding="utf-8"?>
 <p:sld xmlns:a="http://schemas.openxmlformats.org/drawingml/2006/main" xmlns:r="http://schemas.openxmlformats.org/officeDocument/2006/relationships" xmlns:p="http://schemas.openxmlformats.org/presentationml/2006/main">
   <p:cSld>
     <p:spTree>
@@ -16046,7 +16769,7 @@
 </p:sld>
 </file>
 
-<file path=ppt/slides/slide22.xml><?xml version="1.0" encoding="utf-8"?>
+<file path=ppt/slides/slide23.xml><?xml version="1.0" encoding="utf-8"?>
 <p:sld xmlns:a="http://schemas.openxmlformats.org/drawingml/2006/main" xmlns:r="http://schemas.openxmlformats.org/officeDocument/2006/relationships" xmlns:p="http://schemas.openxmlformats.org/presentationml/2006/main">
   <p:cSld>
     <p:spTree>
@@ -16371,6 +17094,149 @@
           </p:txBody>
         </p:sp>
       </p:grpSp>
+      <p:sp>
+        <p:nvSpPr>
+          <p:cNvPr id="2" name="文本框 1"/>
+          <p:cNvSpPr txBox="1"/>
+          <p:nvPr/>
+        </p:nvSpPr>
+        <p:spPr>
+          <a:xfrm>
+            <a:off x="1983105" y="2678430"/>
+            <a:ext cx="7701915" cy="1753235"/>
+          </a:xfrm>
+          <a:prstGeom prst="rect">
+            <a:avLst/>
+          </a:prstGeom>
+          <a:noFill/>
+        </p:spPr>
+        <p:txBody>
+          <a:bodyPr wrap="none" rtlCol="0">
+            <a:spAutoFit/>
+          </a:bodyPr>
+          <a:p>
+            <a:r>
+              <a:rPr lang="en-US" altLang="zh-CN"/>
+              <a:t>1.</a:t>
+            </a:r>
+            <a:r>
+              <a:rPr lang="zh-CN" altLang="en-US"/>
+              <a:t>如何读写</a:t>
+            </a:r>
+            <a:endParaRPr lang="zh-CN" altLang="en-US"/>
+          </a:p>
+          <a:p>
+            <a:r>
+              <a:rPr lang="en-US" altLang="zh-CN"/>
+              <a:t>2.</a:t>
+            </a:r>
+            <a:r>
+              <a:rPr lang="zh-CN" altLang="en-US"/>
+              <a:t>如何存储的，存单文件还是多个文件</a:t>
+            </a:r>
+            <a:endParaRPr lang="zh-CN" altLang="en-US"/>
+          </a:p>
+          <a:p>
+            <a:r>
+              <a:rPr lang="en-US" altLang="zh-CN"/>
+              <a:t>3.</a:t>
+            </a:r>
+            <a:r>
+              <a:rPr lang="zh-CN" altLang="en-US"/>
+              <a:t>缓存大小如何控制</a:t>
+            </a:r>
+            <a:endParaRPr lang="zh-CN" altLang="en-US"/>
+          </a:p>
+          <a:p>
+            <a:r>
+              <a:rPr lang="en-US" altLang="zh-CN"/>
+              <a:t>4.</a:t>
+            </a:r>
+            <a:r>
+              <a:rPr lang="zh-CN" altLang="en-US"/>
+              <a:t>如何保证读写的一致性</a:t>
+            </a:r>
+            <a:endParaRPr lang="zh-CN" altLang="en-US"/>
+          </a:p>
+          <a:p>
+            <a:r>
+              <a:rPr lang="en-US" altLang="zh-CN"/>
+              <a:t>5.</a:t>
+            </a:r>
+            <a:r>
+              <a:rPr lang="zh-CN" altLang="en-US"/>
+              <a:t>读写过程中发生错误了如何处理？应用突然被</a:t>
+            </a:r>
+            <a:r>
+              <a:rPr lang="en-US" altLang="zh-CN"/>
+              <a:t>kill</a:t>
+            </a:r>
+            <a:r>
+              <a:rPr lang="zh-CN" altLang="en-US"/>
+              <a:t>了如何保证数据的完整性</a:t>
+            </a:r>
+            <a:endParaRPr lang="zh-CN" altLang="en-US"/>
+          </a:p>
+          <a:p>
+            <a:r>
+              <a:rPr lang="en-US" altLang="zh-CN"/>
+              <a:t>6.</a:t>
+            </a:r>
+            <a:r>
+              <a:rPr lang="zh-CN" altLang="en-US"/>
+              <a:t>考虑读写的性能</a:t>
+            </a:r>
+            <a:endParaRPr lang="zh-CN" altLang="en-US"/>
+          </a:p>
+        </p:txBody>
+      </p:sp>
+      <p:sp>
+        <p:nvSpPr>
+          <p:cNvPr id="4" name="矩形 3"/>
+          <p:cNvSpPr/>
+          <p:nvPr/>
+        </p:nvSpPr>
+        <p:spPr>
+          <a:xfrm>
+            <a:off x="1483995" y="5354955"/>
+            <a:ext cx="9344025" cy="2847340"/>
+          </a:xfrm>
+          <a:prstGeom prst="rect">
+            <a:avLst/>
+          </a:prstGeom>
+          <a:solidFill>
+            <a:schemeClr val="bg1">
+              <a:lumMod val="95000"/>
+            </a:schemeClr>
+          </a:solidFill>
+          <a:ln>
+            <a:noFill/>
+          </a:ln>
+        </p:spPr>
+        <p:style>
+          <a:lnRef idx="2">
+            <a:schemeClr val="accent1">
+              <a:shade val="50000"/>
+            </a:schemeClr>
+          </a:lnRef>
+          <a:fillRef idx="1">
+            <a:schemeClr val="accent1"/>
+          </a:fillRef>
+          <a:effectRef idx="0">
+            <a:schemeClr val="accent1"/>
+          </a:effectRef>
+          <a:fontRef idx="minor">
+            <a:schemeClr val="lt1"/>
+          </a:fontRef>
+        </p:style>
+        <p:txBody>
+          <a:bodyPr rtlCol="0" anchor="ctr"/>
+          <a:p>
+            <a:pPr algn="ctr"/>
+            <a:endParaRPr lang="zh-CN" altLang="en-US"/>
+          </a:p>
+        </p:txBody>
+      </p:sp>
     </p:spTree>
   </p:cSld>
   <p:clrMapOvr>
@@ -16721,7 +17587,7 @@
 </p:sld>
 </file>
 
-<file path=ppt/slides/slide23.xml><?xml version="1.0" encoding="utf-8"?>
+<file path=ppt/slides/slide24.xml><?xml version="1.0" encoding="utf-8"?>
 <p:sld xmlns:a="http://schemas.openxmlformats.org/drawingml/2006/main" xmlns:r="http://schemas.openxmlformats.org/officeDocument/2006/relationships" xmlns:p="http://schemas.openxmlformats.org/presentationml/2006/main">
   <p:cSld>
     <p:spTree>
@@ -22340,7 +23206,7 @@
 </p:sld>
 </file>
 
-<file path=ppt/slides/slide24.xml><?xml version="1.0" encoding="utf-8"?>
+<file path=ppt/slides/slide25.xml><?xml version="1.0" encoding="utf-8"?>
 <p:sld xmlns:a="http://schemas.openxmlformats.org/drawingml/2006/main" xmlns:r="http://schemas.openxmlformats.org/officeDocument/2006/relationships" xmlns:p="http://schemas.openxmlformats.org/presentationml/2006/main">
   <p:cSld>
     <p:spTree>
@@ -22438,7 +23304,7 @@
 </p:sld>
 </file>
 
-<file path=ppt/slides/slide25.xml><?xml version="1.0" encoding="utf-8"?>
+<file path=ppt/slides/slide26.xml><?xml version="1.0" encoding="utf-8"?>
 <p:sld xmlns:a="http://schemas.openxmlformats.org/drawingml/2006/main" xmlns:r="http://schemas.openxmlformats.org/officeDocument/2006/relationships" xmlns:p="http://schemas.openxmlformats.org/presentationml/2006/main">
   <p:cSld>
     <p:spTree>
@@ -23715,7 +24581,7 @@
 </p:sld>
 </file>
 
-<file path=ppt/slides/slide26.xml><?xml version="1.0" encoding="utf-8"?>
+<file path=ppt/slides/slide27.xml><?xml version="1.0" encoding="utf-8"?>
 <p:sld xmlns:a="http://schemas.openxmlformats.org/drawingml/2006/main" xmlns:r="http://schemas.openxmlformats.org/officeDocument/2006/relationships" xmlns:p="http://schemas.openxmlformats.org/presentationml/2006/main">
   <p:cSld>
     <p:spTree>
@@ -29676,7 +30542,7 @@
 </p:sld>
 </file>
 
-<file path=ppt/slides/slide27.xml><?xml version="1.0" encoding="utf-8"?>
+<file path=ppt/slides/slide28.xml><?xml version="1.0" encoding="utf-8"?>
 <p:sld xmlns:a="http://schemas.openxmlformats.org/drawingml/2006/main" xmlns:r="http://schemas.openxmlformats.org/officeDocument/2006/relationships" xmlns:p="http://schemas.openxmlformats.org/presentationml/2006/main">
   <p:cSld>
     <p:spTree>
@@ -31450,7 +32316,7 @@
 </p:sld>
 </file>
 
-<file path=ppt/slides/slide28.xml><?xml version="1.0" encoding="utf-8"?>
+<file path=ppt/slides/slide29.xml><?xml version="1.0" encoding="utf-8"?>
 <p:sld xmlns:a="http://schemas.openxmlformats.org/drawingml/2006/main" xmlns:r="http://schemas.openxmlformats.org/officeDocument/2006/relationships" xmlns:p="http://schemas.openxmlformats.org/presentationml/2006/main">
   <p:cSld>
     <p:spTree>
@@ -31646,7 +32512,1296 @@
 </p:sld>
 </file>
 
-<file path=ppt/slides/slide29.xml><?xml version="1.0" encoding="utf-8"?>
+<file path=ppt/slides/slide3.xml><?xml version="1.0" encoding="utf-8"?>
+<p:sld xmlns:a="http://schemas.openxmlformats.org/drawingml/2006/main" xmlns:r="http://schemas.openxmlformats.org/officeDocument/2006/relationships" xmlns:p="http://schemas.openxmlformats.org/presentationml/2006/main">
+  <p:cSld>
+    <p:spTree>
+      <p:nvGrpSpPr>
+        <p:cNvPr id="1" name=""/>
+        <p:cNvGrpSpPr/>
+        <p:nvPr/>
+      </p:nvGrpSpPr>
+      <p:grpSpPr>
+        <a:xfrm>
+          <a:off x="0" y="0"/>
+          <a:ext cx="0" cy="0"/>
+          <a:chOff x="0" y="0"/>
+          <a:chExt cx="0" cy="0"/>
+        </a:xfrm>
+      </p:grpSpPr>
+      <p:sp>
+        <p:nvSpPr>
+          <p:cNvPr id="47" name="PA_矩形 39"/>
+          <p:cNvSpPr>
+            <a:spLocks noChangeArrowheads="1"/>
+          </p:cNvSpPr>
+          <p:nvPr>
+            <p:custDataLst>
+              <p:tags r:id="rId1"/>
+            </p:custDataLst>
+          </p:nvPr>
+        </p:nvSpPr>
+        <p:spPr bwMode="auto">
+          <a:xfrm>
+            <a:off x="554879" y="371042"/>
+            <a:ext cx="3704079" cy="410433"/>
+          </a:xfrm>
+          <a:prstGeom prst="rect">
+            <a:avLst/>
+          </a:prstGeom>
+          <a:noFill/>
+          <a:ln>
+            <a:noFill/>
+          </a:ln>
+          <a:extLst>
+            <a:ext uri="{909E8E84-426E-40DD-AFC4-6F175D3DCCD1}">
+              <a14:hiddenFill xmlns:a14="http://schemas.microsoft.com/office/drawing/2010/main">
+                <a:solidFill>
+                  <a:srgbClr val="FFFFFF"/>
+                </a:solidFill>
+              </a14:hiddenFill>
+            </a:ext>
+            <a:ext uri="{91240B29-F687-4F45-9708-019B960494DF}">
+              <a14:hiddenLine xmlns:a14="http://schemas.microsoft.com/office/drawing/2010/main" w="9525">
+                <a:solidFill>
+                  <a:srgbClr val="000000"/>
+                </a:solidFill>
+                <a:miter lim="800000"/>
+                <a:headEnd/>
+                <a:tailEnd/>
+              </a14:hiddenLine>
+            </a:ext>
+          </a:extLst>
+        </p:spPr>
+        <p:txBody>
+          <a:bodyPr wrap="square" lIns="0" tIns="0" rIns="0" bIns="0">
+            <a:spAutoFit/>
+          </a:bodyPr>
+          <a:lstStyle/>
+          <a:p>
+            <a:pPr defTabSz="1218565"/>
+            <a:r>
+              <a:rPr lang="zh-CN" altLang="en-US" sz="2665" smtClean="0">
+                <a:solidFill>
+                  <a:srgbClr val="1D69A3"/>
+                </a:solidFill>
+                <a:latin typeface="微软雅黑" panose="020B0503020204020204" pitchFamily="34" charset="-122"/>
+                <a:ea typeface="微软雅黑" panose="020B0503020204020204" pitchFamily="34" charset="-122"/>
+              </a:rPr>
+              <a:t>享学讲师团队</a:t>
+            </a:r>
+            <a:endParaRPr lang="en-US" altLang="zh-CN" sz="2665" dirty="0">
+              <a:solidFill>
+                <a:srgbClr val="1D69A3"/>
+              </a:solidFill>
+              <a:latin typeface="微软雅黑" panose="020B0503020204020204" pitchFamily="34" charset="-122"/>
+              <a:ea typeface="微软雅黑" panose="020B0503020204020204" pitchFamily="34" charset="-122"/>
+            </a:endParaRPr>
+          </a:p>
+        </p:txBody>
+      </p:sp>
+      <p:grpSp>
+        <p:nvGrpSpPr>
+          <p:cNvPr id="48" name="PA_组合 47"/>
+          <p:cNvGrpSpPr/>
+          <p:nvPr>
+            <p:custDataLst>
+              <p:tags r:id="rId2"/>
+            </p:custDataLst>
+          </p:nvPr>
+        </p:nvGrpSpPr>
+        <p:grpSpPr>
+          <a:xfrm>
+            <a:off x="554877" y="932724"/>
+            <a:ext cx="1199456" cy="74689"/>
+            <a:chOff x="0" y="2842590"/>
+            <a:chExt cx="7054752" cy="89199"/>
+          </a:xfrm>
+        </p:grpSpPr>
+        <p:sp>
+          <p:nvSpPr>
+            <p:cNvPr id="49" name="矩形 48"/>
+            <p:cNvSpPr/>
+            <p:nvPr/>
+          </p:nvSpPr>
+          <p:spPr>
+            <a:xfrm>
+              <a:off x="0" y="2842590"/>
+              <a:ext cx="1763688" cy="89199"/>
+            </a:xfrm>
+            <a:prstGeom prst="rect">
+              <a:avLst/>
+            </a:prstGeom>
+            <a:solidFill>
+              <a:schemeClr val="accent1"/>
+            </a:solidFill>
+            <a:ln>
+              <a:noFill/>
+            </a:ln>
+          </p:spPr>
+          <p:style>
+            <a:lnRef idx="2">
+              <a:schemeClr val="accent1">
+                <a:shade val="50000"/>
+              </a:schemeClr>
+            </a:lnRef>
+            <a:fillRef idx="1">
+              <a:schemeClr val="accent1"/>
+            </a:fillRef>
+            <a:effectRef idx="0">
+              <a:schemeClr val="accent1"/>
+            </a:effectRef>
+            <a:fontRef idx="minor">
+              <a:schemeClr val="lt1"/>
+            </a:fontRef>
+          </p:style>
+          <p:txBody>
+            <a:bodyPr rtlCol="0" anchor="ctr"/>
+            <a:lstStyle/>
+            <a:p>
+              <a:pPr algn="ctr" defTabSz="1218565"/>
+              <a:endParaRPr lang="zh-CN" altLang="en-US" sz="2400">
+                <a:solidFill>
+                  <a:srgbClr val="FFFFFF"/>
+                </a:solidFill>
+                <a:latin typeface="Calibri" panose="020F0502020204030204"/>
+                <a:ea typeface="宋体" panose="02010600030101010101" pitchFamily="2" charset="-122"/>
+              </a:endParaRPr>
+            </a:p>
+          </p:txBody>
+        </p:sp>
+        <p:sp>
+          <p:nvSpPr>
+            <p:cNvPr id="50" name="矩形 49"/>
+            <p:cNvSpPr/>
+            <p:nvPr/>
+          </p:nvSpPr>
+          <p:spPr>
+            <a:xfrm>
+              <a:off x="1763688" y="2842590"/>
+              <a:ext cx="1763688" cy="89199"/>
+            </a:xfrm>
+            <a:prstGeom prst="rect">
+              <a:avLst/>
+            </a:prstGeom>
+            <a:solidFill>
+              <a:schemeClr val="accent2"/>
+            </a:solidFill>
+            <a:ln>
+              <a:noFill/>
+            </a:ln>
+          </p:spPr>
+          <p:style>
+            <a:lnRef idx="2">
+              <a:schemeClr val="accent1">
+                <a:shade val="50000"/>
+              </a:schemeClr>
+            </a:lnRef>
+            <a:fillRef idx="1">
+              <a:schemeClr val="accent1"/>
+            </a:fillRef>
+            <a:effectRef idx="0">
+              <a:schemeClr val="accent1"/>
+            </a:effectRef>
+            <a:fontRef idx="minor">
+              <a:schemeClr val="lt1"/>
+            </a:fontRef>
+          </p:style>
+          <p:txBody>
+            <a:bodyPr rtlCol="0" anchor="ctr"/>
+            <a:lstStyle/>
+            <a:p>
+              <a:pPr algn="ctr" defTabSz="1218565"/>
+              <a:endParaRPr lang="zh-CN" altLang="en-US" sz="2400">
+                <a:solidFill>
+                  <a:srgbClr val="FFFFFF"/>
+                </a:solidFill>
+                <a:latin typeface="Calibri" panose="020F0502020204030204"/>
+                <a:ea typeface="宋体" panose="02010600030101010101" pitchFamily="2" charset="-122"/>
+              </a:endParaRPr>
+            </a:p>
+          </p:txBody>
+        </p:sp>
+        <p:sp>
+          <p:nvSpPr>
+            <p:cNvPr id="51" name="矩形 50"/>
+            <p:cNvSpPr/>
+            <p:nvPr/>
+          </p:nvSpPr>
+          <p:spPr>
+            <a:xfrm>
+              <a:off x="3527376" y="2842590"/>
+              <a:ext cx="1763688" cy="89199"/>
+            </a:xfrm>
+            <a:prstGeom prst="rect">
+              <a:avLst/>
+            </a:prstGeom>
+            <a:solidFill>
+              <a:schemeClr val="accent3"/>
+            </a:solidFill>
+            <a:ln>
+              <a:noFill/>
+            </a:ln>
+          </p:spPr>
+          <p:style>
+            <a:lnRef idx="2">
+              <a:schemeClr val="accent1">
+                <a:shade val="50000"/>
+              </a:schemeClr>
+            </a:lnRef>
+            <a:fillRef idx="1">
+              <a:schemeClr val="accent1"/>
+            </a:fillRef>
+            <a:effectRef idx="0">
+              <a:schemeClr val="accent1"/>
+            </a:effectRef>
+            <a:fontRef idx="minor">
+              <a:schemeClr val="lt1"/>
+            </a:fontRef>
+          </p:style>
+          <p:txBody>
+            <a:bodyPr rtlCol="0" anchor="ctr"/>
+            <a:lstStyle/>
+            <a:p>
+              <a:pPr algn="ctr" defTabSz="1218565"/>
+              <a:endParaRPr lang="zh-CN" altLang="en-US" sz="2400">
+                <a:solidFill>
+                  <a:srgbClr val="FFFFFF"/>
+                </a:solidFill>
+                <a:latin typeface="Calibri" panose="020F0502020204030204"/>
+                <a:ea typeface="宋体" panose="02010600030101010101" pitchFamily="2" charset="-122"/>
+              </a:endParaRPr>
+            </a:p>
+          </p:txBody>
+        </p:sp>
+        <p:sp>
+          <p:nvSpPr>
+            <p:cNvPr id="52" name="矩形 51"/>
+            <p:cNvSpPr/>
+            <p:nvPr/>
+          </p:nvSpPr>
+          <p:spPr>
+            <a:xfrm>
+              <a:off x="5291064" y="2842590"/>
+              <a:ext cx="1763688" cy="89199"/>
+            </a:xfrm>
+            <a:prstGeom prst="rect">
+              <a:avLst/>
+            </a:prstGeom>
+            <a:solidFill>
+              <a:schemeClr val="accent4"/>
+            </a:solidFill>
+            <a:ln>
+              <a:noFill/>
+            </a:ln>
+          </p:spPr>
+          <p:style>
+            <a:lnRef idx="2">
+              <a:schemeClr val="accent1">
+                <a:shade val="50000"/>
+              </a:schemeClr>
+            </a:lnRef>
+            <a:fillRef idx="1">
+              <a:schemeClr val="accent1"/>
+            </a:fillRef>
+            <a:effectRef idx="0">
+              <a:schemeClr val="accent1"/>
+            </a:effectRef>
+            <a:fontRef idx="minor">
+              <a:schemeClr val="lt1"/>
+            </a:fontRef>
+          </p:style>
+          <p:txBody>
+            <a:bodyPr rtlCol="0" anchor="ctr"/>
+            <a:lstStyle/>
+            <a:p>
+              <a:pPr algn="ctr" defTabSz="1218565"/>
+              <a:endParaRPr lang="zh-CN" altLang="en-US" sz="2400">
+                <a:solidFill>
+                  <a:srgbClr val="FFFFFF"/>
+                </a:solidFill>
+                <a:latin typeface="Calibri" panose="020F0502020204030204"/>
+                <a:ea typeface="宋体" panose="02010600030101010101" pitchFamily="2" charset="-122"/>
+              </a:endParaRPr>
+            </a:p>
+          </p:txBody>
+        </p:sp>
+      </p:grpSp>
+      <p:sp>
+        <p:nvSpPr>
+          <p:cNvPr id="18" name="文本框 1"/>
+          <p:cNvSpPr txBox="1"/>
+          <p:nvPr/>
+        </p:nvSpPr>
+        <p:spPr>
+          <a:xfrm>
+            <a:off x="327934" y="4047356"/>
+            <a:ext cx="2253069" cy="1626235"/>
+          </a:xfrm>
+          <a:prstGeom prst="rect">
+            <a:avLst/>
+          </a:prstGeom>
+          <a:noFill/>
+        </p:spPr>
+        <p:txBody>
+          <a:bodyPr wrap="square" rtlCol="0" anchor="t">
+            <a:spAutoFit/>
+          </a:bodyPr>
+          <a:lstStyle/>
+          <a:p>
+            <a:pPr algn="ctr">
+              <a:lnSpc>
+                <a:spcPct val="150000"/>
+              </a:lnSpc>
+            </a:pPr>
+            <a:r>
+              <a:rPr lang="en-US" altLang="zh-CN" sz="1200" b="1" dirty="0" smtClean="0">
+                <a:latin typeface="微软雅黑" panose="020B0503020204020204" pitchFamily="34" charset="-122"/>
+                <a:ea typeface="微软雅黑" panose="020B0503020204020204" pitchFamily="34" charset="-122"/>
+                <a:cs typeface="微软雅黑" panose="020B0503020204020204" pitchFamily="34" charset="-122"/>
+              </a:rPr>
+              <a:t>Alvin</a:t>
+            </a:r>
+            <a:r>
+              <a:rPr lang="zh-CN" altLang="en-US" sz="1200" b="1" dirty="0" smtClean="0">
+                <a:latin typeface="微软雅黑" panose="020B0503020204020204" pitchFamily="34" charset="-122"/>
+                <a:ea typeface="微软雅黑" panose="020B0503020204020204" pitchFamily="34" charset="-122"/>
+                <a:cs typeface="微软雅黑" panose="020B0503020204020204" pitchFamily="34" charset="-122"/>
+              </a:rPr>
+              <a:t>老师</a:t>
+            </a:r>
+            <a:endParaRPr lang="en-US" altLang="zh-CN" sz="1200" b="1" dirty="0" smtClean="0">
+              <a:latin typeface="微软雅黑" panose="020B0503020204020204" pitchFamily="34" charset="-122"/>
+              <a:ea typeface="微软雅黑" panose="020B0503020204020204" pitchFamily="34" charset="-122"/>
+              <a:cs typeface="微软雅黑" panose="020B0503020204020204" pitchFamily="34" charset="-122"/>
+            </a:endParaRPr>
+          </a:p>
+          <a:p>
+            <a:pPr>
+              <a:lnSpc>
+                <a:spcPct val="130000"/>
+              </a:lnSpc>
+            </a:pPr>
+            <a:r>
+              <a:rPr lang="zh-CN" altLang="en-US" sz="1050" dirty="0">
+                <a:solidFill>
+                  <a:schemeClr val="tx1">
+                    <a:lumMod val="75000"/>
+                  </a:schemeClr>
+                </a:solidFill>
+                <a:latin typeface="微软雅黑" panose="020B0503020204020204" pitchFamily="34" charset="-122"/>
+                <a:ea typeface="微软雅黑" panose="020B0503020204020204" pitchFamily="34" charset="-122"/>
+              </a:rPr>
+              <a:t>曾就业于三星中国研究院及小米旗下互联网公司</a:t>
+            </a:r>
+            <a:r>
+              <a:rPr lang="zh-CN" altLang="en-US" sz="1050" dirty="0" smtClean="0">
+                <a:solidFill>
+                  <a:schemeClr val="tx1">
+                    <a:lumMod val="75000"/>
+                  </a:schemeClr>
+                </a:solidFill>
+                <a:latin typeface="微软雅黑" panose="020B0503020204020204" pitchFamily="34" charset="-122"/>
+                <a:ea typeface="微软雅黑" panose="020B0503020204020204" pitchFamily="34" charset="-122"/>
+              </a:rPr>
+              <a:t>担任</a:t>
+            </a:r>
+            <a:r>
+              <a:rPr lang="en-US" altLang="zh-CN" sz="1050" dirty="0" smtClean="0">
+                <a:solidFill>
+                  <a:schemeClr val="tx1">
+                    <a:lumMod val="75000"/>
+                  </a:schemeClr>
+                </a:solidFill>
+                <a:latin typeface="微软雅黑" panose="020B0503020204020204" pitchFamily="34" charset="-122"/>
+                <a:ea typeface="微软雅黑" panose="020B0503020204020204" pitchFamily="34" charset="-122"/>
+              </a:rPr>
+              <a:t>an</a:t>
+            </a:r>
+            <a:r>
+              <a:rPr lang="en-US" altLang="zh-CN" sz="1050" dirty="0" err="1" smtClean="0">
+                <a:solidFill>
+                  <a:schemeClr val="tx1">
+                    <a:lumMod val="75000"/>
+                  </a:schemeClr>
+                </a:solidFill>
+                <a:latin typeface="微软雅黑" panose="020B0503020204020204" pitchFamily="34" charset="-122"/>
+                <a:ea typeface="微软雅黑" panose="020B0503020204020204" pitchFamily="34" charset="-122"/>
+              </a:rPr>
+              <a:t>droid</a:t>
+            </a:r>
+            <a:r>
+              <a:rPr lang="zh-CN" altLang="en-US" sz="1050" dirty="0">
+                <a:solidFill>
+                  <a:schemeClr val="tx1">
+                    <a:lumMod val="75000"/>
+                  </a:schemeClr>
+                </a:solidFill>
+                <a:latin typeface="微软雅黑" panose="020B0503020204020204" pitchFamily="34" charset="-122"/>
+                <a:ea typeface="微软雅黑" panose="020B0503020204020204" pitchFamily="34" charset="-122"/>
+              </a:rPr>
+              <a:t>软件工程师及项目经理</a:t>
+            </a:r>
+            <a:endParaRPr lang="zh-CN" altLang="en-US" sz="1050" dirty="0">
+              <a:solidFill>
+                <a:schemeClr val="tx1">
+                  <a:lumMod val="75000"/>
+                </a:schemeClr>
+              </a:solidFill>
+              <a:latin typeface="微软雅黑" panose="020B0503020204020204" pitchFamily="34" charset="-122"/>
+              <a:ea typeface="微软雅黑" panose="020B0503020204020204" pitchFamily="34" charset="-122"/>
+            </a:endParaRPr>
+          </a:p>
+          <a:p>
+            <a:pPr>
+              <a:lnSpc>
+                <a:spcPct val="130000"/>
+              </a:lnSpc>
+            </a:pPr>
+            <a:r>
+              <a:rPr lang="zh-CN" altLang="en-US" sz="1050" dirty="0">
+                <a:solidFill>
+                  <a:schemeClr val="tx1">
+                    <a:lumMod val="75000"/>
+                  </a:schemeClr>
+                </a:solidFill>
+                <a:latin typeface="微软雅黑" panose="020B0503020204020204" pitchFamily="34" charset="-122"/>
+                <a:ea typeface="微软雅黑" panose="020B0503020204020204" pitchFamily="34" charset="-122"/>
+              </a:rPr>
+              <a:t>拥有扎实的</a:t>
+            </a:r>
+            <a:r>
+              <a:rPr lang="en-US" altLang="zh-CN" sz="1050" dirty="0">
+                <a:solidFill>
+                  <a:schemeClr val="tx1">
+                    <a:lumMod val="75000"/>
+                  </a:schemeClr>
+                </a:solidFill>
+                <a:latin typeface="微软雅黑" panose="020B0503020204020204" pitchFamily="34" charset="-122"/>
+                <a:ea typeface="微软雅黑" panose="020B0503020204020204" pitchFamily="34" charset="-122"/>
+              </a:rPr>
+              <a:t>C/Java </a:t>
+            </a:r>
+            <a:r>
+              <a:rPr lang="zh-CN" altLang="en-US" sz="1050" dirty="0">
+                <a:solidFill>
+                  <a:schemeClr val="tx1">
+                    <a:lumMod val="75000"/>
+                  </a:schemeClr>
+                </a:solidFill>
+                <a:latin typeface="微软雅黑" panose="020B0503020204020204" pitchFamily="34" charset="-122"/>
+                <a:ea typeface="微软雅黑" panose="020B0503020204020204" pitchFamily="34" charset="-122"/>
+              </a:rPr>
+              <a:t>基础，深入研究</a:t>
+            </a:r>
+            <a:r>
+              <a:rPr lang="en-US" altLang="zh-CN" sz="1050" dirty="0">
+                <a:solidFill>
+                  <a:schemeClr val="tx1">
+                    <a:lumMod val="75000"/>
+                  </a:schemeClr>
+                </a:solidFill>
+                <a:latin typeface="微软雅黑" panose="020B0503020204020204" pitchFamily="34" charset="-122"/>
+                <a:ea typeface="微软雅黑" panose="020B0503020204020204" pitchFamily="34" charset="-122"/>
+              </a:rPr>
+              <a:t>android</a:t>
+            </a:r>
+            <a:r>
+              <a:rPr lang="zh-CN" altLang="en-US" sz="1050" dirty="0">
+                <a:solidFill>
+                  <a:schemeClr val="tx1">
+                    <a:lumMod val="75000"/>
+                  </a:schemeClr>
+                </a:solidFill>
+                <a:latin typeface="微软雅黑" panose="020B0503020204020204" pitchFamily="34" charset="-122"/>
+                <a:ea typeface="微软雅黑" panose="020B0503020204020204" pitchFamily="34" charset="-122"/>
+              </a:rPr>
+              <a:t>系统多年。</a:t>
+            </a:r>
+            <a:endParaRPr lang="en-US" altLang="zh-CN" sz="1050" dirty="0">
+              <a:solidFill>
+                <a:schemeClr val="tx1">
+                  <a:lumMod val="75000"/>
+                </a:schemeClr>
+              </a:solidFill>
+              <a:latin typeface="微软雅黑" panose="020B0503020204020204" pitchFamily="34" charset="-122"/>
+              <a:ea typeface="微软雅黑" panose="020B0503020204020204" pitchFamily="34" charset="-122"/>
+            </a:endParaRPr>
+          </a:p>
+          <a:p>
+            <a:pPr>
+              <a:lnSpc>
+                <a:spcPct val="130000"/>
+              </a:lnSpc>
+            </a:pPr>
+            <a:r>
+              <a:rPr lang="zh-CN" altLang="en-US" sz="1050" dirty="0">
+                <a:solidFill>
+                  <a:schemeClr val="tx1">
+                    <a:lumMod val="75000"/>
+                  </a:schemeClr>
+                </a:solidFill>
+                <a:latin typeface="微软雅黑" panose="020B0503020204020204" pitchFamily="34" charset="-122"/>
+                <a:ea typeface="微软雅黑" panose="020B0503020204020204" pitchFamily="34" charset="-122"/>
+              </a:rPr>
+              <a:t>讲课形象生动，热情洋溢</a:t>
+            </a:r>
+            <a:endParaRPr lang="zh-CN" altLang="en-US" sz="1050" dirty="0">
+              <a:solidFill>
+                <a:schemeClr val="tx1">
+                  <a:lumMod val="75000"/>
+                </a:schemeClr>
+              </a:solidFill>
+              <a:latin typeface="微软雅黑" panose="020B0503020204020204" pitchFamily="34" charset="-122"/>
+              <a:ea typeface="微软雅黑" panose="020B0503020204020204" pitchFamily="34" charset="-122"/>
+            </a:endParaRPr>
+          </a:p>
+        </p:txBody>
+      </p:sp>
+      <p:sp>
+        <p:nvSpPr>
+          <p:cNvPr id="19" name="文本框 4"/>
+          <p:cNvSpPr txBox="1"/>
+          <p:nvPr/>
+        </p:nvSpPr>
+        <p:spPr>
+          <a:xfrm>
+            <a:off x="3185623" y="4047356"/>
+            <a:ext cx="2063032" cy="2049792"/>
+          </a:xfrm>
+          <a:prstGeom prst="rect">
+            <a:avLst/>
+          </a:prstGeom>
+          <a:noFill/>
+        </p:spPr>
+        <p:txBody>
+          <a:bodyPr wrap="square" rtlCol="0" anchor="t">
+            <a:spAutoFit/>
+          </a:bodyPr>
+          <a:lstStyle/>
+          <a:p>
+            <a:pPr algn="ctr">
+              <a:lnSpc>
+                <a:spcPct val="150000"/>
+              </a:lnSpc>
+            </a:pPr>
+            <a:r>
+              <a:rPr lang="en-US" altLang="zh-CN" sz="1200" b="1" dirty="0" err="1">
+                <a:latin typeface="微软雅黑" panose="020B0503020204020204" pitchFamily="34" charset="-122"/>
+                <a:ea typeface="微软雅黑" panose="020B0503020204020204" pitchFamily="34" charset="-122"/>
+                <a:cs typeface="微软雅黑" panose="020B0503020204020204" pitchFamily="34" charset="-122"/>
+              </a:rPr>
+              <a:t>Lison</a:t>
+            </a:r>
+            <a:r>
+              <a:rPr lang="zh-CN" altLang="en-US" sz="1200" b="1" dirty="0">
+                <a:latin typeface="微软雅黑" panose="020B0503020204020204" pitchFamily="34" charset="-122"/>
+                <a:ea typeface="微软雅黑" panose="020B0503020204020204" pitchFamily="34" charset="-122"/>
+                <a:cs typeface="微软雅黑" panose="020B0503020204020204" pitchFamily="34" charset="-122"/>
+              </a:rPr>
+              <a:t>老师</a:t>
+            </a:r>
+            <a:endParaRPr lang="en-US" altLang="zh-CN" sz="1200" b="1" dirty="0">
+              <a:latin typeface="微软雅黑" panose="020B0503020204020204" pitchFamily="34" charset="-122"/>
+              <a:ea typeface="微软雅黑" panose="020B0503020204020204" pitchFamily="34" charset="-122"/>
+              <a:cs typeface="微软雅黑" panose="020B0503020204020204" pitchFamily="34" charset="-122"/>
+              <a:sym typeface="+mn-ea"/>
+            </a:endParaRPr>
+          </a:p>
+          <a:p>
+            <a:pPr>
+              <a:lnSpc>
+                <a:spcPct val="130000"/>
+              </a:lnSpc>
+            </a:pPr>
+            <a:r>
+              <a:rPr lang="zh-CN" altLang="en-US" sz="1050" dirty="0" smtClean="0">
+                <a:latin typeface="微软雅黑" panose="020B0503020204020204" pitchFamily="34" charset="-122"/>
+                <a:ea typeface="微软雅黑" panose="020B0503020204020204" pitchFamily="34" charset="-122"/>
+                <a:cs typeface="微软雅黑" panose="020B0503020204020204" pitchFamily="34" charset="-122"/>
+                <a:sym typeface="+mn-ea"/>
+              </a:rPr>
+              <a:t>复旦大学</a:t>
+            </a:r>
+            <a:r>
+              <a:rPr lang="zh-CN" altLang="en-US" sz="1050" dirty="0">
+                <a:latin typeface="微软雅黑" panose="020B0503020204020204" pitchFamily="34" charset="-122"/>
+                <a:ea typeface="微软雅黑" panose="020B0503020204020204" pitchFamily="34" charset="-122"/>
+                <a:cs typeface="微软雅黑" panose="020B0503020204020204" pitchFamily="34" charset="-122"/>
+                <a:sym typeface="+mn-ea"/>
+              </a:rPr>
+              <a:t>工程硕士，专注技术十年，产品控、代码控，拥有丰富的项目经验，主持研发了多个成功上线的大型互联网项目。热爱互联网，热衷于各种Web技术，精通JAVA、J2EE和前端开发，擅长互联网高并发、高可靠架构设计，有丰富的实战经验。</a:t>
+            </a:r>
+            <a:endParaRPr lang="zh-CN" altLang="en-US" sz="1050" dirty="0">
+              <a:latin typeface="微软雅黑" panose="020B0503020204020204" pitchFamily="34" charset="-122"/>
+              <a:ea typeface="微软雅黑" panose="020B0503020204020204" pitchFamily="34" charset="-122"/>
+              <a:cs typeface="微软雅黑" panose="020B0503020204020204" pitchFamily="34" charset="-122"/>
+            </a:endParaRPr>
+          </a:p>
+        </p:txBody>
+      </p:sp>
+      <p:sp>
+        <p:nvSpPr>
+          <p:cNvPr id="20" name="文本框 5"/>
+          <p:cNvSpPr txBox="1"/>
+          <p:nvPr/>
+        </p:nvSpPr>
+        <p:spPr>
+          <a:xfrm>
+            <a:off x="8836221" y="4047356"/>
+            <a:ext cx="2327098" cy="1629677"/>
+          </a:xfrm>
+          <a:prstGeom prst="rect">
+            <a:avLst/>
+          </a:prstGeom>
+          <a:noFill/>
+        </p:spPr>
+        <p:txBody>
+          <a:bodyPr wrap="square" rtlCol="0" anchor="t">
+            <a:spAutoFit/>
+          </a:bodyPr>
+          <a:lstStyle/>
+          <a:p>
+            <a:pPr algn="ctr">
+              <a:lnSpc>
+                <a:spcPct val="150000"/>
+              </a:lnSpc>
+            </a:pPr>
+            <a:r>
+              <a:rPr lang="en-US" altLang="zh-CN" sz="1200" b="1" dirty="0" smtClean="0">
+                <a:latin typeface="微软雅黑" panose="020B0503020204020204" pitchFamily="34" charset="-122"/>
+                <a:ea typeface="微软雅黑" panose="020B0503020204020204" pitchFamily="34" charset="-122"/>
+                <a:cs typeface="微软雅黑" panose="020B0503020204020204" pitchFamily="34" charset="-122"/>
+                <a:sym typeface="+mn-ea"/>
+              </a:rPr>
+              <a:t>zero</a:t>
+            </a:r>
+            <a:r>
+              <a:rPr lang="zh-CN" altLang="en-US" sz="1200" b="1" dirty="0" smtClean="0">
+                <a:latin typeface="微软雅黑" panose="020B0503020204020204" pitchFamily="34" charset="-122"/>
+                <a:ea typeface="微软雅黑" panose="020B0503020204020204" pitchFamily="34" charset="-122"/>
+                <a:cs typeface="微软雅黑" panose="020B0503020204020204" pitchFamily="34" charset="-122"/>
+                <a:sym typeface="+mn-ea"/>
+              </a:rPr>
+              <a:t>老师</a:t>
+            </a:r>
+            <a:endParaRPr lang="en-US" altLang="zh-CN" sz="1200" b="1" dirty="0">
+              <a:latin typeface="微软雅黑" panose="020B0503020204020204" pitchFamily="34" charset="-122"/>
+              <a:ea typeface="微软雅黑" panose="020B0503020204020204" pitchFamily="34" charset="-122"/>
+              <a:cs typeface="微软雅黑" panose="020B0503020204020204" pitchFamily="34" charset="-122"/>
+              <a:sym typeface="+mn-ea"/>
+            </a:endParaRPr>
+          </a:p>
+          <a:p>
+            <a:pPr>
+              <a:lnSpc>
+                <a:spcPct val="130000"/>
+              </a:lnSpc>
+            </a:pPr>
+            <a:r>
+              <a:rPr lang="zh-CN" altLang="en-US" sz="1050" dirty="0"/>
+              <a:t>前阿里</a:t>
+            </a:r>
+            <a:r>
+              <a:rPr lang="en-US" altLang="zh-CN" sz="1050" dirty="0"/>
+              <a:t>P7</a:t>
+            </a:r>
+            <a:r>
+              <a:rPr lang="zh-CN" altLang="en-US" sz="1050" dirty="0"/>
+              <a:t>移动架构师，曾就职于</a:t>
+            </a:r>
+            <a:r>
+              <a:rPr lang="en-US" altLang="zh-CN" sz="1050" dirty="0"/>
+              <a:t>Nubia</a:t>
+            </a:r>
+            <a:r>
+              <a:rPr lang="zh-CN" altLang="en-US" sz="1050" dirty="0"/>
+              <a:t>等一线互联网公司。有多年的项目研发经验，精通</a:t>
+            </a:r>
+            <a:r>
+              <a:rPr lang="en-US" altLang="zh-CN" sz="1050" dirty="0"/>
+              <a:t>Android </a:t>
+            </a:r>
+            <a:r>
+              <a:rPr lang="zh-CN" altLang="en-US" sz="1050" dirty="0"/>
+              <a:t>高级控件开发，性能优化，多种开源框架开发经验，热爱代码，对</a:t>
+            </a:r>
+            <a:r>
+              <a:rPr lang="en-US" altLang="zh-CN" sz="1050" dirty="0"/>
+              <a:t>Android</a:t>
+            </a:r>
+            <a:r>
+              <a:rPr lang="zh-CN" altLang="en-US" sz="1050" dirty="0"/>
+              <a:t>情有独钟，讲课生动，有激情。</a:t>
+            </a:r>
+            <a:endParaRPr lang="zh-CN" altLang="en-US" sz="1050" dirty="0">
+              <a:latin typeface="微软雅黑" panose="020B0503020204020204" pitchFamily="34" charset="-122"/>
+              <a:ea typeface="微软雅黑" panose="020B0503020204020204" pitchFamily="34" charset="-122"/>
+              <a:cs typeface="微软雅黑" panose="020B0503020204020204" pitchFamily="34" charset="-122"/>
+            </a:endParaRPr>
+          </a:p>
+        </p:txBody>
+      </p:sp>
+      <p:sp>
+        <p:nvSpPr>
+          <p:cNvPr id="27" name="文本框 4"/>
+          <p:cNvSpPr txBox="1"/>
+          <p:nvPr/>
+        </p:nvSpPr>
+        <p:spPr>
+          <a:xfrm>
+            <a:off x="5901978" y="4154549"/>
+            <a:ext cx="2327928" cy="1629677"/>
+          </a:xfrm>
+          <a:prstGeom prst="rect">
+            <a:avLst/>
+          </a:prstGeom>
+          <a:noFill/>
+        </p:spPr>
+        <p:txBody>
+          <a:bodyPr wrap="square" rtlCol="0" anchor="t">
+            <a:spAutoFit/>
+          </a:bodyPr>
+          <a:lstStyle/>
+          <a:p>
+            <a:pPr algn="ctr">
+              <a:lnSpc>
+                <a:spcPct val="150000"/>
+              </a:lnSpc>
+            </a:pPr>
+            <a:r>
+              <a:rPr lang="en-US" altLang="zh-CN" sz="1200" b="1" dirty="0" smtClean="0">
+                <a:latin typeface="微软雅黑" panose="020B0503020204020204" pitchFamily="34" charset="-122"/>
+                <a:ea typeface="微软雅黑" panose="020B0503020204020204" pitchFamily="34" charset="-122"/>
+                <a:cs typeface="微软雅黑" panose="020B0503020204020204" pitchFamily="34" charset="-122"/>
+                <a:sym typeface="+mn-ea"/>
+              </a:rPr>
+              <a:t>Allen</a:t>
+            </a:r>
+            <a:r>
+              <a:rPr lang="zh-CN" altLang="en-US" sz="1200" b="1" dirty="0" smtClean="0">
+                <a:latin typeface="微软雅黑" panose="020B0503020204020204" pitchFamily="34" charset="-122"/>
+                <a:ea typeface="微软雅黑" panose="020B0503020204020204" pitchFamily="34" charset="-122"/>
+                <a:cs typeface="微软雅黑" panose="020B0503020204020204" pitchFamily="34" charset="-122"/>
+                <a:sym typeface="+mn-ea"/>
+              </a:rPr>
+              <a:t>老师</a:t>
+            </a:r>
+            <a:endParaRPr lang="en-US" altLang="zh-CN" sz="1200" b="1" dirty="0">
+              <a:latin typeface="微软雅黑" panose="020B0503020204020204" pitchFamily="34" charset="-122"/>
+              <a:ea typeface="微软雅黑" panose="020B0503020204020204" pitchFamily="34" charset="-122"/>
+              <a:cs typeface="微软雅黑" panose="020B0503020204020204" pitchFamily="34" charset="-122"/>
+              <a:sym typeface="+mn-ea"/>
+            </a:endParaRPr>
+          </a:p>
+          <a:p>
+            <a:pPr>
+              <a:lnSpc>
+                <a:spcPct val="130000"/>
+              </a:lnSpc>
+            </a:pPr>
+            <a:r>
+              <a:rPr lang="zh-CN" altLang="en-US" sz="1050" dirty="0" smtClean="0">
+                <a:latin typeface="微软雅黑" panose="020B0503020204020204" pitchFamily="34" charset="-122"/>
+                <a:ea typeface="微软雅黑" panose="020B0503020204020204" pitchFamily="34" charset="-122"/>
+                <a:cs typeface="微软雅黑" panose="020B0503020204020204" pitchFamily="34" charset="-122"/>
+              </a:rPr>
+              <a:t>国防科技大学计算机系研究生毕业， 十余年</a:t>
+            </a:r>
+            <a:r>
+              <a:rPr lang="en-US" altLang="zh-CN" sz="1050" dirty="0" smtClean="0">
+                <a:latin typeface="微软雅黑" panose="020B0503020204020204" pitchFamily="34" charset="-122"/>
+                <a:ea typeface="微软雅黑" panose="020B0503020204020204" pitchFamily="34" charset="-122"/>
+                <a:cs typeface="微软雅黑" panose="020B0503020204020204" pitchFamily="34" charset="-122"/>
+              </a:rPr>
+              <a:t>Android </a:t>
+            </a:r>
+            <a:r>
+              <a:rPr lang="zh-CN" altLang="en-US" sz="1050" dirty="0" smtClean="0">
+                <a:latin typeface="微软雅黑" panose="020B0503020204020204" pitchFamily="34" charset="-122"/>
+                <a:ea typeface="微软雅黑" panose="020B0503020204020204" pitchFamily="34" charset="-122"/>
+                <a:cs typeface="微软雅黑" panose="020B0503020204020204" pitchFamily="34" charset="-122"/>
+              </a:rPr>
+              <a:t>及移动互联网开发经验，曾担任爱立信技术总监，华为技术总监，北电技术总监，对全栈有自己独特的见解，热爱技术，热爱互联网，实战经验非常丰富。</a:t>
+            </a:r>
+            <a:endParaRPr lang="zh-CN" altLang="en-US" sz="1050" dirty="0">
+              <a:latin typeface="微软雅黑" panose="020B0503020204020204" pitchFamily="34" charset="-122"/>
+              <a:ea typeface="微软雅黑" panose="020B0503020204020204" pitchFamily="34" charset="-122"/>
+              <a:cs typeface="微软雅黑" panose="020B0503020204020204" pitchFamily="34" charset="-122"/>
+            </a:endParaRPr>
+          </a:p>
+        </p:txBody>
+      </p:sp>
+      <p:pic>
+        <p:nvPicPr>
+          <p:cNvPr id="30" name="Picture 2" descr="C:\Users\dev\Desktop\微信图片_20180723142642.jpg"/>
+          <p:cNvPicPr>
+            <a:picLocks noChangeAspect="1" noChangeArrowheads="1"/>
+          </p:cNvPicPr>
+          <p:nvPr/>
+        </p:nvPicPr>
+        <p:blipFill>
+          <a:blip r:embed="rId3" cstate="print">
+            <a:extLst>
+              <a:ext uri="{28A0092B-C50C-407E-A947-70E740481C1C}">
+                <a14:useLocalDpi xmlns:a14="http://schemas.microsoft.com/office/drawing/2010/main" val="0"/>
+              </a:ext>
+            </a:extLst>
+          </a:blip>
+          <a:srcRect/>
+          <a:stretch>
+            <a:fillRect/>
+          </a:stretch>
+        </p:blipFill>
+        <p:spPr bwMode="auto">
+          <a:xfrm>
+            <a:off x="3162102" y="1053600"/>
+            <a:ext cx="2203511" cy="2784805"/>
+          </a:xfrm>
+          <a:prstGeom prst="rect">
+            <a:avLst/>
+          </a:prstGeom>
+          <a:noFill/>
+          <a:extLst>
+            <a:ext uri="{909E8E84-426E-40DD-AFC4-6F175D3DCCD1}">
+              <a14:hiddenFill xmlns:a14="http://schemas.microsoft.com/office/drawing/2010/main">
+                <a:solidFill>
+                  <a:srgbClr val="FFFFFF"/>
+                </a:solidFill>
+              </a14:hiddenFill>
+            </a:ext>
+          </a:extLst>
+        </p:spPr>
+      </p:pic>
+      <p:pic>
+        <p:nvPicPr>
+          <p:cNvPr id="36" name="图片 35" descr="上半身_修改"/>
+          <p:cNvPicPr>
+            <a:picLocks noChangeAspect="1"/>
+          </p:cNvPicPr>
+          <p:nvPr/>
+        </p:nvPicPr>
+        <p:blipFill>
+          <a:blip r:embed="rId4" cstate="print"/>
+          <a:stretch>
+            <a:fillRect/>
+          </a:stretch>
+        </p:blipFill>
+        <p:spPr>
+          <a:xfrm>
+            <a:off x="356168" y="1067805"/>
+            <a:ext cx="2214675" cy="2693220"/>
+          </a:xfrm>
+          <a:prstGeom prst="rect">
+            <a:avLst/>
+          </a:prstGeom>
+        </p:spPr>
+      </p:pic>
+      <p:pic>
+        <p:nvPicPr>
+          <p:cNvPr id="2" name="图片 1"/>
+          <p:cNvPicPr>
+            <a:picLocks noChangeAspect="1"/>
+          </p:cNvPicPr>
+          <p:nvPr/>
+        </p:nvPicPr>
+        <p:blipFill>
+          <a:blip r:embed="rId5" cstate="print">
+            <a:extLst>
+              <a:ext uri="{28A0092B-C50C-407E-A947-70E740481C1C}">
+                <a14:useLocalDpi xmlns:a14="http://schemas.microsoft.com/office/drawing/2010/main" val="0"/>
+              </a:ext>
+            </a:extLst>
+          </a:blip>
+          <a:stretch>
+            <a:fillRect/>
+          </a:stretch>
+        </p:blipFill>
+        <p:spPr>
+          <a:xfrm rot="5400000">
+            <a:off x="5656431" y="1311886"/>
+            <a:ext cx="2878712" cy="2268235"/>
+          </a:xfrm>
+          <a:prstGeom prst="rect">
+            <a:avLst/>
+          </a:prstGeom>
+        </p:spPr>
+      </p:pic>
+      <p:pic>
+        <p:nvPicPr>
+          <p:cNvPr id="3" name="图片 2"/>
+          <p:cNvPicPr>
+            <a:picLocks noChangeAspect="1"/>
+          </p:cNvPicPr>
+          <p:nvPr/>
+        </p:nvPicPr>
+        <p:blipFill>
+          <a:blip r:embed="rId6"/>
+          <a:stretch>
+            <a:fillRect/>
+          </a:stretch>
+        </p:blipFill>
+        <p:spPr>
+          <a:xfrm>
+            <a:off x="8815823" y="1006647"/>
+            <a:ext cx="2327099" cy="2879013"/>
+          </a:xfrm>
+          <a:prstGeom prst="rect">
+            <a:avLst/>
+          </a:prstGeom>
+        </p:spPr>
+      </p:pic>
+    </p:spTree>
+  </p:cSld>
+  <p:clrMapOvr>
+    <a:masterClrMapping/>
+  </p:clrMapOvr>
+  <mc:AlternateContent xmlns:mc="http://schemas.openxmlformats.org/markup-compatibility/2006">
+    <mc:Choice xmlns:p14="http://schemas.microsoft.com/office/powerpoint/2010/main" Requires="p14">
+      <p:transition spd="slow" p14:dur="1500">
+        <p:random/>
+      </p:transition>
+    </mc:Choice>
+    <mc:Fallback>
+      <p:transition spd="slow">
+        <p:random/>
+      </p:transition>
+    </mc:Fallback>
+  </mc:AlternateContent>
+  <p:timing>
+    <p:tnLst>
+      <p:par>
+        <p:cTn id="1" dur="indefinite" restart="never" nodeType="tmRoot">
+          <p:childTnLst>
+            <p:seq concurrent="1" nextAc="seek">
+              <p:cTn id="2" dur="indefinite" nodeType="mainSeq">
+                <p:childTnLst>
+                  <p:par>
+                    <p:cTn id="3" fill="hold">
+                      <p:stCondLst>
+                        <p:cond delay="indefinite"/>
+                        <p:cond evt="onBegin" delay="0">
+                          <p:tn val="2"/>
+                        </p:cond>
+                      </p:stCondLst>
+                      <p:childTnLst>
+                        <p:par>
+                          <p:cTn id="4" fill="hold">
+                            <p:stCondLst>
+                              <p:cond delay="0"/>
+                            </p:stCondLst>
+                            <p:childTnLst>
+                              <p:par>
+                                <p:cTn id="5" presetID="0" presetClass="entr" presetSubtype="0" fill="hold" grpId="0" nodeType="withEffect">
+                                  <p:stCondLst>
+                                    <p:cond delay="0"/>
+                                  </p:stCondLst>
+                                  <p:iterate type="lt">
+                                    <p:tmPct val="10000"/>
+                                  </p:iterate>
+                                  <p:childTnLst>
+                                    <p:set>
+                                      <p:cBhvr>
+                                        <p:cTn id="6" dur="1" fill="hold">
+                                          <p:stCondLst>
+                                            <p:cond delay="0"/>
+                                          </p:stCondLst>
+                                        </p:cTn>
+                                        <p:tgtEl>
+                                          <p:spTgt spid="47"/>
+                                        </p:tgtEl>
+                                        <p:attrNameLst>
+                                          <p:attrName>style.visibility</p:attrName>
+                                        </p:attrNameLst>
+                                      </p:cBhvr>
+                                      <p:to>
+                                        <p:strVal val="visible"/>
+                                      </p:to>
+                                    </p:set>
+                                    <p:anim to="" calcmode="lin" valueType="num">
+                                      <p:cBhvr>
+                                        <p:cTn id="7" dur="700" fill="hold">
+                                          <p:stCondLst>
+                                            <p:cond delay="0"/>
+                                          </p:stCondLst>
+                                        </p:cTn>
+                                        <p:tgtEl>
+                                          <p:spTgt spid="47"/>
+                                        </p:tgtEl>
+                                        <p:attrNameLst>
+                                          <p:attrName>ppt_x</p:attrName>
+                                        </p:attrNameLst>
+                                      </p:cBhvr>
+                                      <p:tavLst>
+                                        <p:tav tm="0" fmla="#ppt_x-(-#ppt_w/2*cos(ppt_r/180*pi))*((1.5-1.5*$)^2-(1.5-1.5*$)^3)">
+                                          <p:val>
+                                            <p:fltVal val="0"/>
+                                          </p:val>
+                                        </p:tav>
+                                        <p:tav tm="100000">
+                                          <p:val>
+                                            <p:fltVal val="1"/>
+                                          </p:val>
+                                        </p:tav>
+                                      </p:tavLst>
+                                    </p:anim>
+                                    <p:anim to="" calcmode="lin" valueType="num">
+                                      <p:cBhvr>
+                                        <p:cTn id="8" dur="700" fill="hold">
+                                          <p:stCondLst>
+                                            <p:cond delay="0"/>
+                                          </p:stCondLst>
+                                        </p:cTn>
+                                        <p:tgtEl>
+                                          <p:spTgt spid="47"/>
+                                        </p:tgtEl>
+                                        <p:attrNameLst>
+                                          <p:attrName>ppt_y</p:attrName>
+                                        </p:attrNameLst>
+                                      </p:cBhvr>
+                                      <p:tavLst>
+                                        <p:tav tm="0" fmla="#ppt_y+(-#ppt_h/2*cos(ppt_r/180*pi))*((1.5-1.5*$)^2-(1.5-1.5*$)^3)">
+                                          <p:val>
+                                            <p:fltVal val="0"/>
+                                          </p:val>
+                                        </p:tav>
+                                        <p:tav tm="100000">
+                                          <p:val>
+                                            <p:fltVal val="1"/>
+                                          </p:val>
+                                        </p:tav>
+                                      </p:tavLst>
+                                    </p:anim>
+                                    <p:anim to="" calcmode="lin" valueType="num">
+                                      <p:cBhvr>
+                                        <p:cTn id="9" dur="700" fill="hold">
+                                          <p:stCondLst>
+                                            <p:cond delay="0"/>
+                                          </p:stCondLst>
+                                        </p:cTn>
+                                        <p:tgtEl>
+                                          <p:spTgt spid="47"/>
+                                        </p:tgtEl>
+                                        <p:attrNameLst>
+                                          <p:attrName>ppt_h</p:attrName>
+                                        </p:attrNameLst>
+                                      </p:cBhvr>
+                                      <p:tavLst>
+                                        <p:tav tm="0" fmla="#ppt_h-(-#ppt_h)*((1.5-1.5*$)^2-(1.5-1.5*$)^3)">
+                                          <p:val>
+                                            <p:fltVal val="0"/>
+                                          </p:val>
+                                        </p:tav>
+                                        <p:tav tm="100000">
+                                          <p:val>
+                                            <p:fltVal val="1"/>
+                                          </p:val>
+                                        </p:tav>
+                                      </p:tavLst>
+                                    </p:anim>
+                                    <p:anim to="" calcmode="lin" valueType="num">
+                                      <p:cBhvr>
+                                        <p:cTn id="10" dur="700" fill="hold">
+                                          <p:stCondLst>
+                                            <p:cond delay="0"/>
+                                          </p:stCondLst>
+                                        </p:cTn>
+                                        <p:tgtEl>
+                                          <p:spTgt spid="47"/>
+                                        </p:tgtEl>
+                                        <p:attrNameLst>
+                                          <p:attrName>ppt_w</p:attrName>
+                                        </p:attrNameLst>
+                                      </p:cBhvr>
+                                      <p:tavLst>
+                                        <p:tav tm="0" fmla="#ppt_w-(-#ppt_w)*((1.5-1.5*$)^2-(1.5-1.5*$)^3)">
+                                          <p:val>
+                                            <p:fltVal val="0"/>
+                                          </p:val>
+                                        </p:tav>
+                                        <p:tav tm="100000">
+                                          <p:val>
+                                            <p:fltVal val="1"/>
+                                          </p:val>
+                                        </p:tav>
+                                      </p:tavLst>
+                                    </p:anim>
+                                  </p:childTnLst>
+                                </p:cTn>
+                              </p:par>
+                              <p:par>
+                                <p:cTn id="11" presetID="0" presetClass="entr" presetSubtype="0" fill="hold" nodeType="withEffect">
+                                  <p:stCondLst>
+                                    <p:cond delay="0"/>
+                                  </p:stCondLst>
+                                  <p:iterate type="lt">
+                                    <p:tmPct val="10000"/>
+                                  </p:iterate>
+                                  <p:childTnLst>
+                                    <p:set>
+                                      <p:cBhvr>
+                                        <p:cTn id="12" dur="1" fill="hold">
+                                          <p:stCondLst>
+                                            <p:cond delay="0"/>
+                                          </p:stCondLst>
+                                        </p:cTn>
+                                        <p:tgtEl>
+                                          <p:spTgt spid="48"/>
+                                        </p:tgtEl>
+                                        <p:attrNameLst>
+                                          <p:attrName>style.visibility</p:attrName>
+                                        </p:attrNameLst>
+                                      </p:cBhvr>
+                                      <p:to>
+                                        <p:strVal val="visible"/>
+                                      </p:to>
+                                    </p:set>
+                                    <p:anim to="" calcmode="lin" valueType="num">
+                                      <p:cBhvr>
+                                        <p:cTn id="13" dur="700" fill="hold">
+                                          <p:stCondLst>
+                                            <p:cond delay="0"/>
+                                          </p:stCondLst>
+                                        </p:cTn>
+                                        <p:tgtEl>
+                                          <p:spTgt spid="48"/>
+                                        </p:tgtEl>
+                                        <p:attrNameLst>
+                                          <p:attrName>ppt_x</p:attrName>
+                                        </p:attrNameLst>
+                                      </p:cBhvr>
+                                      <p:tavLst>
+                                        <p:tav tm="0" fmla="#ppt_x-(-#ppt_w/2*cos(ppt_r/180*pi))*((1.5-1.5*$)^2-(1.5-1.5*$)^3)">
+                                          <p:val>
+                                            <p:fltVal val="0"/>
+                                          </p:val>
+                                        </p:tav>
+                                        <p:tav tm="100000">
+                                          <p:val>
+                                            <p:fltVal val="1"/>
+                                          </p:val>
+                                        </p:tav>
+                                      </p:tavLst>
+                                    </p:anim>
+                                    <p:anim to="" calcmode="lin" valueType="num">
+                                      <p:cBhvr>
+                                        <p:cTn id="14" dur="700" fill="hold">
+                                          <p:stCondLst>
+                                            <p:cond delay="0"/>
+                                          </p:stCondLst>
+                                        </p:cTn>
+                                        <p:tgtEl>
+                                          <p:spTgt spid="48"/>
+                                        </p:tgtEl>
+                                        <p:attrNameLst>
+                                          <p:attrName>ppt_y</p:attrName>
+                                        </p:attrNameLst>
+                                      </p:cBhvr>
+                                      <p:tavLst>
+                                        <p:tav tm="0" fmla="#ppt_y+(-#ppt_h/2*cos(ppt_r/180*pi))*((1.5-1.5*$)^2-(1.5-1.5*$)^3)">
+                                          <p:val>
+                                            <p:fltVal val="0"/>
+                                          </p:val>
+                                        </p:tav>
+                                        <p:tav tm="100000">
+                                          <p:val>
+                                            <p:fltVal val="1"/>
+                                          </p:val>
+                                        </p:tav>
+                                      </p:tavLst>
+                                    </p:anim>
+                                    <p:anim to="" calcmode="lin" valueType="num">
+                                      <p:cBhvr>
+                                        <p:cTn id="15" dur="700" fill="hold">
+                                          <p:stCondLst>
+                                            <p:cond delay="0"/>
+                                          </p:stCondLst>
+                                        </p:cTn>
+                                        <p:tgtEl>
+                                          <p:spTgt spid="48"/>
+                                        </p:tgtEl>
+                                        <p:attrNameLst>
+                                          <p:attrName>ppt_h</p:attrName>
+                                        </p:attrNameLst>
+                                      </p:cBhvr>
+                                      <p:tavLst>
+                                        <p:tav tm="0" fmla="#ppt_h-(-#ppt_h)*((1.5-1.5*$)^2-(1.5-1.5*$)^3)">
+                                          <p:val>
+                                            <p:fltVal val="0"/>
+                                          </p:val>
+                                        </p:tav>
+                                        <p:tav tm="100000">
+                                          <p:val>
+                                            <p:fltVal val="1"/>
+                                          </p:val>
+                                        </p:tav>
+                                      </p:tavLst>
+                                    </p:anim>
+                                    <p:anim to="" calcmode="lin" valueType="num">
+                                      <p:cBhvr>
+                                        <p:cTn id="16" dur="700" fill="hold">
+                                          <p:stCondLst>
+                                            <p:cond delay="0"/>
+                                          </p:stCondLst>
+                                        </p:cTn>
+                                        <p:tgtEl>
+                                          <p:spTgt spid="48"/>
+                                        </p:tgtEl>
+                                        <p:attrNameLst>
+                                          <p:attrName>ppt_w</p:attrName>
+                                        </p:attrNameLst>
+                                      </p:cBhvr>
+                                      <p:tavLst>
+                                        <p:tav tm="0" fmla="#ppt_w-(-#ppt_w)*((1.5-1.5*$)^2-(1.5-1.5*$)^3)">
+                                          <p:val>
+                                            <p:fltVal val="0"/>
+                                          </p:val>
+                                        </p:tav>
+                                        <p:tav tm="100000">
+                                          <p:val>
+                                            <p:fltVal val="1"/>
+                                          </p:val>
+                                        </p:tav>
+                                      </p:tavLst>
+                                    </p:anim>
+                                  </p:childTnLst>
+                                </p:cTn>
+                              </p:par>
+                            </p:childTnLst>
+                          </p:cTn>
+                        </p:par>
+                      </p:childTnLst>
+                    </p:cTn>
+                  </p:par>
+                </p:childTnLst>
+              </p:cTn>
+              <p:prevCondLst>
+                <p:cond evt="onPrev" delay="0">
+                  <p:tgtEl>
+                    <p:sldTgt/>
+                  </p:tgtEl>
+                </p:cond>
+              </p:prevCondLst>
+              <p:nextCondLst>
+                <p:cond evt="onNext" delay="0">
+                  <p:tgtEl>
+                    <p:sldTgt/>
+                  </p:tgtEl>
+                </p:cond>
+              </p:nextCondLst>
+            </p:seq>
+          </p:childTnLst>
+        </p:cTn>
+      </p:par>
+    </p:tnLst>
+    <p:bldLst>
+      <p:bldP spid="47" grpId="0"/>
+    </p:bldLst>
+  </p:timing>
+</p:sld>
+</file>
+
+<file path=ppt/slides/slide30.xml><?xml version="1.0" encoding="utf-8"?>
 <p:sld xmlns:a="http://schemas.openxmlformats.org/drawingml/2006/main" xmlns:r="http://schemas.openxmlformats.org/officeDocument/2006/relationships" xmlns:p="http://schemas.openxmlformats.org/presentationml/2006/main">
   <p:cSld>
     <p:spTree>
@@ -35061,1295 +37216,6 @@
     <p:bldLst>
       <p:bldP spid="23" grpId="0"/>
       <p:bldP spid="60" grpId="0"/>
-    </p:bldLst>
-  </p:timing>
-</p:sld>
-</file>
-
-<file path=ppt/slides/slide3.xml><?xml version="1.0" encoding="utf-8"?>
-<p:sld xmlns:a="http://schemas.openxmlformats.org/drawingml/2006/main" xmlns:r="http://schemas.openxmlformats.org/officeDocument/2006/relationships" xmlns:p="http://schemas.openxmlformats.org/presentationml/2006/main">
-  <p:cSld>
-    <p:spTree>
-      <p:nvGrpSpPr>
-        <p:cNvPr id="1" name=""/>
-        <p:cNvGrpSpPr/>
-        <p:nvPr/>
-      </p:nvGrpSpPr>
-      <p:grpSpPr>
-        <a:xfrm>
-          <a:off x="0" y="0"/>
-          <a:ext cx="0" cy="0"/>
-          <a:chOff x="0" y="0"/>
-          <a:chExt cx="0" cy="0"/>
-        </a:xfrm>
-      </p:grpSpPr>
-      <p:sp>
-        <p:nvSpPr>
-          <p:cNvPr id="47" name="PA_矩形 39"/>
-          <p:cNvSpPr>
-            <a:spLocks noChangeArrowheads="1"/>
-          </p:cNvSpPr>
-          <p:nvPr>
-            <p:custDataLst>
-              <p:tags r:id="rId1"/>
-            </p:custDataLst>
-          </p:nvPr>
-        </p:nvSpPr>
-        <p:spPr bwMode="auto">
-          <a:xfrm>
-            <a:off x="554879" y="371042"/>
-            <a:ext cx="3704079" cy="410433"/>
-          </a:xfrm>
-          <a:prstGeom prst="rect">
-            <a:avLst/>
-          </a:prstGeom>
-          <a:noFill/>
-          <a:ln>
-            <a:noFill/>
-          </a:ln>
-          <a:extLst>
-            <a:ext uri="{909E8E84-426E-40DD-AFC4-6F175D3DCCD1}">
-              <a14:hiddenFill xmlns:a14="http://schemas.microsoft.com/office/drawing/2010/main">
-                <a:solidFill>
-                  <a:srgbClr val="FFFFFF"/>
-                </a:solidFill>
-              </a14:hiddenFill>
-            </a:ext>
-            <a:ext uri="{91240B29-F687-4F45-9708-019B960494DF}">
-              <a14:hiddenLine xmlns:a14="http://schemas.microsoft.com/office/drawing/2010/main" w="9525">
-                <a:solidFill>
-                  <a:srgbClr val="000000"/>
-                </a:solidFill>
-                <a:miter lim="800000"/>
-                <a:headEnd/>
-                <a:tailEnd/>
-              </a14:hiddenLine>
-            </a:ext>
-          </a:extLst>
-        </p:spPr>
-        <p:txBody>
-          <a:bodyPr wrap="square" lIns="0" tIns="0" rIns="0" bIns="0">
-            <a:spAutoFit/>
-          </a:bodyPr>
-          <a:lstStyle/>
-          <a:p>
-            <a:pPr defTabSz="1218565"/>
-            <a:r>
-              <a:rPr lang="zh-CN" altLang="en-US" sz="2665" smtClean="0">
-                <a:solidFill>
-                  <a:srgbClr val="1D69A3"/>
-                </a:solidFill>
-                <a:latin typeface="微软雅黑" panose="020B0503020204020204" pitchFamily="34" charset="-122"/>
-                <a:ea typeface="微软雅黑" panose="020B0503020204020204" pitchFamily="34" charset="-122"/>
-              </a:rPr>
-              <a:t>享学讲师团队</a:t>
-            </a:r>
-            <a:endParaRPr lang="en-US" altLang="zh-CN" sz="2665" dirty="0">
-              <a:solidFill>
-                <a:srgbClr val="1D69A3"/>
-              </a:solidFill>
-              <a:latin typeface="微软雅黑" panose="020B0503020204020204" pitchFamily="34" charset="-122"/>
-              <a:ea typeface="微软雅黑" panose="020B0503020204020204" pitchFamily="34" charset="-122"/>
-            </a:endParaRPr>
-          </a:p>
-        </p:txBody>
-      </p:sp>
-      <p:grpSp>
-        <p:nvGrpSpPr>
-          <p:cNvPr id="48" name="PA_组合 47"/>
-          <p:cNvGrpSpPr/>
-          <p:nvPr>
-            <p:custDataLst>
-              <p:tags r:id="rId2"/>
-            </p:custDataLst>
-          </p:nvPr>
-        </p:nvGrpSpPr>
-        <p:grpSpPr>
-          <a:xfrm>
-            <a:off x="554877" y="932724"/>
-            <a:ext cx="1199456" cy="74689"/>
-            <a:chOff x="0" y="2842590"/>
-            <a:chExt cx="7054752" cy="89199"/>
-          </a:xfrm>
-        </p:grpSpPr>
-        <p:sp>
-          <p:nvSpPr>
-            <p:cNvPr id="49" name="矩形 48"/>
-            <p:cNvSpPr/>
-            <p:nvPr/>
-          </p:nvSpPr>
-          <p:spPr>
-            <a:xfrm>
-              <a:off x="0" y="2842590"/>
-              <a:ext cx="1763688" cy="89199"/>
-            </a:xfrm>
-            <a:prstGeom prst="rect">
-              <a:avLst/>
-            </a:prstGeom>
-            <a:solidFill>
-              <a:schemeClr val="accent1"/>
-            </a:solidFill>
-            <a:ln>
-              <a:noFill/>
-            </a:ln>
-          </p:spPr>
-          <p:style>
-            <a:lnRef idx="2">
-              <a:schemeClr val="accent1">
-                <a:shade val="50000"/>
-              </a:schemeClr>
-            </a:lnRef>
-            <a:fillRef idx="1">
-              <a:schemeClr val="accent1"/>
-            </a:fillRef>
-            <a:effectRef idx="0">
-              <a:schemeClr val="accent1"/>
-            </a:effectRef>
-            <a:fontRef idx="minor">
-              <a:schemeClr val="lt1"/>
-            </a:fontRef>
-          </p:style>
-          <p:txBody>
-            <a:bodyPr rtlCol="0" anchor="ctr"/>
-            <a:lstStyle/>
-            <a:p>
-              <a:pPr algn="ctr" defTabSz="1218565"/>
-              <a:endParaRPr lang="zh-CN" altLang="en-US" sz="2400">
-                <a:solidFill>
-                  <a:srgbClr val="FFFFFF"/>
-                </a:solidFill>
-                <a:latin typeface="Calibri" panose="020F0502020204030204"/>
-                <a:ea typeface="宋体" panose="02010600030101010101" pitchFamily="2" charset="-122"/>
-              </a:endParaRPr>
-            </a:p>
-          </p:txBody>
-        </p:sp>
-        <p:sp>
-          <p:nvSpPr>
-            <p:cNvPr id="50" name="矩形 49"/>
-            <p:cNvSpPr/>
-            <p:nvPr/>
-          </p:nvSpPr>
-          <p:spPr>
-            <a:xfrm>
-              <a:off x="1763688" y="2842590"/>
-              <a:ext cx="1763688" cy="89199"/>
-            </a:xfrm>
-            <a:prstGeom prst="rect">
-              <a:avLst/>
-            </a:prstGeom>
-            <a:solidFill>
-              <a:schemeClr val="accent2"/>
-            </a:solidFill>
-            <a:ln>
-              <a:noFill/>
-            </a:ln>
-          </p:spPr>
-          <p:style>
-            <a:lnRef idx="2">
-              <a:schemeClr val="accent1">
-                <a:shade val="50000"/>
-              </a:schemeClr>
-            </a:lnRef>
-            <a:fillRef idx="1">
-              <a:schemeClr val="accent1"/>
-            </a:fillRef>
-            <a:effectRef idx="0">
-              <a:schemeClr val="accent1"/>
-            </a:effectRef>
-            <a:fontRef idx="minor">
-              <a:schemeClr val="lt1"/>
-            </a:fontRef>
-          </p:style>
-          <p:txBody>
-            <a:bodyPr rtlCol="0" anchor="ctr"/>
-            <a:lstStyle/>
-            <a:p>
-              <a:pPr algn="ctr" defTabSz="1218565"/>
-              <a:endParaRPr lang="zh-CN" altLang="en-US" sz="2400">
-                <a:solidFill>
-                  <a:srgbClr val="FFFFFF"/>
-                </a:solidFill>
-                <a:latin typeface="Calibri" panose="020F0502020204030204"/>
-                <a:ea typeface="宋体" panose="02010600030101010101" pitchFamily="2" charset="-122"/>
-              </a:endParaRPr>
-            </a:p>
-          </p:txBody>
-        </p:sp>
-        <p:sp>
-          <p:nvSpPr>
-            <p:cNvPr id="51" name="矩形 50"/>
-            <p:cNvSpPr/>
-            <p:nvPr/>
-          </p:nvSpPr>
-          <p:spPr>
-            <a:xfrm>
-              <a:off x="3527376" y="2842590"/>
-              <a:ext cx="1763688" cy="89199"/>
-            </a:xfrm>
-            <a:prstGeom prst="rect">
-              <a:avLst/>
-            </a:prstGeom>
-            <a:solidFill>
-              <a:schemeClr val="accent3"/>
-            </a:solidFill>
-            <a:ln>
-              <a:noFill/>
-            </a:ln>
-          </p:spPr>
-          <p:style>
-            <a:lnRef idx="2">
-              <a:schemeClr val="accent1">
-                <a:shade val="50000"/>
-              </a:schemeClr>
-            </a:lnRef>
-            <a:fillRef idx="1">
-              <a:schemeClr val="accent1"/>
-            </a:fillRef>
-            <a:effectRef idx="0">
-              <a:schemeClr val="accent1"/>
-            </a:effectRef>
-            <a:fontRef idx="minor">
-              <a:schemeClr val="lt1"/>
-            </a:fontRef>
-          </p:style>
-          <p:txBody>
-            <a:bodyPr rtlCol="0" anchor="ctr"/>
-            <a:lstStyle/>
-            <a:p>
-              <a:pPr algn="ctr" defTabSz="1218565"/>
-              <a:endParaRPr lang="zh-CN" altLang="en-US" sz="2400">
-                <a:solidFill>
-                  <a:srgbClr val="FFFFFF"/>
-                </a:solidFill>
-                <a:latin typeface="Calibri" panose="020F0502020204030204"/>
-                <a:ea typeface="宋体" panose="02010600030101010101" pitchFamily="2" charset="-122"/>
-              </a:endParaRPr>
-            </a:p>
-          </p:txBody>
-        </p:sp>
-        <p:sp>
-          <p:nvSpPr>
-            <p:cNvPr id="52" name="矩形 51"/>
-            <p:cNvSpPr/>
-            <p:nvPr/>
-          </p:nvSpPr>
-          <p:spPr>
-            <a:xfrm>
-              <a:off x="5291064" y="2842590"/>
-              <a:ext cx="1763688" cy="89199"/>
-            </a:xfrm>
-            <a:prstGeom prst="rect">
-              <a:avLst/>
-            </a:prstGeom>
-            <a:solidFill>
-              <a:schemeClr val="accent4"/>
-            </a:solidFill>
-            <a:ln>
-              <a:noFill/>
-            </a:ln>
-          </p:spPr>
-          <p:style>
-            <a:lnRef idx="2">
-              <a:schemeClr val="accent1">
-                <a:shade val="50000"/>
-              </a:schemeClr>
-            </a:lnRef>
-            <a:fillRef idx="1">
-              <a:schemeClr val="accent1"/>
-            </a:fillRef>
-            <a:effectRef idx="0">
-              <a:schemeClr val="accent1"/>
-            </a:effectRef>
-            <a:fontRef idx="minor">
-              <a:schemeClr val="lt1"/>
-            </a:fontRef>
-          </p:style>
-          <p:txBody>
-            <a:bodyPr rtlCol="0" anchor="ctr"/>
-            <a:lstStyle/>
-            <a:p>
-              <a:pPr algn="ctr" defTabSz="1218565"/>
-              <a:endParaRPr lang="zh-CN" altLang="en-US" sz="2400">
-                <a:solidFill>
-                  <a:srgbClr val="FFFFFF"/>
-                </a:solidFill>
-                <a:latin typeface="Calibri" panose="020F0502020204030204"/>
-                <a:ea typeface="宋体" panose="02010600030101010101" pitchFamily="2" charset="-122"/>
-              </a:endParaRPr>
-            </a:p>
-          </p:txBody>
-        </p:sp>
-      </p:grpSp>
-      <p:sp>
-        <p:nvSpPr>
-          <p:cNvPr id="18" name="文本框 1"/>
-          <p:cNvSpPr txBox="1"/>
-          <p:nvPr/>
-        </p:nvSpPr>
-        <p:spPr>
-          <a:xfrm>
-            <a:off x="327934" y="4047356"/>
-            <a:ext cx="2253069" cy="1626235"/>
-          </a:xfrm>
-          <a:prstGeom prst="rect">
-            <a:avLst/>
-          </a:prstGeom>
-          <a:noFill/>
-        </p:spPr>
-        <p:txBody>
-          <a:bodyPr wrap="square" rtlCol="0" anchor="t">
-            <a:spAutoFit/>
-          </a:bodyPr>
-          <a:lstStyle/>
-          <a:p>
-            <a:pPr algn="ctr">
-              <a:lnSpc>
-                <a:spcPct val="150000"/>
-              </a:lnSpc>
-            </a:pPr>
-            <a:r>
-              <a:rPr lang="en-US" altLang="zh-CN" sz="1200" b="1" dirty="0" smtClean="0">
-                <a:latin typeface="微软雅黑" panose="020B0503020204020204" pitchFamily="34" charset="-122"/>
-                <a:ea typeface="微软雅黑" panose="020B0503020204020204" pitchFamily="34" charset="-122"/>
-                <a:cs typeface="微软雅黑" panose="020B0503020204020204" pitchFamily="34" charset="-122"/>
-              </a:rPr>
-              <a:t>Alvin</a:t>
-            </a:r>
-            <a:r>
-              <a:rPr lang="zh-CN" altLang="en-US" sz="1200" b="1" dirty="0" smtClean="0">
-                <a:latin typeface="微软雅黑" panose="020B0503020204020204" pitchFamily="34" charset="-122"/>
-                <a:ea typeface="微软雅黑" panose="020B0503020204020204" pitchFamily="34" charset="-122"/>
-                <a:cs typeface="微软雅黑" panose="020B0503020204020204" pitchFamily="34" charset="-122"/>
-              </a:rPr>
-              <a:t>老师</a:t>
-            </a:r>
-            <a:endParaRPr lang="en-US" altLang="zh-CN" sz="1200" b="1" dirty="0" smtClean="0">
-              <a:latin typeface="微软雅黑" panose="020B0503020204020204" pitchFamily="34" charset="-122"/>
-              <a:ea typeface="微软雅黑" panose="020B0503020204020204" pitchFamily="34" charset="-122"/>
-              <a:cs typeface="微软雅黑" panose="020B0503020204020204" pitchFamily="34" charset="-122"/>
-            </a:endParaRPr>
-          </a:p>
-          <a:p>
-            <a:pPr>
-              <a:lnSpc>
-                <a:spcPct val="130000"/>
-              </a:lnSpc>
-            </a:pPr>
-            <a:r>
-              <a:rPr lang="zh-CN" altLang="en-US" sz="1050" dirty="0">
-                <a:solidFill>
-                  <a:schemeClr val="tx1">
-                    <a:lumMod val="75000"/>
-                  </a:schemeClr>
-                </a:solidFill>
-                <a:latin typeface="微软雅黑" panose="020B0503020204020204" pitchFamily="34" charset="-122"/>
-                <a:ea typeface="微软雅黑" panose="020B0503020204020204" pitchFamily="34" charset="-122"/>
-              </a:rPr>
-              <a:t>曾就业于三星中国研究院及小米旗下互联网公司</a:t>
-            </a:r>
-            <a:r>
-              <a:rPr lang="zh-CN" altLang="en-US" sz="1050" dirty="0" smtClean="0">
-                <a:solidFill>
-                  <a:schemeClr val="tx1">
-                    <a:lumMod val="75000"/>
-                  </a:schemeClr>
-                </a:solidFill>
-                <a:latin typeface="微软雅黑" panose="020B0503020204020204" pitchFamily="34" charset="-122"/>
-                <a:ea typeface="微软雅黑" panose="020B0503020204020204" pitchFamily="34" charset="-122"/>
-              </a:rPr>
-              <a:t>担任</a:t>
-            </a:r>
-            <a:r>
-              <a:rPr lang="en-US" altLang="zh-CN" sz="1050" dirty="0" smtClean="0">
-                <a:solidFill>
-                  <a:schemeClr val="tx1">
-                    <a:lumMod val="75000"/>
-                  </a:schemeClr>
-                </a:solidFill>
-                <a:latin typeface="微软雅黑" panose="020B0503020204020204" pitchFamily="34" charset="-122"/>
-                <a:ea typeface="微软雅黑" panose="020B0503020204020204" pitchFamily="34" charset="-122"/>
-              </a:rPr>
-              <a:t>an</a:t>
-            </a:r>
-            <a:r>
-              <a:rPr lang="en-US" altLang="zh-CN" sz="1050" dirty="0" err="1" smtClean="0">
-                <a:solidFill>
-                  <a:schemeClr val="tx1">
-                    <a:lumMod val="75000"/>
-                  </a:schemeClr>
-                </a:solidFill>
-                <a:latin typeface="微软雅黑" panose="020B0503020204020204" pitchFamily="34" charset="-122"/>
-                <a:ea typeface="微软雅黑" panose="020B0503020204020204" pitchFamily="34" charset="-122"/>
-              </a:rPr>
-              <a:t>droid</a:t>
-            </a:r>
-            <a:r>
-              <a:rPr lang="zh-CN" altLang="en-US" sz="1050" dirty="0">
-                <a:solidFill>
-                  <a:schemeClr val="tx1">
-                    <a:lumMod val="75000"/>
-                  </a:schemeClr>
-                </a:solidFill>
-                <a:latin typeface="微软雅黑" panose="020B0503020204020204" pitchFamily="34" charset="-122"/>
-                <a:ea typeface="微软雅黑" panose="020B0503020204020204" pitchFamily="34" charset="-122"/>
-              </a:rPr>
-              <a:t>软件工程师及项目经理</a:t>
-            </a:r>
-            <a:endParaRPr lang="zh-CN" altLang="en-US" sz="1050" dirty="0">
-              <a:solidFill>
-                <a:schemeClr val="tx1">
-                  <a:lumMod val="75000"/>
-                </a:schemeClr>
-              </a:solidFill>
-              <a:latin typeface="微软雅黑" panose="020B0503020204020204" pitchFamily="34" charset="-122"/>
-              <a:ea typeface="微软雅黑" panose="020B0503020204020204" pitchFamily="34" charset="-122"/>
-            </a:endParaRPr>
-          </a:p>
-          <a:p>
-            <a:pPr>
-              <a:lnSpc>
-                <a:spcPct val="130000"/>
-              </a:lnSpc>
-            </a:pPr>
-            <a:r>
-              <a:rPr lang="zh-CN" altLang="en-US" sz="1050" dirty="0">
-                <a:solidFill>
-                  <a:schemeClr val="tx1">
-                    <a:lumMod val="75000"/>
-                  </a:schemeClr>
-                </a:solidFill>
-                <a:latin typeface="微软雅黑" panose="020B0503020204020204" pitchFamily="34" charset="-122"/>
-                <a:ea typeface="微软雅黑" panose="020B0503020204020204" pitchFamily="34" charset="-122"/>
-              </a:rPr>
-              <a:t>拥有扎实的</a:t>
-            </a:r>
-            <a:r>
-              <a:rPr lang="en-US" altLang="zh-CN" sz="1050" dirty="0">
-                <a:solidFill>
-                  <a:schemeClr val="tx1">
-                    <a:lumMod val="75000"/>
-                  </a:schemeClr>
-                </a:solidFill>
-                <a:latin typeface="微软雅黑" panose="020B0503020204020204" pitchFamily="34" charset="-122"/>
-                <a:ea typeface="微软雅黑" panose="020B0503020204020204" pitchFamily="34" charset="-122"/>
-              </a:rPr>
-              <a:t>C/Java </a:t>
-            </a:r>
-            <a:r>
-              <a:rPr lang="zh-CN" altLang="en-US" sz="1050" dirty="0">
-                <a:solidFill>
-                  <a:schemeClr val="tx1">
-                    <a:lumMod val="75000"/>
-                  </a:schemeClr>
-                </a:solidFill>
-                <a:latin typeface="微软雅黑" panose="020B0503020204020204" pitchFamily="34" charset="-122"/>
-                <a:ea typeface="微软雅黑" panose="020B0503020204020204" pitchFamily="34" charset="-122"/>
-              </a:rPr>
-              <a:t>基础，深入研究</a:t>
-            </a:r>
-            <a:r>
-              <a:rPr lang="en-US" altLang="zh-CN" sz="1050" dirty="0">
-                <a:solidFill>
-                  <a:schemeClr val="tx1">
-                    <a:lumMod val="75000"/>
-                  </a:schemeClr>
-                </a:solidFill>
-                <a:latin typeface="微软雅黑" panose="020B0503020204020204" pitchFamily="34" charset="-122"/>
-                <a:ea typeface="微软雅黑" panose="020B0503020204020204" pitchFamily="34" charset="-122"/>
-              </a:rPr>
-              <a:t>android</a:t>
-            </a:r>
-            <a:r>
-              <a:rPr lang="zh-CN" altLang="en-US" sz="1050" dirty="0">
-                <a:solidFill>
-                  <a:schemeClr val="tx1">
-                    <a:lumMod val="75000"/>
-                  </a:schemeClr>
-                </a:solidFill>
-                <a:latin typeface="微软雅黑" panose="020B0503020204020204" pitchFamily="34" charset="-122"/>
-                <a:ea typeface="微软雅黑" panose="020B0503020204020204" pitchFamily="34" charset="-122"/>
-              </a:rPr>
-              <a:t>系统多年。</a:t>
-            </a:r>
-            <a:endParaRPr lang="en-US" altLang="zh-CN" sz="1050" dirty="0">
-              <a:solidFill>
-                <a:schemeClr val="tx1">
-                  <a:lumMod val="75000"/>
-                </a:schemeClr>
-              </a:solidFill>
-              <a:latin typeface="微软雅黑" panose="020B0503020204020204" pitchFamily="34" charset="-122"/>
-              <a:ea typeface="微软雅黑" panose="020B0503020204020204" pitchFamily="34" charset="-122"/>
-            </a:endParaRPr>
-          </a:p>
-          <a:p>
-            <a:pPr>
-              <a:lnSpc>
-                <a:spcPct val="130000"/>
-              </a:lnSpc>
-            </a:pPr>
-            <a:r>
-              <a:rPr lang="zh-CN" altLang="en-US" sz="1050" dirty="0">
-                <a:solidFill>
-                  <a:schemeClr val="tx1">
-                    <a:lumMod val="75000"/>
-                  </a:schemeClr>
-                </a:solidFill>
-                <a:latin typeface="微软雅黑" panose="020B0503020204020204" pitchFamily="34" charset="-122"/>
-                <a:ea typeface="微软雅黑" panose="020B0503020204020204" pitchFamily="34" charset="-122"/>
-              </a:rPr>
-              <a:t>讲课形象生动，热情洋溢</a:t>
-            </a:r>
-            <a:endParaRPr lang="zh-CN" altLang="en-US" sz="1050" dirty="0">
-              <a:solidFill>
-                <a:schemeClr val="tx1">
-                  <a:lumMod val="75000"/>
-                </a:schemeClr>
-              </a:solidFill>
-              <a:latin typeface="微软雅黑" panose="020B0503020204020204" pitchFamily="34" charset="-122"/>
-              <a:ea typeface="微软雅黑" panose="020B0503020204020204" pitchFamily="34" charset="-122"/>
-            </a:endParaRPr>
-          </a:p>
-        </p:txBody>
-      </p:sp>
-      <p:sp>
-        <p:nvSpPr>
-          <p:cNvPr id="19" name="文本框 4"/>
-          <p:cNvSpPr txBox="1"/>
-          <p:nvPr/>
-        </p:nvSpPr>
-        <p:spPr>
-          <a:xfrm>
-            <a:off x="3185623" y="4047356"/>
-            <a:ext cx="2063032" cy="2049792"/>
-          </a:xfrm>
-          <a:prstGeom prst="rect">
-            <a:avLst/>
-          </a:prstGeom>
-          <a:noFill/>
-        </p:spPr>
-        <p:txBody>
-          <a:bodyPr wrap="square" rtlCol="0" anchor="t">
-            <a:spAutoFit/>
-          </a:bodyPr>
-          <a:lstStyle/>
-          <a:p>
-            <a:pPr algn="ctr">
-              <a:lnSpc>
-                <a:spcPct val="150000"/>
-              </a:lnSpc>
-            </a:pPr>
-            <a:r>
-              <a:rPr lang="en-US" altLang="zh-CN" sz="1200" b="1" dirty="0" err="1">
-                <a:latin typeface="微软雅黑" panose="020B0503020204020204" pitchFamily="34" charset="-122"/>
-                <a:ea typeface="微软雅黑" panose="020B0503020204020204" pitchFamily="34" charset="-122"/>
-                <a:cs typeface="微软雅黑" panose="020B0503020204020204" pitchFamily="34" charset="-122"/>
-              </a:rPr>
-              <a:t>Lison</a:t>
-            </a:r>
-            <a:r>
-              <a:rPr lang="zh-CN" altLang="en-US" sz="1200" b="1" dirty="0">
-                <a:latin typeface="微软雅黑" panose="020B0503020204020204" pitchFamily="34" charset="-122"/>
-                <a:ea typeface="微软雅黑" panose="020B0503020204020204" pitchFamily="34" charset="-122"/>
-                <a:cs typeface="微软雅黑" panose="020B0503020204020204" pitchFamily="34" charset="-122"/>
-              </a:rPr>
-              <a:t>老师</a:t>
-            </a:r>
-            <a:endParaRPr lang="en-US" altLang="zh-CN" sz="1200" b="1" dirty="0">
-              <a:latin typeface="微软雅黑" panose="020B0503020204020204" pitchFamily="34" charset="-122"/>
-              <a:ea typeface="微软雅黑" panose="020B0503020204020204" pitchFamily="34" charset="-122"/>
-              <a:cs typeface="微软雅黑" panose="020B0503020204020204" pitchFamily="34" charset="-122"/>
-              <a:sym typeface="+mn-ea"/>
-            </a:endParaRPr>
-          </a:p>
-          <a:p>
-            <a:pPr>
-              <a:lnSpc>
-                <a:spcPct val="130000"/>
-              </a:lnSpc>
-            </a:pPr>
-            <a:r>
-              <a:rPr lang="zh-CN" altLang="en-US" sz="1050" dirty="0" smtClean="0">
-                <a:latin typeface="微软雅黑" panose="020B0503020204020204" pitchFamily="34" charset="-122"/>
-                <a:ea typeface="微软雅黑" panose="020B0503020204020204" pitchFamily="34" charset="-122"/>
-                <a:cs typeface="微软雅黑" panose="020B0503020204020204" pitchFamily="34" charset="-122"/>
-                <a:sym typeface="+mn-ea"/>
-              </a:rPr>
-              <a:t>复旦大学</a:t>
-            </a:r>
-            <a:r>
-              <a:rPr lang="zh-CN" altLang="en-US" sz="1050" dirty="0">
-                <a:latin typeface="微软雅黑" panose="020B0503020204020204" pitchFamily="34" charset="-122"/>
-                <a:ea typeface="微软雅黑" panose="020B0503020204020204" pitchFamily="34" charset="-122"/>
-                <a:cs typeface="微软雅黑" panose="020B0503020204020204" pitchFamily="34" charset="-122"/>
-                <a:sym typeface="+mn-ea"/>
-              </a:rPr>
-              <a:t>工程硕士，专注技术十年，产品控、代码控，拥有丰富的项目经验，主持研发了多个成功上线的大型互联网项目。热爱互联网，热衷于各种Web技术，精通JAVA、J2EE和前端开发，擅长互联网高并发、高可靠架构设计，有丰富的实战经验。</a:t>
-            </a:r>
-            <a:endParaRPr lang="zh-CN" altLang="en-US" sz="1050" dirty="0">
-              <a:latin typeface="微软雅黑" panose="020B0503020204020204" pitchFamily="34" charset="-122"/>
-              <a:ea typeface="微软雅黑" panose="020B0503020204020204" pitchFamily="34" charset="-122"/>
-              <a:cs typeface="微软雅黑" panose="020B0503020204020204" pitchFamily="34" charset="-122"/>
-            </a:endParaRPr>
-          </a:p>
-        </p:txBody>
-      </p:sp>
-      <p:sp>
-        <p:nvSpPr>
-          <p:cNvPr id="20" name="文本框 5"/>
-          <p:cNvSpPr txBox="1"/>
-          <p:nvPr/>
-        </p:nvSpPr>
-        <p:spPr>
-          <a:xfrm>
-            <a:off x="8836221" y="4047356"/>
-            <a:ext cx="2327098" cy="1629677"/>
-          </a:xfrm>
-          <a:prstGeom prst="rect">
-            <a:avLst/>
-          </a:prstGeom>
-          <a:noFill/>
-        </p:spPr>
-        <p:txBody>
-          <a:bodyPr wrap="square" rtlCol="0" anchor="t">
-            <a:spAutoFit/>
-          </a:bodyPr>
-          <a:lstStyle/>
-          <a:p>
-            <a:pPr algn="ctr">
-              <a:lnSpc>
-                <a:spcPct val="150000"/>
-              </a:lnSpc>
-            </a:pPr>
-            <a:r>
-              <a:rPr lang="en-US" altLang="zh-CN" sz="1200" b="1" dirty="0" smtClean="0">
-                <a:latin typeface="微软雅黑" panose="020B0503020204020204" pitchFamily="34" charset="-122"/>
-                <a:ea typeface="微软雅黑" panose="020B0503020204020204" pitchFamily="34" charset="-122"/>
-                <a:cs typeface="微软雅黑" panose="020B0503020204020204" pitchFamily="34" charset="-122"/>
-                <a:sym typeface="+mn-ea"/>
-              </a:rPr>
-              <a:t>zero</a:t>
-            </a:r>
-            <a:r>
-              <a:rPr lang="zh-CN" altLang="en-US" sz="1200" b="1" dirty="0" smtClean="0">
-                <a:latin typeface="微软雅黑" panose="020B0503020204020204" pitchFamily="34" charset="-122"/>
-                <a:ea typeface="微软雅黑" panose="020B0503020204020204" pitchFamily="34" charset="-122"/>
-                <a:cs typeface="微软雅黑" panose="020B0503020204020204" pitchFamily="34" charset="-122"/>
-                <a:sym typeface="+mn-ea"/>
-              </a:rPr>
-              <a:t>老师</a:t>
-            </a:r>
-            <a:endParaRPr lang="en-US" altLang="zh-CN" sz="1200" b="1" dirty="0">
-              <a:latin typeface="微软雅黑" panose="020B0503020204020204" pitchFamily="34" charset="-122"/>
-              <a:ea typeface="微软雅黑" panose="020B0503020204020204" pitchFamily="34" charset="-122"/>
-              <a:cs typeface="微软雅黑" panose="020B0503020204020204" pitchFamily="34" charset="-122"/>
-              <a:sym typeface="+mn-ea"/>
-            </a:endParaRPr>
-          </a:p>
-          <a:p>
-            <a:pPr>
-              <a:lnSpc>
-                <a:spcPct val="130000"/>
-              </a:lnSpc>
-            </a:pPr>
-            <a:r>
-              <a:rPr lang="zh-CN" altLang="en-US" sz="1050" dirty="0"/>
-              <a:t>前阿里</a:t>
-            </a:r>
-            <a:r>
-              <a:rPr lang="en-US" altLang="zh-CN" sz="1050" dirty="0"/>
-              <a:t>P7</a:t>
-            </a:r>
-            <a:r>
-              <a:rPr lang="zh-CN" altLang="en-US" sz="1050" dirty="0"/>
-              <a:t>移动架构师，曾就职于</a:t>
-            </a:r>
-            <a:r>
-              <a:rPr lang="en-US" altLang="zh-CN" sz="1050" dirty="0"/>
-              <a:t>Nubia</a:t>
-            </a:r>
-            <a:r>
-              <a:rPr lang="zh-CN" altLang="en-US" sz="1050" dirty="0"/>
-              <a:t>等一线互联网公司。有多年的项目研发经验，精通</a:t>
-            </a:r>
-            <a:r>
-              <a:rPr lang="en-US" altLang="zh-CN" sz="1050" dirty="0"/>
-              <a:t>Android </a:t>
-            </a:r>
-            <a:r>
-              <a:rPr lang="zh-CN" altLang="en-US" sz="1050" dirty="0"/>
-              <a:t>高级控件开发，性能优化，多种开源框架开发经验，热爱代码，对</a:t>
-            </a:r>
-            <a:r>
-              <a:rPr lang="en-US" altLang="zh-CN" sz="1050" dirty="0"/>
-              <a:t>Android</a:t>
-            </a:r>
-            <a:r>
-              <a:rPr lang="zh-CN" altLang="en-US" sz="1050" dirty="0"/>
-              <a:t>情有独钟，讲课生动，有激情。</a:t>
-            </a:r>
-            <a:endParaRPr lang="zh-CN" altLang="en-US" sz="1050" dirty="0">
-              <a:latin typeface="微软雅黑" panose="020B0503020204020204" pitchFamily="34" charset="-122"/>
-              <a:ea typeface="微软雅黑" panose="020B0503020204020204" pitchFamily="34" charset="-122"/>
-              <a:cs typeface="微软雅黑" panose="020B0503020204020204" pitchFamily="34" charset="-122"/>
-            </a:endParaRPr>
-          </a:p>
-        </p:txBody>
-      </p:sp>
-      <p:sp>
-        <p:nvSpPr>
-          <p:cNvPr id="27" name="文本框 4"/>
-          <p:cNvSpPr txBox="1"/>
-          <p:nvPr/>
-        </p:nvSpPr>
-        <p:spPr>
-          <a:xfrm>
-            <a:off x="5901978" y="4154549"/>
-            <a:ext cx="2327928" cy="1629677"/>
-          </a:xfrm>
-          <a:prstGeom prst="rect">
-            <a:avLst/>
-          </a:prstGeom>
-          <a:noFill/>
-        </p:spPr>
-        <p:txBody>
-          <a:bodyPr wrap="square" rtlCol="0" anchor="t">
-            <a:spAutoFit/>
-          </a:bodyPr>
-          <a:lstStyle/>
-          <a:p>
-            <a:pPr algn="ctr">
-              <a:lnSpc>
-                <a:spcPct val="150000"/>
-              </a:lnSpc>
-            </a:pPr>
-            <a:r>
-              <a:rPr lang="en-US" altLang="zh-CN" sz="1200" b="1" dirty="0" smtClean="0">
-                <a:latin typeface="微软雅黑" panose="020B0503020204020204" pitchFamily="34" charset="-122"/>
-                <a:ea typeface="微软雅黑" panose="020B0503020204020204" pitchFamily="34" charset="-122"/>
-                <a:cs typeface="微软雅黑" panose="020B0503020204020204" pitchFamily="34" charset="-122"/>
-                <a:sym typeface="+mn-ea"/>
-              </a:rPr>
-              <a:t>Allen</a:t>
-            </a:r>
-            <a:r>
-              <a:rPr lang="zh-CN" altLang="en-US" sz="1200" b="1" dirty="0" smtClean="0">
-                <a:latin typeface="微软雅黑" panose="020B0503020204020204" pitchFamily="34" charset="-122"/>
-                <a:ea typeface="微软雅黑" panose="020B0503020204020204" pitchFamily="34" charset="-122"/>
-                <a:cs typeface="微软雅黑" panose="020B0503020204020204" pitchFamily="34" charset="-122"/>
-                <a:sym typeface="+mn-ea"/>
-              </a:rPr>
-              <a:t>老师</a:t>
-            </a:r>
-            <a:endParaRPr lang="en-US" altLang="zh-CN" sz="1200" b="1" dirty="0">
-              <a:latin typeface="微软雅黑" panose="020B0503020204020204" pitchFamily="34" charset="-122"/>
-              <a:ea typeface="微软雅黑" panose="020B0503020204020204" pitchFamily="34" charset="-122"/>
-              <a:cs typeface="微软雅黑" panose="020B0503020204020204" pitchFamily="34" charset="-122"/>
-              <a:sym typeface="+mn-ea"/>
-            </a:endParaRPr>
-          </a:p>
-          <a:p>
-            <a:pPr>
-              <a:lnSpc>
-                <a:spcPct val="130000"/>
-              </a:lnSpc>
-            </a:pPr>
-            <a:r>
-              <a:rPr lang="zh-CN" altLang="en-US" sz="1050" dirty="0" smtClean="0">
-                <a:latin typeface="微软雅黑" panose="020B0503020204020204" pitchFamily="34" charset="-122"/>
-                <a:ea typeface="微软雅黑" panose="020B0503020204020204" pitchFamily="34" charset="-122"/>
-                <a:cs typeface="微软雅黑" panose="020B0503020204020204" pitchFamily="34" charset="-122"/>
-              </a:rPr>
-              <a:t>国防科技大学计算机系研究生毕业， 十余年</a:t>
-            </a:r>
-            <a:r>
-              <a:rPr lang="en-US" altLang="zh-CN" sz="1050" dirty="0" smtClean="0">
-                <a:latin typeface="微软雅黑" panose="020B0503020204020204" pitchFamily="34" charset="-122"/>
-                <a:ea typeface="微软雅黑" panose="020B0503020204020204" pitchFamily="34" charset="-122"/>
-                <a:cs typeface="微软雅黑" panose="020B0503020204020204" pitchFamily="34" charset="-122"/>
-              </a:rPr>
-              <a:t>Android </a:t>
-            </a:r>
-            <a:r>
-              <a:rPr lang="zh-CN" altLang="en-US" sz="1050" dirty="0" smtClean="0">
-                <a:latin typeface="微软雅黑" panose="020B0503020204020204" pitchFamily="34" charset="-122"/>
-                <a:ea typeface="微软雅黑" panose="020B0503020204020204" pitchFamily="34" charset="-122"/>
-                <a:cs typeface="微软雅黑" panose="020B0503020204020204" pitchFamily="34" charset="-122"/>
-              </a:rPr>
-              <a:t>及移动互联网开发经验，曾担任爱立信技术总监，华为技术总监，北电技术总监，对全栈有自己独特的见解，热爱技术，热爱互联网，实战经验非常丰富。</a:t>
-            </a:r>
-            <a:endParaRPr lang="zh-CN" altLang="en-US" sz="1050" dirty="0">
-              <a:latin typeface="微软雅黑" panose="020B0503020204020204" pitchFamily="34" charset="-122"/>
-              <a:ea typeface="微软雅黑" panose="020B0503020204020204" pitchFamily="34" charset="-122"/>
-              <a:cs typeface="微软雅黑" panose="020B0503020204020204" pitchFamily="34" charset="-122"/>
-            </a:endParaRPr>
-          </a:p>
-        </p:txBody>
-      </p:sp>
-      <p:pic>
-        <p:nvPicPr>
-          <p:cNvPr id="30" name="Picture 2" descr="C:\Users\dev\Desktop\微信图片_20180723142642.jpg"/>
-          <p:cNvPicPr>
-            <a:picLocks noChangeAspect="1" noChangeArrowheads="1"/>
-          </p:cNvPicPr>
-          <p:nvPr/>
-        </p:nvPicPr>
-        <p:blipFill>
-          <a:blip r:embed="rId3" cstate="print">
-            <a:extLst>
-              <a:ext uri="{28A0092B-C50C-407E-A947-70E740481C1C}">
-                <a14:useLocalDpi xmlns:a14="http://schemas.microsoft.com/office/drawing/2010/main" val="0"/>
-              </a:ext>
-            </a:extLst>
-          </a:blip>
-          <a:srcRect/>
-          <a:stretch>
-            <a:fillRect/>
-          </a:stretch>
-        </p:blipFill>
-        <p:spPr bwMode="auto">
-          <a:xfrm>
-            <a:off x="3162102" y="1053600"/>
-            <a:ext cx="2203511" cy="2784805"/>
-          </a:xfrm>
-          <a:prstGeom prst="rect">
-            <a:avLst/>
-          </a:prstGeom>
-          <a:noFill/>
-          <a:extLst>
-            <a:ext uri="{909E8E84-426E-40DD-AFC4-6F175D3DCCD1}">
-              <a14:hiddenFill xmlns:a14="http://schemas.microsoft.com/office/drawing/2010/main">
-                <a:solidFill>
-                  <a:srgbClr val="FFFFFF"/>
-                </a:solidFill>
-              </a14:hiddenFill>
-            </a:ext>
-          </a:extLst>
-        </p:spPr>
-      </p:pic>
-      <p:pic>
-        <p:nvPicPr>
-          <p:cNvPr id="36" name="图片 35" descr="上半身_修改"/>
-          <p:cNvPicPr>
-            <a:picLocks noChangeAspect="1"/>
-          </p:cNvPicPr>
-          <p:nvPr/>
-        </p:nvPicPr>
-        <p:blipFill>
-          <a:blip r:embed="rId4" cstate="print"/>
-          <a:stretch>
-            <a:fillRect/>
-          </a:stretch>
-        </p:blipFill>
-        <p:spPr>
-          <a:xfrm>
-            <a:off x="366328" y="1067805"/>
-            <a:ext cx="2214675" cy="2693220"/>
-          </a:xfrm>
-          <a:prstGeom prst="rect">
-            <a:avLst/>
-          </a:prstGeom>
-        </p:spPr>
-      </p:pic>
-      <p:pic>
-        <p:nvPicPr>
-          <p:cNvPr id="2" name="图片 1"/>
-          <p:cNvPicPr>
-            <a:picLocks noChangeAspect="1"/>
-          </p:cNvPicPr>
-          <p:nvPr/>
-        </p:nvPicPr>
-        <p:blipFill>
-          <a:blip r:embed="rId5" cstate="print">
-            <a:extLst>
-              <a:ext uri="{28A0092B-C50C-407E-A947-70E740481C1C}">
-                <a14:useLocalDpi xmlns:a14="http://schemas.microsoft.com/office/drawing/2010/main" val="0"/>
-              </a:ext>
-            </a:extLst>
-          </a:blip>
-          <a:stretch>
-            <a:fillRect/>
-          </a:stretch>
-        </p:blipFill>
-        <p:spPr>
-          <a:xfrm rot="5400000">
-            <a:off x="5656431" y="1311886"/>
-            <a:ext cx="2878712" cy="2268235"/>
-          </a:xfrm>
-          <a:prstGeom prst="rect">
-            <a:avLst/>
-          </a:prstGeom>
-        </p:spPr>
-      </p:pic>
-      <p:pic>
-        <p:nvPicPr>
-          <p:cNvPr id="3" name="图片 2"/>
-          <p:cNvPicPr>
-            <a:picLocks noChangeAspect="1"/>
-          </p:cNvPicPr>
-          <p:nvPr/>
-        </p:nvPicPr>
-        <p:blipFill>
-          <a:blip r:embed="rId6"/>
-          <a:stretch>
-            <a:fillRect/>
-          </a:stretch>
-        </p:blipFill>
-        <p:spPr>
-          <a:xfrm>
-            <a:off x="8815823" y="1006647"/>
-            <a:ext cx="2327099" cy="2879013"/>
-          </a:xfrm>
-          <a:prstGeom prst="rect">
-            <a:avLst/>
-          </a:prstGeom>
-        </p:spPr>
-      </p:pic>
-    </p:spTree>
-  </p:cSld>
-  <p:clrMapOvr>
-    <a:masterClrMapping/>
-  </p:clrMapOvr>
-  <mc:AlternateContent xmlns:mc="http://schemas.openxmlformats.org/markup-compatibility/2006">
-    <mc:Choice xmlns:p14="http://schemas.microsoft.com/office/powerpoint/2010/main" Requires="p14">
-      <p:transition spd="slow" p14:dur="1500">
-        <p:random/>
-      </p:transition>
-    </mc:Choice>
-    <mc:Fallback>
-      <p:transition spd="slow">
-        <p:random/>
-      </p:transition>
-    </mc:Fallback>
-  </mc:AlternateContent>
-  <p:timing>
-    <p:tnLst>
-      <p:par>
-        <p:cTn id="1" dur="indefinite" restart="never" nodeType="tmRoot">
-          <p:childTnLst>
-            <p:seq concurrent="1" nextAc="seek">
-              <p:cTn id="2" dur="indefinite" nodeType="mainSeq">
-                <p:childTnLst>
-                  <p:par>
-                    <p:cTn id="3" fill="hold">
-                      <p:stCondLst>
-                        <p:cond delay="indefinite"/>
-                        <p:cond evt="onBegin" delay="0">
-                          <p:tn val="2"/>
-                        </p:cond>
-                      </p:stCondLst>
-                      <p:childTnLst>
-                        <p:par>
-                          <p:cTn id="4" fill="hold">
-                            <p:stCondLst>
-                              <p:cond delay="0"/>
-                            </p:stCondLst>
-                            <p:childTnLst>
-                              <p:par>
-                                <p:cTn id="5" presetID="0" presetClass="entr" presetSubtype="0" fill="hold" grpId="0" nodeType="withEffect">
-                                  <p:stCondLst>
-                                    <p:cond delay="0"/>
-                                  </p:stCondLst>
-                                  <p:iterate type="lt">
-                                    <p:tmPct val="10000"/>
-                                  </p:iterate>
-                                  <p:childTnLst>
-                                    <p:set>
-                                      <p:cBhvr>
-                                        <p:cTn id="6" dur="1" fill="hold">
-                                          <p:stCondLst>
-                                            <p:cond delay="0"/>
-                                          </p:stCondLst>
-                                        </p:cTn>
-                                        <p:tgtEl>
-                                          <p:spTgt spid="47"/>
-                                        </p:tgtEl>
-                                        <p:attrNameLst>
-                                          <p:attrName>style.visibility</p:attrName>
-                                        </p:attrNameLst>
-                                      </p:cBhvr>
-                                      <p:to>
-                                        <p:strVal val="visible"/>
-                                      </p:to>
-                                    </p:set>
-                                    <p:anim to="" calcmode="lin" valueType="num">
-                                      <p:cBhvr>
-                                        <p:cTn id="7" dur="700" fill="hold">
-                                          <p:stCondLst>
-                                            <p:cond delay="0"/>
-                                          </p:stCondLst>
-                                        </p:cTn>
-                                        <p:tgtEl>
-                                          <p:spTgt spid="47"/>
-                                        </p:tgtEl>
-                                        <p:attrNameLst>
-                                          <p:attrName>ppt_x</p:attrName>
-                                        </p:attrNameLst>
-                                      </p:cBhvr>
-                                      <p:tavLst>
-                                        <p:tav tm="0" fmla="#ppt_x-(-#ppt_w/2*cos(ppt_r/180*pi))*((1.5-1.5*$)^2-(1.5-1.5*$)^3)">
-                                          <p:val>
-                                            <p:fltVal val="0"/>
-                                          </p:val>
-                                        </p:tav>
-                                        <p:tav tm="100000">
-                                          <p:val>
-                                            <p:fltVal val="1"/>
-                                          </p:val>
-                                        </p:tav>
-                                      </p:tavLst>
-                                    </p:anim>
-                                    <p:anim to="" calcmode="lin" valueType="num">
-                                      <p:cBhvr>
-                                        <p:cTn id="8" dur="700" fill="hold">
-                                          <p:stCondLst>
-                                            <p:cond delay="0"/>
-                                          </p:stCondLst>
-                                        </p:cTn>
-                                        <p:tgtEl>
-                                          <p:spTgt spid="47"/>
-                                        </p:tgtEl>
-                                        <p:attrNameLst>
-                                          <p:attrName>ppt_y</p:attrName>
-                                        </p:attrNameLst>
-                                      </p:cBhvr>
-                                      <p:tavLst>
-                                        <p:tav tm="0" fmla="#ppt_y+(-#ppt_h/2*cos(ppt_r/180*pi))*((1.5-1.5*$)^2-(1.5-1.5*$)^3)">
-                                          <p:val>
-                                            <p:fltVal val="0"/>
-                                          </p:val>
-                                        </p:tav>
-                                        <p:tav tm="100000">
-                                          <p:val>
-                                            <p:fltVal val="1"/>
-                                          </p:val>
-                                        </p:tav>
-                                      </p:tavLst>
-                                    </p:anim>
-                                    <p:anim to="" calcmode="lin" valueType="num">
-                                      <p:cBhvr>
-                                        <p:cTn id="9" dur="700" fill="hold">
-                                          <p:stCondLst>
-                                            <p:cond delay="0"/>
-                                          </p:stCondLst>
-                                        </p:cTn>
-                                        <p:tgtEl>
-                                          <p:spTgt spid="47"/>
-                                        </p:tgtEl>
-                                        <p:attrNameLst>
-                                          <p:attrName>ppt_h</p:attrName>
-                                        </p:attrNameLst>
-                                      </p:cBhvr>
-                                      <p:tavLst>
-                                        <p:tav tm="0" fmla="#ppt_h-(-#ppt_h)*((1.5-1.5*$)^2-(1.5-1.5*$)^3)">
-                                          <p:val>
-                                            <p:fltVal val="0"/>
-                                          </p:val>
-                                        </p:tav>
-                                        <p:tav tm="100000">
-                                          <p:val>
-                                            <p:fltVal val="1"/>
-                                          </p:val>
-                                        </p:tav>
-                                      </p:tavLst>
-                                    </p:anim>
-                                    <p:anim to="" calcmode="lin" valueType="num">
-                                      <p:cBhvr>
-                                        <p:cTn id="10" dur="700" fill="hold">
-                                          <p:stCondLst>
-                                            <p:cond delay="0"/>
-                                          </p:stCondLst>
-                                        </p:cTn>
-                                        <p:tgtEl>
-                                          <p:spTgt spid="47"/>
-                                        </p:tgtEl>
-                                        <p:attrNameLst>
-                                          <p:attrName>ppt_w</p:attrName>
-                                        </p:attrNameLst>
-                                      </p:cBhvr>
-                                      <p:tavLst>
-                                        <p:tav tm="0" fmla="#ppt_w-(-#ppt_w)*((1.5-1.5*$)^2-(1.5-1.5*$)^3)">
-                                          <p:val>
-                                            <p:fltVal val="0"/>
-                                          </p:val>
-                                        </p:tav>
-                                        <p:tav tm="100000">
-                                          <p:val>
-                                            <p:fltVal val="1"/>
-                                          </p:val>
-                                        </p:tav>
-                                      </p:tavLst>
-                                    </p:anim>
-                                  </p:childTnLst>
-                                </p:cTn>
-                              </p:par>
-                              <p:par>
-                                <p:cTn id="11" presetID="0" presetClass="entr" presetSubtype="0" fill="hold" nodeType="withEffect">
-                                  <p:stCondLst>
-                                    <p:cond delay="0"/>
-                                  </p:stCondLst>
-                                  <p:iterate type="lt">
-                                    <p:tmPct val="10000"/>
-                                  </p:iterate>
-                                  <p:childTnLst>
-                                    <p:set>
-                                      <p:cBhvr>
-                                        <p:cTn id="12" dur="1" fill="hold">
-                                          <p:stCondLst>
-                                            <p:cond delay="0"/>
-                                          </p:stCondLst>
-                                        </p:cTn>
-                                        <p:tgtEl>
-                                          <p:spTgt spid="48"/>
-                                        </p:tgtEl>
-                                        <p:attrNameLst>
-                                          <p:attrName>style.visibility</p:attrName>
-                                        </p:attrNameLst>
-                                      </p:cBhvr>
-                                      <p:to>
-                                        <p:strVal val="visible"/>
-                                      </p:to>
-                                    </p:set>
-                                    <p:anim to="" calcmode="lin" valueType="num">
-                                      <p:cBhvr>
-                                        <p:cTn id="13" dur="700" fill="hold">
-                                          <p:stCondLst>
-                                            <p:cond delay="0"/>
-                                          </p:stCondLst>
-                                        </p:cTn>
-                                        <p:tgtEl>
-                                          <p:spTgt spid="48"/>
-                                        </p:tgtEl>
-                                        <p:attrNameLst>
-                                          <p:attrName>ppt_x</p:attrName>
-                                        </p:attrNameLst>
-                                      </p:cBhvr>
-                                      <p:tavLst>
-                                        <p:tav tm="0" fmla="#ppt_x-(-#ppt_w/2*cos(ppt_r/180*pi))*((1.5-1.5*$)^2-(1.5-1.5*$)^3)">
-                                          <p:val>
-                                            <p:fltVal val="0"/>
-                                          </p:val>
-                                        </p:tav>
-                                        <p:tav tm="100000">
-                                          <p:val>
-                                            <p:fltVal val="1"/>
-                                          </p:val>
-                                        </p:tav>
-                                      </p:tavLst>
-                                    </p:anim>
-                                    <p:anim to="" calcmode="lin" valueType="num">
-                                      <p:cBhvr>
-                                        <p:cTn id="14" dur="700" fill="hold">
-                                          <p:stCondLst>
-                                            <p:cond delay="0"/>
-                                          </p:stCondLst>
-                                        </p:cTn>
-                                        <p:tgtEl>
-                                          <p:spTgt spid="48"/>
-                                        </p:tgtEl>
-                                        <p:attrNameLst>
-                                          <p:attrName>ppt_y</p:attrName>
-                                        </p:attrNameLst>
-                                      </p:cBhvr>
-                                      <p:tavLst>
-                                        <p:tav tm="0" fmla="#ppt_y+(-#ppt_h/2*cos(ppt_r/180*pi))*((1.5-1.5*$)^2-(1.5-1.5*$)^3)">
-                                          <p:val>
-                                            <p:fltVal val="0"/>
-                                          </p:val>
-                                        </p:tav>
-                                        <p:tav tm="100000">
-                                          <p:val>
-                                            <p:fltVal val="1"/>
-                                          </p:val>
-                                        </p:tav>
-                                      </p:tavLst>
-                                    </p:anim>
-                                    <p:anim to="" calcmode="lin" valueType="num">
-                                      <p:cBhvr>
-                                        <p:cTn id="15" dur="700" fill="hold">
-                                          <p:stCondLst>
-                                            <p:cond delay="0"/>
-                                          </p:stCondLst>
-                                        </p:cTn>
-                                        <p:tgtEl>
-                                          <p:spTgt spid="48"/>
-                                        </p:tgtEl>
-                                        <p:attrNameLst>
-                                          <p:attrName>ppt_h</p:attrName>
-                                        </p:attrNameLst>
-                                      </p:cBhvr>
-                                      <p:tavLst>
-                                        <p:tav tm="0" fmla="#ppt_h-(-#ppt_h)*((1.5-1.5*$)^2-(1.5-1.5*$)^3)">
-                                          <p:val>
-                                            <p:fltVal val="0"/>
-                                          </p:val>
-                                        </p:tav>
-                                        <p:tav tm="100000">
-                                          <p:val>
-                                            <p:fltVal val="1"/>
-                                          </p:val>
-                                        </p:tav>
-                                      </p:tavLst>
-                                    </p:anim>
-                                    <p:anim to="" calcmode="lin" valueType="num">
-                                      <p:cBhvr>
-                                        <p:cTn id="16" dur="700" fill="hold">
-                                          <p:stCondLst>
-                                            <p:cond delay="0"/>
-                                          </p:stCondLst>
-                                        </p:cTn>
-                                        <p:tgtEl>
-                                          <p:spTgt spid="48"/>
-                                        </p:tgtEl>
-                                        <p:attrNameLst>
-                                          <p:attrName>ppt_w</p:attrName>
-                                        </p:attrNameLst>
-                                      </p:cBhvr>
-                                      <p:tavLst>
-                                        <p:tav tm="0" fmla="#ppt_w-(-#ppt_w)*((1.5-1.5*$)^2-(1.5-1.5*$)^3)">
-                                          <p:val>
-                                            <p:fltVal val="0"/>
-                                          </p:val>
-                                        </p:tav>
-                                        <p:tav tm="100000">
-                                          <p:val>
-                                            <p:fltVal val="1"/>
-                                          </p:val>
-                                        </p:tav>
-                                      </p:tavLst>
-                                    </p:anim>
-                                  </p:childTnLst>
-                                </p:cTn>
-                              </p:par>
-                            </p:childTnLst>
-                          </p:cTn>
-                        </p:par>
-                      </p:childTnLst>
-                    </p:cTn>
-                  </p:par>
-                </p:childTnLst>
-              </p:cTn>
-              <p:prevCondLst>
-                <p:cond evt="onPrev" delay="0">
-                  <p:tgtEl>
-                    <p:sldTgt/>
-                  </p:tgtEl>
-                </p:cond>
-              </p:prevCondLst>
-              <p:nextCondLst>
-                <p:cond evt="onNext" delay="0">
-                  <p:tgtEl>
-                    <p:sldTgt/>
-                  </p:tgtEl>
-                </p:cond>
-              </p:nextCondLst>
-            </p:seq>
-          </p:childTnLst>
-        </p:cTn>
-      </p:par>
-    </p:tnLst>
-    <p:bldLst>
-      <p:bldP spid="47" grpId="0"/>
     </p:bldLst>
   </p:timing>
 </p:sld>
@@ -44222,6 +45088,552 @@
                 <a:latin typeface="微软雅黑" panose="020B0503020204020204" pitchFamily="34" charset="-122"/>
                 <a:ea typeface="微软雅黑" panose="020B0503020204020204" pitchFamily="34" charset="-122"/>
               </a:rPr>
+              <a:t>为什么我们需要缓存？</a:t>
+            </a:r>
+            <a:endParaRPr lang="zh-CN" altLang="en-US" sz="2665" dirty="0" smtClean="0">
+              <a:solidFill>
+                <a:srgbClr val="1D69A3"/>
+              </a:solidFill>
+              <a:latin typeface="微软雅黑" panose="020B0503020204020204" pitchFamily="34" charset="-122"/>
+              <a:ea typeface="微软雅黑" panose="020B0503020204020204" pitchFamily="34" charset="-122"/>
+            </a:endParaRPr>
+          </a:p>
+        </p:txBody>
+      </p:sp>
+      <p:pic>
+        <p:nvPicPr>
+          <p:cNvPr id="6" name="图片 5"/>
+          <p:cNvPicPr>
+            <a:picLocks noChangeAspect="1"/>
+          </p:cNvPicPr>
+          <p:nvPr/>
+        </p:nvPicPr>
+        <p:blipFill>
+          <a:blip r:embed="rId2"/>
+          <a:stretch>
+            <a:fillRect/>
+          </a:stretch>
+        </p:blipFill>
+        <p:spPr>
+          <a:xfrm>
+            <a:off x="3442335" y="1111250"/>
+            <a:ext cx="2486025" cy="4371340"/>
+          </a:xfrm>
+          <a:prstGeom prst="rect">
+            <a:avLst/>
+          </a:prstGeom>
+        </p:spPr>
+      </p:pic>
+    </p:spTree>
+  </p:cSld>
+  <p:clrMapOvr>
+    <a:masterClrMapping/>
+  </p:clrMapOvr>
+  <mc:AlternateContent xmlns:mc="http://schemas.openxmlformats.org/markup-compatibility/2006">
+    <mc:Choice xmlns:p14="http://schemas.microsoft.com/office/powerpoint/2010/main" Requires="p14">
+      <p:transition spd="slow" p14:dur="1500">
+        <p:random/>
+      </p:transition>
+    </mc:Choice>
+    <mc:Fallback>
+      <p:transition spd="slow">
+        <p:random/>
+      </p:transition>
+    </mc:Fallback>
+  </mc:AlternateContent>
+  <p:timing>
+    <p:tnLst>
+      <p:par>
+        <p:cTn id="1" dur="indefinite" restart="never" nodeType="tmRoot">
+          <p:childTnLst>
+            <p:seq concurrent="1" nextAc="seek">
+              <p:cTn id="2" dur="indefinite" nodeType="mainSeq">
+                <p:childTnLst>
+                  <p:par>
+                    <p:cTn id="3" fill="hold">
+                      <p:stCondLst>
+                        <p:cond delay="indefinite"/>
+                        <p:cond evt="onBegin" delay="0">
+                          <p:tn val="2"/>
+                        </p:cond>
+                      </p:stCondLst>
+                      <p:childTnLst>
+                        <p:par>
+                          <p:cTn id="4" fill="hold">
+                            <p:stCondLst>
+                              <p:cond delay="0"/>
+                            </p:stCondLst>
+                            <p:childTnLst>
+                              <p:par>
+                                <p:cTn id="5" presetID="0" presetClass="entr" presetSubtype="0" fill="hold" nodeType="withEffect">
+                                  <p:stCondLst>
+                                    <p:cond delay="0"/>
+                                  </p:stCondLst>
+                                  <p:iterate type="lt">
+                                    <p:tmPct val="10000"/>
+                                  </p:iterate>
+                                  <p:childTnLst>
+                                    <p:set>
+                                      <p:cBhvr>
+                                        <p:cTn id="6" dur="1" fill="hold">
+                                          <p:stCondLst>
+                                            <p:cond delay="0"/>
+                                          </p:stCondLst>
+                                        </p:cTn>
+                                        <p:tgtEl>
+                                          <p:spTgt spid="2"/>
+                                        </p:tgtEl>
+                                        <p:attrNameLst>
+                                          <p:attrName>style.visibility</p:attrName>
+                                        </p:attrNameLst>
+                                      </p:cBhvr>
+                                      <p:to>
+                                        <p:strVal val="visible"/>
+                                      </p:to>
+                                    </p:set>
+                                    <p:anim to="" calcmode="lin" valueType="num">
+                                      <p:cBhvr>
+                                        <p:cTn id="7" dur="700" fill="hold">
+                                          <p:stCondLst>
+                                            <p:cond delay="0"/>
+                                          </p:stCondLst>
+                                        </p:cTn>
+                                        <p:tgtEl>
+                                          <p:spTgt spid="2"/>
+                                        </p:tgtEl>
+                                        <p:attrNameLst>
+                                          <p:attrName>ppt_x</p:attrName>
+                                        </p:attrNameLst>
+                                      </p:cBhvr>
+                                      <p:tavLst>
+                                        <p:tav tm="0" fmla="#ppt_x-(-#ppt_w/2*cos(ppt_r/180*pi))*((1.5-1.5*$)^2-(1.5-1.5*$)^3)">
+                                          <p:val>
+                                            <p:fltVal val="0"/>
+                                          </p:val>
+                                        </p:tav>
+                                        <p:tav tm="100000">
+                                          <p:val>
+                                            <p:fltVal val="1"/>
+                                          </p:val>
+                                        </p:tav>
+                                      </p:tavLst>
+                                    </p:anim>
+                                    <p:anim to="" calcmode="lin" valueType="num">
+                                      <p:cBhvr>
+                                        <p:cTn id="8" dur="700" fill="hold">
+                                          <p:stCondLst>
+                                            <p:cond delay="0"/>
+                                          </p:stCondLst>
+                                        </p:cTn>
+                                        <p:tgtEl>
+                                          <p:spTgt spid="2"/>
+                                        </p:tgtEl>
+                                        <p:attrNameLst>
+                                          <p:attrName>ppt_y</p:attrName>
+                                        </p:attrNameLst>
+                                      </p:cBhvr>
+                                      <p:tavLst>
+                                        <p:tav tm="0" fmla="#ppt_y+(-#ppt_h/2*cos(ppt_r/180*pi))*((1.5-1.5*$)^2-(1.5-1.5*$)^3)">
+                                          <p:val>
+                                            <p:fltVal val="0"/>
+                                          </p:val>
+                                        </p:tav>
+                                        <p:tav tm="100000">
+                                          <p:val>
+                                            <p:fltVal val="1"/>
+                                          </p:val>
+                                        </p:tav>
+                                      </p:tavLst>
+                                    </p:anim>
+                                    <p:anim to="" calcmode="lin" valueType="num">
+                                      <p:cBhvr>
+                                        <p:cTn id="9" dur="700" fill="hold">
+                                          <p:stCondLst>
+                                            <p:cond delay="0"/>
+                                          </p:stCondLst>
+                                        </p:cTn>
+                                        <p:tgtEl>
+                                          <p:spTgt spid="2"/>
+                                        </p:tgtEl>
+                                        <p:attrNameLst>
+                                          <p:attrName>ppt_h</p:attrName>
+                                        </p:attrNameLst>
+                                      </p:cBhvr>
+                                      <p:tavLst>
+                                        <p:tav tm="0" fmla="#ppt_h-(-#ppt_h)*((1.5-1.5*$)^2-(1.5-1.5*$)^3)">
+                                          <p:val>
+                                            <p:fltVal val="0"/>
+                                          </p:val>
+                                        </p:tav>
+                                        <p:tav tm="100000">
+                                          <p:val>
+                                            <p:fltVal val="1"/>
+                                          </p:val>
+                                        </p:tav>
+                                      </p:tavLst>
+                                    </p:anim>
+                                    <p:anim to="" calcmode="lin" valueType="num">
+                                      <p:cBhvr>
+                                        <p:cTn id="10" dur="700" fill="hold">
+                                          <p:stCondLst>
+                                            <p:cond delay="0"/>
+                                          </p:stCondLst>
+                                        </p:cTn>
+                                        <p:tgtEl>
+                                          <p:spTgt spid="2"/>
+                                        </p:tgtEl>
+                                        <p:attrNameLst>
+                                          <p:attrName>ppt_w</p:attrName>
+                                        </p:attrNameLst>
+                                      </p:cBhvr>
+                                      <p:tavLst>
+                                        <p:tav tm="0" fmla="#ppt_w-(-#ppt_w)*((1.5-1.5*$)^2-(1.5-1.5*$)^3)">
+                                          <p:val>
+                                            <p:fltVal val="0"/>
+                                          </p:val>
+                                        </p:tav>
+                                        <p:tav tm="100000">
+                                          <p:val>
+                                            <p:fltVal val="1"/>
+                                          </p:val>
+                                        </p:tav>
+                                      </p:tavLst>
+                                    </p:anim>
+                                  </p:childTnLst>
+                                </p:cTn>
+                              </p:par>
+                            </p:childTnLst>
+                          </p:cTn>
+                        </p:par>
+                      </p:childTnLst>
+                    </p:cTn>
+                  </p:par>
+                </p:childTnLst>
+              </p:cTn>
+              <p:prevCondLst>
+                <p:cond evt="onPrev" delay="0">
+                  <p:tgtEl>
+                    <p:sldTgt/>
+                  </p:tgtEl>
+                </p:cond>
+              </p:prevCondLst>
+              <p:nextCondLst>
+                <p:cond evt="onNext" delay="0">
+                  <p:tgtEl>
+                    <p:sldTgt/>
+                  </p:tgtEl>
+                </p:cond>
+              </p:nextCondLst>
+            </p:seq>
+          </p:childTnLst>
+        </p:cTn>
+      </p:par>
+    </p:tnLst>
+  </p:timing>
+</p:sld>
+</file>
+
+<file path=ppt/slides/slide7.xml><?xml version="1.0" encoding="utf-8"?>
+<p:sld xmlns:a="http://schemas.openxmlformats.org/drawingml/2006/main" xmlns:r="http://schemas.openxmlformats.org/officeDocument/2006/relationships" xmlns:p="http://schemas.openxmlformats.org/presentationml/2006/main">
+  <p:cSld>
+    <p:spTree>
+      <p:nvGrpSpPr>
+        <p:cNvPr id="1" name=""/>
+        <p:cNvGrpSpPr/>
+        <p:nvPr/>
+      </p:nvGrpSpPr>
+      <p:grpSpPr>
+        <a:xfrm>
+          <a:off x="0" y="0"/>
+          <a:ext cx="0" cy="0"/>
+          <a:chOff x="0" y="0"/>
+          <a:chExt cx="0" cy="0"/>
+        </a:xfrm>
+      </p:grpSpPr>
+      <p:grpSp>
+        <p:nvGrpSpPr>
+          <p:cNvPr id="2" name="PA_组合 47"/>
+          <p:cNvGrpSpPr/>
+          <p:nvPr>
+            <p:custDataLst>
+              <p:tags r:id="rId1"/>
+            </p:custDataLst>
+          </p:nvPr>
+        </p:nvGrpSpPr>
+        <p:grpSpPr>
+          <a:xfrm>
+            <a:off x="554877" y="932724"/>
+            <a:ext cx="1199456" cy="74689"/>
+            <a:chOff x="0" y="2842590"/>
+            <a:chExt cx="7054752" cy="89199"/>
+          </a:xfrm>
+        </p:grpSpPr>
+        <p:sp>
+          <p:nvSpPr>
+            <p:cNvPr id="49" name="矩形 48"/>
+            <p:cNvSpPr/>
+            <p:nvPr/>
+          </p:nvSpPr>
+          <p:spPr>
+            <a:xfrm>
+              <a:off x="0" y="2842590"/>
+              <a:ext cx="1763688" cy="89199"/>
+            </a:xfrm>
+            <a:prstGeom prst="rect">
+              <a:avLst/>
+            </a:prstGeom>
+            <a:solidFill>
+              <a:schemeClr val="accent1"/>
+            </a:solidFill>
+            <a:ln>
+              <a:noFill/>
+            </a:ln>
+          </p:spPr>
+          <p:style>
+            <a:lnRef idx="2">
+              <a:schemeClr val="accent1">
+                <a:shade val="50000"/>
+              </a:schemeClr>
+            </a:lnRef>
+            <a:fillRef idx="1">
+              <a:schemeClr val="accent1"/>
+            </a:fillRef>
+            <a:effectRef idx="0">
+              <a:schemeClr val="accent1"/>
+            </a:effectRef>
+            <a:fontRef idx="minor">
+              <a:schemeClr val="lt1"/>
+            </a:fontRef>
+          </p:style>
+          <p:txBody>
+            <a:bodyPr rtlCol="0" anchor="ctr"/>
+            <a:lstStyle/>
+            <a:p>
+              <a:pPr algn="ctr" defTabSz="1218565"/>
+              <a:endParaRPr lang="zh-CN" altLang="en-US" sz="2400">
+                <a:solidFill>
+                  <a:srgbClr val="FFFFFF"/>
+                </a:solidFill>
+                <a:latin typeface="Calibri" panose="020F0502020204030204"/>
+                <a:ea typeface="宋体" panose="02010600030101010101" pitchFamily="2" charset="-122"/>
+              </a:endParaRPr>
+            </a:p>
+          </p:txBody>
+        </p:sp>
+        <p:sp>
+          <p:nvSpPr>
+            <p:cNvPr id="50" name="矩形 49"/>
+            <p:cNvSpPr/>
+            <p:nvPr/>
+          </p:nvSpPr>
+          <p:spPr>
+            <a:xfrm>
+              <a:off x="1763688" y="2842590"/>
+              <a:ext cx="1763688" cy="89199"/>
+            </a:xfrm>
+            <a:prstGeom prst="rect">
+              <a:avLst/>
+            </a:prstGeom>
+            <a:solidFill>
+              <a:schemeClr val="accent2"/>
+            </a:solidFill>
+            <a:ln>
+              <a:noFill/>
+            </a:ln>
+          </p:spPr>
+          <p:style>
+            <a:lnRef idx="2">
+              <a:schemeClr val="accent1">
+                <a:shade val="50000"/>
+              </a:schemeClr>
+            </a:lnRef>
+            <a:fillRef idx="1">
+              <a:schemeClr val="accent1"/>
+            </a:fillRef>
+            <a:effectRef idx="0">
+              <a:schemeClr val="accent1"/>
+            </a:effectRef>
+            <a:fontRef idx="minor">
+              <a:schemeClr val="lt1"/>
+            </a:fontRef>
+          </p:style>
+          <p:txBody>
+            <a:bodyPr rtlCol="0" anchor="ctr"/>
+            <a:lstStyle/>
+            <a:p>
+              <a:pPr algn="ctr" defTabSz="1218565"/>
+              <a:endParaRPr lang="zh-CN" altLang="en-US" sz="2400">
+                <a:solidFill>
+                  <a:srgbClr val="FFFFFF"/>
+                </a:solidFill>
+                <a:latin typeface="Calibri" panose="020F0502020204030204"/>
+                <a:ea typeface="宋体" panose="02010600030101010101" pitchFamily="2" charset="-122"/>
+              </a:endParaRPr>
+            </a:p>
+          </p:txBody>
+        </p:sp>
+        <p:sp>
+          <p:nvSpPr>
+            <p:cNvPr id="51" name="矩形 50"/>
+            <p:cNvSpPr/>
+            <p:nvPr/>
+          </p:nvSpPr>
+          <p:spPr>
+            <a:xfrm>
+              <a:off x="3527376" y="2842590"/>
+              <a:ext cx="1763688" cy="89199"/>
+            </a:xfrm>
+            <a:prstGeom prst="rect">
+              <a:avLst/>
+            </a:prstGeom>
+            <a:solidFill>
+              <a:schemeClr val="accent3"/>
+            </a:solidFill>
+            <a:ln>
+              <a:noFill/>
+            </a:ln>
+          </p:spPr>
+          <p:style>
+            <a:lnRef idx="2">
+              <a:schemeClr val="accent1">
+                <a:shade val="50000"/>
+              </a:schemeClr>
+            </a:lnRef>
+            <a:fillRef idx="1">
+              <a:schemeClr val="accent1"/>
+            </a:fillRef>
+            <a:effectRef idx="0">
+              <a:schemeClr val="accent1"/>
+            </a:effectRef>
+            <a:fontRef idx="minor">
+              <a:schemeClr val="lt1"/>
+            </a:fontRef>
+          </p:style>
+          <p:txBody>
+            <a:bodyPr rtlCol="0" anchor="ctr"/>
+            <a:lstStyle/>
+            <a:p>
+              <a:pPr algn="ctr" defTabSz="1218565"/>
+              <a:endParaRPr lang="zh-CN" altLang="en-US" sz="2400">
+                <a:solidFill>
+                  <a:srgbClr val="FFFFFF"/>
+                </a:solidFill>
+                <a:latin typeface="Calibri" panose="020F0502020204030204"/>
+                <a:ea typeface="宋体" panose="02010600030101010101" pitchFamily="2" charset="-122"/>
+              </a:endParaRPr>
+            </a:p>
+          </p:txBody>
+        </p:sp>
+        <p:sp>
+          <p:nvSpPr>
+            <p:cNvPr id="52" name="矩形 51"/>
+            <p:cNvSpPr/>
+            <p:nvPr/>
+          </p:nvSpPr>
+          <p:spPr>
+            <a:xfrm>
+              <a:off x="5291064" y="2842590"/>
+              <a:ext cx="1763688" cy="89199"/>
+            </a:xfrm>
+            <a:prstGeom prst="rect">
+              <a:avLst/>
+            </a:prstGeom>
+            <a:solidFill>
+              <a:schemeClr val="accent4"/>
+            </a:solidFill>
+            <a:ln>
+              <a:noFill/>
+            </a:ln>
+          </p:spPr>
+          <p:style>
+            <a:lnRef idx="2">
+              <a:schemeClr val="accent1">
+                <a:shade val="50000"/>
+              </a:schemeClr>
+            </a:lnRef>
+            <a:fillRef idx="1">
+              <a:schemeClr val="accent1"/>
+            </a:fillRef>
+            <a:effectRef idx="0">
+              <a:schemeClr val="accent1"/>
+            </a:effectRef>
+            <a:fontRef idx="minor">
+              <a:schemeClr val="lt1"/>
+            </a:fontRef>
+          </p:style>
+          <p:txBody>
+            <a:bodyPr rtlCol="0" anchor="ctr"/>
+            <a:lstStyle/>
+            <a:p>
+              <a:pPr algn="ctr" defTabSz="1218565"/>
+              <a:endParaRPr lang="zh-CN" altLang="en-US" sz="2400">
+                <a:solidFill>
+                  <a:srgbClr val="FFFFFF"/>
+                </a:solidFill>
+                <a:latin typeface="Calibri" panose="020F0502020204030204"/>
+                <a:ea typeface="宋体" panose="02010600030101010101" pitchFamily="2" charset="-122"/>
+              </a:endParaRPr>
+            </a:p>
+          </p:txBody>
+        </p:sp>
+      </p:grpSp>
+      <p:cxnSp>
+        <p:nvCxnSpPr>
+          <p:cNvPr id="17" name="直接连接符 2"/>
+          <p:cNvCxnSpPr>
+            <a:cxnSpLocks noChangeShapeType="1"/>
+          </p:cNvCxnSpPr>
+          <p:nvPr/>
+        </p:nvCxnSpPr>
+        <p:spPr bwMode="auto">
+          <a:xfrm flipV="1">
+            <a:off x="-44609" y="1060219"/>
+            <a:ext cx="12188825" cy="50801"/>
+          </a:xfrm>
+          <a:prstGeom prst="line">
+            <a:avLst/>
+          </a:prstGeom>
+          <a:noFill/>
+          <a:ln w="9525" algn="ctr">
+            <a:solidFill>
+              <a:srgbClr val="00B0F0">
+                <a:alpha val="34117"/>
+              </a:srgbClr>
+            </a:solidFill>
+            <a:prstDash val="dash"/>
+            <a:round/>
+          </a:ln>
+        </p:spPr>
+      </p:cxnSp>
+      <p:sp>
+        <p:nvSpPr>
+          <p:cNvPr id="4" name="文本框 3"/>
+          <p:cNvSpPr txBox="1"/>
+          <p:nvPr/>
+        </p:nvSpPr>
+        <p:spPr>
+          <a:xfrm>
+            <a:off x="554990" y="377190"/>
+            <a:ext cx="4499610" cy="501650"/>
+          </a:xfrm>
+          <a:prstGeom prst="rect">
+            <a:avLst/>
+          </a:prstGeom>
+          <a:noFill/>
+        </p:spPr>
+        <p:txBody>
+          <a:bodyPr wrap="square" rtlCol="0" anchor="t">
+            <a:spAutoFit/>
+          </a:bodyPr>
+          <a:p>
+            <a:r>
+              <a:rPr lang="zh-CN" altLang="en-US" sz="2665" dirty="0" smtClean="0">
+                <a:solidFill>
+                  <a:srgbClr val="1D69A3"/>
+                </a:solidFill>
+                <a:latin typeface="微软雅黑" panose="020B0503020204020204" pitchFamily="34" charset="-122"/>
+                <a:ea typeface="微软雅黑" panose="020B0503020204020204" pitchFamily="34" charset="-122"/>
+              </a:rPr>
               <a:t>什么是缓存？</a:t>
             </a:r>
             <a:endParaRPr lang="zh-CN" altLang="en-US" sz="2665" dirty="0" smtClean="0">
@@ -44544,7 +45956,7 @@
 </p:sld>
 </file>
 
-<file path=ppt/slides/slide7.xml><?xml version="1.0" encoding="utf-8"?>
+<file path=ppt/slides/slide8.xml><?xml version="1.0" encoding="utf-8"?>
 <p:sld xmlns:a="http://schemas.openxmlformats.org/drawingml/2006/main" xmlns:r="http://schemas.openxmlformats.org/officeDocument/2006/relationships" xmlns:p="http://schemas.openxmlformats.org/presentationml/2006/main">
   <p:cSld>
     <p:spTree>
@@ -45230,7 +46642,7 @@
 </p:sld>
 </file>
 
-<file path=ppt/slides/slide8.xml><?xml version="1.0" encoding="utf-8"?>
+<file path=ppt/slides/slide9.xml><?xml version="1.0" encoding="utf-8"?>
 <p:sld xmlns:a="http://schemas.openxmlformats.org/drawingml/2006/main" xmlns:r="http://schemas.openxmlformats.org/officeDocument/2006/relationships" xmlns:p="http://schemas.openxmlformats.org/presentationml/2006/main">
   <p:cSld>
     <p:spTree>
@@ -45910,720 +47322,6 @@
 </p:sld>
 </file>
 
-<file path=ppt/slides/slide9.xml><?xml version="1.0" encoding="utf-8"?>
-<p:sld xmlns:a="http://schemas.openxmlformats.org/drawingml/2006/main" xmlns:r="http://schemas.openxmlformats.org/officeDocument/2006/relationships" xmlns:p="http://schemas.openxmlformats.org/presentationml/2006/main">
-  <p:cSld>
-    <p:spTree>
-      <p:nvGrpSpPr>
-        <p:cNvPr id="1" name=""/>
-        <p:cNvGrpSpPr/>
-        <p:nvPr/>
-      </p:nvGrpSpPr>
-      <p:grpSpPr>
-        <a:xfrm>
-          <a:off x="0" y="0"/>
-          <a:ext cx="0" cy="0"/>
-          <a:chOff x="0" y="0"/>
-          <a:chExt cx="0" cy="0"/>
-        </a:xfrm>
-      </p:grpSpPr>
-      <p:grpSp>
-        <p:nvGrpSpPr>
-          <p:cNvPr id="2" name="PA_组合 47"/>
-          <p:cNvGrpSpPr/>
-          <p:nvPr>
-            <p:custDataLst>
-              <p:tags r:id="rId1"/>
-            </p:custDataLst>
-          </p:nvPr>
-        </p:nvGrpSpPr>
-        <p:grpSpPr>
-          <a:xfrm>
-            <a:off x="554877" y="932724"/>
-            <a:ext cx="1199456" cy="74689"/>
-            <a:chOff x="0" y="2842590"/>
-            <a:chExt cx="7054752" cy="89199"/>
-          </a:xfrm>
-        </p:grpSpPr>
-        <p:sp>
-          <p:nvSpPr>
-            <p:cNvPr id="49" name="矩形 48"/>
-            <p:cNvSpPr/>
-            <p:nvPr/>
-          </p:nvSpPr>
-          <p:spPr>
-            <a:xfrm>
-              <a:off x="0" y="2842590"/>
-              <a:ext cx="1763688" cy="89199"/>
-            </a:xfrm>
-            <a:prstGeom prst="rect">
-              <a:avLst/>
-            </a:prstGeom>
-            <a:solidFill>
-              <a:schemeClr val="accent1"/>
-            </a:solidFill>
-            <a:ln>
-              <a:noFill/>
-            </a:ln>
-          </p:spPr>
-          <p:style>
-            <a:lnRef idx="2">
-              <a:schemeClr val="accent1">
-                <a:shade val="50000"/>
-              </a:schemeClr>
-            </a:lnRef>
-            <a:fillRef idx="1">
-              <a:schemeClr val="accent1"/>
-            </a:fillRef>
-            <a:effectRef idx="0">
-              <a:schemeClr val="accent1"/>
-            </a:effectRef>
-            <a:fontRef idx="minor">
-              <a:schemeClr val="lt1"/>
-            </a:fontRef>
-          </p:style>
-          <p:txBody>
-            <a:bodyPr rtlCol="0" anchor="ctr"/>
-            <a:lstStyle/>
-            <a:p>
-              <a:pPr algn="ctr" defTabSz="1218565"/>
-              <a:endParaRPr lang="zh-CN" altLang="en-US" sz="2400">
-                <a:solidFill>
-                  <a:srgbClr val="FFFFFF"/>
-                </a:solidFill>
-                <a:latin typeface="Calibri" panose="020F0502020204030204"/>
-                <a:ea typeface="宋体" panose="02010600030101010101" pitchFamily="2" charset="-122"/>
-              </a:endParaRPr>
-            </a:p>
-          </p:txBody>
-        </p:sp>
-        <p:sp>
-          <p:nvSpPr>
-            <p:cNvPr id="50" name="矩形 49"/>
-            <p:cNvSpPr/>
-            <p:nvPr/>
-          </p:nvSpPr>
-          <p:spPr>
-            <a:xfrm>
-              <a:off x="1763688" y="2842590"/>
-              <a:ext cx="1763688" cy="89199"/>
-            </a:xfrm>
-            <a:prstGeom prst="rect">
-              <a:avLst/>
-            </a:prstGeom>
-            <a:solidFill>
-              <a:schemeClr val="accent2"/>
-            </a:solidFill>
-            <a:ln>
-              <a:noFill/>
-            </a:ln>
-          </p:spPr>
-          <p:style>
-            <a:lnRef idx="2">
-              <a:schemeClr val="accent1">
-                <a:shade val="50000"/>
-              </a:schemeClr>
-            </a:lnRef>
-            <a:fillRef idx="1">
-              <a:schemeClr val="accent1"/>
-            </a:fillRef>
-            <a:effectRef idx="0">
-              <a:schemeClr val="accent1"/>
-            </a:effectRef>
-            <a:fontRef idx="minor">
-              <a:schemeClr val="lt1"/>
-            </a:fontRef>
-          </p:style>
-          <p:txBody>
-            <a:bodyPr rtlCol="0" anchor="ctr"/>
-            <a:lstStyle/>
-            <a:p>
-              <a:pPr algn="ctr" defTabSz="1218565"/>
-              <a:endParaRPr lang="zh-CN" altLang="en-US" sz="2400">
-                <a:solidFill>
-                  <a:srgbClr val="FFFFFF"/>
-                </a:solidFill>
-                <a:latin typeface="Calibri" panose="020F0502020204030204"/>
-                <a:ea typeface="宋体" panose="02010600030101010101" pitchFamily="2" charset="-122"/>
-              </a:endParaRPr>
-            </a:p>
-          </p:txBody>
-        </p:sp>
-        <p:sp>
-          <p:nvSpPr>
-            <p:cNvPr id="51" name="矩形 50"/>
-            <p:cNvSpPr/>
-            <p:nvPr/>
-          </p:nvSpPr>
-          <p:spPr>
-            <a:xfrm>
-              <a:off x="3527376" y="2842590"/>
-              <a:ext cx="1763688" cy="89199"/>
-            </a:xfrm>
-            <a:prstGeom prst="rect">
-              <a:avLst/>
-            </a:prstGeom>
-            <a:solidFill>
-              <a:schemeClr val="accent3"/>
-            </a:solidFill>
-            <a:ln>
-              <a:noFill/>
-            </a:ln>
-          </p:spPr>
-          <p:style>
-            <a:lnRef idx="2">
-              <a:schemeClr val="accent1">
-                <a:shade val="50000"/>
-              </a:schemeClr>
-            </a:lnRef>
-            <a:fillRef idx="1">
-              <a:schemeClr val="accent1"/>
-            </a:fillRef>
-            <a:effectRef idx="0">
-              <a:schemeClr val="accent1"/>
-            </a:effectRef>
-            <a:fontRef idx="minor">
-              <a:schemeClr val="lt1"/>
-            </a:fontRef>
-          </p:style>
-          <p:txBody>
-            <a:bodyPr rtlCol="0" anchor="ctr"/>
-            <a:lstStyle/>
-            <a:p>
-              <a:pPr algn="ctr" defTabSz="1218565"/>
-              <a:endParaRPr lang="zh-CN" altLang="en-US" sz="2400">
-                <a:solidFill>
-                  <a:srgbClr val="FFFFFF"/>
-                </a:solidFill>
-                <a:latin typeface="Calibri" panose="020F0502020204030204"/>
-                <a:ea typeface="宋体" panose="02010600030101010101" pitchFamily="2" charset="-122"/>
-              </a:endParaRPr>
-            </a:p>
-          </p:txBody>
-        </p:sp>
-        <p:sp>
-          <p:nvSpPr>
-            <p:cNvPr id="52" name="矩形 51"/>
-            <p:cNvSpPr/>
-            <p:nvPr/>
-          </p:nvSpPr>
-          <p:spPr>
-            <a:xfrm>
-              <a:off x="5291064" y="2842590"/>
-              <a:ext cx="1763688" cy="89199"/>
-            </a:xfrm>
-            <a:prstGeom prst="rect">
-              <a:avLst/>
-            </a:prstGeom>
-            <a:solidFill>
-              <a:schemeClr val="accent4"/>
-            </a:solidFill>
-            <a:ln>
-              <a:noFill/>
-            </a:ln>
-          </p:spPr>
-          <p:style>
-            <a:lnRef idx="2">
-              <a:schemeClr val="accent1">
-                <a:shade val="50000"/>
-              </a:schemeClr>
-            </a:lnRef>
-            <a:fillRef idx="1">
-              <a:schemeClr val="accent1"/>
-            </a:fillRef>
-            <a:effectRef idx="0">
-              <a:schemeClr val="accent1"/>
-            </a:effectRef>
-            <a:fontRef idx="minor">
-              <a:schemeClr val="lt1"/>
-            </a:fontRef>
-          </p:style>
-          <p:txBody>
-            <a:bodyPr rtlCol="0" anchor="ctr"/>
-            <a:lstStyle/>
-            <a:p>
-              <a:pPr algn="ctr" defTabSz="1218565"/>
-              <a:endParaRPr lang="zh-CN" altLang="en-US" sz="2400">
-                <a:solidFill>
-                  <a:srgbClr val="FFFFFF"/>
-                </a:solidFill>
-                <a:latin typeface="Calibri" panose="020F0502020204030204"/>
-                <a:ea typeface="宋体" panose="02010600030101010101" pitchFamily="2" charset="-122"/>
-              </a:endParaRPr>
-            </a:p>
-          </p:txBody>
-        </p:sp>
-      </p:grpSp>
-      <p:cxnSp>
-        <p:nvCxnSpPr>
-          <p:cNvPr id="17" name="直接连接符 2"/>
-          <p:cNvCxnSpPr>
-            <a:cxnSpLocks noChangeShapeType="1"/>
-          </p:cNvCxnSpPr>
-          <p:nvPr/>
-        </p:nvCxnSpPr>
-        <p:spPr bwMode="auto">
-          <a:xfrm flipV="1">
-            <a:off x="-44609" y="1060219"/>
-            <a:ext cx="12188825" cy="50801"/>
-          </a:xfrm>
-          <a:prstGeom prst="line">
-            <a:avLst/>
-          </a:prstGeom>
-          <a:noFill/>
-          <a:ln w="9525" algn="ctr">
-            <a:solidFill>
-              <a:srgbClr val="00B0F0">
-                <a:alpha val="34117"/>
-              </a:srgbClr>
-            </a:solidFill>
-            <a:prstDash val="dash"/>
-            <a:round/>
-          </a:ln>
-        </p:spPr>
-      </p:cxnSp>
-      <p:sp>
-        <p:nvSpPr>
-          <p:cNvPr id="4" name="文本框 3"/>
-          <p:cNvSpPr txBox="1"/>
-          <p:nvPr/>
-        </p:nvSpPr>
-        <p:spPr>
-          <a:xfrm>
-            <a:off x="554990" y="377190"/>
-            <a:ext cx="4499610" cy="501650"/>
-          </a:xfrm>
-          <a:prstGeom prst="rect">
-            <a:avLst/>
-          </a:prstGeom>
-          <a:noFill/>
-        </p:spPr>
-        <p:txBody>
-          <a:bodyPr wrap="square" rtlCol="0" anchor="t">
-            <a:spAutoFit/>
-          </a:bodyPr>
-          <a:p>
-            <a:r>
-              <a:rPr lang="zh-CN" altLang="en-US" sz="2665" dirty="0" smtClean="0">
-                <a:solidFill>
-                  <a:srgbClr val="1D69A3"/>
-                </a:solidFill>
-                <a:latin typeface="微软雅黑" panose="020B0503020204020204" pitchFamily="34" charset="-122"/>
-                <a:ea typeface="微软雅黑" panose="020B0503020204020204" pitchFamily="34" charset="-122"/>
-              </a:rPr>
-              <a:t>缓存算法？</a:t>
-            </a:r>
-            <a:endParaRPr lang="zh-CN" altLang="en-US" sz="2665" dirty="0" smtClean="0">
-              <a:solidFill>
-                <a:srgbClr val="1D69A3"/>
-              </a:solidFill>
-              <a:latin typeface="微软雅黑" panose="020B0503020204020204" pitchFamily="34" charset="-122"/>
-              <a:ea typeface="微软雅黑" panose="020B0503020204020204" pitchFamily="34" charset="-122"/>
-            </a:endParaRPr>
-          </a:p>
-        </p:txBody>
-      </p:sp>
-      <p:sp>
-        <p:nvSpPr>
-          <p:cNvPr id="7" name="文本框 6"/>
-          <p:cNvSpPr txBox="1"/>
-          <p:nvPr/>
-        </p:nvSpPr>
-        <p:spPr>
-          <a:xfrm>
-            <a:off x="593090" y="1758950"/>
-            <a:ext cx="9046845" cy="2584450"/>
-          </a:xfrm>
-          <a:prstGeom prst="rect">
-            <a:avLst/>
-          </a:prstGeom>
-          <a:noFill/>
-        </p:spPr>
-        <p:txBody>
-          <a:bodyPr wrap="square" rtlCol="0" anchor="t">
-            <a:spAutoFit/>
-          </a:bodyPr>
-          <a:p>
-            <a:r>
-              <a:rPr lang="zh-CN" altLang="en-US">
-                <a:solidFill>
-                  <a:schemeClr val="accent1"/>
-                </a:solidFill>
-                <a:effectLst>
-                  <a:outerShdw blurRad="38100" dist="25400" dir="5400000" algn="ctr" rotWithShape="0">
-                    <a:srgbClr val="6E747A">
-                      <a:alpha val="43000"/>
-                    </a:srgbClr>
-                  </a:outerShdw>
-                </a:effectLst>
-              </a:rPr>
-              <a:t>概论</a:t>
-            </a:r>
-            <a:r>
-              <a:rPr lang="zh-CN" altLang="en-US"/>
-              <a:t> </a:t>
-            </a:r>
-            <a:endParaRPr lang="zh-CN" altLang="en-US"/>
-          </a:p>
-          <a:p>
-            <a:r>
-              <a:rPr lang="zh-CN" altLang="en-US">
-                <a:ln w="6600">
-                  <a:solidFill>
-                    <a:schemeClr val="accent2"/>
-                  </a:solidFill>
-                  <a:prstDash val="solid"/>
-                </a:ln>
-                <a:solidFill>
-                  <a:srgbClr val="FFFFFF"/>
-                </a:solidFill>
-                <a:effectLst>
-                  <a:outerShdw dist="38100" dir="2700000" algn="tl" rotWithShape="0">
-                    <a:schemeClr val="accent2"/>
-                  </a:outerShdw>
-                </a:effectLst>
-              </a:rPr>
-              <a:t>缓存算法应该考虑哪些点？</a:t>
-            </a:r>
-            <a:endParaRPr lang="zh-CN" altLang="en-US">
-              <a:ln w="6600">
-                <a:solidFill>
-                  <a:schemeClr val="accent2"/>
-                </a:solidFill>
-                <a:prstDash val="solid"/>
-              </a:ln>
-              <a:solidFill>
-                <a:srgbClr val="FFFFFF"/>
-              </a:solidFill>
-              <a:effectLst>
-                <a:outerShdw dist="38100" dir="2700000" algn="tl" rotWithShape="0">
-                  <a:schemeClr val="accent2"/>
-                </a:outerShdw>
-              </a:effectLst>
-            </a:endParaRPr>
-          </a:p>
-          <a:p>
-            <a:endParaRPr lang="zh-CN" altLang="en-US"/>
-          </a:p>
-          <a:p>
-            <a:r>
-              <a:rPr lang="zh-CN" altLang="en-US">
-                <a:ln w="12700">
-                  <a:solidFill>
-                    <a:schemeClr val="accent1"/>
-                  </a:solidFill>
-                  <a:prstDash val="solid"/>
-                </a:ln>
-                <a:pattFill prst="pct50">
-                  <a:fgClr>
-                    <a:schemeClr val="accent1"/>
-                  </a:fgClr>
-                  <a:bgClr>
-                    <a:schemeClr val="accent1">
-                      <a:lumMod val="20000"/>
-                      <a:lumOff val="80000"/>
-                    </a:schemeClr>
-                  </a:bgClr>
-                </a:pattFill>
-                <a:effectLst>
-                  <a:outerShdw dist="38100" dir="2640000" algn="bl" rotWithShape="0">
-                    <a:schemeClr val="accent1"/>
-                  </a:outerShdw>
-                </a:effectLst>
-              </a:rPr>
-              <a:t>成本</a:t>
-            </a:r>
-            <a:r>
-              <a:rPr lang="zh-CN" altLang="en-US"/>
-              <a:t> 如果缓存对象有不同的成本，应该把那些难以获得的对象保存下来</a:t>
-            </a:r>
-            <a:endParaRPr lang="zh-CN" altLang="en-US"/>
-          </a:p>
-          <a:p>
-            <a:endParaRPr lang="zh-CN" altLang="en-US"/>
-          </a:p>
-          <a:p>
-            <a:r>
-              <a:rPr lang="zh-CN" altLang="en-US">
-                <a:ln w="12700">
-                  <a:solidFill>
-                    <a:schemeClr val="accent1"/>
-                  </a:solidFill>
-                  <a:prstDash val="solid"/>
-                </a:ln>
-                <a:pattFill prst="pct50">
-                  <a:fgClr>
-                    <a:schemeClr val="accent1"/>
-                  </a:fgClr>
-                  <a:bgClr>
-                    <a:schemeClr val="accent1">
-                      <a:lumMod val="20000"/>
-                      <a:lumOff val="80000"/>
-                    </a:schemeClr>
-                  </a:bgClr>
-                </a:pattFill>
-                <a:effectLst>
-                  <a:outerShdw dist="38100" dir="2640000" algn="bl" rotWithShape="0">
-                    <a:schemeClr val="accent1"/>
-                  </a:outerShdw>
-                </a:effectLst>
-              </a:rPr>
-              <a:t>容量</a:t>
-            </a:r>
-            <a:r>
-              <a:rPr lang="zh-CN" altLang="en-US"/>
-              <a:t> 如果缓存对象有不同的大小，应该把那些大的缓存对象清除，这样就可以让更多的小缓存对象进来了</a:t>
-            </a:r>
-            <a:endParaRPr lang="zh-CN" altLang="en-US"/>
-          </a:p>
-          <a:p>
-            <a:endParaRPr lang="zh-CN" altLang="en-US"/>
-          </a:p>
-          <a:p>
-            <a:r>
-              <a:rPr lang="zh-CN" altLang="en-US">
-                <a:ln w="12700">
-                  <a:solidFill>
-                    <a:schemeClr val="accent1"/>
-                  </a:solidFill>
-                  <a:prstDash val="solid"/>
-                </a:ln>
-                <a:pattFill prst="pct50">
-                  <a:fgClr>
-                    <a:schemeClr val="accent1"/>
-                  </a:fgClr>
-                  <a:bgClr>
-                    <a:schemeClr val="accent1">
-                      <a:lumMod val="20000"/>
-                      <a:lumOff val="80000"/>
-                    </a:schemeClr>
-                  </a:bgClr>
-                </a:pattFill>
-                <a:effectLst>
-                  <a:outerShdw dist="38100" dir="2640000" algn="bl" rotWithShape="0">
-                    <a:schemeClr val="accent1"/>
-                  </a:outerShdw>
-                </a:effectLst>
-              </a:rPr>
-              <a:t>时间</a:t>
-            </a:r>
-            <a:r>
-              <a:rPr lang="zh-CN" altLang="en-US"/>
-              <a:t> 一些缓存还保存着缓存的过期时间。电脑会失效他们，因为他们已经过期了</a:t>
-            </a:r>
-            <a:endParaRPr lang="zh-CN" altLang="en-US"/>
-          </a:p>
-        </p:txBody>
-      </p:sp>
-    </p:spTree>
-  </p:cSld>
-  <p:clrMapOvr>
-    <a:masterClrMapping/>
-  </p:clrMapOvr>
-  <mc:AlternateContent xmlns:mc="http://schemas.openxmlformats.org/markup-compatibility/2006">
-    <mc:Choice xmlns:p14="http://schemas.microsoft.com/office/powerpoint/2010/main" Requires="p14">
-      <p:transition spd="slow" p14:dur="1500">
-        <p:random/>
-      </p:transition>
-    </mc:Choice>
-    <mc:Fallback>
-      <p:transition spd="slow">
-        <p:random/>
-      </p:transition>
-    </mc:Fallback>
-  </mc:AlternateContent>
-  <p:timing>
-    <p:tnLst>
-      <p:par>
-        <p:cTn id="1" dur="indefinite" restart="never" nodeType="tmRoot">
-          <p:childTnLst>
-            <p:seq concurrent="1" nextAc="seek">
-              <p:cTn id="2" dur="indefinite" nodeType="mainSeq">
-                <p:childTnLst>
-                  <p:par>
-                    <p:cTn id="3" fill="hold">
-                      <p:stCondLst>
-                        <p:cond delay="indefinite"/>
-                        <p:cond evt="onBegin" delay="0">
-                          <p:tn val="2"/>
-                        </p:cond>
-                      </p:stCondLst>
-                      <p:childTnLst>
-                        <p:par>
-                          <p:cTn id="4" fill="hold">
-                            <p:stCondLst>
-                              <p:cond delay="0"/>
-                            </p:stCondLst>
-                            <p:childTnLst>
-                              <p:par>
-                                <p:cTn id="5" presetID="0" presetClass="entr" presetSubtype="0" fill="hold" nodeType="withEffect">
-                                  <p:stCondLst>
-                                    <p:cond delay="0"/>
-                                  </p:stCondLst>
-                                  <p:iterate type="lt">
-                                    <p:tmPct val="10000"/>
-                                  </p:iterate>
-                                  <p:childTnLst>
-                                    <p:set>
-                                      <p:cBhvr>
-                                        <p:cTn id="6" dur="1" fill="hold">
-                                          <p:stCondLst>
-                                            <p:cond delay="0"/>
-                                          </p:stCondLst>
-                                        </p:cTn>
-                                        <p:tgtEl>
-                                          <p:spTgt spid="2"/>
-                                        </p:tgtEl>
-                                        <p:attrNameLst>
-                                          <p:attrName>style.visibility</p:attrName>
-                                        </p:attrNameLst>
-                                      </p:cBhvr>
-                                      <p:to>
-                                        <p:strVal val="visible"/>
-                                      </p:to>
-                                    </p:set>
-                                    <p:anim to="" calcmode="lin" valueType="num">
-                                      <p:cBhvr>
-                                        <p:cTn id="7" dur="700" fill="hold">
-                                          <p:stCondLst>
-                                            <p:cond delay="0"/>
-                                          </p:stCondLst>
-                                        </p:cTn>
-                                        <p:tgtEl>
-                                          <p:spTgt spid="2"/>
-                                        </p:tgtEl>
-                                        <p:attrNameLst>
-                                          <p:attrName>ppt_x</p:attrName>
-                                        </p:attrNameLst>
-                                      </p:cBhvr>
-                                      <p:tavLst>
-                                        <p:tav tm="0" fmla="#ppt_x-(-#ppt_w/2*cos(ppt_r/180*pi))*((1.5-1.5*$)^2-(1.5-1.5*$)^3)">
-                                          <p:val>
-                                            <p:fltVal val="0"/>
-                                          </p:val>
-                                        </p:tav>
-                                        <p:tav tm="100000">
-                                          <p:val>
-                                            <p:fltVal val="1"/>
-                                          </p:val>
-                                        </p:tav>
-                                      </p:tavLst>
-                                    </p:anim>
-                                    <p:anim to="" calcmode="lin" valueType="num">
-                                      <p:cBhvr>
-                                        <p:cTn id="8" dur="700" fill="hold">
-                                          <p:stCondLst>
-                                            <p:cond delay="0"/>
-                                          </p:stCondLst>
-                                        </p:cTn>
-                                        <p:tgtEl>
-                                          <p:spTgt spid="2"/>
-                                        </p:tgtEl>
-                                        <p:attrNameLst>
-                                          <p:attrName>ppt_y</p:attrName>
-                                        </p:attrNameLst>
-                                      </p:cBhvr>
-                                      <p:tavLst>
-                                        <p:tav tm="0" fmla="#ppt_y+(-#ppt_h/2*cos(ppt_r/180*pi))*((1.5-1.5*$)^2-(1.5-1.5*$)^3)">
-                                          <p:val>
-                                            <p:fltVal val="0"/>
-                                          </p:val>
-                                        </p:tav>
-                                        <p:tav tm="100000">
-                                          <p:val>
-                                            <p:fltVal val="1"/>
-                                          </p:val>
-                                        </p:tav>
-                                      </p:tavLst>
-                                    </p:anim>
-                                    <p:anim to="" calcmode="lin" valueType="num">
-                                      <p:cBhvr>
-                                        <p:cTn id="9" dur="700" fill="hold">
-                                          <p:stCondLst>
-                                            <p:cond delay="0"/>
-                                          </p:stCondLst>
-                                        </p:cTn>
-                                        <p:tgtEl>
-                                          <p:spTgt spid="2"/>
-                                        </p:tgtEl>
-                                        <p:attrNameLst>
-                                          <p:attrName>ppt_h</p:attrName>
-                                        </p:attrNameLst>
-                                      </p:cBhvr>
-                                      <p:tavLst>
-                                        <p:tav tm="0" fmla="#ppt_h-(-#ppt_h)*((1.5-1.5*$)^2-(1.5-1.5*$)^3)">
-                                          <p:val>
-                                            <p:fltVal val="0"/>
-                                          </p:val>
-                                        </p:tav>
-                                        <p:tav tm="100000">
-                                          <p:val>
-                                            <p:fltVal val="1"/>
-                                          </p:val>
-                                        </p:tav>
-                                      </p:tavLst>
-                                    </p:anim>
-                                    <p:anim to="" calcmode="lin" valueType="num">
-                                      <p:cBhvr>
-                                        <p:cTn id="10" dur="700" fill="hold">
-                                          <p:stCondLst>
-                                            <p:cond delay="0"/>
-                                          </p:stCondLst>
-                                        </p:cTn>
-                                        <p:tgtEl>
-                                          <p:spTgt spid="2"/>
-                                        </p:tgtEl>
-                                        <p:attrNameLst>
-                                          <p:attrName>ppt_w</p:attrName>
-                                        </p:attrNameLst>
-                                      </p:cBhvr>
-                                      <p:tavLst>
-                                        <p:tav tm="0" fmla="#ppt_w-(-#ppt_w)*((1.5-1.5*$)^2-(1.5-1.5*$)^3)">
-                                          <p:val>
-                                            <p:fltVal val="0"/>
-                                          </p:val>
-                                        </p:tav>
-                                        <p:tav tm="100000">
-                                          <p:val>
-                                            <p:fltVal val="1"/>
-                                          </p:val>
-                                        </p:tav>
-                                      </p:tavLst>
-                                    </p:anim>
-                                  </p:childTnLst>
-                                </p:cTn>
-                              </p:par>
-                            </p:childTnLst>
-                          </p:cTn>
-                        </p:par>
-                      </p:childTnLst>
-                    </p:cTn>
-                  </p:par>
-                </p:childTnLst>
-              </p:cTn>
-              <p:prevCondLst>
-                <p:cond evt="onPrev" delay="0">
-                  <p:tgtEl>
-                    <p:sldTgt/>
-                  </p:tgtEl>
-                </p:cond>
-              </p:prevCondLst>
-              <p:nextCondLst>
-                <p:cond evt="onNext" delay="0">
-                  <p:tgtEl>
-                    <p:sldTgt/>
-                  </p:tgtEl>
-                </p:cond>
-              </p:nextCondLst>
-            </p:seq>
-          </p:childTnLst>
-        </p:cTn>
-      </p:par>
-    </p:tnLst>
-  </p:timing>
-</p:sld>
-</file>
-
 <file path=ppt/tags/tag1.xml><?xml version="1.0" encoding="utf-8"?>
 <p:tagLst xmlns:p="http://schemas.openxmlformats.org/presentationml/2006/main">
   <p:tag name="PA" val="v4.1.3"/>
@@ -47009,6 +47707,12 @@
 </file>
 
 <file path=ppt/tags/tag68.xml><?xml version="1.0" encoding="utf-8"?>
+<p:tagLst xmlns:p="http://schemas.openxmlformats.org/presentationml/2006/main">
+  <p:tag name="PA" val="v4.1.3"/>
+</p:tagLst>
+</file>
+
+<file path=ppt/tags/tag69.xml><?xml version="1.0" encoding="utf-8"?>
 <p:tagLst xmlns:p="http://schemas.openxmlformats.org/presentationml/2006/main">
   <p:tag name="PA" val="v4.1.3"/>
 </p:tagLst>
